--- a/Slides/2_Funciones.pptx
+++ b/Slides/2_Funciones.pptx
@@ -5,16 +5,20 @@
     <p:sldMasterId id="2147483672" r:id="rId1"/>
   </p:sldMasterIdLst>
   <p:notesMasterIdLst>
-    <p:notesMasterId r:id="rId9"/>
+    <p:notesMasterId r:id="rId13"/>
   </p:notesMasterIdLst>
   <p:sldIdLst>
     <p:sldId id="257" r:id="rId2"/>
     <p:sldId id="300" r:id="rId3"/>
-    <p:sldId id="331" r:id="rId4"/>
-    <p:sldId id="332" r:id="rId5"/>
-    <p:sldId id="333" r:id="rId6"/>
-    <p:sldId id="344" r:id="rId7"/>
-    <p:sldId id="343" r:id="rId8"/>
+    <p:sldId id="345" r:id="rId4"/>
+    <p:sldId id="346" r:id="rId5"/>
+    <p:sldId id="347" r:id="rId6"/>
+    <p:sldId id="349" r:id="rId7"/>
+    <p:sldId id="348" r:id="rId8"/>
+    <p:sldId id="331" r:id="rId9"/>
+    <p:sldId id="332" r:id="rId10"/>
+    <p:sldId id="344" r:id="rId11"/>
+    <p:sldId id="343" r:id="rId12"/>
   </p:sldIdLst>
   <p:sldSz cx="13817600" cy="7772400"/>
   <p:notesSz cx="6858000" cy="9144000"/>
@@ -132,8 +136,696 @@
 </p:presentation>
 </file>
 
-<file path=ppt/revisionInfo.xml><?xml version="1.0" encoding="utf-8"?>
-<p1510:revInfo xmlns:a="http://schemas.openxmlformats.org/drawingml/2006/main" xmlns:r="http://schemas.openxmlformats.org/officeDocument/2006/relationships" xmlns:p1510="http://schemas.microsoft.com/office/powerpoint/2015/10/main"/>
+<file path=ppt/changesInfos/changesInfo1.xml><?xml version="1.0" encoding="utf-8"?>
+<pc:chgInfo xmlns:a="http://schemas.openxmlformats.org/drawingml/2006/main" xmlns:r="http://schemas.openxmlformats.org/officeDocument/2006/relationships" xmlns:ac="http://schemas.microsoft.com/office/drawing/2013/main/command" xmlns:pc="http://schemas.microsoft.com/office/powerpoint/2013/main/command">
+  <pc:docChgLst>
+    <pc:chgData name="Cesar Augusto Lopez Gallego" userId="0dfa9112-9251-4882-b472-cf2dfcee09d1" providerId="ADAL" clId="{8526969E-DCD0-46F9-A257-CA6320D7FEB1}"/>
+    <pc:docChg chg="undo custSel addSld delSld modSld">
+      <pc:chgData name="Cesar Augusto Lopez Gallego" userId="0dfa9112-9251-4882-b472-cf2dfcee09d1" providerId="ADAL" clId="{8526969E-DCD0-46F9-A257-CA6320D7FEB1}" dt="2024-07-23T14:45:30.327" v="3231" actId="47"/>
+      <pc:docMkLst>
+        <pc:docMk/>
+      </pc:docMkLst>
+      <pc:sldChg chg="modSp mod">
+        <pc:chgData name="Cesar Augusto Lopez Gallego" userId="0dfa9112-9251-4882-b472-cf2dfcee09d1" providerId="ADAL" clId="{8526969E-DCD0-46F9-A257-CA6320D7FEB1}" dt="2024-07-23T13:01:30.457" v="9" actId="20577"/>
+        <pc:sldMkLst>
+          <pc:docMk/>
+          <pc:sldMk cId="819288712" sldId="300"/>
+        </pc:sldMkLst>
+        <pc:spChg chg="mod">
+          <ac:chgData name="Cesar Augusto Lopez Gallego" userId="0dfa9112-9251-4882-b472-cf2dfcee09d1" providerId="ADAL" clId="{8526969E-DCD0-46F9-A257-CA6320D7FEB1}" dt="2024-07-23T13:01:27.047" v="8" actId="20577"/>
+          <ac:spMkLst>
+            <pc:docMk/>
+            <pc:sldMk cId="819288712" sldId="300"/>
+            <ac:spMk id="5" creationId="{00000000-0000-0000-0000-000000000000}"/>
+          </ac:spMkLst>
+        </pc:spChg>
+        <pc:spChg chg="mod">
+          <ac:chgData name="Cesar Augusto Lopez Gallego" userId="0dfa9112-9251-4882-b472-cf2dfcee09d1" providerId="ADAL" clId="{8526969E-DCD0-46F9-A257-CA6320D7FEB1}" dt="2024-07-23T13:01:30.457" v="9" actId="20577"/>
+          <ac:spMkLst>
+            <pc:docMk/>
+            <pc:sldMk cId="819288712" sldId="300"/>
+            <ac:spMk id="6" creationId="{00000000-0000-0000-0000-000000000000}"/>
+          </ac:spMkLst>
+        </pc:spChg>
+      </pc:sldChg>
+      <pc:sldChg chg="addSp modSp mod">
+        <pc:chgData name="Cesar Augusto Lopez Gallego" userId="0dfa9112-9251-4882-b472-cf2dfcee09d1" providerId="ADAL" clId="{8526969E-DCD0-46F9-A257-CA6320D7FEB1}" dt="2024-07-23T14:45:11.101" v="3219" actId="14100"/>
+        <pc:sldMkLst>
+          <pc:docMk/>
+          <pc:sldMk cId="81773568" sldId="331"/>
+        </pc:sldMkLst>
+        <pc:spChg chg="mod">
+          <ac:chgData name="Cesar Augusto Lopez Gallego" userId="0dfa9112-9251-4882-b472-cf2dfcee09d1" providerId="ADAL" clId="{8526969E-DCD0-46F9-A257-CA6320D7FEB1}" dt="2024-07-23T13:01:52.745" v="60" actId="404"/>
+          <ac:spMkLst>
+            <pc:docMk/>
+            <pc:sldMk cId="81773568" sldId="331"/>
+            <ac:spMk id="2" creationId="{77A4A303-FE82-4D74-A7B3-A2409F00E483}"/>
+          </ac:spMkLst>
+        </pc:spChg>
+        <pc:spChg chg="mod">
+          <ac:chgData name="Cesar Augusto Lopez Gallego" userId="0dfa9112-9251-4882-b472-cf2dfcee09d1" providerId="ADAL" clId="{8526969E-DCD0-46F9-A257-CA6320D7FEB1}" dt="2024-07-23T13:02:31.036" v="96" actId="207"/>
+          <ac:spMkLst>
+            <pc:docMk/>
+            <pc:sldMk cId="81773568" sldId="331"/>
+            <ac:spMk id="3" creationId="{489B1C32-3B01-4672-9BFA-550F4B10F29C}"/>
+          </ac:spMkLst>
+        </pc:spChg>
+        <pc:spChg chg="mod">
+          <ac:chgData name="Cesar Augusto Lopez Gallego" userId="0dfa9112-9251-4882-b472-cf2dfcee09d1" providerId="ADAL" clId="{8526969E-DCD0-46F9-A257-CA6320D7FEB1}" dt="2024-07-23T14:45:11.101" v="3219" actId="14100"/>
+          <ac:spMkLst>
+            <pc:docMk/>
+            <pc:sldMk cId="81773568" sldId="331"/>
+            <ac:spMk id="4" creationId="{6513AFB0-2F6E-49D5-9B85-E72C7716D1AB}"/>
+          </ac:spMkLst>
+        </pc:spChg>
+        <pc:spChg chg="mod">
+          <ac:chgData name="Cesar Augusto Lopez Gallego" userId="0dfa9112-9251-4882-b472-cf2dfcee09d1" providerId="ADAL" clId="{8526969E-DCD0-46F9-A257-CA6320D7FEB1}" dt="2024-07-23T14:44:54.530" v="3216" actId="1076"/>
+          <ac:spMkLst>
+            <pc:docMk/>
+            <pc:sldMk cId="81773568" sldId="331"/>
+            <ac:spMk id="5" creationId="{932C8AB7-22E6-4174-A50A-329787BA46A9}"/>
+          </ac:spMkLst>
+        </pc:spChg>
+        <pc:spChg chg="mod">
+          <ac:chgData name="Cesar Augusto Lopez Gallego" userId="0dfa9112-9251-4882-b472-cf2dfcee09d1" providerId="ADAL" clId="{8526969E-DCD0-46F9-A257-CA6320D7FEB1}" dt="2024-07-23T14:43:52.560" v="3183" actId="20577"/>
+          <ac:spMkLst>
+            <pc:docMk/>
+            <pc:sldMk cId="81773568" sldId="331"/>
+            <ac:spMk id="6" creationId="{E00F02A1-C857-40B0-84E3-C879AE45FFE8}"/>
+          </ac:spMkLst>
+        </pc:spChg>
+        <pc:spChg chg="mod">
+          <ac:chgData name="Cesar Augusto Lopez Gallego" userId="0dfa9112-9251-4882-b472-cf2dfcee09d1" providerId="ADAL" clId="{8526969E-DCD0-46F9-A257-CA6320D7FEB1}" dt="2024-07-23T14:44:50.757" v="3215" actId="1076"/>
+          <ac:spMkLst>
+            <pc:docMk/>
+            <pc:sldMk cId="81773568" sldId="331"/>
+            <ac:spMk id="7" creationId="{835CA61F-8CE8-43EB-A912-4BC0C9284C58}"/>
+          </ac:spMkLst>
+        </pc:spChg>
+        <pc:spChg chg="mod">
+          <ac:chgData name="Cesar Augusto Lopez Gallego" userId="0dfa9112-9251-4882-b472-cf2dfcee09d1" providerId="ADAL" clId="{8526969E-DCD0-46F9-A257-CA6320D7FEB1}" dt="2024-07-23T14:43:39.429" v="3158" actId="1076"/>
+          <ac:spMkLst>
+            <pc:docMk/>
+            <pc:sldMk cId="81773568" sldId="331"/>
+            <ac:spMk id="8" creationId="{97064AFC-3BBE-4E9B-A1CD-470429774C3D}"/>
+          </ac:spMkLst>
+        </pc:spChg>
+        <pc:spChg chg="add mod">
+          <ac:chgData name="Cesar Augusto Lopez Gallego" userId="0dfa9112-9251-4882-b472-cf2dfcee09d1" providerId="ADAL" clId="{8526969E-DCD0-46F9-A257-CA6320D7FEB1}" dt="2024-07-23T14:44:11.310" v="3201" actId="1076"/>
+          <ac:spMkLst>
+            <pc:docMk/>
+            <pc:sldMk cId="81773568" sldId="331"/>
+            <ac:spMk id="9" creationId="{6DBCCCEB-770A-4F6E-894B-84E092896755}"/>
+          </ac:spMkLst>
+        </pc:spChg>
+        <pc:spChg chg="add mod">
+          <ac:chgData name="Cesar Augusto Lopez Gallego" userId="0dfa9112-9251-4882-b472-cf2dfcee09d1" providerId="ADAL" clId="{8526969E-DCD0-46F9-A257-CA6320D7FEB1}" dt="2024-07-23T14:45:03.646" v="3218" actId="1076"/>
+          <ac:spMkLst>
+            <pc:docMk/>
+            <pc:sldMk cId="81773568" sldId="331"/>
+            <ac:spMk id="10" creationId="{58F7C00B-6CAB-4279-9DD6-70D9581B88BF}"/>
+          </ac:spMkLst>
+        </pc:spChg>
+      </pc:sldChg>
+      <pc:sldChg chg="modSp add del mod">
+        <pc:chgData name="Cesar Augusto Lopez Gallego" userId="0dfa9112-9251-4882-b472-cf2dfcee09d1" providerId="ADAL" clId="{8526969E-DCD0-46F9-A257-CA6320D7FEB1}" dt="2024-07-23T14:45:20.861" v="3230" actId="20577"/>
+        <pc:sldMkLst>
+          <pc:docMk/>
+          <pc:sldMk cId="815665009" sldId="332"/>
+        </pc:sldMkLst>
+        <pc:spChg chg="mod">
+          <ac:chgData name="Cesar Augusto Lopez Gallego" userId="0dfa9112-9251-4882-b472-cf2dfcee09d1" providerId="ADAL" clId="{8526969E-DCD0-46F9-A257-CA6320D7FEB1}" dt="2024-07-23T14:45:20.861" v="3230" actId="20577"/>
+          <ac:spMkLst>
+            <pc:docMk/>
+            <pc:sldMk cId="815665009" sldId="332"/>
+            <ac:spMk id="2" creationId="{1E0ECD6D-4D34-4111-A036-1573005B3027}"/>
+          </ac:spMkLst>
+        </pc:spChg>
+      </pc:sldChg>
+      <pc:sldChg chg="del">
+        <pc:chgData name="Cesar Augusto Lopez Gallego" userId="0dfa9112-9251-4882-b472-cf2dfcee09d1" providerId="ADAL" clId="{8526969E-DCD0-46F9-A257-CA6320D7FEB1}" dt="2024-07-23T14:45:30.327" v="3231" actId="47"/>
+        <pc:sldMkLst>
+          <pc:docMk/>
+          <pc:sldMk cId="1132471970" sldId="333"/>
+        </pc:sldMkLst>
+      </pc:sldChg>
+      <pc:sldChg chg="modSp mod">
+        <pc:chgData name="Cesar Augusto Lopez Gallego" userId="0dfa9112-9251-4882-b472-cf2dfcee09d1" providerId="ADAL" clId="{8526969E-DCD0-46F9-A257-CA6320D7FEB1}" dt="2024-07-23T13:03:42.617" v="115" actId="27636"/>
+        <pc:sldMkLst>
+          <pc:docMk/>
+          <pc:sldMk cId="3794522921" sldId="344"/>
+        </pc:sldMkLst>
+        <pc:spChg chg="mod">
+          <ac:chgData name="Cesar Augusto Lopez Gallego" userId="0dfa9112-9251-4882-b472-cf2dfcee09d1" providerId="ADAL" clId="{8526969E-DCD0-46F9-A257-CA6320D7FEB1}" dt="2024-07-23T13:03:42.617" v="115" actId="27636"/>
+          <ac:spMkLst>
+            <pc:docMk/>
+            <pc:sldMk cId="3794522921" sldId="344"/>
+            <ac:spMk id="3" creationId="{0988B930-7D03-4921-AABC-62601C83CBE3}"/>
+          </ac:spMkLst>
+        </pc:spChg>
+      </pc:sldChg>
+      <pc:sldChg chg="addSp modSp new mod modAnim">
+        <pc:chgData name="Cesar Augusto Lopez Gallego" userId="0dfa9112-9251-4882-b472-cf2dfcee09d1" providerId="ADAL" clId="{8526969E-DCD0-46F9-A257-CA6320D7FEB1}" dt="2024-07-23T13:33:38.046" v="1211" actId="1076"/>
+        <pc:sldMkLst>
+          <pc:docMk/>
+          <pc:sldMk cId="1556975535" sldId="345"/>
+        </pc:sldMkLst>
+        <pc:spChg chg="mod">
+          <ac:chgData name="Cesar Augusto Lopez Gallego" userId="0dfa9112-9251-4882-b472-cf2dfcee09d1" providerId="ADAL" clId="{8526969E-DCD0-46F9-A257-CA6320D7FEB1}" dt="2024-07-23T13:33:35.698" v="1210" actId="14100"/>
+          <ac:spMkLst>
+            <pc:docMk/>
+            <pc:sldMk cId="1556975535" sldId="345"/>
+            <ac:spMk id="2" creationId="{C247EADE-492C-4465-859C-B3CA20EB9D17}"/>
+          </ac:spMkLst>
+        </pc:spChg>
+        <pc:spChg chg="add mod">
+          <ac:chgData name="Cesar Augusto Lopez Gallego" userId="0dfa9112-9251-4882-b472-cf2dfcee09d1" providerId="ADAL" clId="{8526969E-DCD0-46F9-A257-CA6320D7FEB1}" dt="2024-07-23T13:33:38.046" v="1211" actId="1076"/>
+          <ac:spMkLst>
+            <pc:docMk/>
+            <pc:sldMk cId="1556975535" sldId="345"/>
+            <ac:spMk id="3" creationId="{107C17DF-F21B-4B6E-9EAB-EE943FE80FFB}"/>
+          </ac:spMkLst>
+        </pc:spChg>
+        <pc:spChg chg="add mod">
+          <ac:chgData name="Cesar Augusto Lopez Gallego" userId="0dfa9112-9251-4882-b472-cf2dfcee09d1" providerId="ADAL" clId="{8526969E-DCD0-46F9-A257-CA6320D7FEB1}" dt="2024-07-23T13:12:04.362" v="809" actId="20577"/>
+          <ac:spMkLst>
+            <pc:docMk/>
+            <pc:sldMk cId="1556975535" sldId="345"/>
+            <ac:spMk id="4" creationId="{A8FB84F7-E7D6-4D16-B6C5-2999D84DB5EC}"/>
+          </ac:spMkLst>
+        </pc:spChg>
+        <pc:spChg chg="add mod">
+          <ac:chgData name="Cesar Augusto Lopez Gallego" userId="0dfa9112-9251-4882-b472-cf2dfcee09d1" providerId="ADAL" clId="{8526969E-DCD0-46F9-A257-CA6320D7FEB1}" dt="2024-07-23T13:29:20.946" v="909" actId="1076"/>
+          <ac:spMkLst>
+            <pc:docMk/>
+            <pc:sldMk cId="1556975535" sldId="345"/>
+            <ac:spMk id="5" creationId="{5E88ECD4-4254-40D7-ABCA-107585864AFB}"/>
+          </ac:spMkLst>
+        </pc:spChg>
+        <pc:spChg chg="add mod">
+          <ac:chgData name="Cesar Augusto Lopez Gallego" userId="0dfa9112-9251-4882-b472-cf2dfcee09d1" providerId="ADAL" clId="{8526969E-DCD0-46F9-A257-CA6320D7FEB1}" dt="2024-07-23T13:31:20.234" v="1199" actId="1076"/>
+          <ac:spMkLst>
+            <pc:docMk/>
+            <pc:sldMk cId="1556975535" sldId="345"/>
+            <ac:spMk id="6" creationId="{692B63A4-F74F-420F-98C4-A7B442444BE8}"/>
+          </ac:spMkLst>
+        </pc:spChg>
+        <pc:picChg chg="add mod">
+          <ac:chgData name="Cesar Augusto Lopez Gallego" userId="0dfa9112-9251-4882-b472-cf2dfcee09d1" providerId="ADAL" clId="{8526969E-DCD0-46F9-A257-CA6320D7FEB1}" dt="2024-07-23T13:31:16.346" v="1198" actId="1076"/>
+          <ac:picMkLst>
+            <pc:docMk/>
+            <pc:sldMk cId="1556975535" sldId="345"/>
+            <ac:picMk id="8" creationId="{5E9429E8-2891-45B6-AF1F-70A7B4F827AF}"/>
+          </ac:picMkLst>
+        </pc:picChg>
+      </pc:sldChg>
+      <pc:sldChg chg="addSp delSp modSp new mod">
+        <pc:chgData name="Cesar Augusto Lopez Gallego" userId="0dfa9112-9251-4882-b472-cf2dfcee09d1" providerId="ADAL" clId="{8526969E-DCD0-46F9-A257-CA6320D7FEB1}" dt="2024-07-23T13:38:08.369" v="1564" actId="1076"/>
+        <pc:sldMkLst>
+          <pc:docMk/>
+          <pc:sldMk cId="2902176522" sldId="346"/>
+        </pc:sldMkLst>
+        <pc:spChg chg="del mod">
+          <ac:chgData name="Cesar Augusto Lopez Gallego" userId="0dfa9112-9251-4882-b472-cf2dfcee09d1" providerId="ADAL" clId="{8526969E-DCD0-46F9-A257-CA6320D7FEB1}" dt="2024-07-23T13:32:48.459" v="1209" actId="478"/>
+          <ac:spMkLst>
+            <pc:docMk/>
+            <pc:sldMk cId="2902176522" sldId="346"/>
+            <ac:spMk id="2" creationId="{49232946-83C9-414E-A8C1-5642E855305A}"/>
+          </ac:spMkLst>
+        </pc:spChg>
+        <pc:spChg chg="add del mod">
+          <ac:chgData name="Cesar Augusto Lopez Gallego" userId="0dfa9112-9251-4882-b472-cf2dfcee09d1" providerId="ADAL" clId="{8526969E-DCD0-46F9-A257-CA6320D7FEB1}" dt="2024-07-23T13:34:02.783" v="1212" actId="478"/>
+          <ac:spMkLst>
+            <pc:docMk/>
+            <pc:sldMk cId="2902176522" sldId="346"/>
+            <ac:spMk id="4" creationId="{5E69BFAA-71D4-48CA-BCB9-30D651C595DD}"/>
+          </ac:spMkLst>
+        </pc:spChg>
+        <pc:spChg chg="add mod">
+          <ac:chgData name="Cesar Augusto Lopez Gallego" userId="0dfa9112-9251-4882-b472-cf2dfcee09d1" providerId="ADAL" clId="{8526969E-DCD0-46F9-A257-CA6320D7FEB1}" dt="2024-07-23T13:34:03.255" v="1213"/>
+          <ac:spMkLst>
+            <pc:docMk/>
+            <pc:sldMk cId="2902176522" sldId="346"/>
+            <ac:spMk id="5" creationId="{8B02B7D0-777F-4EC3-A90A-DE06C40905D1}"/>
+          </ac:spMkLst>
+        </pc:spChg>
+        <pc:spChg chg="add mod">
+          <ac:chgData name="Cesar Augusto Lopez Gallego" userId="0dfa9112-9251-4882-b472-cf2dfcee09d1" providerId="ADAL" clId="{8526969E-DCD0-46F9-A257-CA6320D7FEB1}" dt="2024-07-23T13:35:53.427" v="1521" actId="113"/>
+          <ac:spMkLst>
+            <pc:docMk/>
+            <pc:sldMk cId="2902176522" sldId="346"/>
+            <ac:spMk id="6" creationId="{8D67C303-D58E-4691-B395-DC108351D8DD}"/>
+          </ac:spMkLst>
+        </pc:spChg>
+        <pc:spChg chg="add mod">
+          <ac:chgData name="Cesar Augusto Lopez Gallego" userId="0dfa9112-9251-4882-b472-cf2dfcee09d1" providerId="ADAL" clId="{8526969E-DCD0-46F9-A257-CA6320D7FEB1}" dt="2024-07-23T13:38:08.369" v="1564" actId="1076"/>
+          <ac:spMkLst>
+            <pc:docMk/>
+            <pc:sldMk cId="2902176522" sldId="346"/>
+            <ac:spMk id="7" creationId="{301E0B8B-BBEF-40E1-9A27-30BF13795DB4}"/>
+          </ac:spMkLst>
+        </pc:spChg>
+        <pc:picChg chg="add mod">
+          <ac:chgData name="Cesar Augusto Lopez Gallego" userId="0dfa9112-9251-4882-b472-cf2dfcee09d1" providerId="ADAL" clId="{8526969E-DCD0-46F9-A257-CA6320D7FEB1}" dt="2024-07-23T13:37:56.607" v="1563" actId="1076"/>
+          <ac:picMkLst>
+            <pc:docMk/>
+            <pc:sldMk cId="2902176522" sldId="346"/>
+            <ac:picMk id="9" creationId="{23A53681-D484-40C6-9DE5-B8127256B36D}"/>
+          </ac:picMkLst>
+        </pc:picChg>
+      </pc:sldChg>
+      <pc:sldChg chg="addSp delSp modSp new mod modAnim">
+        <pc:chgData name="Cesar Augusto Lopez Gallego" userId="0dfa9112-9251-4882-b472-cf2dfcee09d1" providerId="ADAL" clId="{8526969E-DCD0-46F9-A257-CA6320D7FEB1}" dt="2024-07-23T13:56:35.639" v="2674" actId="20577"/>
+        <pc:sldMkLst>
+          <pc:docMk/>
+          <pc:sldMk cId="3078981022" sldId="347"/>
+        </pc:sldMkLst>
+        <pc:spChg chg="del">
+          <ac:chgData name="Cesar Augusto Lopez Gallego" userId="0dfa9112-9251-4882-b472-cf2dfcee09d1" providerId="ADAL" clId="{8526969E-DCD0-46F9-A257-CA6320D7FEB1}" dt="2024-07-23T13:38:22.684" v="1566" actId="478"/>
+          <ac:spMkLst>
+            <pc:docMk/>
+            <pc:sldMk cId="3078981022" sldId="347"/>
+            <ac:spMk id="2" creationId="{F4D313E4-9ECB-43F5-885C-6F512C2CBDA8}"/>
+          </ac:spMkLst>
+        </pc:spChg>
+        <pc:spChg chg="add mod">
+          <ac:chgData name="Cesar Augusto Lopez Gallego" userId="0dfa9112-9251-4882-b472-cf2dfcee09d1" providerId="ADAL" clId="{8526969E-DCD0-46F9-A257-CA6320D7FEB1}" dt="2024-07-23T13:38:28.249" v="1567"/>
+          <ac:spMkLst>
+            <pc:docMk/>
+            <pc:sldMk cId="3078981022" sldId="347"/>
+            <ac:spMk id="3" creationId="{9B928FBB-9C00-4995-B3AB-B80F6803D125}"/>
+          </ac:spMkLst>
+        </pc:spChg>
+        <pc:spChg chg="add mod">
+          <ac:chgData name="Cesar Augusto Lopez Gallego" userId="0dfa9112-9251-4882-b472-cf2dfcee09d1" providerId="ADAL" clId="{8526969E-DCD0-46F9-A257-CA6320D7FEB1}" dt="2024-07-23T13:50:42.994" v="2080" actId="14100"/>
+          <ac:spMkLst>
+            <pc:docMk/>
+            <pc:sldMk cId="3078981022" sldId="347"/>
+            <ac:spMk id="8" creationId="{D3392E3E-31BE-42B5-946B-3A6E2F4CB248}"/>
+          </ac:spMkLst>
+        </pc:spChg>
+        <pc:spChg chg="add mod">
+          <ac:chgData name="Cesar Augusto Lopez Gallego" userId="0dfa9112-9251-4882-b472-cf2dfcee09d1" providerId="ADAL" clId="{8526969E-DCD0-46F9-A257-CA6320D7FEB1}" dt="2024-07-23T13:50:53.730" v="2087" actId="20577"/>
+          <ac:spMkLst>
+            <pc:docMk/>
+            <pc:sldMk cId="3078981022" sldId="347"/>
+            <ac:spMk id="9" creationId="{F6497035-DEBB-4B22-82B8-9A4D6A12B954}"/>
+          </ac:spMkLst>
+        </pc:spChg>
+        <pc:spChg chg="add mod">
+          <ac:chgData name="Cesar Augusto Lopez Gallego" userId="0dfa9112-9251-4882-b472-cf2dfcee09d1" providerId="ADAL" clId="{8526969E-DCD0-46F9-A257-CA6320D7FEB1}" dt="2024-07-23T13:46:58.179" v="1903" actId="113"/>
+          <ac:spMkLst>
+            <pc:docMk/>
+            <pc:sldMk cId="3078981022" sldId="347"/>
+            <ac:spMk id="12" creationId="{A54AE975-D31F-4EA4-9402-A70581BAEAD5}"/>
+          </ac:spMkLst>
+        </pc:spChg>
+        <pc:spChg chg="add mod">
+          <ac:chgData name="Cesar Augusto Lopez Gallego" userId="0dfa9112-9251-4882-b472-cf2dfcee09d1" providerId="ADAL" clId="{8526969E-DCD0-46F9-A257-CA6320D7FEB1}" dt="2024-07-23T13:46:37.709" v="1899" actId="113"/>
+          <ac:spMkLst>
+            <pc:docMk/>
+            <pc:sldMk cId="3078981022" sldId="347"/>
+            <ac:spMk id="17" creationId="{6B11AAF2-4D67-47A3-A437-D7F677D67108}"/>
+          </ac:spMkLst>
+        </pc:spChg>
+        <pc:spChg chg="add mod">
+          <ac:chgData name="Cesar Augusto Lopez Gallego" userId="0dfa9112-9251-4882-b472-cf2dfcee09d1" providerId="ADAL" clId="{8526969E-DCD0-46F9-A257-CA6320D7FEB1}" dt="2024-07-23T13:56:35.639" v="2674" actId="20577"/>
+          <ac:spMkLst>
+            <pc:docMk/>
+            <pc:sldMk cId="3078981022" sldId="347"/>
+            <ac:spMk id="18" creationId="{8D705203-0B48-4FFE-B1AD-5B5561878B57}"/>
+          </ac:spMkLst>
+        </pc:spChg>
+        <pc:picChg chg="add mod">
+          <ac:chgData name="Cesar Augusto Lopez Gallego" userId="0dfa9112-9251-4882-b472-cf2dfcee09d1" providerId="ADAL" clId="{8526969E-DCD0-46F9-A257-CA6320D7FEB1}" dt="2024-07-23T13:44:57.424" v="1816" actId="1076"/>
+          <ac:picMkLst>
+            <pc:docMk/>
+            <pc:sldMk cId="3078981022" sldId="347"/>
+            <ac:picMk id="5" creationId="{F4141D12-2FE3-4BB5-9EFE-C3B725696CFD}"/>
+          </ac:picMkLst>
+        </pc:picChg>
+        <pc:picChg chg="add mod">
+          <ac:chgData name="Cesar Augusto Lopez Gallego" userId="0dfa9112-9251-4882-b472-cf2dfcee09d1" providerId="ADAL" clId="{8526969E-DCD0-46F9-A257-CA6320D7FEB1}" dt="2024-07-23T13:41:19.196" v="1574" actId="1076"/>
+          <ac:picMkLst>
+            <pc:docMk/>
+            <pc:sldMk cId="3078981022" sldId="347"/>
+            <ac:picMk id="7" creationId="{73CEB764-1C07-4707-B8FA-7D138733C712}"/>
+          </ac:picMkLst>
+        </pc:picChg>
+        <pc:cxnChg chg="add mod">
+          <ac:chgData name="Cesar Augusto Lopez Gallego" userId="0dfa9112-9251-4882-b472-cf2dfcee09d1" providerId="ADAL" clId="{8526969E-DCD0-46F9-A257-CA6320D7FEB1}" dt="2024-07-23T13:47:11.989" v="1904" actId="1582"/>
+          <ac:cxnSpMkLst>
+            <pc:docMk/>
+            <pc:sldMk cId="3078981022" sldId="347"/>
+            <ac:cxnSpMk id="11" creationId="{6A30CFFA-80C4-4AB3-8EEC-B8937641F0E1}"/>
+          </ac:cxnSpMkLst>
+        </pc:cxnChg>
+        <pc:cxnChg chg="add mod">
+          <ac:chgData name="Cesar Augusto Lopez Gallego" userId="0dfa9112-9251-4882-b472-cf2dfcee09d1" providerId="ADAL" clId="{8526969E-DCD0-46F9-A257-CA6320D7FEB1}" dt="2024-07-23T13:47:14.803" v="1905" actId="1582"/>
+          <ac:cxnSpMkLst>
+            <pc:docMk/>
+            <pc:sldMk cId="3078981022" sldId="347"/>
+            <ac:cxnSpMk id="16" creationId="{F26C348B-7BF7-4453-B513-32714E32BCB9}"/>
+          </ac:cxnSpMkLst>
+        </pc:cxnChg>
+      </pc:sldChg>
+      <pc:sldChg chg="addSp delSp modSp new mod modAnim">
+        <pc:chgData name="Cesar Augusto Lopez Gallego" userId="0dfa9112-9251-4882-b472-cf2dfcee09d1" providerId="ADAL" clId="{8526969E-DCD0-46F9-A257-CA6320D7FEB1}" dt="2024-07-23T14:43:14.188" v="3141" actId="11529"/>
+        <pc:sldMkLst>
+          <pc:docMk/>
+          <pc:sldMk cId="2202594975" sldId="348"/>
+        </pc:sldMkLst>
+        <pc:spChg chg="del">
+          <ac:chgData name="Cesar Augusto Lopez Gallego" userId="0dfa9112-9251-4882-b472-cf2dfcee09d1" providerId="ADAL" clId="{8526969E-DCD0-46F9-A257-CA6320D7FEB1}" dt="2024-07-23T13:57:21.799" v="2676" actId="478"/>
+          <ac:spMkLst>
+            <pc:docMk/>
+            <pc:sldMk cId="2202594975" sldId="348"/>
+            <ac:spMk id="2" creationId="{96197F61-E8C4-49A0-81F1-81F142C03964}"/>
+          </ac:spMkLst>
+        </pc:spChg>
+        <pc:spChg chg="add mod">
+          <ac:chgData name="Cesar Augusto Lopez Gallego" userId="0dfa9112-9251-4882-b472-cf2dfcee09d1" providerId="ADAL" clId="{8526969E-DCD0-46F9-A257-CA6320D7FEB1}" dt="2024-07-23T13:57:22.393" v="2677"/>
+          <ac:spMkLst>
+            <pc:docMk/>
+            <pc:sldMk cId="2202594975" sldId="348"/>
+            <ac:spMk id="3" creationId="{9BD324AC-47BD-4E9A-B4F5-82937B795A15}"/>
+          </ac:spMkLst>
+        </pc:spChg>
+        <pc:spChg chg="add mod">
+          <ac:chgData name="Cesar Augusto Lopez Gallego" userId="0dfa9112-9251-4882-b472-cf2dfcee09d1" providerId="ADAL" clId="{8526969E-DCD0-46F9-A257-CA6320D7FEB1}" dt="2024-07-23T14:41:45.606" v="3070" actId="14100"/>
+          <ac:spMkLst>
+            <pc:docMk/>
+            <pc:sldMk cId="2202594975" sldId="348"/>
+            <ac:spMk id="4" creationId="{D58BACD7-A0B6-4DCE-B596-75881833D0BC}"/>
+          </ac:spMkLst>
+        </pc:spChg>
+        <pc:spChg chg="add mod">
+          <ac:chgData name="Cesar Augusto Lopez Gallego" userId="0dfa9112-9251-4882-b472-cf2dfcee09d1" providerId="ADAL" clId="{8526969E-DCD0-46F9-A257-CA6320D7FEB1}" dt="2024-07-23T14:41:36.141" v="3052" actId="1076"/>
+          <ac:spMkLst>
+            <pc:docMk/>
+            <pc:sldMk cId="2202594975" sldId="348"/>
+            <ac:spMk id="5" creationId="{487842ED-6856-4B4D-85E7-AD710063A458}"/>
+          </ac:spMkLst>
+        </pc:spChg>
+        <pc:spChg chg="add mod">
+          <ac:chgData name="Cesar Augusto Lopez Gallego" userId="0dfa9112-9251-4882-b472-cf2dfcee09d1" providerId="ADAL" clId="{8526969E-DCD0-46F9-A257-CA6320D7FEB1}" dt="2024-07-23T14:40:55.091" v="3017" actId="1076"/>
+          <ac:spMkLst>
+            <pc:docMk/>
+            <pc:sldMk cId="2202594975" sldId="348"/>
+            <ac:spMk id="6" creationId="{B31EC461-63CC-4FEA-A6BD-74378894C854}"/>
+          </ac:spMkLst>
+        </pc:spChg>
+        <pc:spChg chg="add mod">
+          <ac:chgData name="Cesar Augusto Lopez Gallego" userId="0dfa9112-9251-4882-b472-cf2dfcee09d1" providerId="ADAL" clId="{8526969E-DCD0-46F9-A257-CA6320D7FEB1}" dt="2024-07-23T14:41:12.566" v="3034" actId="6549"/>
+          <ac:spMkLst>
+            <pc:docMk/>
+            <pc:sldMk cId="2202594975" sldId="348"/>
+            <ac:spMk id="7" creationId="{8BF895B5-B545-409A-894E-B595CF986BCF}"/>
+          </ac:spMkLst>
+        </pc:spChg>
+        <pc:spChg chg="add mod">
+          <ac:chgData name="Cesar Augusto Lopez Gallego" userId="0dfa9112-9251-4882-b472-cf2dfcee09d1" providerId="ADAL" clId="{8526969E-DCD0-46F9-A257-CA6320D7FEB1}" dt="2024-07-23T14:41:29.616" v="3051" actId="20577"/>
+          <ac:spMkLst>
+            <pc:docMk/>
+            <pc:sldMk cId="2202594975" sldId="348"/>
+            <ac:spMk id="8" creationId="{8898184F-0510-42CB-8060-82832FE83B57}"/>
+          </ac:spMkLst>
+        </pc:spChg>
+        <pc:spChg chg="add mod">
+          <ac:chgData name="Cesar Augusto Lopez Gallego" userId="0dfa9112-9251-4882-b472-cf2dfcee09d1" providerId="ADAL" clId="{8526969E-DCD0-46F9-A257-CA6320D7FEB1}" dt="2024-07-23T14:42:43.738" v="3136" actId="1076"/>
+          <ac:spMkLst>
+            <pc:docMk/>
+            <pc:sldMk cId="2202594975" sldId="348"/>
+            <ac:spMk id="9" creationId="{656F7343-0CC7-4D4D-A933-5F759A831D0A}"/>
+          </ac:spMkLst>
+        </pc:spChg>
+        <pc:spChg chg="add mod">
+          <ac:chgData name="Cesar Augusto Lopez Gallego" userId="0dfa9112-9251-4882-b472-cf2dfcee09d1" providerId="ADAL" clId="{8526969E-DCD0-46F9-A257-CA6320D7FEB1}" dt="2024-07-23T14:42:43.738" v="3136" actId="1076"/>
+          <ac:spMkLst>
+            <pc:docMk/>
+            <pc:sldMk cId="2202594975" sldId="348"/>
+            <ac:spMk id="10" creationId="{CED468E4-0A7C-4667-A4A8-36BBB7B9FFD1}"/>
+          </ac:spMkLst>
+        </pc:spChg>
+        <pc:spChg chg="add mod">
+          <ac:chgData name="Cesar Augusto Lopez Gallego" userId="0dfa9112-9251-4882-b472-cf2dfcee09d1" providerId="ADAL" clId="{8526969E-DCD0-46F9-A257-CA6320D7FEB1}" dt="2024-07-23T14:42:43.738" v="3136" actId="1076"/>
+          <ac:spMkLst>
+            <pc:docMk/>
+            <pc:sldMk cId="2202594975" sldId="348"/>
+            <ac:spMk id="11" creationId="{B1369904-5730-4020-A069-A5AED6DD33A2}"/>
+          </ac:spMkLst>
+        </pc:spChg>
+        <pc:spChg chg="add mod">
+          <ac:chgData name="Cesar Augusto Lopez Gallego" userId="0dfa9112-9251-4882-b472-cf2dfcee09d1" providerId="ADAL" clId="{8526969E-DCD0-46F9-A257-CA6320D7FEB1}" dt="2024-07-23T14:42:30.741" v="3135" actId="1076"/>
+          <ac:spMkLst>
+            <pc:docMk/>
+            <pc:sldMk cId="2202594975" sldId="348"/>
+            <ac:spMk id="12" creationId="{6C4A624E-EAFB-435D-958E-D3A535C9F28B}"/>
+          </ac:spMkLst>
+        </pc:spChg>
+        <pc:cxnChg chg="add">
+          <ac:chgData name="Cesar Augusto Lopez Gallego" userId="0dfa9112-9251-4882-b472-cf2dfcee09d1" providerId="ADAL" clId="{8526969E-DCD0-46F9-A257-CA6320D7FEB1}" dt="2024-07-23T14:42:49.503" v="3137" actId="11529"/>
+          <ac:cxnSpMkLst>
+            <pc:docMk/>
+            <pc:sldMk cId="2202594975" sldId="348"/>
+            <ac:cxnSpMk id="14" creationId="{3E52D30B-0B99-457D-9B57-BC05BE80AB72}"/>
+          </ac:cxnSpMkLst>
+        </pc:cxnChg>
+        <pc:cxnChg chg="add">
+          <ac:chgData name="Cesar Augusto Lopez Gallego" userId="0dfa9112-9251-4882-b472-cf2dfcee09d1" providerId="ADAL" clId="{8526969E-DCD0-46F9-A257-CA6320D7FEB1}" dt="2024-07-23T14:42:57.181" v="3138" actId="11529"/>
+          <ac:cxnSpMkLst>
+            <pc:docMk/>
+            <pc:sldMk cId="2202594975" sldId="348"/>
+            <ac:cxnSpMk id="16" creationId="{4E3AB799-06C6-471F-9117-ABACC4FAC6D9}"/>
+          </ac:cxnSpMkLst>
+        </pc:cxnChg>
+        <pc:cxnChg chg="add">
+          <ac:chgData name="Cesar Augusto Lopez Gallego" userId="0dfa9112-9251-4882-b472-cf2dfcee09d1" providerId="ADAL" clId="{8526969E-DCD0-46F9-A257-CA6320D7FEB1}" dt="2024-07-23T14:43:04.030" v="3139" actId="11529"/>
+          <ac:cxnSpMkLst>
+            <pc:docMk/>
+            <pc:sldMk cId="2202594975" sldId="348"/>
+            <ac:cxnSpMk id="18" creationId="{CFB0B151-F005-41C6-A5B2-BC750CFE80F1}"/>
+          </ac:cxnSpMkLst>
+        </pc:cxnChg>
+        <pc:cxnChg chg="add">
+          <ac:chgData name="Cesar Augusto Lopez Gallego" userId="0dfa9112-9251-4882-b472-cf2dfcee09d1" providerId="ADAL" clId="{8526969E-DCD0-46F9-A257-CA6320D7FEB1}" dt="2024-07-23T14:43:08.263" v="3140" actId="11529"/>
+          <ac:cxnSpMkLst>
+            <pc:docMk/>
+            <pc:sldMk cId="2202594975" sldId="348"/>
+            <ac:cxnSpMk id="20" creationId="{92736E03-D1F9-4009-AD50-1C11ABFC7899}"/>
+          </ac:cxnSpMkLst>
+        </pc:cxnChg>
+        <pc:cxnChg chg="add">
+          <ac:chgData name="Cesar Augusto Lopez Gallego" userId="0dfa9112-9251-4882-b472-cf2dfcee09d1" providerId="ADAL" clId="{8526969E-DCD0-46F9-A257-CA6320D7FEB1}" dt="2024-07-23T14:43:14.188" v="3141" actId="11529"/>
+          <ac:cxnSpMkLst>
+            <pc:docMk/>
+            <pc:sldMk cId="2202594975" sldId="348"/>
+            <ac:cxnSpMk id="22" creationId="{E2C1ECA4-6687-4A2A-870A-DD4619A8D636}"/>
+          </ac:cxnSpMkLst>
+        </pc:cxnChg>
+      </pc:sldChg>
+      <pc:sldChg chg="addSp delSp modSp new mod modAnim">
+        <pc:chgData name="Cesar Augusto Lopez Gallego" userId="0dfa9112-9251-4882-b472-cf2dfcee09d1" providerId="ADAL" clId="{8526969E-DCD0-46F9-A257-CA6320D7FEB1}" dt="2024-07-23T14:39:39.477" v="2957" actId="14100"/>
+        <pc:sldMkLst>
+          <pc:docMk/>
+          <pc:sldMk cId="4150399364" sldId="349"/>
+        </pc:sldMkLst>
+        <pc:spChg chg="del">
+          <ac:chgData name="Cesar Augusto Lopez Gallego" userId="0dfa9112-9251-4882-b472-cf2dfcee09d1" providerId="ADAL" clId="{8526969E-DCD0-46F9-A257-CA6320D7FEB1}" dt="2024-07-23T14:37:29.087" v="2887" actId="478"/>
+          <ac:spMkLst>
+            <pc:docMk/>
+            <pc:sldMk cId="4150399364" sldId="349"/>
+            <ac:spMk id="2" creationId="{2E9F1F19-406F-41CC-8145-F79B1DAF12FF}"/>
+          </ac:spMkLst>
+        </pc:spChg>
+        <pc:spChg chg="add mod">
+          <ac:chgData name="Cesar Augusto Lopez Gallego" userId="0dfa9112-9251-4882-b472-cf2dfcee09d1" providerId="ADAL" clId="{8526969E-DCD0-46F9-A257-CA6320D7FEB1}" dt="2024-07-23T14:37:33.413" v="2888" actId="1076"/>
+          <ac:spMkLst>
+            <pc:docMk/>
+            <pc:sldMk cId="4150399364" sldId="349"/>
+            <ac:spMk id="5" creationId="{A9C2C4DA-19D0-44FC-A6A2-E70195A53398}"/>
+          </ac:spMkLst>
+        </pc:spChg>
+        <pc:spChg chg="add mod">
+          <ac:chgData name="Cesar Augusto Lopez Gallego" userId="0dfa9112-9251-4882-b472-cf2dfcee09d1" providerId="ADAL" clId="{8526969E-DCD0-46F9-A257-CA6320D7FEB1}" dt="2024-07-23T14:37:33.413" v="2888" actId="1076"/>
+          <ac:spMkLst>
+            <pc:docMk/>
+            <pc:sldMk cId="4150399364" sldId="349"/>
+            <ac:spMk id="6" creationId="{3AD98856-ADC9-43F5-8D94-5556459E5489}"/>
+          </ac:spMkLst>
+        </pc:spChg>
+        <pc:spChg chg="add mod">
+          <ac:chgData name="Cesar Augusto Lopez Gallego" userId="0dfa9112-9251-4882-b472-cf2dfcee09d1" providerId="ADAL" clId="{8526969E-DCD0-46F9-A257-CA6320D7FEB1}" dt="2024-07-23T14:37:33.413" v="2888" actId="1076"/>
+          <ac:spMkLst>
+            <pc:docMk/>
+            <pc:sldMk cId="4150399364" sldId="349"/>
+            <ac:spMk id="7" creationId="{4C342200-BB12-40D8-8EDF-910115C45AE9}"/>
+          </ac:spMkLst>
+        </pc:spChg>
+        <pc:spChg chg="add mod">
+          <ac:chgData name="Cesar Augusto Lopez Gallego" userId="0dfa9112-9251-4882-b472-cf2dfcee09d1" providerId="ADAL" clId="{8526969E-DCD0-46F9-A257-CA6320D7FEB1}" dt="2024-07-23T14:37:33.413" v="2888" actId="1076"/>
+          <ac:spMkLst>
+            <pc:docMk/>
+            <pc:sldMk cId="4150399364" sldId="349"/>
+            <ac:spMk id="8" creationId="{486B0367-4C66-4945-924B-DB362373E9CF}"/>
+          </ac:spMkLst>
+        </pc:spChg>
+        <pc:spChg chg="add mod">
+          <ac:chgData name="Cesar Augusto Lopez Gallego" userId="0dfa9112-9251-4882-b472-cf2dfcee09d1" providerId="ADAL" clId="{8526969E-DCD0-46F9-A257-CA6320D7FEB1}" dt="2024-07-23T14:37:33.413" v="2888" actId="1076"/>
+          <ac:spMkLst>
+            <pc:docMk/>
+            <pc:sldMk cId="4150399364" sldId="349"/>
+            <ac:spMk id="9" creationId="{39DC77EA-C4D0-4905-8F75-1915A97CC010}"/>
+          </ac:spMkLst>
+        </pc:spChg>
+        <pc:spChg chg="add mod">
+          <ac:chgData name="Cesar Augusto Lopez Gallego" userId="0dfa9112-9251-4882-b472-cf2dfcee09d1" providerId="ADAL" clId="{8526969E-DCD0-46F9-A257-CA6320D7FEB1}" dt="2024-07-23T14:37:33.413" v="2888" actId="1076"/>
+          <ac:spMkLst>
+            <pc:docMk/>
+            <pc:sldMk cId="4150399364" sldId="349"/>
+            <ac:spMk id="10" creationId="{2F9E716C-D991-437F-9FB1-2B9B4F398175}"/>
+          </ac:spMkLst>
+        </pc:spChg>
+        <pc:spChg chg="add mod">
+          <ac:chgData name="Cesar Augusto Lopez Gallego" userId="0dfa9112-9251-4882-b472-cf2dfcee09d1" providerId="ADAL" clId="{8526969E-DCD0-46F9-A257-CA6320D7FEB1}" dt="2024-07-23T14:37:16.976" v="2884" actId="1076"/>
+          <ac:spMkLst>
+            <pc:docMk/>
+            <pc:sldMk cId="4150399364" sldId="349"/>
+            <ac:spMk id="12" creationId="{57CE725D-6E7C-414F-8AA8-D4741441CFB8}"/>
+          </ac:spMkLst>
+        </pc:spChg>
+        <pc:spChg chg="add mod">
+          <ac:chgData name="Cesar Augusto Lopez Gallego" userId="0dfa9112-9251-4882-b472-cf2dfcee09d1" providerId="ADAL" clId="{8526969E-DCD0-46F9-A257-CA6320D7FEB1}" dt="2024-07-23T14:37:26.602" v="2886"/>
+          <ac:spMkLst>
+            <pc:docMk/>
+            <pc:sldMk cId="4150399364" sldId="349"/>
+            <ac:spMk id="13" creationId="{508D502F-CB69-4D53-B951-BDD5915AD6DF}"/>
+          </ac:spMkLst>
+        </pc:spChg>
+        <pc:spChg chg="add mod">
+          <ac:chgData name="Cesar Augusto Lopez Gallego" userId="0dfa9112-9251-4882-b472-cf2dfcee09d1" providerId="ADAL" clId="{8526969E-DCD0-46F9-A257-CA6320D7FEB1}" dt="2024-07-23T14:37:45.602" v="2930" actId="20577"/>
+          <ac:spMkLst>
+            <pc:docMk/>
+            <pc:sldMk cId="4150399364" sldId="349"/>
+            <ac:spMk id="14" creationId="{ECCF08CF-397F-4235-B79D-6C9A6D8783DD}"/>
+          </ac:spMkLst>
+        </pc:spChg>
+        <pc:picChg chg="add mod">
+          <ac:chgData name="Cesar Augusto Lopez Gallego" userId="0dfa9112-9251-4882-b472-cf2dfcee09d1" providerId="ADAL" clId="{8526969E-DCD0-46F9-A257-CA6320D7FEB1}" dt="2024-07-23T14:37:33.413" v="2888" actId="1076"/>
+          <ac:picMkLst>
+            <pc:docMk/>
+            <pc:sldMk cId="4150399364" sldId="349"/>
+            <ac:picMk id="4" creationId="{7593D30A-053D-4293-98D5-2858A4A0E50C}"/>
+          </ac:picMkLst>
+        </pc:picChg>
+        <pc:picChg chg="add mod">
+          <ac:chgData name="Cesar Augusto Lopez Gallego" userId="0dfa9112-9251-4882-b472-cf2dfcee09d1" providerId="ADAL" clId="{8526969E-DCD0-46F9-A257-CA6320D7FEB1}" dt="2024-07-23T14:37:16.976" v="2884" actId="1076"/>
+          <ac:picMkLst>
+            <pc:docMk/>
+            <pc:sldMk cId="4150399364" sldId="349"/>
+            <ac:picMk id="11" creationId="{6D5DCA62-15CD-4C9A-94D6-81441C1F966B}"/>
+          </ac:picMkLst>
+        </pc:picChg>
+        <pc:cxnChg chg="add">
+          <ac:chgData name="Cesar Augusto Lopez Gallego" userId="0dfa9112-9251-4882-b472-cf2dfcee09d1" providerId="ADAL" clId="{8526969E-DCD0-46F9-A257-CA6320D7FEB1}" dt="2024-07-23T14:37:52.564" v="2931" actId="11529"/>
+          <ac:cxnSpMkLst>
+            <pc:docMk/>
+            <pc:sldMk cId="4150399364" sldId="349"/>
+            <ac:cxnSpMk id="16" creationId="{7DD3336A-9AB8-4815-9715-03089D43D4F9}"/>
+          </ac:cxnSpMkLst>
+        </pc:cxnChg>
+        <pc:cxnChg chg="add">
+          <ac:chgData name="Cesar Augusto Lopez Gallego" userId="0dfa9112-9251-4882-b472-cf2dfcee09d1" providerId="ADAL" clId="{8526969E-DCD0-46F9-A257-CA6320D7FEB1}" dt="2024-07-23T14:37:58.924" v="2932" actId="11529"/>
+          <ac:cxnSpMkLst>
+            <pc:docMk/>
+            <pc:sldMk cId="4150399364" sldId="349"/>
+            <ac:cxnSpMk id="18" creationId="{85C76876-B358-47B4-A5ED-766E0100F133}"/>
+          </ac:cxnSpMkLst>
+        </pc:cxnChg>
+        <pc:cxnChg chg="add mod">
+          <ac:chgData name="Cesar Augusto Lopez Gallego" userId="0dfa9112-9251-4882-b472-cf2dfcee09d1" providerId="ADAL" clId="{8526969E-DCD0-46F9-A257-CA6320D7FEB1}" dt="2024-07-23T14:38:19.486" v="2937" actId="14100"/>
+          <ac:cxnSpMkLst>
+            <pc:docMk/>
+            <pc:sldMk cId="4150399364" sldId="349"/>
+            <ac:cxnSpMk id="19" creationId="{0F6C2C4F-C17F-441D-AE18-BE21CF4822BC}"/>
+          </ac:cxnSpMkLst>
+        </pc:cxnChg>
+        <pc:cxnChg chg="add mod">
+          <ac:chgData name="Cesar Augusto Lopez Gallego" userId="0dfa9112-9251-4882-b472-cf2dfcee09d1" providerId="ADAL" clId="{8526969E-DCD0-46F9-A257-CA6320D7FEB1}" dt="2024-07-23T14:38:16.663" v="2936" actId="14100"/>
+          <ac:cxnSpMkLst>
+            <pc:docMk/>
+            <pc:sldMk cId="4150399364" sldId="349"/>
+            <ac:cxnSpMk id="20" creationId="{DF2C5124-24B1-4FBF-9B31-4789FA23A10A}"/>
+          </ac:cxnSpMkLst>
+        </pc:cxnChg>
+        <pc:cxnChg chg="add mod">
+          <ac:chgData name="Cesar Augusto Lopez Gallego" userId="0dfa9112-9251-4882-b472-cf2dfcee09d1" providerId="ADAL" clId="{8526969E-DCD0-46F9-A257-CA6320D7FEB1}" dt="2024-07-23T14:38:30.158" v="2941" actId="14100"/>
+          <ac:cxnSpMkLst>
+            <pc:docMk/>
+            <pc:sldMk cId="4150399364" sldId="349"/>
+            <ac:cxnSpMk id="26" creationId="{0878CBF2-D447-46A1-A11A-A54EC501FFD0}"/>
+          </ac:cxnSpMkLst>
+        </pc:cxnChg>
+        <pc:cxnChg chg="add mod">
+          <ac:chgData name="Cesar Augusto Lopez Gallego" userId="0dfa9112-9251-4882-b472-cf2dfcee09d1" providerId="ADAL" clId="{8526969E-DCD0-46F9-A257-CA6320D7FEB1}" dt="2024-07-23T14:38:30.158" v="2941" actId="14100"/>
+          <ac:cxnSpMkLst>
+            <pc:docMk/>
+            <pc:sldMk cId="4150399364" sldId="349"/>
+            <ac:cxnSpMk id="27" creationId="{80E95D07-2A86-43C5-98D8-FAFE45CF524D}"/>
+          </ac:cxnSpMkLst>
+        </pc:cxnChg>
+        <pc:cxnChg chg="add mod">
+          <ac:chgData name="Cesar Augusto Lopez Gallego" userId="0dfa9112-9251-4882-b472-cf2dfcee09d1" providerId="ADAL" clId="{8526969E-DCD0-46F9-A257-CA6320D7FEB1}" dt="2024-07-23T14:39:07.374" v="2945" actId="14100"/>
+          <ac:cxnSpMkLst>
+            <pc:docMk/>
+            <pc:sldMk cId="4150399364" sldId="349"/>
+            <ac:cxnSpMk id="32" creationId="{34090A4C-32BE-43F0-8AF6-A3356988CF70}"/>
+          </ac:cxnSpMkLst>
+        </pc:cxnChg>
+        <pc:cxnChg chg="add mod">
+          <ac:chgData name="Cesar Augusto Lopez Gallego" userId="0dfa9112-9251-4882-b472-cf2dfcee09d1" providerId="ADAL" clId="{8526969E-DCD0-46F9-A257-CA6320D7FEB1}" dt="2024-07-23T14:39:07.374" v="2945" actId="14100"/>
+          <ac:cxnSpMkLst>
+            <pc:docMk/>
+            <pc:sldMk cId="4150399364" sldId="349"/>
+            <ac:cxnSpMk id="33" creationId="{2F18C0A4-BFFB-4ED6-8B7B-D9044EC1CFFC}"/>
+          </ac:cxnSpMkLst>
+        </pc:cxnChg>
+        <pc:cxnChg chg="add mod">
+          <ac:chgData name="Cesar Augusto Lopez Gallego" userId="0dfa9112-9251-4882-b472-cf2dfcee09d1" providerId="ADAL" clId="{8526969E-DCD0-46F9-A257-CA6320D7FEB1}" dt="2024-07-23T14:39:16.649" v="2949" actId="14100"/>
+          <ac:cxnSpMkLst>
+            <pc:docMk/>
+            <pc:sldMk cId="4150399364" sldId="349"/>
+            <ac:cxnSpMk id="38" creationId="{994F88A1-06A6-4528-AD79-B710A8F2E7D7}"/>
+          </ac:cxnSpMkLst>
+        </pc:cxnChg>
+        <pc:cxnChg chg="add mod">
+          <ac:chgData name="Cesar Augusto Lopez Gallego" userId="0dfa9112-9251-4882-b472-cf2dfcee09d1" providerId="ADAL" clId="{8526969E-DCD0-46F9-A257-CA6320D7FEB1}" dt="2024-07-23T14:39:16.649" v="2949" actId="14100"/>
+          <ac:cxnSpMkLst>
+            <pc:docMk/>
+            <pc:sldMk cId="4150399364" sldId="349"/>
+            <ac:cxnSpMk id="39" creationId="{AE0A98C7-AB1D-45B4-B4E0-8164198ACB82}"/>
+          </ac:cxnSpMkLst>
+        </pc:cxnChg>
+        <pc:cxnChg chg="add mod">
+          <ac:chgData name="Cesar Augusto Lopez Gallego" userId="0dfa9112-9251-4882-b472-cf2dfcee09d1" providerId="ADAL" clId="{8526969E-DCD0-46F9-A257-CA6320D7FEB1}" dt="2024-07-23T14:39:39.477" v="2957" actId="14100"/>
+          <ac:cxnSpMkLst>
+            <pc:docMk/>
+            <pc:sldMk cId="4150399364" sldId="349"/>
+            <ac:cxnSpMk id="44" creationId="{A174330E-5CFE-427B-8B8E-CD9087A7C547}"/>
+          </ac:cxnSpMkLst>
+        </pc:cxnChg>
+        <pc:cxnChg chg="add mod">
+          <ac:chgData name="Cesar Augusto Lopez Gallego" userId="0dfa9112-9251-4882-b472-cf2dfcee09d1" providerId="ADAL" clId="{8526969E-DCD0-46F9-A257-CA6320D7FEB1}" dt="2024-07-23T14:39:39.477" v="2957" actId="14100"/>
+          <ac:cxnSpMkLst>
+            <pc:docMk/>
+            <pc:sldMk cId="4150399364" sldId="349"/>
+            <ac:cxnSpMk id="45" creationId="{886CE87B-55C8-4866-AD10-9B2677E89A54}"/>
+          </ac:cxnSpMkLst>
+        </pc:cxnChg>
+      </pc:sldChg>
+    </pc:docChg>
+  </pc:docChgLst>
+</pc:chgInfo>
 </file>
 
 <file path=ppt/notesMasters/notesMaster1.xml><?xml version="1.0" encoding="utf-8"?>
@@ -218,7 +910,7 @@
           <a:p>
             <a:fld id="{BDCF4082-7146-476A-B590-4447682ABE83}" type="datetimeFigureOut">
               <a:rPr lang="es-CO" smtClean="0"/>
-              <a:t>17/03/2021</a:t>
+              <a:t>23/07/2024</a:t>
             </a:fld>
             <a:endParaRPr lang="es-CO"/>
           </a:p>
@@ -617,7 +1309,7 @@
           <a:p>
             <a:fld id="{6B86245D-015E-46AE-96CC-32E8A5E9A1DF}" type="datetimeFigureOut">
               <a:rPr lang="es-CO" smtClean="0"/>
-              <a:t>17/03/2021</a:t>
+              <a:t>23/07/2024</a:t>
             </a:fld>
             <a:endParaRPr lang="es-CO"/>
           </a:p>
@@ -787,7 +1479,7 @@
           <a:p>
             <a:fld id="{6B86245D-015E-46AE-96CC-32E8A5E9A1DF}" type="datetimeFigureOut">
               <a:rPr lang="es-CO" smtClean="0"/>
-              <a:t>17/03/2021</a:t>
+              <a:t>23/07/2024</a:t>
             </a:fld>
             <a:endParaRPr lang="es-CO"/>
           </a:p>
@@ -967,7 +1659,7 @@
           <a:p>
             <a:fld id="{6B86245D-015E-46AE-96CC-32E8A5E9A1DF}" type="datetimeFigureOut">
               <a:rPr lang="es-CO" smtClean="0"/>
-              <a:t>17/03/2021</a:t>
+              <a:t>23/07/2024</a:t>
             </a:fld>
             <a:endParaRPr lang="es-CO"/>
           </a:p>
@@ -1137,7 +1829,7 @@
           <a:p>
             <a:fld id="{6B86245D-015E-46AE-96CC-32E8A5E9A1DF}" type="datetimeFigureOut">
               <a:rPr lang="es-CO" smtClean="0"/>
-              <a:t>17/03/2021</a:t>
+              <a:t>23/07/2024</a:t>
             </a:fld>
             <a:endParaRPr lang="es-CO"/>
           </a:p>
@@ -1383,7 +2075,7 @@
           <a:p>
             <a:fld id="{6B86245D-015E-46AE-96CC-32E8A5E9A1DF}" type="datetimeFigureOut">
               <a:rPr lang="es-CO" smtClean="0"/>
-              <a:t>17/03/2021</a:t>
+              <a:t>23/07/2024</a:t>
             </a:fld>
             <a:endParaRPr lang="es-CO"/>
           </a:p>
@@ -1615,7 +2307,7 @@
           <a:p>
             <a:fld id="{6B86245D-015E-46AE-96CC-32E8A5E9A1DF}" type="datetimeFigureOut">
               <a:rPr lang="es-CO" smtClean="0"/>
-              <a:t>17/03/2021</a:t>
+              <a:t>23/07/2024</a:t>
             </a:fld>
             <a:endParaRPr lang="es-CO"/>
           </a:p>
@@ -1982,7 +2674,7 @@
           <a:p>
             <a:fld id="{6B86245D-015E-46AE-96CC-32E8A5E9A1DF}" type="datetimeFigureOut">
               <a:rPr lang="es-CO" smtClean="0"/>
-              <a:t>17/03/2021</a:t>
+              <a:t>23/07/2024</a:t>
             </a:fld>
             <a:endParaRPr lang="es-CO"/>
           </a:p>
@@ -2100,7 +2792,7 @@
           <a:p>
             <a:fld id="{6B86245D-015E-46AE-96CC-32E8A5E9A1DF}" type="datetimeFigureOut">
               <a:rPr lang="es-CO" smtClean="0"/>
-              <a:t>17/03/2021</a:t>
+              <a:t>23/07/2024</a:t>
             </a:fld>
             <a:endParaRPr lang="es-CO"/>
           </a:p>
@@ -2195,7 +2887,7 @@
           <a:p>
             <a:fld id="{6B86245D-015E-46AE-96CC-32E8A5E9A1DF}" type="datetimeFigureOut">
               <a:rPr lang="es-CO" smtClean="0"/>
-              <a:t>17/03/2021</a:t>
+              <a:t>23/07/2024</a:t>
             </a:fld>
             <a:endParaRPr lang="es-CO"/>
           </a:p>
@@ -2472,7 +3164,7 @@
           <a:p>
             <a:fld id="{6B86245D-015E-46AE-96CC-32E8A5E9A1DF}" type="datetimeFigureOut">
               <a:rPr lang="es-CO" smtClean="0"/>
-              <a:t>17/03/2021</a:t>
+              <a:t>23/07/2024</a:t>
             </a:fld>
             <a:endParaRPr lang="es-CO"/>
           </a:p>
@@ -2729,7 +3421,7 @@
           <a:p>
             <a:fld id="{6B86245D-015E-46AE-96CC-32E8A5E9A1DF}" type="datetimeFigureOut">
               <a:rPr lang="es-CO" smtClean="0"/>
-              <a:t>17/03/2021</a:t>
+              <a:t>23/07/2024</a:t>
             </a:fld>
             <a:endParaRPr lang="es-CO"/>
           </a:p>
@@ -2951,7 +3643,7 @@
           <a:p>
             <a:fld id="{6B86245D-015E-46AE-96CC-32E8A5E9A1DF}" type="datetimeFigureOut">
               <a:rPr lang="es-CO" smtClean="0"/>
-              <a:t>17/03/2021</a:t>
+              <a:t>23/07/2024</a:t>
             </a:fld>
             <a:endParaRPr lang="es-CO"/>
           </a:p>
@@ -3383,6 +4075,1072 @@
 </p:sld>
 </file>
 
+<file path=ppt/slides/slide10.xml><?xml version="1.0" encoding="utf-8"?>
+<p:sld xmlns:a="http://schemas.openxmlformats.org/drawingml/2006/main" xmlns:r="http://schemas.openxmlformats.org/officeDocument/2006/relationships" xmlns:p="http://schemas.openxmlformats.org/presentationml/2006/main">
+  <p:cSld>
+    <p:spTree>
+      <p:nvGrpSpPr>
+        <p:cNvPr id="1" name=""/>
+        <p:cNvGrpSpPr/>
+        <p:nvPr/>
+      </p:nvGrpSpPr>
+      <p:grpSpPr>
+        <a:xfrm>
+          <a:off x="0" y="0"/>
+          <a:ext cx="0" cy="0"/>
+          <a:chOff x="0" y="0"/>
+          <a:chExt cx="0" cy="0"/>
+        </a:xfrm>
+      </p:grpSpPr>
+      <p:sp>
+        <p:nvSpPr>
+          <p:cNvPr id="2" name="Título 1">
+            <a:extLst>
+              <a:ext uri="{FF2B5EF4-FFF2-40B4-BE49-F238E27FC236}">
+                <a16:creationId xmlns:a16="http://schemas.microsoft.com/office/drawing/2014/main" id="{A1D70367-6250-4AE5-8807-00631BCF6480}"/>
+              </a:ext>
+            </a:extLst>
+          </p:cNvPr>
+          <p:cNvSpPr>
+            <a:spLocks noGrp="1"/>
+          </p:cNvSpPr>
+          <p:nvPr>
+            <p:ph type="title"/>
+          </p:nvPr>
+        </p:nvSpPr>
+        <p:spPr/>
+        <p:txBody>
+          <a:bodyPr/>
+          <a:lstStyle/>
+          <a:p>
+            <a:r>
+              <a:rPr lang="en-US" dirty="0" err="1"/>
+              <a:t>Sintaxis</a:t>
+            </a:r>
+            <a:endParaRPr lang="es-CO" dirty="0"/>
+          </a:p>
+        </p:txBody>
+      </p:sp>
+      <p:sp>
+        <p:nvSpPr>
+          <p:cNvPr id="3" name="Marcador de contenido 2">
+            <a:extLst>
+              <a:ext uri="{FF2B5EF4-FFF2-40B4-BE49-F238E27FC236}">
+                <a16:creationId xmlns:a16="http://schemas.microsoft.com/office/drawing/2014/main" id="{0988B930-7D03-4921-AABC-62601C83CBE3}"/>
+              </a:ext>
+            </a:extLst>
+          </p:cNvPr>
+          <p:cNvSpPr>
+            <a:spLocks noGrp="1"/>
+          </p:cNvSpPr>
+          <p:nvPr>
+            <p:ph idx="1"/>
+          </p:nvPr>
+        </p:nvSpPr>
+        <p:spPr>
+          <a:xfrm>
+            <a:off x="949960" y="2900854"/>
+            <a:ext cx="11917680" cy="4099703"/>
+          </a:xfrm>
+        </p:spPr>
+        <p:txBody>
+          <a:bodyPr>
+            <a:normAutofit fontScale="77500" lnSpcReduction="20000"/>
+          </a:bodyPr>
+          <a:lstStyle/>
+          <a:p>
+            <a:pPr marL="0" indent="0">
+              <a:buNone/>
+            </a:pPr>
+            <a:r>
+              <a:rPr lang="es-CO" dirty="0"/>
+              <a:t>[acceso] [modificador] tipo </a:t>
+            </a:r>
+            <a:r>
+              <a:rPr lang="es-CO" dirty="0" err="1"/>
+              <a:t>nombreFuncion</a:t>
+            </a:r>
+            <a:r>
+              <a:rPr lang="es-CO" dirty="0"/>
+              <a:t>([tipo </a:t>
+            </a:r>
+            <a:r>
+              <a:rPr lang="es-CO" dirty="0" err="1"/>
+              <a:t>nombreParametro</a:t>
+            </a:r>
+            <a:r>
+              <a:rPr lang="es-CO" dirty="0"/>
+              <a:t>,[tipo </a:t>
+            </a:r>
+            <a:r>
+              <a:rPr lang="es-CO" dirty="0" err="1"/>
+              <a:t>nombreParametro</a:t>
+            </a:r>
+            <a:r>
+              <a:rPr lang="es-CO" dirty="0"/>
+              <a:t>]...])</a:t>
+            </a:r>
+          </a:p>
+          <a:p>
+            <a:pPr marL="0" indent="0">
+              <a:buNone/>
+            </a:pPr>
+            <a:r>
+              <a:rPr lang="es-CO" dirty="0"/>
+              <a:t>{</a:t>
+            </a:r>
+          </a:p>
+          <a:p>
+            <a:pPr marL="0" indent="0">
+              <a:buNone/>
+            </a:pPr>
+            <a:r>
+              <a:rPr lang="es-CO" dirty="0"/>
+              <a:t>	/*</a:t>
+            </a:r>
+          </a:p>
+          <a:p>
+            <a:pPr marL="0" indent="0">
+              <a:buNone/>
+            </a:pPr>
+            <a:r>
+              <a:rPr lang="es-CO" dirty="0"/>
+              <a:t>		* Bloque de instrucciones</a:t>
+            </a:r>
+          </a:p>
+          <a:p>
+            <a:pPr marL="0" indent="0">
+              <a:buNone/>
+            </a:pPr>
+            <a:r>
+              <a:rPr lang="es-CO" dirty="0"/>
+              <a:t>	*/</a:t>
+            </a:r>
+          </a:p>
+          <a:p>
+            <a:pPr marL="0" indent="0">
+              <a:buNone/>
+            </a:pPr>
+            <a:endParaRPr lang="es-CO" dirty="0"/>
+          </a:p>
+          <a:p>
+            <a:pPr marL="0" indent="0">
+              <a:buNone/>
+            </a:pPr>
+            <a:r>
+              <a:rPr lang="es-CO" dirty="0"/>
+              <a:t>	</a:t>
+            </a:r>
+            <a:r>
+              <a:rPr lang="es-CO" dirty="0" err="1"/>
+              <a:t>return</a:t>
+            </a:r>
+            <a:r>
+              <a:rPr lang="es-CO" dirty="0"/>
+              <a:t> valor;</a:t>
+            </a:r>
+          </a:p>
+          <a:p>
+            <a:pPr marL="0" indent="0">
+              <a:buNone/>
+            </a:pPr>
+            <a:r>
+              <a:rPr lang="es-CO" dirty="0"/>
+              <a:t>}</a:t>
+            </a:r>
+          </a:p>
+          <a:p>
+            <a:pPr marL="0" indent="0">
+              <a:buNone/>
+            </a:pPr>
+            <a:r>
+              <a:rPr lang="es-CO" dirty="0"/>
+              <a:t>	</a:t>
+            </a:r>
+          </a:p>
+        </p:txBody>
+      </p:sp>
+      <p:sp>
+        <p:nvSpPr>
+          <p:cNvPr id="4" name="Bocadillo: rectángulo 3">
+            <a:extLst>
+              <a:ext uri="{FF2B5EF4-FFF2-40B4-BE49-F238E27FC236}">
+                <a16:creationId xmlns:a16="http://schemas.microsoft.com/office/drawing/2014/main" id="{D5977F79-CA29-4D31-A39A-8C8427C4245D}"/>
+              </a:ext>
+            </a:extLst>
+          </p:cNvPr>
+          <p:cNvSpPr/>
+          <p:nvPr/>
+        </p:nvSpPr>
+        <p:spPr>
+          <a:xfrm>
+            <a:off x="756743" y="1742688"/>
+            <a:ext cx="1702676" cy="764024"/>
+          </a:xfrm>
+          <a:prstGeom prst="wedgeRectCallout">
+            <a:avLst>
+              <a:gd name="adj1" fmla="val -20833"/>
+              <a:gd name="adj2" fmla="val 111393"/>
+            </a:avLst>
+          </a:prstGeom>
+          <a:noFill/>
+        </p:spPr>
+        <p:style>
+          <a:lnRef idx="2">
+            <a:schemeClr val="accent1">
+              <a:shade val="50000"/>
+            </a:schemeClr>
+          </a:lnRef>
+          <a:fillRef idx="1">
+            <a:schemeClr val="accent1"/>
+          </a:fillRef>
+          <a:effectRef idx="0">
+            <a:schemeClr val="accent1"/>
+          </a:effectRef>
+          <a:fontRef idx="minor">
+            <a:schemeClr val="lt1"/>
+          </a:fontRef>
+        </p:style>
+        <p:txBody>
+          <a:bodyPr rtlCol="0" anchor="ctr"/>
+          <a:lstStyle/>
+          <a:p>
+            <a:pPr algn="ctr"/>
+            <a:r>
+              <a:rPr lang="en-US" dirty="0" err="1">
+                <a:solidFill>
+                  <a:schemeClr val="tx1"/>
+                </a:solidFill>
+              </a:rPr>
+              <a:t>Público</a:t>
+            </a:r>
+            <a:endParaRPr lang="en-US" dirty="0">
+              <a:solidFill>
+                <a:schemeClr val="tx1"/>
+              </a:solidFill>
+            </a:endParaRPr>
+          </a:p>
+          <a:p>
+            <a:pPr algn="ctr"/>
+            <a:r>
+              <a:rPr lang="en-US" dirty="0" err="1">
+                <a:solidFill>
+                  <a:schemeClr val="tx1"/>
+                </a:solidFill>
+              </a:rPr>
+              <a:t>Privado</a:t>
+            </a:r>
+            <a:endParaRPr lang="en-US" dirty="0">
+              <a:solidFill>
+                <a:schemeClr val="tx1"/>
+              </a:solidFill>
+            </a:endParaRPr>
+          </a:p>
+          <a:p>
+            <a:pPr algn="ctr"/>
+            <a:r>
+              <a:rPr lang="en-US" dirty="0" err="1">
+                <a:solidFill>
+                  <a:schemeClr val="tx1"/>
+                </a:solidFill>
+              </a:rPr>
+              <a:t>Protegido</a:t>
+            </a:r>
+            <a:endParaRPr lang="es-CO" dirty="0">
+              <a:solidFill>
+                <a:schemeClr val="tx1"/>
+              </a:solidFill>
+            </a:endParaRPr>
+          </a:p>
+        </p:txBody>
+      </p:sp>
+      <p:sp>
+        <p:nvSpPr>
+          <p:cNvPr id="5" name="Bocadillo: rectángulo 4">
+            <a:extLst>
+              <a:ext uri="{FF2B5EF4-FFF2-40B4-BE49-F238E27FC236}">
+                <a16:creationId xmlns:a16="http://schemas.microsoft.com/office/drawing/2014/main" id="{A8C7853C-5D2A-4D90-AE60-F836519E9B0C}"/>
+              </a:ext>
+            </a:extLst>
+          </p:cNvPr>
+          <p:cNvSpPr/>
+          <p:nvPr/>
+        </p:nvSpPr>
+        <p:spPr>
+          <a:xfrm>
+            <a:off x="2589572" y="1742688"/>
+            <a:ext cx="1702676" cy="764024"/>
+          </a:xfrm>
+          <a:prstGeom prst="wedgeRectCallout">
+            <a:avLst>
+              <a:gd name="adj1" fmla="val -20833"/>
+              <a:gd name="adj2" fmla="val 111393"/>
+            </a:avLst>
+          </a:prstGeom>
+          <a:noFill/>
+        </p:spPr>
+        <p:style>
+          <a:lnRef idx="2">
+            <a:schemeClr val="accent1">
+              <a:shade val="50000"/>
+            </a:schemeClr>
+          </a:lnRef>
+          <a:fillRef idx="1">
+            <a:schemeClr val="accent1"/>
+          </a:fillRef>
+          <a:effectRef idx="0">
+            <a:schemeClr val="accent1"/>
+          </a:effectRef>
+          <a:fontRef idx="minor">
+            <a:schemeClr val="lt1"/>
+          </a:fontRef>
+        </p:style>
+        <p:txBody>
+          <a:bodyPr rtlCol="0" anchor="ctr"/>
+          <a:lstStyle/>
+          <a:p>
+            <a:pPr algn="ctr"/>
+            <a:r>
+              <a:rPr lang="en-US" dirty="0">
+                <a:solidFill>
+                  <a:schemeClr val="tx1"/>
+                </a:solidFill>
+              </a:rPr>
+              <a:t>Final, </a:t>
+            </a:r>
+            <a:r>
+              <a:rPr lang="en-US" dirty="0" err="1">
+                <a:solidFill>
+                  <a:schemeClr val="tx1"/>
+                </a:solidFill>
+              </a:rPr>
+              <a:t>instanciar</a:t>
+            </a:r>
+            <a:endParaRPr lang="en-US" dirty="0">
+              <a:solidFill>
+                <a:schemeClr val="tx1"/>
+              </a:solidFill>
+            </a:endParaRPr>
+          </a:p>
+          <a:p>
+            <a:pPr algn="ctr"/>
+            <a:r>
+              <a:rPr lang="en-US" dirty="0">
+                <a:solidFill>
+                  <a:schemeClr val="tx1"/>
+                </a:solidFill>
+              </a:rPr>
+              <a:t>Static, no </a:t>
+            </a:r>
+            <a:r>
+              <a:rPr lang="en-US" dirty="0" err="1">
+                <a:solidFill>
+                  <a:schemeClr val="tx1"/>
+                </a:solidFill>
+              </a:rPr>
+              <a:t>crea</a:t>
+            </a:r>
+            <a:r>
+              <a:rPr lang="en-US" dirty="0">
+                <a:solidFill>
+                  <a:schemeClr val="tx1"/>
+                </a:solidFill>
+              </a:rPr>
+              <a:t> </a:t>
+            </a:r>
+            <a:r>
+              <a:rPr lang="en-US" dirty="0" err="1">
+                <a:solidFill>
+                  <a:schemeClr val="tx1"/>
+                </a:solidFill>
+              </a:rPr>
+              <a:t>instanacia</a:t>
+            </a:r>
+            <a:endParaRPr lang="es-CO" dirty="0">
+              <a:solidFill>
+                <a:schemeClr val="tx1"/>
+              </a:solidFill>
+            </a:endParaRPr>
+          </a:p>
+        </p:txBody>
+      </p:sp>
+      <p:sp>
+        <p:nvSpPr>
+          <p:cNvPr id="6" name="Bocadillo: rectángulo 5">
+            <a:extLst>
+              <a:ext uri="{FF2B5EF4-FFF2-40B4-BE49-F238E27FC236}">
+                <a16:creationId xmlns:a16="http://schemas.microsoft.com/office/drawing/2014/main" id="{6E3CE605-D037-4E39-9A4A-6901250EE3AE}"/>
+              </a:ext>
+            </a:extLst>
+          </p:cNvPr>
+          <p:cNvSpPr/>
+          <p:nvPr/>
+        </p:nvSpPr>
+        <p:spPr>
+          <a:xfrm>
+            <a:off x="4359337" y="1557747"/>
+            <a:ext cx="1702676" cy="764024"/>
+          </a:xfrm>
+          <a:prstGeom prst="wedgeRectCallout">
+            <a:avLst>
+              <a:gd name="adj1" fmla="val -40277"/>
+              <a:gd name="adj2" fmla="val 129964"/>
+            </a:avLst>
+          </a:prstGeom>
+          <a:noFill/>
+        </p:spPr>
+        <p:style>
+          <a:lnRef idx="2">
+            <a:schemeClr val="accent1">
+              <a:shade val="50000"/>
+            </a:schemeClr>
+          </a:lnRef>
+          <a:fillRef idx="1">
+            <a:schemeClr val="accent1"/>
+          </a:fillRef>
+          <a:effectRef idx="0">
+            <a:schemeClr val="accent1"/>
+          </a:effectRef>
+          <a:fontRef idx="minor">
+            <a:schemeClr val="lt1"/>
+          </a:fontRef>
+        </p:style>
+        <p:txBody>
+          <a:bodyPr rtlCol="0" anchor="ctr"/>
+          <a:lstStyle/>
+          <a:p>
+            <a:pPr algn="ctr"/>
+            <a:r>
+              <a:rPr lang="en-US" dirty="0" err="1">
+                <a:solidFill>
+                  <a:schemeClr val="tx1"/>
+                </a:solidFill>
+              </a:rPr>
+              <a:t>Tipo</a:t>
+            </a:r>
+            <a:r>
+              <a:rPr lang="en-US" dirty="0">
+                <a:solidFill>
+                  <a:schemeClr val="tx1"/>
+                </a:solidFill>
+              </a:rPr>
+              <a:t> de </a:t>
+            </a:r>
+            <a:r>
+              <a:rPr lang="en-US" dirty="0" err="1">
+                <a:solidFill>
+                  <a:schemeClr val="tx1"/>
+                </a:solidFill>
+              </a:rPr>
+              <a:t>dato</a:t>
+            </a:r>
+            <a:r>
+              <a:rPr lang="en-US" dirty="0">
+                <a:solidFill>
+                  <a:schemeClr val="tx1"/>
+                </a:solidFill>
+              </a:rPr>
+              <a:t> que </a:t>
+            </a:r>
+            <a:r>
+              <a:rPr lang="en-US" dirty="0" err="1">
+                <a:solidFill>
+                  <a:schemeClr val="tx1"/>
+                </a:solidFill>
+              </a:rPr>
+              <a:t>retorna</a:t>
+            </a:r>
+            <a:endParaRPr lang="es-CO" dirty="0">
+              <a:solidFill>
+                <a:schemeClr val="tx1"/>
+              </a:solidFill>
+            </a:endParaRPr>
+          </a:p>
+        </p:txBody>
+      </p:sp>
+      <p:sp>
+        <p:nvSpPr>
+          <p:cNvPr id="8" name="Bocadillo: rectángulo 7">
+            <a:extLst>
+              <a:ext uri="{FF2B5EF4-FFF2-40B4-BE49-F238E27FC236}">
+                <a16:creationId xmlns:a16="http://schemas.microsoft.com/office/drawing/2014/main" id="{563976C9-42AB-4C12-9B0C-EB9CFD964CBD}"/>
+              </a:ext>
+            </a:extLst>
+          </p:cNvPr>
+          <p:cNvSpPr/>
+          <p:nvPr/>
+        </p:nvSpPr>
+        <p:spPr>
+          <a:xfrm>
+            <a:off x="9048179" y="1736931"/>
+            <a:ext cx="1702676" cy="764024"/>
+          </a:xfrm>
+          <a:prstGeom prst="wedgeRectCallout">
+            <a:avLst>
+              <a:gd name="adj1" fmla="val -20833"/>
+              <a:gd name="adj2" fmla="val 111393"/>
+            </a:avLst>
+          </a:prstGeom>
+          <a:noFill/>
+        </p:spPr>
+        <p:style>
+          <a:lnRef idx="2">
+            <a:schemeClr val="accent1">
+              <a:shade val="50000"/>
+            </a:schemeClr>
+          </a:lnRef>
+          <a:fillRef idx="1">
+            <a:schemeClr val="accent1"/>
+          </a:fillRef>
+          <a:effectRef idx="0">
+            <a:schemeClr val="accent1"/>
+          </a:effectRef>
+          <a:fontRef idx="minor">
+            <a:schemeClr val="lt1"/>
+          </a:fontRef>
+        </p:style>
+        <p:txBody>
+          <a:bodyPr rtlCol="0" anchor="ctr"/>
+          <a:lstStyle/>
+          <a:p>
+            <a:pPr algn="ctr"/>
+            <a:r>
+              <a:rPr lang="en-US" dirty="0" err="1">
+                <a:solidFill>
+                  <a:schemeClr val="tx1"/>
+                </a:solidFill>
+              </a:rPr>
+              <a:t>Datos</a:t>
+            </a:r>
+            <a:r>
+              <a:rPr lang="en-US" dirty="0">
+                <a:solidFill>
+                  <a:schemeClr val="tx1"/>
+                </a:solidFill>
+              </a:rPr>
+              <a:t> de Entrada a la </a:t>
+            </a:r>
+            <a:r>
+              <a:rPr lang="en-US" dirty="0" err="1">
+                <a:solidFill>
+                  <a:schemeClr val="tx1"/>
+                </a:solidFill>
+              </a:rPr>
+              <a:t>subrutina</a:t>
+            </a:r>
+            <a:endParaRPr lang="es-CO" dirty="0">
+              <a:solidFill>
+                <a:schemeClr val="tx1"/>
+              </a:solidFill>
+            </a:endParaRPr>
+          </a:p>
+        </p:txBody>
+      </p:sp>
+      <p:sp>
+        <p:nvSpPr>
+          <p:cNvPr id="9" name="Bocadillo: rectángulo 8">
+            <a:extLst>
+              <a:ext uri="{FF2B5EF4-FFF2-40B4-BE49-F238E27FC236}">
+                <a16:creationId xmlns:a16="http://schemas.microsoft.com/office/drawing/2014/main" id="{4F79790F-077B-40B8-939C-2D6C5BFADEC9}"/>
+              </a:ext>
+            </a:extLst>
+          </p:cNvPr>
+          <p:cNvSpPr/>
+          <p:nvPr/>
+        </p:nvSpPr>
+        <p:spPr>
+          <a:xfrm>
+            <a:off x="6364012" y="1592002"/>
+            <a:ext cx="1702676" cy="764024"/>
+          </a:xfrm>
+          <a:prstGeom prst="wedgeRectCallout">
+            <a:avLst>
+              <a:gd name="adj1" fmla="val -40277"/>
+              <a:gd name="adj2" fmla="val 129964"/>
+            </a:avLst>
+          </a:prstGeom>
+          <a:noFill/>
+        </p:spPr>
+        <p:style>
+          <a:lnRef idx="2">
+            <a:schemeClr val="accent1">
+              <a:shade val="50000"/>
+            </a:schemeClr>
+          </a:lnRef>
+          <a:fillRef idx="1">
+            <a:schemeClr val="accent1"/>
+          </a:fillRef>
+          <a:effectRef idx="0">
+            <a:schemeClr val="accent1"/>
+          </a:effectRef>
+          <a:fontRef idx="minor">
+            <a:schemeClr val="lt1"/>
+          </a:fontRef>
+        </p:style>
+        <p:txBody>
+          <a:bodyPr rtlCol="0" anchor="ctr"/>
+          <a:lstStyle/>
+          <a:p>
+            <a:pPr algn="ctr"/>
+            <a:r>
+              <a:rPr lang="en-US" dirty="0">
+                <a:solidFill>
+                  <a:schemeClr val="tx1"/>
+                </a:solidFill>
+              </a:rPr>
+              <a:t>EL </a:t>
+            </a:r>
+            <a:r>
+              <a:rPr lang="en-US" dirty="0" err="1">
+                <a:solidFill>
+                  <a:schemeClr val="tx1"/>
+                </a:solidFill>
+              </a:rPr>
+              <a:t>nombre</a:t>
+            </a:r>
+            <a:r>
+              <a:rPr lang="en-US" dirty="0">
+                <a:solidFill>
+                  <a:schemeClr val="tx1"/>
+                </a:solidFill>
+              </a:rPr>
+              <a:t> </a:t>
+            </a:r>
+            <a:r>
+              <a:rPr lang="en-US" dirty="0" err="1">
+                <a:solidFill>
+                  <a:schemeClr val="tx1"/>
+                </a:solidFill>
+              </a:rPr>
+              <a:t>será</a:t>
+            </a:r>
+            <a:r>
+              <a:rPr lang="en-US" dirty="0">
+                <a:solidFill>
+                  <a:schemeClr val="tx1"/>
+                </a:solidFill>
+              </a:rPr>
+              <a:t> lo que </a:t>
+            </a:r>
+            <a:r>
+              <a:rPr lang="en-US" dirty="0" err="1">
+                <a:solidFill>
+                  <a:schemeClr val="tx1"/>
+                </a:solidFill>
+              </a:rPr>
+              <a:t>hace</a:t>
+            </a:r>
+            <a:endParaRPr lang="es-CO" dirty="0">
+              <a:solidFill>
+                <a:schemeClr val="tx1"/>
+              </a:solidFill>
+            </a:endParaRPr>
+          </a:p>
+        </p:txBody>
+      </p:sp>
+      <p:sp>
+        <p:nvSpPr>
+          <p:cNvPr id="10" name="Bocadillo: rectángulo 9">
+            <a:extLst>
+              <a:ext uri="{FF2B5EF4-FFF2-40B4-BE49-F238E27FC236}">
+                <a16:creationId xmlns:a16="http://schemas.microsoft.com/office/drawing/2014/main" id="{D9398874-116D-406D-815F-997675AC34F4}"/>
+              </a:ext>
+            </a:extLst>
+          </p:cNvPr>
+          <p:cNvSpPr/>
+          <p:nvPr/>
+        </p:nvSpPr>
+        <p:spPr>
+          <a:xfrm>
+            <a:off x="4811281" y="5580993"/>
+            <a:ext cx="7265105" cy="1198184"/>
+          </a:xfrm>
+          <a:prstGeom prst="wedgeRectCallout">
+            <a:avLst>
+              <a:gd name="adj1" fmla="val -63077"/>
+              <a:gd name="adj2" fmla="val -22922"/>
+            </a:avLst>
+          </a:prstGeom>
+          <a:noFill/>
+        </p:spPr>
+        <p:style>
+          <a:lnRef idx="2">
+            <a:schemeClr val="accent1">
+              <a:shade val="50000"/>
+            </a:schemeClr>
+          </a:lnRef>
+          <a:fillRef idx="1">
+            <a:schemeClr val="accent1"/>
+          </a:fillRef>
+          <a:effectRef idx="0">
+            <a:schemeClr val="accent1"/>
+          </a:effectRef>
+          <a:fontRef idx="minor">
+            <a:schemeClr val="lt1"/>
+          </a:fontRef>
+        </p:style>
+        <p:txBody>
+          <a:bodyPr rtlCol="0" anchor="ctr"/>
+          <a:lstStyle/>
+          <a:p>
+            <a:pPr algn="ctr"/>
+            <a:r>
+              <a:rPr lang="en-US" dirty="0" err="1">
+                <a:solidFill>
+                  <a:schemeClr val="tx1"/>
+                </a:solidFill>
+              </a:rPr>
+              <a:t>En</a:t>
+            </a:r>
+            <a:r>
+              <a:rPr lang="en-US" dirty="0">
+                <a:solidFill>
+                  <a:schemeClr val="tx1"/>
+                </a:solidFill>
+              </a:rPr>
+              <a:t> </a:t>
+            </a:r>
+            <a:r>
+              <a:rPr lang="en-US" dirty="0" err="1">
+                <a:solidFill>
+                  <a:schemeClr val="tx1"/>
+                </a:solidFill>
+              </a:rPr>
+              <a:t>una</a:t>
+            </a:r>
+            <a:r>
+              <a:rPr lang="en-US" dirty="0">
+                <a:solidFill>
+                  <a:schemeClr val="tx1"/>
+                </a:solidFill>
+              </a:rPr>
+              <a:t> </a:t>
+            </a:r>
+            <a:r>
+              <a:rPr lang="en-US" dirty="0" err="1">
+                <a:solidFill>
+                  <a:schemeClr val="tx1"/>
+                </a:solidFill>
+              </a:rPr>
+              <a:t>función</a:t>
+            </a:r>
+            <a:r>
+              <a:rPr lang="en-US" dirty="0">
+                <a:solidFill>
+                  <a:schemeClr val="tx1"/>
+                </a:solidFill>
+              </a:rPr>
+              <a:t> </a:t>
+            </a:r>
+            <a:r>
+              <a:rPr lang="en-US" dirty="0" err="1">
+                <a:solidFill>
+                  <a:schemeClr val="tx1"/>
+                </a:solidFill>
+              </a:rPr>
+              <a:t>retorna</a:t>
+            </a:r>
+            <a:r>
+              <a:rPr lang="en-US" dirty="0">
+                <a:solidFill>
+                  <a:schemeClr val="tx1"/>
+                </a:solidFill>
+              </a:rPr>
+              <a:t> un valor del </a:t>
+            </a:r>
+            <a:r>
+              <a:rPr lang="en-US" dirty="0" err="1">
+                <a:solidFill>
+                  <a:schemeClr val="tx1"/>
+                </a:solidFill>
+              </a:rPr>
+              <a:t>mismo</a:t>
+            </a:r>
+            <a:r>
+              <a:rPr lang="en-US" dirty="0">
+                <a:solidFill>
+                  <a:schemeClr val="tx1"/>
+                </a:solidFill>
+              </a:rPr>
+              <a:t> </a:t>
+            </a:r>
+            <a:r>
+              <a:rPr lang="en-US" dirty="0" err="1">
+                <a:solidFill>
+                  <a:schemeClr val="tx1"/>
+                </a:solidFill>
+              </a:rPr>
+              <a:t>tipo</a:t>
+            </a:r>
+            <a:r>
+              <a:rPr lang="en-US" dirty="0">
+                <a:solidFill>
+                  <a:schemeClr val="tx1"/>
+                </a:solidFill>
+              </a:rPr>
+              <a:t> de la </a:t>
+            </a:r>
+            <a:r>
+              <a:rPr lang="en-US" dirty="0" err="1">
+                <a:solidFill>
+                  <a:schemeClr val="tx1"/>
+                </a:solidFill>
+              </a:rPr>
+              <a:t>función</a:t>
+            </a:r>
+            <a:endParaRPr lang="en-US" dirty="0">
+              <a:solidFill>
+                <a:schemeClr val="tx1"/>
+              </a:solidFill>
+            </a:endParaRPr>
+          </a:p>
+          <a:p>
+            <a:pPr algn="ctr"/>
+            <a:r>
+              <a:rPr lang="en-US" dirty="0" err="1">
+                <a:solidFill>
+                  <a:schemeClr val="tx1"/>
+                </a:solidFill>
+              </a:rPr>
+              <a:t>En</a:t>
+            </a:r>
+            <a:r>
+              <a:rPr lang="en-US" dirty="0">
+                <a:solidFill>
+                  <a:schemeClr val="tx1"/>
+                </a:solidFill>
+              </a:rPr>
+              <a:t> un </a:t>
+            </a:r>
+            <a:r>
+              <a:rPr lang="en-US" dirty="0" err="1">
+                <a:solidFill>
+                  <a:schemeClr val="tx1"/>
+                </a:solidFill>
+              </a:rPr>
+              <a:t>procedimiento</a:t>
+            </a:r>
+            <a:r>
+              <a:rPr lang="en-US" dirty="0">
+                <a:solidFill>
+                  <a:schemeClr val="tx1"/>
+                </a:solidFill>
+              </a:rPr>
+              <a:t> se </a:t>
+            </a:r>
+            <a:r>
+              <a:rPr lang="en-US" dirty="0" err="1">
+                <a:solidFill>
+                  <a:schemeClr val="tx1"/>
+                </a:solidFill>
+              </a:rPr>
+              <a:t>usa</a:t>
+            </a:r>
+            <a:r>
+              <a:rPr lang="en-US" dirty="0">
+                <a:solidFill>
+                  <a:schemeClr val="tx1"/>
+                </a:solidFill>
+              </a:rPr>
+              <a:t> solo la palabra return para </a:t>
+            </a:r>
+            <a:r>
+              <a:rPr lang="en-US" dirty="0" err="1">
+                <a:solidFill>
+                  <a:schemeClr val="tx1"/>
+                </a:solidFill>
+              </a:rPr>
+              <a:t>finalizar</a:t>
+            </a:r>
+            <a:r>
+              <a:rPr lang="en-US" dirty="0">
+                <a:solidFill>
+                  <a:schemeClr val="tx1"/>
+                </a:solidFill>
+              </a:rPr>
+              <a:t> la </a:t>
+            </a:r>
+            <a:r>
+              <a:rPr lang="en-US" dirty="0" err="1">
+                <a:solidFill>
+                  <a:schemeClr val="tx1"/>
+                </a:solidFill>
+              </a:rPr>
+              <a:t>ejecución</a:t>
+            </a:r>
+            <a:endParaRPr lang="en-US" dirty="0">
+              <a:solidFill>
+                <a:schemeClr val="tx1"/>
+              </a:solidFill>
+            </a:endParaRPr>
+          </a:p>
+          <a:p>
+            <a:pPr algn="ctr"/>
+            <a:r>
+              <a:rPr lang="en-US" dirty="0">
+                <a:solidFill>
+                  <a:schemeClr val="tx1"/>
+                </a:solidFill>
+              </a:rPr>
+              <a:t>Las </a:t>
+            </a:r>
+            <a:r>
+              <a:rPr lang="en-US" dirty="0" err="1">
+                <a:solidFill>
+                  <a:schemeClr val="tx1"/>
+                </a:solidFill>
+              </a:rPr>
+              <a:t>instrucciones</a:t>
+            </a:r>
+            <a:r>
+              <a:rPr lang="en-US" dirty="0">
+                <a:solidFill>
+                  <a:schemeClr val="tx1"/>
+                </a:solidFill>
+              </a:rPr>
+              <a:t> que van </a:t>
+            </a:r>
+            <a:r>
+              <a:rPr lang="en-US" dirty="0" err="1">
+                <a:solidFill>
+                  <a:schemeClr val="tx1"/>
+                </a:solidFill>
+              </a:rPr>
+              <a:t>luego</a:t>
+            </a:r>
+            <a:r>
+              <a:rPr lang="en-US" dirty="0">
+                <a:solidFill>
+                  <a:schemeClr val="tx1"/>
+                </a:solidFill>
+              </a:rPr>
+              <a:t> de un return, no se </a:t>
+            </a:r>
+            <a:r>
+              <a:rPr lang="en-US" dirty="0" err="1">
+                <a:solidFill>
+                  <a:schemeClr val="tx1"/>
+                </a:solidFill>
+              </a:rPr>
+              <a:t>ejecutan</a:t>
+            </a:r>
+            <a:endParaRPr lang="es-CO" dirty="0">
+              <a:solidFill>
+                <a:schemeClr val="tx1"/>
+              </a:solidFill>
+            </a:endParaRPr>
+          </a:p>
+        </p:txBody>
+      </p:sp>
+    </p:spTree>
+    <p:extLst>
+      <p:ext uri="{BB962C8B-B14F-4D97-AF65-F5344CB8AC3E}">
+        <p14:creationId xmlns:p14="http://schemas.microsoft.com/office/powerpoint/2010/main" val="3794522921"/>
+      </p:ext>
+    </p:extLst>
+  </p:cSld>
+  <p:clrMapOvr>
+    <a:masterClrMapping/>
+  </p:clrMapOvr>
+</p:sld>
+</file>
+
+<file path=ppt/slides/slide11.xml><?xml version="1.0" encoding="utf-8"?>
+<p:sld xmlns:a="http://schemas.openxmlformats.org/drawingml/2006/main" xmlns:r="http://schemas.openxmlformats.org/officeDocument/2006/relationships" xmlns:p="http://schemas.openxmlformats.org/presentationml/2006/main">
+  <p:cSld>
+    <p:spTree>
+      <p:nvGrpSpPr>
+        <p:cNvPr id="1" name=""/>
+        <p:cNvGrpSpPr/>
+        <p:nvPr/>
+      </p:nvGrpSpPr>
+      <p:grpSpPr>
+        <a:xfrm>
+          <a:off x="0" y="0"/>
+          <a:ext cx="0" cy="0"/>
+          <a:chOff x="0" y="0"/>
+          <a:chExt cx="0" cy="0"/>
+        </a:xfrm>
+      </p:grpSpPr>
+      <p:sp>
+        <p:nvSpPr>
+          <p:cNvPr id="2" name="Título 1">
+            <a:extLst>
+              <a:ext uri="{FF2B5EF4-FFF2-40B4-BE49-F238E27FC236}">
+                <a16:creationId xmlns:a16="http://schemas.microsoft.com/office/drawing/2014/main" id="{5F1F3EA7-6335-4EC6-B98B-F46C788AAF37}"/>
+              </a:ext>
+            </a:extLst>
+          </p:cNvPr>
+          <p:cNvSpPr>
+            <a:spLocks noGrp="1"/>
+          </p:cNvSpPr>
+          <p:nvPr>
+            <p:ph type="title"/>
+          </p:nvPr>
+        </p:nvSpPr>
+        <p:spPr>
+          <a:xfrm>
+            <a:off x="4182534" y="820737"/>
+            <a:ext cx="5181600" cy="2125663"/>
+          </a:xfrm>
+        </p:spPr>
+        <p:txBody>
+          <a:bodyPr>
+            <a:normAutofit/>
+          </a:bodyPr>
+          <a:lstStyle/>
+          <a:p>
+            <a:pPr algn="ctr"/>
+            <a:r>
+              <a:rPr lang="es-CO" sz="6600" dirty="0"/>
+              <a:t>Preguntas</a:t>
+            </a:r>
+          </a:p>
+        </p:txBody>
+      </p:sp>
+      <p:pic>
+        <p:nvPicPr>
+          <p:cNvPr id="4" name="Imagen 3">
+            <a:extLst>
+              <a:ext uri="{FF2B5EF4-FFF2-40B4-BE49-F238E27FC236}">
+                <a16:creationId xmlns:a16="http://schemas.microsoft.com/office/drawing/2014/main" id="{0839DD33-E13C-4B9C-919E-71DF8A4D72AF}"/>
+              </a:ext>
+            </a:extLst>
+          </p:cNvPr>
+          <p:cNvPicPr>
+            <a:picLocks noChangeAspect="1"/>
+          </p:cNvPicPr>
+          <p:nvPr/>
+        </p:nvPicPr>
+        <p:blipFill>
+          <a:blip r:embed="rId2"/>
+          <a:stretch>
+            <a:fillRect/>
+          </a:stretch>
+        </p:blipFill>
+        <p:spPr>
+          <a:xfrm>
+            <a:off x="5324935" y="2946400"/>
+            <a:ext cx="2896797" cy="2579530"/>
+          </a:xfrm>
+          <a:prstGeom prst="rect">
+            <a:avLst/>
+          </a:prstGeom>
+        </p:spPr>
+      </p:pic>
+    </p:spTree>
+    <p:extLst>
+      <p:ext uri="{BB962C8B-B14F-4D97-AF65-F5344CB8AC3E}">
+        <p14:creationId xmlns:p14="http://schemas.microsoft.com/office/powerpoint/2010/main" val="539420690"/>
+      </p:ext>
+    </p:extLst>
+  </p:cSld>
+  <p:clrMapOvr>
+    <a:masterClrMapping/>
+  </p:clrMapOvr>
+</p:sld>
+</file>
+
 <file path=ppt/slides/slide2.xml><?xml version="1.0" encoding="utf-8"?>
 <p:sld xmlns:a="http://schemas.openxmlformats.org/drawingml/2006/main" xmlns:r="http://schemas.openxmlformats.org/officeDocument/2006/relationships" xmlns:p="http://schemas.openxmlformats.org/presentationml/2006/main">
   <p:cSld>
@@ -3444,7 +5202,7 @@
             <a:pPr algn="r"/>
             <a:r>
               <a:rPr lang="es-CO" dirty="0"/>
-              <a:t>Subrutinas</a:t>
+              <a:t>Funciones</a:t>
             </a:r>
           </a:p>
           <a:p>
@@ -3483,10 +5241,7 @@
           </a:p>
           <a:p>
             <a:pPr algn="r"/>
-            <a:r>
-              <a:rPr lang="es-CO" dirty="0" smtClean="0"/>
-              <a:t>2021</a:t>
-            </a:r>
+            <a:endParaRPr lang="es-CO" dirty="0"/>
           </a:p>
         </p:txBody>
       </p:sp>
@@ -3525,7 +5280,7 @@
           <p:cNvPr id="2" name="Título 1">
             <a:extLst>
               <a:ext uri="{FF2B5EF4-FFF2-40B4-BE49-F238E27FC236}">
-                <a16:creationId xmlns:a16="http://schemas.microsoft.com/office/drawing/2014/main" id="{77A4A303-FE82-4D74-A7B3-A2409F00E483}"/>
+                <a16:creationId xmlns:a16="http://schemas.microsoft.com/office/drawing/2014/main" id="{C247EADE-492C-4465-859C-B3CA20EB9D17}"/>
               </a:ext>
             </a:extLst>
           </p:cNvPr>
@@ -3538,38 +5293,10 @@
         </p:nvSpPr>
         <p:spPr>
           <a:xfrm>
-            <a:off x="949960" y="413809"/>
-            <a:ext cx="10446173" cy="1502305"/>
-          </a:xfrm>
-        </p:spPr>
-        <p:txBody>
-          <a:bodyPr/>
-          <a:lstStyle/>
-          <a:p>
-            <a:r>
-              <a:rPr lang="es-CO" dirty="0"/>
-              <a:t>Subrutinas: Funciones y Procedimientos</a:t>
-            </a:r>
-          </a:p>
-        </p:txBody>
-      </p:sp>
-      <p:sp>
-        <p:nvSpPr>
-          <p:cNvPr id="3" name="Marcador de contenido 2">
-            <a:extLst>
-              <a:ext uri="{FF2B5EF4-FFF2-40B4-BE49-F238E27FC236}">
-                <a16:creationId xmlns:a16="http://schemas.microsoft.com/office/drawing/2014/main" id="{489B1C32-3B01-4672-9BFA-550F4B10F29C}"/>
-              </a:ext>
-            </a:extLst>
-          </p:cNvPr>
-          <p:cNvSpPr>
-            <a:spLocks noGrp="1"/>
-          </p:cNvSpPr>
-          <p:nvPr>
-            <p:ph idx="1"/>
-          </p:nvPr>
-        </p:nvSpPr>
-        <p:spPr/>
+            <a:off x="949960" y="413810"/>
+            <a:ext cx="11917680" cy="824682"/>
+          </a:xfrm>
+        </p:spPr>
         <p:txBody>
           <a:bodyPr>
             <a:normAutofit/>
@@ -3577,62 +5304,19 @@
           <a:lstStyle/>
           <a:p>
             <a:r>
-              <a:rPr lang="es-CO" sz="2800" dirty="0"/>
-              <a:t>Son porciones de código pequeñas que realizan acciones puntuales</a:t>
-            </a:r>
-          </a:p>
-          <a:p>
-            <a:r>
-              <a:rPr lang="es-CO" sz="2800" dirty="0"/>
-              <a:t>Se utilizan para:</a:t>
-            </a:r>
-          </a:p>
-          <a:p>
-            <a:pPr lvl="1"/>
-            <a:r>
-              <a:rPr lang="es-CO" sz="2400" dirty="0"/>
-              <a:t>Subdividir los problemas diseñando soluciones sencillas</a:t>
-            </a:r>
-          </a:p>
-          <a:p>
-            <a:pPr lvl="1"/>
-            <a:r>
-              <a:rPr lang="es-CO" sz="2400" dirty="0"/>
-              <a:t>Reusar código</a:t>
-            </a:r>
-          </a:p>
-          <a:p>
-            <a:r>
-              <a:rPr lang="es-CO" sz="2800" dirty="0"/>
-              <a:t>Es posible que las subrutinas necesiten datos de entrada para ejecutar el proceso, a estos datos se les denomina </a:t>
-            </a:r>
-            <a:r>
-              <a:rPr lang="es-CO" sz="2800" u="sng" dirty="0">
-                <a:solidFill>
-                  <a:srgbClr val="FF0000"/>
-                </a:solidFill>
-              </a:rPr>
-              <a:t>parámetros</a:t>
-            </a:r>
-            <a:r>
-              <a:rPr lang="es-CO" sz="2800" dirty="0"/>
-              <a:t> o argumentos</a:t>
-            </a:r>
-          </a:p>
-          <a:p>
-            <a:r>
-              <a:rPr lang="es-CO" sz="2800" dirty="0"/>
-              <a:t>Ejemplo: Si se tiene una función que haga el cálculo del valor de las horas extras de un trabajador, deberá recibir como entrada el número de horas extras que el trabajador reportó y el valor de la hora.</a:t>
-            </a:r>
-          </a:p>
-        </p:txBody>
-      </p:sp>
-      <p:sp>
-        <p:nvSpPr>
-          <p:cNvPr id="4" name="CuadroTexto 3">
+              <a:rPr lang="es-ES" sz="4400" dirty="0"/>
+              <a:t>Contexto</a:t>
+            </a:r>
+            <a:endParaRPr lang="es-CO" sz="4400" dirty="0"/>
+          </a:p>
+        </p:txBody>
+      </p:sp>
+      <p:sp>
+        <p:nvSpPr>
+          <p:cNvPr id="3" name="CuadroTexto 2">
             <a:extLst>
               <a:ext uri="{FF2B5EF4-FFF2-40B4-BE49-F238E27FC236}">
-                <a16:creationId xmlns:a16="http://schemas.microsoft.com/office/drawing/2014/main" id="{6513AFB0-2F6E-49D5-9B85-E72C7716D1AB}"/>
+                <a16:creationId xmlns:a16="http://schemas.microsoft.com/office/drawing/2014/main" id="{107C17DF-F21B-4B6E-9EAB-EE943FE80FFB}"/>
               </a:ext>
             </a:extLst>
           </p:cNvPr>
@@ -3641,8 +5325,8 @@
         </p:nvSpPr>
         <p:spPr>
           <a:xfrm>
-            <a:off x="4842941" y="6028269"/>
-            <a:ext cx="5704126" cy="369332"/>
+            <a:off x="949960" y="1513271"/>
+            <a:ext cx="11649919" cy="707886"/>
           </a:xfrm>
           <a:prstGeom prst="rect">
             <a:avLst/>
@@ -3650,96 +5334,37 @@
           <a:noFill/>
         </p:spPr>
         <p:txBody>
-          <a:bodyPr wrap="none" rtlCol="0">
+          <a:bodyPr wrap="square" rtlCol="0">
             <a:spAutoFit/>
           </a:bodyPr>
           <a:lstStyle/>
           <a:p>
             <a:r>
-              <a:rPr lang="es-CO" dirty="0" err="1">
-                <a:solidFill>
-                  <a:srgbClr val="00B050"/>
-                </a:solidFill>
-              </a:rPr>
-              <a:t>SR_CalculaHExtra</a:t>
-            </a:r>
-            <a:r>
-              <a:rPr lang="es-CO" dirty="0"/>
-              <a:t>(</a:t>
-            </a:r>
-            <a:r>
-              <a:rPr lang="es-CO" b="1" dirty="0">
-                <a:solidFill>
-                  <a:schemeClr val="accent1">
-                    <a:lumMod val="75000"/>
-                  </a:schemeClr>
-                </a:solidFill>
-              </a:rPr>
-              <a:t>entero</a:t>
-            </a:r>
-            <a:r>
-              <a:rPr lang="es-CO" b="1" dirty="0">
-                <a:solidFill>
-                  <a:srgbClr val="FF0000"/>
-                </a:solidFill>
-              </a:rPr>
-              <a:t> </a:t>
-            </a:r>
-            <a:r>
-              <a:rPr lang="es-CO" b="1" dirty="0" err="1">
-                <a:solidFill>
-                  <a:srgbClr val="FF0000"/>
-                </a:solidFill>
-              </a:rPr>
-              <a:t>Cantidad_HE</a:t>
-            </a:r>
-            <a:r>
-              <a:rPr lang="es-CO" b="1" dirty="0">
-                <a:solidFill>
-                  <a:srgbClr val="FF0000"/>
-                </a:solidFill>
-              </a:rPr>
-              <a:t>, </a:t>
-            </a:r>
-            <a:r>
-              <a:rPr lang="es-CO" b="1" dirty="0">
-                <a:solidFill>
-                  <a:schemeClr val="accent1">
-                    <a:lumMod val="75000"/>
-                  </a:schemeClr>
-                </a:solidFill>
-              </a:rPr>
-              <a:t>entero</a:t>
-            </a:r>
-            <a:r>
-              <a:rPr lang="es-CO" b="1" dirty="0">
-                <a:solidFill>
-                  <a:srgbClr val="FF0000"/>
-                </a:solidFill>
-              </a:rPr>
-              <a:t> </a:t>
-            </a:r>
-            <a:r>
-              <a:rPr lang="es-CO" b="1" dirty="0" err="1">
-                <a:solidFill>
-                  <a:srgbClr val="FF0000"/>
-                </a:solidFill>
-              </a:rPr>
-              <a:t>valor_hora</a:t>
-            </a:r>
-            <a:r>
-              <a:rPr lang="es-CO" dirty="0"/>
-              <a:t>)</a:t>
-            </a:r>
-          </a:p>
-        </p:txBody>
-      </p:sp>
-      <p:sp>
-        <p:nvSpPr>
-          <p:cNvPr id="5" name="Cerrar llave 4">
+              <a:rPr lang="es-ES" sz="2000" dirty="0"/>
+              <a:t>Pensemos en un programa principal (</a:t>
+            </a:r>
+            <a:r>
+              <a:rPr lang="es-ES" sz="2000" dirty="0" err="1"/>
+              <a:t>main</a:t>
+            </a:r>
+            <a:r>
+              <a:rPr lang="es-ES" sz="2000" dirty="0"/>
+              <a:t>), que necesita implementar las 4 operaciones básicas:  Suma</a:t>
+            </a:r>
+            <a:r>
+              <a:rPr lang="es-CO" sz="2000" dirty="0"/>
+              <a:t>r, Restar, Multiplicar, Dividir. Cómo lo podemos implementar?</a:t>
+            </a:r>
+            <a:endParaRPr lang="es-ES" sz="2000" dirty="0"/>
+          </a:p>
+        </p:txBody>
+      </p:sp>
+      <p:sp>
+        <p:nvSpPr>
+          <p:cNvPr id="4" name="Rectángulo 3">
             <a:extLst>
               <a:ext uri="{FF2B5EF4-FFF2-40B4-BE49-F238E27FC236}">
-                <a16:creationId xmlns:a16="http://schemas.microsoft.com/office/drawing/2014/main" id="{932C8AB7-22E6-4174-A50A-329787BA46A9}"/>
+                <a16:creationId xmlns:a16="http://schemas.microsoft.com/office/drawing/2014/main" id="{A8FB84F7-E7D6-4D16-B6C5-2999D84DB5EC}"/>
               </a:ext>
             </a:extLst>
           </p:cNvPr>
@@ -3747,34 +5372,429 @@
           <p:nvPr/>
         </p:nvSpPr>
         <p:spPr>
-          <a:xfrm rot="5400000">
-            <a:off x="8498847" y="4787769"/>
-            <a:ext cx="45719" cy="3547533"/>
-          </a:xfrm>
-          <a:prstGeom prst="rightBrace">
+          <a:xfrm>
+            <a:off x="1012784" y="2627321"/>
+            <a:ext cx="4271058" cy="4317490"/>
+          </a:xfrm>
+          <a:prstGeom prst="rect">
             <a:avLst/>
           </a:prstGeom>
+          <a:ln w="38100"/>
         </p:spPr>
         <p:style>
-          <a:lnRef idx="1">
+          <a:lnRef idx="2">
             <a:schemeClr val="accent1"/>
           </a:lnRef>
-          <a:fillRef idx="0">
-            <a:schemeClr val="accent1"/>
+          <a:fillRef idx="1">
+            <a:schemeClr val="lt1"/>
           </a:fillRef>
           <a:effectRef idx="0">
             <a:schemeClr val="accent1"/>
           </a:effectRef>
           <a:fontRef idx="minor">
-            <a:schemeClr val="tx1"/>
+            <a:schemeClr val="dk1"/>
           </a:fontRef>
         </p:style>
         <p:txBody>
-          <a:bodyPr rtlCol="0" anchor="ctr"/>
-          <a:lstStyle/>
-          <a:p>
-            <a:pPr algn="ctr"/>
-            <a:endParaRPr lang="es-CO"/>
+          <a:bodyPr rtlCol="0" anchor="t"/>
+          <a:lstStyle/>
+          <a:p>
+            <a:r>
+              <a:rPr lang="es-ES" sz="1600" dirty="0"/>
+              <a:t>Con condicional </a:t>
+            </a:r>
+            <a:r>
+              <a:rPr lang="es-ES" sz="1600" dirty="0" err="1"/>
+              <a:t>if</a:t>
+            </a:r>
+            <a:r>
+              <a:rPr lang="es-ES" sz="1600" dirty="0"/>
+              <a:t>:</a:t>
+            </a:r>
+          </a:p>
+          <a:p>
+            <a:r>
+              <a:rPr lang="es-ES" sz="1600" dirty="0" err="1"/>
+              <a:t>main</a:t>
+            </a:r>
+            <a:r>
+              <a:rPr lang="es-ES" sz="1600" dirty="0"/>
+              <a:t>() {</a:t>
+            </a:r>
+          </a:p>
+          <a:p>
+            <a:pPr lvl="1"/>
+            <a:r>
+              <a:rPr lang="es-ES" sz="1600" dirty="0" err="1"/>
+              <a:t>Int</a:t>
+            </a:r>
+            <a:r>
+              <a:rPr lang="es-ES" sz="1600" dirty="0"/>
+              <a:t> a=0,b=0, resultado=0</a:t>
+            </a:r>
+          </a:p>
+          <a:p>
+            <a:pPr lvl="1"/>
+            <a:r>
+              <a:rPr lang="es-ES" sz="1600" dirty="0"/>
+              <a:t>Leer a, b</a:t>
+            </a:r>
+          </a:p>
+          <a:p>
+            <a:pPr lvl="1"/>
+            <a:r>
+              <a:rPr lang="es-ES" sz="1600" dirty="0" err="1"/>
+              <a:t>If</a:t>
+            </a:r>
+            <a:r>
+              <a:rPr lang="es-ES" sz="1600" dirty="0"/>
+              <a:t> operación == “Sumar”</a:t>
+            </a:r>
+          </a:p>
+          <a:p>
+            <a:pPr lvl="1"/>
+            <a:r>
+              <a:rPr lang="es-ES" sz="1600" dirty="0"/>
+              <a:t>	resultado = </a:t>
+            </a:r>
+            <a:r>
+              <a:rPr lang="es-ES" sz="1600" dirty="0" err="1"/>
+              <a:t>a+b</a:t>
+            </a:r>
+            <a:endParaRPr lang="es-ES" sz="1600" dirty="0"/>
+          </a:p>
+          <a:p>
+            <a:pPr lvl="1"/>
+            <a:r>
+              <a:rPr lang="es-ES" sz="1600" dirty="0" err="1"/>
+              <a:t>Else</a:t>
+            </a:r>
+            <a:r>
+              <a:rPr lang="es-ES" sz="1600" dirty="0"/>
+              <a:t> </a:t>
+            </a:r>
+            <a:r>
+              <a:rPr lang="es-ES" sz="1600" dirty="0" err="1"/>
+              <a:t>If</a:t>
+            </a:r>
+            <a:r>
+              <a:rPr lang="es-ES" sz="1600" dirty="0"/>
+              <a:t> operación == “Restar”</a:t>
+            </a:r>
+          </a:p>
+          <a:p>
+            <a:pPr lvl="1"/>
+            <a:r>
+              <a:rPr lang="es-ES" sz="1600" dirty="0"/>
+              <a:t>	resultado = a-b</a:t>
+            </a:r>
+          </a:p>
+          <a:p>
+            <a:pPr lvl="1"/>
+            <a:r>
+              <a:rPr lang="es-ES" sz="1600" dirty="0" err="1"/>
+              <a:t>Else</a:t>
+            </a:r>
+            <a:r>
+              <a:rPr lang="es-ES" sz="1600" dirty="0"/>
+              <a:t> </a:t>
+            </a:r>
+            <a:r>
+              <a:rPr lang="es-ES" sz="1600" dirty="0" err="1"/>
+              <a:t>If</a:t>
+            </a:r>
+            <a:r>
+              <a:rPr lang="es-ES" sz="1600" dirty="0"/>
+              <a:t>  operación == “Multiplicar”</a:t>
+            </a:r>
+          </a:p>
+          <a:p>
+            <a:pPr lvl="1"/>
+            <a:r>
+              <a:rPr lang="es-ES" sz="1600" dirty="0"/>
+              <a:t>	resultado = </a:t>
+            </a:r>
+            <a:r>
+              <a:rPr lang="es-ES" sz="1600" dirty="0" err="1"/>
+              <a:t>axb</a:t>
+            </a:r>
+            <a:endParaRPr lang="es-ES" sz="1600" dirty="0"/>
+          </a:p>
+          <a:p>
+            <a:pPr lvl="1"/>
+            <a:r>
+              <a:rPr lang="es-ES" sz="1600" dirty="0" err="1"/>
+              <a:t>Else</a:t>
+            </a:r>
+            <a:r>
+              <a:rPr lang="es-ES" sz="1600" dirty="0"/>
+              <a:t> </a:t>
+            </a:r>
+            <a:r>
+              <a:rPr lang="es-ES" sz="1600" dirty="0" err="1"/>
+              <a:t>if</a:t>
+            </a:r>
+            <a:r>
+              <a:rPr lang="es-ES" sz="1600" dirty="0"/>
+              <a:t> operación == “Dividir”{</a:t>
+            </a:r>
+          </a:p>
+          <a:p>
+            <a:pPr lvl="1"/>
+            <a:r>
+              <a:rPr lang="es-ES" sz="1600" dirty="0"/>
+              <a:t>	</a:t>
+            </a:r>
+            <a:r>
+              <a:rPr lang="es-ES" sz="1600" dirty="0" err="1"/>
+              <a:t>if</a:t>
+            </a:r>
+            <a:r>
+              <a:rPr lang="es-ES" sz="1600" dirty="0"/>
+              <a:t> (b&gt;0)</a:t>
+            </a:r>
+          </a:p>
+          <a:p>
+            <a:pPr lvl="1"/>
+            <a:r>
+              <a:rPr lang="es-ES" sz="1600" dirty="0"/>
+              <a:t>		resultado = a/b</a:t>
+            </a:r>
+          </a:p>
+          <a:p>
+            <a:pPr lvl="1"/>
+            <a:r>
+              <a:rPr lang="es-ES" sz="1600" dirty="0"/>
+              <a:t>	</a:t>
+            </a:r>
+            <a:r>
+              <a:rPr lang="es-ES" sz="1600" dirty="0" err="1"/>
+              <a:t>else</a:t>
+            </a:r>
+            <a:endParaRPr lang="es-ES" sz="1600" dirty="0"/>
+          </a:p>
+          <a:p>
+            <a:pPr lvl="1"/>
+            <a:r>
+              <a:rPr lang="es-ES" sz="1600" dirty="0"/>
+              <a:t>		resultado = “error”</a:t>
+            </a:r>
+          </a:p>
+          <a:p>
+            <a:pPr lvl="1"/>
+            <a:r>
+              <a:rPr lang="es-ES" sz="1600" dirty="0"/>
+              <a:t>}</a:t>
+            </a:r>
+          </a:p>
+          <a:p>
+            <a:r>
+              <a:rPr lang="es-ES" sz="1600" dirty="0"/>
+              <a:t>}</a:t>
+            </a:r>
+          </a:p>
+        </p:txBody>
+      </p:sp>
+      <p:sp>
+        <p:nvSpPr>
+          <p:cNvPr id="5" name="Rectángulo 4">
+            <a:extLst>
+              <a:ext uri="{FF2B5EF4-FFF2-40B4-BE49-F238E27FC236}">
+                <a16:creationId xmlns:a16="http://schemas.microsoft.com/office/drawing/2014/main" id="{5E88ECD4-4254-40D7-ABCA-107585864AFB}"/>
+              </a:ext>
+            </a:extLst>
+          </p:cNvPr>
+          <p:cNvSpPr/>
+          <p:nvPr/>
+        </p:nvSpPr>
+        <p:spPr>
+          <a:xfrm>
+            <a:off x="5528840" y="2627189"/>
+            <a:ext cx="4271058" cy="4317490"/>
+          </a:xfrm>
+          <a:prstGeom prst="rect">
+            <a:avLst/>
+          </a:prstGeom>
+          <a:ln w="38100"/>
+        </p:spPr>
+        <p:style>
+          <a:lnRef idx="2">
+            <a:schemeClr val="accent6"/>
+          </a:lnRef>
+          <a:fillRef idx="1">
+            <a:schemeClr val="lt1"/>
+          </a:fillRef>
+          <a:effectRef idx="0">
+            <a:schemeClr val="accent6"/>
+          </a:effectRef>
+          <a:fontRef idx="minor">
+            <a:schemeClr val="dk1"/>
+          </a:fontRef>
+        </p:style>
+        <p:txBody>
+          <a:bodyPr rtlCol="0" anchor="t"/>
+          <a:lstStyle/>
+          <a:p>
+            <a:r>
+              <a:rPr lang="es-ES" sz="1600" dirty="0"/>
+              <a:t>Con condicional switch-case:</a:t>
+            </a:r>
+          </a:p>
+          <a:p>
+            <a:r>
+              <a:rPr lang="es-ES" sz="1600" dirty="0" err="1"/>
+              <a:t>main</a:t>
+            </a:r>
+            <a:r>
+              <a:rPr lang="es-ES" sz="1600" dirty="0"/>
+              <a:t>() {</a:t>
+            </a:r>
+          </a:p>
+          <a:p>
+            <a:pPr lvl="1"/>
+            <a:r>
+              <a:rPr lang="es-ES" sz="1600" dirty="0" err="1"/>
+              <a:t>Int</a:t>
+            </a:r>
+            <a:r>
+              <a:rPr lang="es-ES" sz="1600" dirty="0"/>
+              <a:t> a=0,b=0, resultado=0</a:t>
+            </a:r>
+          </a:p>
+          <a:p>
+            <a:pPr lvl="1"/>
+            <a:r>
+              <a:rPr lang="es-ES" sz="1600" dirty="0"/>
+              <a:t>Leer a, b</a:t>
+            </a:r>
+          </a:p>
+          <a:p>
+            <a:pPr lvl="1"/>
+            <a:r>
+              <a:rPr lang="es-ES" sz="1600" dirty="0"/>
+              <a:t>Switch (</a:t>
+            </a:r>
+            <a:r>
+              <a:rPr lang="es-ES" sz="1600" dirty="0" err="1"/>
+              <a:t>operacion</a:t>
+            </a:r>
+            <a:r>
+              <a:rPr lang="es-ES" sz="1600" dirty="0"/>
+              <a:t>)</a:t>
+            </a:r>
+          </a:p>
+          <a:p>
+            <a:pPr lvl="1"/>
+            <a:r>
+              <a:rPr lang="es-ES" sz="1600" dirty="0"/>
+              <a:t>Case “Sumar”:  resultado = </a:t>
+            </a:r>
+            <a:r>
+              <a:rPr lang="es-ES" sz="1600" dirty="0" err="1"/>
+              <a:t>a+b</a:t>
+            </a:r>
+            <a:endParaRPr lang="es-ES" sz="1600" dirty="0"/>
+          </a:p>
+          <a:p>
+            <a:pPr lvl="1"/>
+            <a:r>
+              <a:rPr lang="es-ES" sz="1600" dirty="0"/>
+              <a:t>	break</a:t>
+            </a:r>
+          </a:p>
+          <a:p>
+            <a:pPr lvl="1"/>
+            <a:r>
+              <a:rPr lang="es-ES" sz="1600" dirty="0"/>
+              <a:t>Case “Restar”: resultado = a-b</a:t>
+            </a:r>
+          </a:p>
+          <a:p>
+            <a:pPr lvl="1"/>
+            <a:r>
+              <a:rPr lang="es-ES" sz="1600" dirty="0"/>
+              <a:t>	break</a:t>
+            </a:r>
+          </a:p>
+          <a:p>
+            <a:pPr lvl="1"/>
+            <a:r>
+              <a:rPr lang="es-ES" sz="1600" dirty="0"/>
+              <a:t>Case “Multiplicar”:  resultado = </a:t>
+            </a:r>
+            <a:r>
+              <a:rPr lang="es-ES" sz="1600" dirty="0" err="1"/>
+              <a:t>axb</a:t>
+            </a:r>
+            <a:endParaRPr lang="es-ES" sz="1600" dirty="0"/>
+          </a:p>
+          <a:p>
+            <a:pPr lvl="1"/>
+            <a:r>
+              <a:rPr lang="es-ES" sz="1600" dirty="0"/>
+              <a:t>	break</a:t>
+            </a:r>
+          </a:p>
+          <a:p>
+            <a:pPr lvl="1"/>
+            <a:r>
+              <a:rPr lang="es-ES" sz="1600" dirty="0"/>
+              <a:t>Case “Dividir”: {</a:t>
+            </a:r>
+          </a:p>
+          <a:p>
+            <a:pPr lvl="1"/>
+            <a:r>
+              <a:rPr lang="es-ES" sz="1600" dirty="0"/>
+              <a:t>	</a:t>
+            </a:r>
+            <a:r>
+              <a:rPr lang="es-ES" sz="1600" dirty="0" err="1"/>
+              <a:t>if</a:t>
+            </a:r>
+            <a:r>
+              <a:rPr lang="es-ES" sz="1600" dirty="0"/>
+              <a:t> (b&gt;0)</a:t>
+            </a:r>
+          </a:p>
+          <a:p>
+            <a:pPr lvl="1"/>
+            <a:r>
+              <a:rPr lang="es-ES" sz="1600" dirty="0"/>
+              <a:t>		resultado = a/b</a:t>
+            </a:r>
+          </a:p>
+          <a:p>
+            <a:pPr lvl="1"/>
+            <a:r>
+              <a:rPr lang="es-ES" sz="1600" dirty="0"/>
+              <a:t>	</a:t>
+            </a:r>
+            <a:r>
+              <a:rPr lang="es-ES" sz="1600" dirty="0" err="1"/>
+              <a:t>else</a:t>
+            </a:r>
+            <a:endParaRPr lang="es-ES" sz="1600" dirty="0"/>
+          </a:p>
+          <a:p>
+            <a:pPr lvl="1"/>
+            <a:r>
+              <a:rPr lang="es-ES" sz="1600" dirty="0"/>
+              <a:t>		resultado = “error”</a:t>
+            </a:r>
+          </a:p>
+          <a:p>
+            <a:pPr lvl="1"/>
+            <a:r>
+              <a:rPr lang="es-ES" sz="1600" dirty="0"/>
+              <a:t>}</a:t>
+            </a:r>
+          </a:p>
+          <a:p>
+            <a:r>
+              <a:rPr lang="es-ES" sz="1600" dirty="0"/>
+              <a:t>}</a:t>
+            </a:r>
           </a:p>
         </p:txBody>
       </p:sp>
@@ -3783,7 +5803,7 @@
           <p:cNvPr id="6" name="CuadroTexto 5">
             <a:extLst>
               <a:ext uri="{FF2B5EF4-FFF2-40B4-BE49-F238E27FC236}">
-                <a16:creationId xmlns:a16="http://schemas.microsoft.com/office/drawing/2014/main" id="{E00F02A1-C857-40B0-84E3-C879AE45FFE8}"/>
+                <a16:creationId xmlns:a16="http://schemas.microsoft.com/office/drawing/2014/main" id="{692B63A4-F74F-420F-98C4-A7B442444BE8}"/>
               </a:ext>
             </a:extLst>
           </p:cNvPr>
@@ -3792,8 +5812,8 @@
         </p:nvSpPr>
         <p:spPr>
           <a:xfrm>
-            <a:off x="7695004" y="6725470"/>
-            <a:ext cx="1258486" cy="369332"/>
+            <a:off x="10162573" y="2572126"/>
+            <a:ext cx="2986268" cy="2862322"/>
           </a:xfrm>
           <a:prstGeom prst="rect">
             <a:avLst/>
@@ -3801,107 +5821,308 @@
           <a:noFill/>
         </p:spPr>
         <p:txBody>
-          <a:bodyPr wrap="none" rtlCol="0">
+          <a:bodyPr wrap="square" rtlCol="0">
             <a:spAutoFit/>
           </a:bodyPr>
           <a:lstStyle/>
           <a:p>
             <a:r>
-              <a:rPr lang="es-CO" dirty="0"/>
-              <a:t>Parámetros</a:t>
-            </a:r>
-          </a:p>
-        </p:txBody>
-      </p:sp>
-      <p:sp>
-        <p:nvSpPr>
-          <p:cNvPr id="7" name="Cerrar llave 6">
+              <a:rPr lang="es-ES" dirty="0"/>
+              <a:t>¿Si necesito usar estas operaciones desde otro </a:t>
+            </a:r>
+            <a:r>
+              <a:rPr lang="es-ES" dirty="0" err="1"/>
+              <a:t>main</a:t>
+            </a:r>
+            <a:r>
+              <a:rPr lang="es-ES" dirty="0"/>
+              <a:t>, se podrían usar?</a:t>
+            </a:r>
+          </a:p>
+          <a:p>
+            <a:endParaRPr lang="es-ES" dirty="0"/>
+          </a:p>
+          <a:p>
+            <a:r>
+              <a:rPr lang="es-ES" dirty="0"/>
+              <a:t>NO, las operaciones solo funcionan respectivamente para cada </a:t>
+            </a:r>
+            <a:r>
+              <a:rPr lang="es-ES" dirty="0" err="1"/>
+              <a:t>main</a:t>
+            </a:r>
+            <a:r>
+              <a:rPr lang="es-ES" dirty="0"/>
+              <a:t>.</a:t>
+            </a:r>
+          </a:p>
+          <a:p>
+            <a:endParaRPr lang="es-ES" dirty="0"/>
+          </a:p>
+          <a:p>
+            <a:r>
+              <a:rPr lang="es-ES" dirty="0"/>
+              <a:t>Habría que volverlas a escribir…</a:t>
+            </a:r>
+            <a:endParaRPr lang="es-CO" dirty="0"/>
+          </a:p>
+        </p:txBody>
+      </p:sp>
+      <p:pic>
+        <p:nvPicPr>
+          <p:cNvPr id="8" name="Imagen 7">
             <a:extLst>
               <a:ext uri="{FF2B5EF4-FFF2-40B4-BE49-F238E27FC236}">
-                <a16:creationId xmlns:a16="http://schemas.microsoft.com/office/drawing/2014/main" id="{835CA61F-8CE8-43EB-A912-4BC0C9284C58}"/>
+                <a16:creationId xmlns:a16="http://schemas.microsoft.com/office/drawing/2014/main" id="{5E9429E8-2891-45B6-AF1F-70A7B4F827AF}"/>
               </a:ext>
             </a:extLst>
           </p:cNvPr>
-          <p:cNvSpPr/>
+          <p:cNvPicPr>
+            <a:picLocks noChangeAspect="1"/>
+          </p:cNvPicPr>
           <p:nvPr/>
-        </p:nvSpPr>
-        <p:spPr>
-          <a:xfrm rot="5400000">
-            <a:off x="5710284" y="5775338"/>
-            <a:ext cx="94112" cy="1524001"/>
-          </a:xfrm>
-          <a:prstGeom prst="rightBrace">
-            <a:avLst/>
-          </a:prstGeom>
-        </p:spPr>
-        <p:style>
-          <a:lnRef idx="1">
-            <a:schemeClr val="accent1"/>
-          </a:lnRef>
-          <a:fillRef idx="0">
-            <a:schemeClr val="accent1"/>
-          </a:fillRef>
-          <a:effectRef idx="0">
-            <a:schemeClr val="accent1"/>
-          </a:effectRef>
-          <a:fontRef idx="minor">
-            <a:schemeClr val="tx1"/>
-          </a:fontRef>
-        </p:style>
-        <p:txBody>
-          <a:bodyPr rtlCol="0" anchor="ctr"/>
-          <a:lstStyle/>
-          <a:p>
-            <a:pPr algn="ctr"/>
-            <a:endParaRPr lang="es-CO"/>
-          </a:p>
-        </p:txBody>
-      </p:sp>
-      <p:sp>
-        <p:nvSpPr>
-          <p:cNvPr id="8" name="CuadroTexto 7">
-            <a:extLst>
-              <a:ext uri="{FF2B5EF4-FFF2-40B4-BE49-F238E27FC236}">
-                <a16:creationId xmlns:a16="http://schemas.microsoft.com/office/drawing/2014/main" id="{97064AFC-3BBE-4E9B-A1CD-470429774C3D}"/>
-              </a:ext>
-            </a:extLst>
-          </p:cNvPr>
-          <p:cNvSpPr txBox="1"/>
-          <p:nvPr/>
-        </p:nvSpPr>
+        </p:nvPicPr>
+        <p:blipFill>
+          <a:blip r:embed="rId2"/>
+          <a:stretch>
+            <a:fillRect/>
+          </a:stretch>
+        </p:blipFill>
         <p:spPr>
           <a:xfrm>
-            <a:off x="4772496" y="6660403"/>
-            <a:ext cx="1904880" cy="369332"/>
+            <a:off x="11085255" y="5709693"/>
+            <a:ext cx="1416123" cy="1206562"/>
           </a:xfrm>
           <a:prstGeom prst="rect">
             <a:avLst/>
           </a:prstGeom>
-          <a:noFill/>
-        </p:spPr>
-        <p:txBody>
-          <a:bodyPr wrap="none" rtlCol="0">
-            <a:spAutoFit/>
-          </a:bodyPr>
-          <a:lstStyle/>
-          <a:p>
-            <a:r>
-              <a:rPr lang="es-CO" dirty="0"/>
-              <a:t>Nombre subrutina</a:t>
-            </a:r>
-          </a:p>
-        </p:txBody>
-      </p:sp>
+        </p:spPr>
+      </p:pic>
     </p:spTree>
     <p:extLst>
       <p:ext uri="{BB962C8B-B14F-4D97-AF65-F5344CB8AC3E}">
-        <p14:creationId xmlns:p14="http://schemas.microsoft.com/office/powerpoint/2010/main" val="81773568"/>
+        <p14:creationId xmlns:p14="http://schemas.microsoft.com/office/powerpoint/2010/main" val="1556975535"/>
       </p:ext>
     </p:extLst>
   </p:cSld>
   <p:clrMapOvr>
     <a:masterClrMapping/>
   </p:clrMapOvr>
+  <p:timing>
+    <p:tnLst>
+      <p:par>
+        <p:cTn id="1" dur="indefinite" restart="never" nodeType="tmRoot">
+          <p:childTnLst>
+            <p:seq concurrent="1" nextAc="seek">
+              <p:cTn id="2" dur="indefinite" nodeType="mainSeq">
+                <p:childTnLst>
+                  <p:par>
+                    <p:cTn id="3" fill="hold">
+                      <p:stCondLst>
+                        <p:cond delay="indefinite"/>
+                      </p:stCondLst>
+                      <p:childTnLst>
+                        <p:par>
+                          <p:cTn id="4" fill="hold">
+                            <p:stCondLst>
+                              <p:cond delay="0"/>
+                            </p:stCondLst>
+                            <p:childTnLst>
+                              <p:par>
+                                <p:cTn id="5" presetID="1" presetClass="entr" presetSubtype="0" fill="hold" grpId="0" nodeType="clickEffect">
+                                  <p:stCondLst>
+                                    <p:cond delay="0"/>
+                                  </p:stCondLst>
+                                  <p:childTnLst>
+                                    <p:set>
+                                      <p:cBhvr>
+                                        <p:cTn id="6" dur="1" fill="hold">
+                                          <p:stCondLst>
+                                            <p:cond delay="0"/>
+                                          </p:stCondLst>
+                                        </p:cTn>
+                                        <p:tgtEl>
+                                          <p:spTgt spid="4"/>
+                                        </p:tgtEl>
+                                        <p:attrNameLst>
+                                          <p:attrName>style.visibility</p:attrName>
+                                        </p:attrNameLst>
+                                      </p:cBhvr>
+                                      <p:to>
+                                        <p:strVal val="visible"/>
+                                      </p:to>
+                                    </p:set>
+                                  </p:childTnLst>
+                                </p:cTn>
+                              </p:par>
+                            </p:childTnLst>
+                          </p:cTn>
+                        </p:par>
+                      </p:childTnLst>
+                    </p:cTn>
+                  </p:par>
+                  <p:par>
+                    <p:cTn id="7" fill="hold">
+                      <p:stCondLst>
+                        <p:cond delay="indefinite"/>
+                      </p:stCondLst>
+                      <p:childTnLst>
+                        <p:par>
+                          <p:cTn id="8" fill="hold">
+                            <p:stCondLst>
+                              <p:cond delay="0"/>
+                            </p:stCondLst>
+                            <p:childTnLst>
+                              <p:par>
+                                <p:cTn id="9" presetID="1" presetClass="entr" presetSubtype="0" fill="hold" grpId="0" nodeType="clickEffect">
+                                  <p:stCondLst>
+                                    <p:cond delay="0"/>
+                                  </p:stCondLst>
+                                  <p:childTnLst>
+                                    <p:set>
+                                      <p:cBhvr>
+                                        <p:cTn id="10" dur="1" fill="hold">
+                                          <p:stCondLst>
+                                            <p:cond delay="0"/>
+                                          </p:stCondLst>
+                                        </p:cTn>
+                                        <p:tgtEl>
+                                          <p:spTgt spid="5"/>
+                                        </p:tgtEl>
+                                        <p:attrNameLst>
+                                          <p:attrName>style.visibility</p:attrName>
+                                        </p:attrNameLst>
+                                      </p:cBhvr>
+                                      <p:to>
+                                        <p:strVal val="visible"/>
+                                      </p:to>
+                                    </p:set>
+                                  </p:childTnLst>
+                                </p:cTn>
+                              </p:par>
+                            </p:childTnLst>
+                          </p:cTn>
+                        </p:par>
+                      </p:childTnLst>
+                    </p:cTn>
+                  </p:par>
+                  <p:par>
+                    <p:cTn id="11" fill="hold">
+                      <p:stCondLst>
+                        <p:cond delay="indefinite"/>
+                      </p:stCondLst>
+                      <p:childTnLst>
+                        <p:par>
+                          <p:cTn id="12" fill="hold">
+                            <p:stCondLst>
+                              <p:cond delay="0"/>
+                            </p:stCondLst>
+                            <p:childTnLst>
+                              <p:par>
+                                <p:cTn id="13" presetID="1" presetClass="entr" presetSubtype="0" fill="hold" grpId="0" nodeType="clickEffect">
+                                  <p:stCondLst>
+                                    <p:cond delay="0"/>
+                                  </p:stCondLst>
+                                  <p:childTnLst>
+                                    <p:set>
+                                      <p:cBhvr>
+                                        <p:cTn id="14" dur="1" fill="hold">
+                                          <p:stCondLst>
+                                            <p:cond delay="0"/>
+                                          </p:stCondLst>
+                                        </p:cTn>
+                                        <p:tgtEl>
+                                          <p:spTgt spid="6"/>
+                                        </p:tgtEl>
+                                        <p:attrNameLst>
+                                          <p:attrName>style.visibility</p:attrName>
+                                        </p:attrNameLst>
+                                      </p:cBhvr>
+                                      <p:to>
+                                        <p:strVal val="visible"/>
+                                      </p:to>
+                                    </p:set>
+                                  </p:childTnLst>
+                                </p:cTn>
+                              </p:par>
+                            </p:childTnLst>
+                          </p:cTn>
+                        </p:par>
+                      </p:childTnLst>
+                    </p:cTn>
+                  </p:par>
+                  <p:par>
+                    <p:cTn id="15" fill="hold">
+                      <p:stCondLst>
+                        <p:cond delay="indefinite"/>
+                      </p:stCondLst>
+                      <p:childTnLst>
+                        <p:par>
+                          <p:cTn id="16" fill="hold">
+                            <p:stCondLst>
+                              <p:cond delay="0"/>
+                            </p:stCondLst>
+                            <p:childTnLst>
+                              <p:par>
+                                <p:cTn id="17" presetID="1" presetClass="entr" presetSubtype="0" fill="hold" nodeType="clickEffect">
+                                  <p:stCondLst>
+                                    <p:cond delay="0"/>
+                                  </p:stCondLst>
+                                  <p:childTnLst>
+                                    <p:set>
+                                      <p:cBhvr>
+                                        <p:cTn id="18" dur="1" fill="hold">
+                                          <p:stCondLst>
+                                            <p:cond delay="0"/>
+                                          </p:stCondLst>
+                                        </p:cTn>
+                                        <p:tgtEl>
+                                          <p:spTgt spid="8"/>
+                                        </p:tgtEl>
+                                        <p:attrNameLst>
+                                          <p:attrName>style.visibility</p:attrName>
+                                        </p:attrNameLst>
+                                      </p:cBhvr>
+                                      <p:to>
+                                        <p:strVal val="visible"/>
+                                      </p:to>
+                                    </p:set>
+                                  </p:childTnLst>
+                                </p:cTn>
+                              </p:par>
+                            </p:childTnLst>
+                          </p:cTn>
+                        </p:par>
+                      </p:childTnLst>
+                    </p:cTn>
+                  </p:par>
+                </p:childTnLst>
+              </p:cTn>
+              <p:prevCondLst>
+                <p:cond evt="onPrev" delay="0">
+                  <p:tgtEl>
+                    <p:sldTgt/>
+                  </p:tgtEl>
+                </p:cond>
+              </p:prevCondLst>
+              <p:nextCondLst>
+                <p:cond evt="onNext" delay="0">
+                  <p:tgtEl>
+                    <p:sldTgt/>
+                  </p:tgtEl>
+                </p:cond>
+              </p:nextCondLst>
+            </p:seq>
+          </p:childTnLst>
+        </p:cTn>
+      </p:par>
+    </p:tnLst>
+    <p:bldLst>
+      <p:bldP spid="4" grpId="0" animBg="1"/>
+      <p:bldP spid="5" grpId="0" animBg="1"/>
+      <p:bldP spid="6" grpId="0"/>
+    </p:bldLst>
+  </p:timing>
 </p:sld>
 </file>
 
@@ -3924,10 +6145,10 @@
       </p:grpSpPr>
       <p:sp>
         <p:nvSpPr>
-          <p:cNvPr id="2" name="Título 1">
+          <p:cNvPr id="5" name="Título 1">
             <a:extLst>
               <a:ext uri="{FF2B5EF4-FFF2-40B4-BE49-F238E27FC236}">
-                <a16:creationId xmlns:a16="http://schemas.microsoft.com/office/drawing/2014/main" id="{1E0ECD6D-4D34-4111-A036-1573005B3027}"/>
+                <a16:creationId xmlns:a16="http://schemas.microsoft.com/office/drawing/2014/main" id="{8B02B7D0-777F-4EC3-A90A-DE06C40905D1}"/>
               </a:ext>
             </a:extLst>
           </p:cNvPr>
@@ -3938,24 +6159,32 @@
             <p:ph type="title"/>
           </p:nvPr>
         </p:nvSpPr>
-        <p:spPr/>
-        <p:txBody>
-          <a:bodyPr/>
-          <a:lstStyle/>
-          <a:p>
-            <a:r>
-              <a:rPr lang="es-CO" dirty="0"/>
-              <a:t>Subrutinas: control</a:t>
-            </a:r>
-          </a:p>
-        </p:txBody>
-      </p:sp>
-      <p:sp>
-        <p:nvSpPr>
-          <p:cNvPr id="12" name="CuadroTexto 11">
+        <p:spPr>
+          <a:xfrm>
+            <a:off x="949960" y="413810"/>
+            <a:ext cx="11917680" cy="824682"/>
+          </a:xfrm>
+        </p:spPr>
+        <p:txBody>
+          <a:bodyPr>
+            <a:normAutofit/>
+          </a:bodyPr>
+          <a:lstStyle/>
+          <a:p>
+            <a:r>
+              <a:rPr lang="es-ES" sz="4400" dirty="0"/>
+              <a:t>Contexto</a:t>
+            </a:r>
+            <a:endParaRPr lang="es-CO" sz="4400" dirty="0"/>
+          </a:p>
+        </p:txBody>
+      </p:sp>
+      <p:sp>
+        <p:nvSpPr>
+          <p:cNvPr id="6" name="CuadroTexto 5">
             <a:extLst>
               <a:ext uri="{FF2B5EF4-FFF2-40B4-BE49-F238E27FC236}">
-                <a16:creationId xmlns:a16="http://schemas.microsoft.com/office/drawing/2014/main" id="{4318A3FF-F7A6-44DE-92EC-AAEC4F4C3FC8}"/>
+                <a16:creationId xmlns:a16="http://schemas.microsoft.com/office/drawing/2014/main" id="{8D67C303-D58E-4691-B395-DC108351D8DD}"/>
               </a:ext>
             </a:extLst>
           </p:cNvPr>
@@ -3964,8 +6193,8 @@
         </p:nvSpPr>
         <p:spPr>
           <a:xfrm>
-            <a:off x="3217333" y="3217333"/>
-            <a:ext cx="4750659" cy="1754326"/>
+            <a:off x="949960" y="1513271"/>
+            <a:ext cx="11649919" cy="2123658"/>
           </a:xfrm>
           <a:prstGeom prst="rect">
             <a:avLst/>
@@ -3973,49 +6202,77 @@
           <a:noFill/>
         </p:spPr>
         <p:txBody>
-          <a:bodyPr wrap="none" rtlCol="0">
+          <a:bodyPr wrap="square" rtlCol="0">
             <a:spAutoFit/>
           </a:bodyPr>
           <a:lstStyle/>
           <a:p>
             <a:r>
-              <a:rPr lang="es-CO" dirty="0"/>
-              <a:t>Instrucción antes de llamar la subrutina</a:t>
-            </a:r>
-          </a:p>
-          <a:p>
-            <a:endParaRPr lang="es-CO" dirty="0"/>
-          </a:p>
-          <a:p>
-            <a:r>
-              <a:rPr lang="es-CO" dirty="0">
+              <a:rPr lang="es-ES" sz="2000" dirty="0"/>
+              <a:t>Imaginemos programas que tienen </a:t>
+            </a:r>
+            <a:r>
+              <a:rPr lang="es-ES" sz="2400" b="1" dirty="0">
                 <a:solidFill>
                   <a:srgbClr val="FF0000"/>
                 </a:solidFill>
               </a:rPr>
-              <a:t>Llamado a la subrutina</a:t>
-            </a:r>
-          </a:p>
-          <a:p>
-            <a:endParaRPr lang="es-CO" dirty="0"/>
-          </a:p>
-          <a:p>
-            <a:endParaRPr lang="es-CO" dirty="0"/>
-          </a:p>
-          <a:p>
-            <a:r>
-              <a:rPr lang="es-CO" dirty="0"/>
-              <a:t>Instrucción después de ejecución de la subrutina</a:t>
-            </a:r>
-          </a:p>
-        </p:txBody>
-      </p:sp>
-      <p:sp>
-        <p:nvSpPr>
-          <p:cNvPr id="13" name="CuadroTexto 12">
+              <a:t>5000, 6000, 10.000 </a:t>
+            </a:r>
+            <a:r>
+              <a:rPr lang="es-ES" sz="2000" dirty="0"/>
+              <a:t>líneas de código…… </a:t>
+            </a:r>
+          </a:p>
+          <a:p>
+            <a:endParaRPr lang="es-ES" sz="2000" dirty="0"/>
+          </a:p>
+          <a:p>
+            <a:pPr marL="342900" indent="-342900">
+              <a:buFont typeface="Arial" panose="020B0604020202020204" pitchFamily="34" charset="0"/>
+              <a:buChar char="•"/>
+            </a:pPr>
+            <a:r>
+              <a:rPr lang="es-ES" sz="2000" dirty="0"/>
+              <a:t>Se vuelven difíciles de mantener</a:t>
+            </a:r>
+          </a:p>
+          <a:p>
+            <a:pPr marL="342900" indent="-342900">
+              <a:buFont typeface="Arial" panose="020B0604020202020204" pitchFamily="34" charset="0"/>
+              <a:buChar char="•"/>
+            </a:pPr>
+            <a:r>
+              <a:rPr lang="es-ES" sz="2000" dirty="0"/>
+              <a:t>Si alguien necesita usar algunas operaciones de ese código, lo tiene que rescribir</a:t>
+            </a:r>
+          </a:p>
+          <a:p>
+            <a:pPr marL="342900" indent="-342900">
+              <a:buFont typeface="Arial" panose="020B0604020202020204" pitchFamily="34" charset="0"/>
+              <a:buChar char="•"/>
+            </a:pPr>
+            <a:endParaRPr lang="es-ES" sz="2000" dirty="0"/>
+          </a:p>
+          <a:p>
+            <a:pPr algn="ctr"/>
+            <a:r>
+              <a:rPr lang="es-ES" sz="2800" b="1" dirty="0">
+                <a:solidFill>
+                  <a:srgbClr val="FF0000"/>
+                </a:solidFill>
+              </a:rPr>
+              <a:t>POCO ÓPTIMO</a:t>
+            </a:r>
+          </a:p>
+        </p:txBody>
+      </p:sp>
+      <p:sp>
+        <p:nvSpPr>
+          <p:cNvPr id="7" name="CuadroTexto 6">
             <a:extLst>
               <a:ext uri="{FF2B5EF4-FFF2-40B4-BE49-F238E27FC236}">
-                <a16:creationId xmlns:a16="http://schemas.microsoft.com/office/drawing/2014/main" id="{07F13A02-FEE5-4785-B4B2-0B0C590292F3}"/>
+                <a16:creationId xmlns:a16="http://schemas.microsoft.com/office/drawing/2014/main" id="{301E0B8B-BBEF-40E1-9A27-30BF13795DB4}"/>
               </a:ext>
             </a:extLst>
           </p:cNvPr>
@@ -4024,8 +6281,8 @@
         </p:nvSpPr>
         <p:spPr>
           <a:xfrm>
-            <a:off x="8889998" y="3217333"/>
-            <a:ext cx="2321405" cy="1200329"/>
+            <a:off x="3589493" y="3776657"/>
+            <a:ext cx="6638612" cy="923330"/>
           </a:xfrm>
           <a:prstGeom prst="rect">
             <a:avLst/>
@@ -4039,196 +6296,55 @@
           <a:lstStyle/>
           <a:p>
             <a:r>
-              <a:rPr lang="es-CO" dirty="0"/>
-              <a:t>Subrutina(parámetros)</a:t>
-            </a:r>
-          </a:p>
-          <a:p>
-            <a:r>
-              <a:rPr lang="es-CO" dirty="0"/>
-              <a:t>  Instrucción 1</a:t>
-            </a:r>
-          </a:p>
-          <a:p>
-            <a:r>
-              <a:rPr lang="es-CO" dirty="0"/>
-              <a:t>  Instrucción 2 </a:t>
-            </a:r>
-          </a:p>
-          <a:p>
-            <a:r>
-              <a:rPr lang="es-CO" dirty="0"/>
-              <a:t>  Instrucción 3</a:t>
-            </a:r>
-          </a:p>
-        </p:txBody>
-      </p:sp>
-      <p:cxnSp>
-        <p:nvCxnSpPr>
-          <p:cNvPr id="17" name="Conector: angular 16">
+              <a:rPr lang="es-ES" sz="5400" b="1" dirty="0">
+                <a:solidFill>
+                  <a:schemeClr val="accent1"/>
+                </a:solidFill>
+              </a:rPr>
+              <a:t>¿Cómo lo resolvemos?</a:t>
+            </a:r>
+            <a:endParaRPr lang="es-CO" sz="5400" b="1" dirty="0">
+              <a:solidFill>
+                <a:schemeClr val="accent1"/>
+              </a:solidFill>
+            </a:endParaRPr>
+          </a:p>
+        </p:txBody>
+      </p:sp>
+      <p:pic>
+        <p:nvPicPr>
+          <p:cNvPr id="9" name="Imagen 8">
             <a:extLst>
               <a:ext uri="{FF2B5EF4-FFF2-40B4-BE49-F238E27FC236}">
-                <a16:creationId xmlns:a16="http://schemas.microsoft.com/office/drawing/2014/main" id="{CEC398CA-49B5-4F9B-AD56-1807D2667819}"/>
+                <a16:creationId xmlns:a16="http://schemas.microsoft.com/office/drawing/2014/main" id="{23A53681-D484-40C6-9DE5-B8127256B36D}"/>
               </a:ext>
             </a:extLst>
           </p:cNvPr>
-          <p:cNvCxnSpPr>
-            <a:stCxn id="12" idx="3"/>
-            <a:endCxn id="13" idx="0"/>
-          </p:cNvCxnSpPr>
+          <p:cNvPicPr>
+            <a:picLocks noChangeAspect="1"/>
+          </p:cNvPicPr>
           <p:nvPr/>
-        </p:nvCxnSpPr>
-        <p:spPr>
-          <a:xfrm flipV="1">
-            <a:off x="7967992" y="3217333"/>
-            <a:ext cx="2082709" cy="877163"/>
-          </a:xfrm>
-          <a:prstGeom prst="bentConnector4">
-            <a:avLst>
-              <a:gd name="adj1" fmla="val 22135"/>
-              <a:gd name="adj2" fmla="val 126061"/>
-            </a:avLst>
-          </a:prstGeom>
-          <a:ln>
-            <a:solidFill>
-              <a:srgbClr val="FF0000"/>
-            </a:solidFill>
-            <a:tailEnd type="triangle"/>
-          </a:ln>
-        </p:spPr>
-        <p:style>
-          <a:lnRef idx="1">
-            <a:schemeClr val="accent1"/>
-          </a:lnRef>
-          <a:fillRef idx="0">
-            <a:schemeClr val="accent1"/>
-          </a:fillRef>
-          <a:effectRef idx="0">
-            <a:schemeClr val="accent1"/>
-          </a:effectRef>
-          <a:fontRef idx="minor">
-            <a:schemeClr val="tx1"/>
-          </a:fontRef>
-        </p:style>
-      </p:cxnSp>
-      <p:sp>
-        <p:nvSpPr>
-          <p:cNvPr id="18" name="CuadroTexto 17">
-            <a:extLst>
-              <a:ext uri="{FF2B5EF4-FFF2-40B4-BE49-F238E27FC236}">
-                <a16:creationId xmlns:a16="http://schemas.microsoft.com/office/drawing/2014/main" id="{AF1B1064-4384-4A0C-B9B1-48F2DF6A49A9}"/>
-              </a:ext>
-            </a:extLst>
-          </p:cNvPr>
-          <p:cNvSpPr txBox="1"/>
-          <p:nvPr/>
-        </p:nvSpPr>
+        </p:nvPicPr>
+        <p:blipFill>
+          <a:blip r:embed="rId2"/>
+          <a:stretch>
+            <a:fillRect/>
+          </a:stretch>
+        </p:blipFill>
         <p:spPr>
           <a:xfrm>
-            <a:off x="8308757" y="2523072"/>
-            <a:ext cx="1385572" cy="369332"/>
+            <a:off x="4091468" y="5073577"/>
+            <a:ext cx="5634663" cy="1641164"/>
           </a:xfrm>
           <a:prstGeom prst="rect">
             <a:avLst/>
           </a:prstGeom>
-          <a:noFill/>
-        </p:spPr>
-        <p:txBody>
-          <a:bodyPr wrap="none" rtlCol="0">
-            <a:spAutoFit/>
-          </a:bodyPr>
-          <a:lstStyle/>
-          <a:p>
-            <a:r>
-              <a:rPr lang="es-CO" dirty="0"/>
-              <a:t>Cedo control</a:t>
-            </a:r>
-          </a:p>
-        </p:txBody>
-      </p:sp>
-      <p:cxnSp>
-        <p:nvCxnSpPr>
-          <p:cNvPr id="22" name="Conector: angular 21">
-            <a:extLst>
-              <a:ext uri="{FF2B5EF4-FFF2-40B4-BE49-F238E27FC236}">
-                <a16:creationId xmlns:a16="http://schemas.microsoft.com/office/drawing/2014/main" id="{15E3FEBF-969C-481A-BE74-82B6CDC80B88}"/>
-              </a:ext>
-            </a:extLst>
-          </p:cNvPr>
-          <p:cNvCxnSpPr>
-            <a:stCxn id="13" idx="2"/>
-          </p:cNvCxnSpPr>
-          <p:nvPr/>
-        </p:nvCxnSpPr>
-        <p:spPr>
-          <a:xfrm rot="5400000">
-            <a:off x="8868253" y="3643550"/>
-            <a:ext cx="408336" cy="1956561"/>
-          </a:xfrm>
-          <a:prstGeom prst="bentConnector2">
-            <a:avLst/>
-          </a:prstGeom>
-          <a:ln>
-            <a:solidFill>
-              <a:srgbClr val="FF0000"/>
-            </a:solidFill>
-            <a:tailEnd type="triangle"/>
-          </a:ln>
-        </p:spPr>
-        <p:style>
-          <a:lnRef idx="1">
-            <a:schemeClr val="accent1"/>
-          </a:lnRef>
-          <a:fillRef idx="0">
-            <a:schemeClr val="accent1"/>
-          </a:fillRef>
-          <a:effectRef idx="0">
-            <a:schemeClr val="accent1"/>
-          </a:effectRef>
-          <a:fontRef idx="minor">
-            <a:schemeClr val="tx1"/>
-          </a:fontRef>
-        </p:style>
-      </p:cxnSp>
-      <p:sp>
-        <p:nvSpPr>
-          <p:cNvPr id="23" name="CuadroTexto 22">
-            <a:extLst>
-              <a:ext uri="{FF2B5EF4-FFF2-40B4-BE49-F238E27FC236}">
-                <a16:creationId xmlns:a16="http://schemas.microsoft.com/office/drawing/2014/main" id="{CF1F83E0-DD40-4F92-A2B0-786FC31D3F4D}"/>
-              </a:ext>
-            </a:extLst>
-          </p:cNvPr>
-          <p:cNvSpPr txBox="1"/>
-          <p:nvPr/>
-        </p:nvSpPr>
-        <p:spPr>
-          <a:xfrm>
-            <a:off x="8094133" y="4839949"/>
-            <a:ext cx="1862626" cy="369332"/>
-          </a:xfrm>
-          <a:prstGeom prst="rect">
-            <a:avLst/>
-          </a:prstGeom>
-          <a:noFill/>
-        </p:spPr>
-        <p:txBody>
-          <a:bodyPr wrap="none" rtlCol="0">
-            <a:spAutoFit/>
-          </a:bodyPr>
-          <a:lstStyle/>
-          <a:p>
-            <a:r>
-              <a:rPr lang="es-CO" dirty="0"/>
-              <a:t>Regresa el control</a:t>
-            </a:r>
-          </a:p>
-        </p:txBody>
-      </p:sp>
+        </p:spPr>
+      </p:pic>
     </p:spTree>
     <p:extLst>
       <p:ext uri="{BB962C8B-B14F-4D97-AF65-F5344CB8AC3E}">
-        <p14:creationId xmlns:p14="http://schemas.microsoft.com/office/powerpoint/2010/main" val="815665009"/>
+        <p14:creationId xmlns:p14="http://schemas.microsoft.com/office/powerpoint/2010/main" val="2902176522"/>
       </p:ext>
     </p:extLst>
   </p:cSld>
@@ -4257,10 +6373,10 @@
       </p:grpSpPr>
       <p:sp>
         <p:nvSpPr>
-          <p:cNvPr id="2" name="Título 1">
+          <p:cNvPr id="3" name="Título 1">
             <a:extLst>
               <a:ext uri="{FF2B5EF4-FFF2-40B4-BE49-F238E27FC236}">
-                <a16:creationId xmlns:a16="http://schemas.microsoft.com/office/drawing/2014/main" id="{529E4AB0-7EF4-4343-A5CF-52698F91D90E}"/>
+                <a16:creationId xmlns:a16="http://schemas.microsoft.com/office/drawing/2014/main" id="{9B928FBB-9C00-4995-B3AB-B80F6803D125}"/>
               </a:ext>
             </a:extLst>
           </p:cNvPr>
@@ -4271,86 +6387,420 @@
             <p:ph type="title"/>
           </p:nvPr>
         </p:nvSpPr>
-        <p:spPr/>
-        <p:txBody>
-          <a:bodyPr/>
-          <a:lstStyle/>
-          <a:p>
-            <a:r>
-              <a:rPr lang="es-CO" dirty="0"/>
-              <a:t>Subrutinas: Procedimientos y funciones</a:t>
-            </a:r>
-          </a:p>
-        </p:txBody>
-      </p:sp>
-      <p:sp>
-        <p:nvSpPr>
-          <p:cNvPr id="3" name="Marcador de contenido 2">
+        <p:spPr>
+          <a:xfrm>
+            <a:off x="949960" y="413810"/>
+            <a:ext cx="11917680" cy="824682"/>
+          </a:xfrm>
+        </p:spPr>
+        <p:txBody>
+          <a:bodyPr>
+            <a:normAutofit/>
+          </a:bodyPr>
+          <a:lstStyle/>
+          <a:p>
+            <a:r>
+              <a:rPr lang="es-ES" sz="4400" dirty="0"/>
+              <a:t>Contexto</a:t>
+            </a:r>
+            <a:endParaRPr lang="es-CO" sz="4400" dirty="0"/>
+          </a:p>
+        </p:txBody>
+      </p:sp>
+      <p:pic>
+        <p:nvPicPr>
+          <p:cNvPr id="5" name="Imagen 4">
             <a:extLst>
               <a:ext uri="{FF2B5EF4-FFF2-40B4-BE49-F238E27FC236}">
-                <a16:creationId xmlns:a16="http://schemas.microsoft.com/office/drawing/2014/main" id="{E99E1FC7-9DC7-43DF-A628-A7FEC5A69C15}"/>
+                <a16:creationId xmlns:a16="http://schemas.microsoft.com/office/drawing/2014/main" id="{F4141D12-2FE3-4BB5-9EFE-C3B725696CFD}"/>
               </a:ext>
             </a:extLst>
           </p:cNvPr>
-          <p:cNvSpPr>
-            <a:spLocks noGrp="1"/>
-          </p:cNvSpPr>
-          <p:nvPr>
-            <p:ph idx="1"/>
-          </p:nvPr>
-        </p:nvSpPr>
-        <p:spPr/>
-        <p:txBody>
-          <a:bodyPr/>
-          <a:lstStyle/>
-          <a:p>
-            <a:r>
-              <a:rPr lang="es-CO" dirty="0"/>
-              <a:t>Procedimientos: </a:t>
-            </a:r>
-          </a:p>
-          <a:p>
-            <a:pPr lvl="1"/>
-            <a:r>
-              <a:rPr lang="es-CO" dirty="0"/>
-              <a:t>Ejecutan un proceso</a:t>
-            </a:r>
-          </a:p>
-          <a:p>
-            <a:pPr lvl="1"/>
-            <a:r>
-              <a:rPr lang="es-CO" dirty="0"/>
-              <a:t>no devuelven nada</a:t>
-            </a:r>
-          </a:p>
-          <a:p>
-            <a:pPr lvl="1"/>
-            <a:r>
-              <a:rPr lang="es-CO" dirty="0"/>
-              <a:t>no hay asignación </a:t>
-            </a:r>
-          </a:p>
-          <a:p>
-            <a:r>
-              <a:rPr lang="es-CO" dirty="0"/>
-              <a:t>Funciones: </a:t>
-            </a:r>
-          </a:p>
-          <a:p>
-            <a:pPr lvl="1"/>
-            <a:r>
-              <a:rPr lang="es-CO" dirty="0"/>
-              <a:t>Ejecutan un proceso y retornan un valor, que es del tipo de la función</a:t>
-            </a:r>
-          </a:p>
-          <a:p>
-            <a:pPr lvl="1"/>
-            <a:r>
-              <a:rPr lang="es-CO" dirty="0"/>
-              <a:t>El resultado se le puede asignar a una variable del mismo tipo de la función</a:t>
-            </a:r>
-          </a:p>
-          <a:p>
+          <p:cNvPicPr>
+            <a:picLocks noChangeAspect="1"/>
+          </p:cNvPicPr>
+          <p:nvPr/>
+        </p:nvPicPr>
+        <p:blipFill>
+          <a:blip r:embed="rId2"/>
+          <a:stretch>
+            <a:fillRect/>
+          </a:stretch>
+        </p:blipFill>
+        <p:spPr>
+          <a:xfrm>
+            <a:off x="719017" y="4333558"/>
+            <a:ext cx="1588665" cy="1226338"/>
+          </a:xfrm>
+          <a:prstGeom prst="rect">
+            <a:avLst/>
+          </a:prstGeom>
+        </p:spPr>
+      </p:pic>
+      <p:pic>
+        <p:nvPicPr>
+          <p:cNvPr id="7" name="Imagen 6">
+            <a:extLst>
+              <a:ext uri="{FF2B5EF4-FFF2-40B4-BE49-F238E27FC236}">
+                <a16:creationId xmlns:a16="http://schemas.microsoft.com/office/drawing/2014/main" id="{73CEB764-1C07-4707-B8FA-7D138733C712}"/>
+              </a:ext>
+            </a:extLst>
+          </p:cNvPr>
+          <p:cNvPicPr>
+            <a:picLocks noChangeAspect="1"/>
+          </p:cNvPicPr>
+          <p:nvPr/>
+        </p:nvPicPr>
+        <p:blipFill>
+          <a:blip r:embed="rId3"/>
+          <a:stretch>
+            <a:fillRect/>
+          </a:stretch>
+        </p:blipFill>
+        <p:spPr>
+          <a:xfrm>
+            <a:off x="5926238" y="1114023"/>
+            <a:ext cx="646059" cy="1898299"/>
+          </a:xfrm>
+          <a:prstGeom prst="rect">
+            <a:avLst/>
+          </a:prstGeom>
+        </p:spPr>
+      </p:pic>
+      <p:sp>
+        <p:nvSpPr>
+          <p:cNvPr id="8" name="CuadroTexto 7">
+            <a:extLst>
+              <a:ext uri="{FF2B5EF4-FFF2-40B4-BE49-F238E27FC236}">
+                <a16:creationId xmlns:a16="http://schemas.microsoft.com/office/drawing/2014/main" id="{D3392E3E-31BE-42B5-946B-3A6E2F4CB248}"/>
+              </a:ext>
+            </a:extLst>
+          </p:cNvPr>
+          <p:cNvSpPr txBox="1"/>
+          <p:nvPr/>
+        </p:nvSpPr>
+        <p:spPr>
+          <a:xfrm>
+            <a:off x="4073003" y="467692"/>
+            <a:ext cx="6050712" cy="646331"/>
+          </a:xfrm>
+          <a:prstGeom prst="rect">
+            <a:avLst/>
+          </a:prstGeom>
+          <a:noFill/>
+        </p:spPr>
+        <p:txBody>
+          <a:bodyPr wrap="square" rtlCol="0">
+            <a:spAutoFit/>
+          </a:bodyPr>
+          <a:lstStyle/>
+          <a:p>
+            <a:r>
+              <a:rPr lang="es-ES" b="1" dirty="0"/>
+              <a:t>Sofía compra su almuerzo todos los días y ella llama a quién le puede ayudar</a:t>
+            </a:r>
+          </a:p>
+        </p:txBody>
+      </p:sp>
+      <p:sp>
+        <p:nvSpPr>
+          <p:cNvPr id="9" name="CuadroTexto 8">
+            <a:extLst>
+              <a:ext uri="{FF2B5EF4-FFF2-40B4-BE49-F238E27FC236}">
+                <a16:creationId xmlns:a16="http://schemas.microsoft.com/office/drawing/2014/main" id="{F6497035-DEBB-4B22-82B8-9A4D6A12B954}"/>
+              </a:ext>
+            </a:extLst>
+          </p:cNvPr>
+          <p:cNvSpPr txBox="1"/>
+          <p:nvPr/>
+        </p:nvSpPr>
+        <p:spPr>
+          <a:xfrm>
+            <a:off x="324015" y="5578157"/>
+            <a:ext cx="2124877" cy="369332"/>
+          </a:xfrm>
+          <a:prstGeom prst="rect">
+            <a:avLst/>
+          </a:prstGeom>
+          <a:noFill/>
+        </p:spPr>
+        <p:txBody>
+          <a:bodyPr wrap="none" rtlCol="0">
+            <a:spAutoFit/>
+          </a:bodyPr>
+          <a:lstStyle/>
+          <a:p>
+            <a:r>
+              <a:rPr lang="es-ES" b="1" dirty="0">
+                <a:solidFill>
+                  <a:srgbClr val="FF0000"/>
+                </a:solidFill>
+              </a:rPr>
+              <a:t>Comprar Almuerzos </a:t>
+            </a:r>
+            <a:endParaRPr lang="es-CO" b="1" dirty="0">
+              <a:solidFill>
+                <a:srgbClr val="FF0000"/>
+              </a:solidFill>
+            </a:endParaRPr>
+          </a:p>
+        </p:txBody>
+      </p:sp>
+      <p:cxnSp>
+        <p:nvCxnSpPr>
+          <p:cNvPr id="11" name="Conector recto de flecha 10">
+            <a:extLst>
+              <a:ext uri="{FF2B5EF4-FFF2-40B4-BE49-F238E27FC236}">
+                <a16:creationId xmlns:a16="http://schemas.microsoft.com/office/drawing/2014/main" id="{6A30CFFA-80C4-4AB3-8EEC-B8937641F0E1}"/>
+              </a:ext>
+            </a:extLst>
+          </p:cNvPr>
+          <p:cNvCxnSpPr>
+            <a:cxnSpLocks/>
+            <a:stCxn id="7" idx="1"/>
+            <a:endCxn id="5" idx="0"/>
+          </p:cNvCxnSpPr>
+          <p:nvPr/>
+        </p:nvCxnSpPr>
+        <p:spPr>
+          <a:xfrm flipH="1">
+            <a:off x="1513350" y="2063173"/>
+            <a:ext cx="4412888" cy="2270385"/>
+          </a:xfrm>
+          <a:prstGeom prst="straightConnector1">
+            <a:avLst/>
+          </a:prstGeom>
+          <a:ln w="38100">
+            <a:tailEnd type="triangle"/>
+          </a:ln>
+        </p:spPr>
+        <p:style>
+          <a:lnRef idx="1">
+            <a:schemeClr val="accent1"/>
+          </a:lnRef>
+          <a:fillRef idx="0">
+            <a:schemeClr val="accent1"/>
+          </a:fillRef>
+          <a:effectRef idx="0">
+            <a:schemeClr val="accent1"/>
+          </a:effectRef>
+          <a:fontRef idx="minor">
+            <a:schemeClr val="tx1"/>
+          </a:fontRef>
+        </p:style>
+      </p:cxnSp>
+      <p:sp>
+        <p:nvSpPr>
+          <p:cNvPr id="12" name="CuadroTexto 11">
+            <a:extLst>
+              <a:ext uri="{FF2B5EF4-FFF2-40B4-BE49-F238E27FC236}">
+                <a16:creationId xmlns:a16="http://schemas.microsoft.com/office/drawing/2014/main" id="{A54AE975-D31F-4EA4-9402-A70581BAEAD5}"/>
+              </a:ext>
+            </a:extLst>
+          </p:cNvPr>
+          <p:cNvSpPr txBox="1"/>
+          <p:nvPr/>
+        </p:nvSpPr>
+        <p:spPr>
+          <a:xfrm>
+            <a:off x="410303" y="3376285"/>
+            <a:ext cx="3838743" cy="369332"/>
+          </a:xfrm>
+          <a:prstGeom prst="rect">
+            <a:avLst/>
+          </a:prstGeom>
+          <a:noFill/>
+        </p:spPr>
+        <p:txBody>
+          <a:bodyPr wrap="none" rtlCol="0">
+            <a:spAutoFit/>
+          </a:bodyPr>
+          <a:lstStyle/>
+          <a:p>
+            <a:r>
+              <a:rPr lang="es-ES" b="1" dirty="0">
+                <a:solidFill>
+                  <a:schemeClr val="accent1"/>
+                </a:solidFill>
+              </a:rPr>
+              <a:t>Le entrega: $$, el almuerzo que quiere</a:t>
+            </a:r>
+            <a:endParaRPr lang="es-CO" b="1" dirty="0">
+              <a:solidFill>
+                <a:schemeClr val="accent1"/>
+              </a:solidFill>
+            </a:endParaRPr>
+          </a:p>
+        </p:txBody>
+      </p:sp>
+      <p:cxnSp>
+        <p:nvCxnSpPr>
+          <p:cNvPr id="16" name="Conector: angular 15">
+            <a:extLst>
+              <a:ext uri="{FF2B5EF4-FFF2-40B4-BE49-F238E27FC236}">
+                <a16:creationId xmlns:a16="http://schemas.microsoft.com/office/drawing/2014/main" id="{F26C348B-7BF7-4453-B513-32714E32BCB9}"/>
+              </a:ext>
+            </a:extLst>
+          </p:cNvPr>
+          <p:cNvCxnSpPr>
+            <a:stCxn id="5" idx="3"/>
+            <a:endCxn id="7" idx="2"/>
+          </p:cNvCxnSpPr>
+          <p:nvPr/>
+        </p:nvCxnSpPr>
+        <p:spPr>
+          <a:xfrm flipV="1">
+            <a:off x="2307682" y="3012322"/>
+            <a:ext cx="3941586" cy="1934405"/>
+          </a:xfrm>
+          <a:prstGeom prst="bentConnector2">
+            <a:avLst/>
+          </a:prstGeom>
+          <a:ln w="38100">
+            <a:solidFill>
+              <a:srgbClr val="00FF00"/>
+            </a:solidFill>
+            <a:tailEnd type="triangle"/>
+          </a:ln>
+        </p:spPr>
+        <p:style>
+          <a:lnRef idx="1">
+            <a:schemeClr val="accent1"/>
+          </a:lnRef>
+          <a:fillRef idx="0">
+            <a:schemeClr val="accent1"/>
+          </a:fillRef>
+          <a:effectRef idx="0">
+            <a:schemeClr val="accent1"/>
+          </a:effectRef>
+          <a:fontRef idx="minor">
+            <a:schemeClr val="tx1"/>
+          </a:fontRef>
+        </p:style>
+      </p:cxnSp>
+      <p:sp>
+        <p:nvSpPr>
+          <p:cNvPr id="17" name="CuadroTexto 16">
+            <a:extLst>
+              <a:ext uri="{FF2B5EF4-FFF2-40B4-BE49-F238E27FC236}">
+                <a16:creationId xmlns:a16="http://schemas.microsoft.com/office/drawing/2014/main" id="{6B11AAF2-4D67-47A3-A437-D7F677D67108}"/>
+              </a:ext>
+            </a:extLst>
+          </p:cNvPr>
+          <p:cNvSpPr txBox="1"/>
+          <p:nvPr/>
+        </p:nvSpPr>
+        <p:spPr>
+          <a:xfrm>
+            <a:off x="2799695" y="5098041"/>
+            <a:ext cx="3449573" cy="646331"/>
+          </a:xfrm>
+          <a:prstGeom prst="rect">
+            <a:avLst/>
+          </a:prstGeom>
+          <a:noFill/>
+        </p:spPr>
+        <p:txBody>
+          <a:bodyPr wrap="square" rtlCol="0">
+            <a:spAutoFit/>
+          </a:bodyPr>
+          <a:lstStyle/>
+          <a:p>
+            <a:r>
+              <a:rPr lang="es-ES" b="1" dirty="0">
+                <a:solidFill>
+                  <a:srgbClr val="00FF00"/>
+                </a:solidFill>
+              </a:rPr>
+              <a:t>Recibe: el almuerzo o un mensaje que no había lo que ella quería </a:t>
+            </a:r>
+            <a:endParaRPr lang="es-CO" b="1" dirty="0">
+              <a:solidFill>
+                <a:srgbClr val="00FF00"/>
+              </a:solidFill>
+            </a:endParaRPr>
+          </a:p>
+        </p:txBody>
+      </p:sp>
+      <p:sp>
+        <p:nvSpPr>
+          <p:cNvPr id="18" name="CuadroTexto 17">
+            <a:extLst>
+              <a:ext uri="{FF2B5EF4-FFF2-40B4-BE49-F238E27FC236}">
+                <a16:creationId xmlns:a16="http://schemas.microsoft.com/office/drawing/2014/main" id="{8D705203-0B48-4FFE-B1AD-5B5561878B57}"/>
+              </a:ext>
+            </a:extLst>
+          </p:cNvPr>
+          <p:cNvSpPr txBox="1"/>
+          <p:nvPr/>
+        </p:nvSpPr>
+        <p:spPr>
+          <a:xfrm>
+            <a:off x="7696031" y="2338086"/>
+            <a:ext cx="4827777" cy="3970318"/>
+          </a:xfrm>
+          <a:prstGeom prst="rect">
+            <a:avLst/>
+          </a:prstGeom>
+          <a:noFill/>
+        </p:spPr>
+        <p:txBody>
+          <a:bodyPr wrap="square" rtlCol="0">
+            <a:spAutoFit/>
+          </a:bodyPr>
+          <a:lstStyle/>
+          <a:p>
+            <a:r>
+              <a:rPr lang="es-ES" dirty="0"/>
+              <a:t>Esto es similar a lo que hace una función en programación:</a:t>
+            </a:r>
+          </a:p>
+          <a:p>
+            <a:endParaRPr lang="es-ES" dirty="0"/>
+          </a:p>
+          <a:p>
+            <a:pPr marL="285750" indent="-285750">
+              <a:buFont typeface="Arial" panose="020B0604020202020204" pitchFamily="34" charset="0"/>
+              <a:buChar char="•"/>
+            </a:pPr>
+            <a:r>
+              <a:rPr lang="es-ES" dirty="0"/>
+              <a:t>Hay un programa (Sofía) que necesita llamar a otro programa para que haga algo (Comprar almuerzos)</a:t>
+            </a:r>
+          </a:p>
+          <a:p>
+            <a:pPr marL="285750" indent="-285750">
+              <a:buFont typeface="Arial" panose="020B0604020202020204" pitchFamily="34" charset="0"/>
+              <a:buChar char="•"/>
+            </a:pPr>
+            <a:r>
+              <a:rPr lang="es-ES" dirty="0"/>
+              <a:t>El programa que llama (</a:t>
+            </a:r>
+            <a:r>
+              <a:rPr lang="es-ES" dirty="0" err="1"/>
+              <a:t>sofía</a:t>
+            </a:r>
+            <a:r>
+              <a:rPr lang="es-ES" dirty="0"/>
+              <a:t>), le entrega algo ($$ y el almuerzo que quiere )o puede no entregarle nada para que este haga su tarea</a:t>
+            </a:r>
+          </a:p>
+          <a:p>
+            <a:pPr marL="285750" indent="-285750">
+              <a:buFont typeface="Arial" panose="020B0604020202020204" pitchFamily="34" charset="0"/>
+              <a:buChar char="•"/>
+            </a:pPr>
+            <a:r>
+              <a:rPr lang="es-ES" dirty="0"/>
+              <a:t>El programa llamado(Comprar Almuerzos) debe devolver algo(el almuerzo o un mensaje que no había ese almuerzo) o no puede devolver nada</a:t>
+            </a:r>
+          </a:p>
+          <a:p>
+            <a:pPr marL="285750" indent="-285750">
+              <a:buFont typeface="Arial" panose="020B0604020202020204" pitchFamily="34" charset="0"/>
+              <a:buChar char="•"/>
+            </a:pPr>
             <a:endParaRPr lang="es-CO" dirty="0"/>
           </a:p>
         </p:txBody>
@@ -4358,13 +6808,264 @@
     </p:spTree>
     <p:extLst>
       <p:ext uri="{BB962C8B-B14F-4D97-AF65-F5344CB8AC3E}">
-        <p14:creationId xmlns:p14="http://schemas.microsoft.com/office/powerpoint/2010/main" val="1132471970"/>
+        <p14:creationId xmlns:p14="http://schemas.microsoft.com/office/powerpoint/2010/main" val="3078981022"/>
       </p:ext>
     </p:extLst>
   </p:cSld>
   <p:clrMapOvr>
     <a:masterClrMapping/>
   </p:clrMapOvr>
+  <p:timing>
+    <p:tnLst>
+      <p:par>
+        <p:cTn id="1" dur="indefinite" restart="never" nodeType="tmRoot">
+          <p:childTnLst>
+            <p:seq concurrent="1" nextAc="seek">
+              <p:cTn id="2" dur="indefinite" nodeType="mainSeq">
+                <p:childTnLst>
+                  <p:par>
+                    <p:cTn id="3" fill="hold">
+                      <p:stCondLst>
+                        <p:cond delay="indefinite"/>
+                      </p:stCondLst>
+                      <p:childTnLst>
+                        <p:par>
+                          <p:cTn id="4" fill="hold">
+                            <p:stCondLst>
+                              <p:cond delay="0"/>
+                            </p:stCondLst>
+                            <p:childTnLst>
+                              <p:par>
+                                <p:cTn id="5" presetID="1" presetClass="entr" presetSubtype="0" fill="hold" nodeType="clickEffect">
+                                  <p:stCondLst>
+                                    <p:cond delay="0"/>
+                                  </p:stCondLst>
+                                  <p:childTnLst>
+                                    <p:set>
+                                      <p:cBhvr>
+                                        <p:cTn id="6" dur="1" fill="hold">
+                                          <p:stCondLst>
+                                            <p:cond delay="0"/>
+                                          </p:stCondLst>
+                                        </p:cTn>
+                                        <p:tgtEl>
+                                          <p:spTgt spid="5"/>
+                                        </p:tgtEl>
+                                        <p:attrNameLst>
+                                          <p:attrName>style.visibility</p:attrName>
+                                        </p:attrNameLst>
+                                      </p:cBhvr>
+                                      <p:to>
+                                        <p:strVal val="visible"/>
+                                      </p:to>
+                                    </p:set>
+                                  </p:childTnLst>
+                                </p:cTn>
+                              </p:par>
+                              <p:par>
+                                <p:cTn id="7" presetID="1" presetClass="entr" presetSubtype="0" fill="hold" grpId="0" nodeType="withEffect">
+                                  <p:stCondLst>
+                                    <p:cond delay="0"/>
+                                  </p:stCondLst>
+                                  <p:childTnLst>
+                                    <p:set>
+                                      <p:cBhvr>
+                                        <p:cTn id="8" dur="1" fill="hold">
+                                          <p:stCondLst>
+                                            <p:cond delay="0"/>
+                                          </p:stCondLst>
+                                        </p:cTn>
+                                        <p:tgtEl>
+                                          <p:spTgt spid="9"/>
+                                        </p:tgtEl>
+                                        <p:attrNameLst>
+                                          <p:attrName>style.visibility</p:attrName>
+                                        </p:attrNameLst>
+                                      </p:cBhvr>
+                                      <p:to>
+                                        <p:strVal val="visible"/>
+                                      </p:to>
+                                    </p:set>
+                                  </p:childTnLst>
+                                </p:cTn>
+                              </p:par>
+                            </p:childTnLst>
+                          </p:cTn>
+                        </p:par>
+                      </p:childTnLst>
+                    </p:cTn>
+                  </p:par>
+                  <p:par>
+                    <p:cTn id="9" fill="hold">
+                      <p:stCondLst>
+                        <p:cond delay="indefinite"/>
+                      </p:stCondLst>
+                      <p:childTnLst>
+                        <p:par>
+                          <p:cTn id="10" fill="hold">
+                            <p:stCondLst>
+                              <p:cond delay="0"/>
+                            </p:stCondLst>
+                            <p:childTnLst>
+                              <p:par>
+                                <p:cTn id="11" presetID="1" presetClass="entr" presetSubtype="0" fill="hold" grpId="0" nodeType="clickEffect">
+                                  <p:stCondLst>
+                                    <p:cond delay="0"/>
+                                  </p:stCondLst>
+                                  <p:childTnLst>
+                                    <p:set>
+                                      <p:cBhvr>
+                                        <p:cTn id="12" dur="1" fill="hold">
+                                          <p:stCondLst>
+                                            <p:cond delay="0"/>
+                                          </p:stCondLst>
+                                        </p:cTn>
+                                        <p:tgtEl>
+                                          <p:spTgt spid="12"/>
+                                        </p:tgtEl>
+                                        <p:attrNameLst>
+                                          <p:attrName>style.visibility</p:attrName>
+                                        </p:attrNameLst>
+                                      </p:cBhvr>
+                                      <p:to>
+                                        <p:strVal val="visible"/>
+                                      </p:to>
+                                    </p:set>
+                                  </p:childTnLst>
+                                </p:cTn>
+                              </p:par>
+                              <p:par>
+                                <p:cTn id="13" presetID="1" presetClass="entr" presetSubtype="0" fill="hold" nodeType="withEffect">
+                                  <p:stCondLst>
+                                    <p:cond delay="0"/>
+                                  </p:stCondLst>
+                                  <p:childTnLst>
+                                    <p:set>
+                                      <p:cBhvr>
+                                        <p:cTn id="14" dur="1" fill="hold">
+                                          <p:stCondLst>
+                                            <p:cond delay="0"/>
+                                          </p:stCondLst>
+                                        </p:cTn>
+                                        <p:tgtEl>
+                                          <p:spTgt spid="11"/>
+                                        </p:tgtEl>
+                                        <p:attrNameLst>
+                                          <p:attrName>style.visibility</p:attrName>
+                                        </p:attrNameLst>
+                                      </p:cBhvr>
+                                      <p:to>
+                                        <p:strVal val="visible"/>
+                                      </p:to>
+                                    </p:set>
+                                  </p:childTnLst>
+                                </p:cTn>
+                              </p:par>
+                            </p:childTnLst>
+                          </p:cTn>
+                        </p:par>
+                      </p:childTnLst>
+                    </p:cTn>
+                  </p:par>
+                  <p:par>
+                    <p:cTn id="15" fill="hold">
+                      <p:stCondLst>
+                        <p:cond delay="indefinite"/>
+                      </p:stCondLst>
+                      <p:childTnLst>
+                        <p:par>
+                          <p:cTn id="16" fill="hold">
+                            <p:stCondLst>
+                              <p:cond delay="0"/>
+                            </p:stCondLst>
+                            <p:childTnLst>
+                              <p:par>
+                                <p:cTn id="17" presetID="1" presetClass="entr" presetSubtype="0" fill="hold" nodeType="clickEffect">
+                                  <p:stCondLst>
+                                    <p:cond delay="0"/>
+                                  </p:stCondLst>
+                                  <p:childTnLst>
+                                    <p:set>
+                                      <p:cBhvr>
+                                        <p:cTn id="18" dur="1" fill="hold">
+                                          <p:stCondLst>
+                                            <p:cond delay="0"/>
+                                          </p:stCondLst>
+                                        </p:cTn>
+                                        <p:tgtEl>
+                                          <p:spTgt spid="16"/>
+                                        </p:tgtEl>
+                                        <p:attrNameLst>
+                                          <p:attrName>style.visibility</p:attrName>
+                                        </p:attrNameLst>
+                                      </p:cBhvr>
+                                      <p:to>
+                                        <p:strVal val="visible"/>
+                                      </p:to>
+                                    </p:set>
+                                  </p:childTnLst>
+                                </p:cTn>
+                              </p:par>
+                              <p:par>
+                                <p:cTn id="19" presetID="1" presetClass="entr" presetSubtype="0" fill="hold" grpId="0" nodeType="withEffect">
+                                  <p:stCondLst>
+                                    <p:cond delay="0"/>
+                                  </p:stCondLst>
+                                  <p:childTnLst>
+                                    <p:set>
+                                      <p:cBhvr>
+                                        <p:cTn id="20" dur="1" fill="hold">
+                                          <p:stCondLst>
+                                            <p:cond delay="0"/>
+                                          </p:stCondLst>
+                                        </p:cTn>
+                                        <p:tgtEl>
+                                          <p:spTgt spid="17"/>
+                                        </p:tgtEl>
+                                        <p:attrNameLst>
+                                          <p:attrName>style.visibility</p:attrName>
+                                        </p:attrNameLst>
+                                      </p:cBhvr>
+                                      <p:to>
+                                        <p:strVal val="visible"/>
+                                      </p:to>
+                                    </p:set>
+                                  </p:childTnLst>
+                                </p:cTn>
+                              </p:par>
+                            </p:childTnLst>
+                          </p:cTn>
+                        </p:par>
+                      </p:childTnLst>
+                    </p:cTn>
+                  </p:par>
+                </p:childTnLst>
+              </p:cTn>
+              <p:prevCondLst>
+                <p:cond evt="onPrev" delay="0">
+                  <p:tgtEl>
+                    <p:sldTgt/>
+                  </p:tgtEl>
+                </p:cond>
+              </p:prevCondLst>
+              <p:nextCondLst>
+                <p:cond evt="onNext" delay="0">
+                  <p:tgtEl>
+                    <p:sldTgt/>
+                  </p:tgtEl>
+                </p:cond>
+              </p:nextCondLst>
+            </p:seq>
+          </p:childTnLst>
+        </p:cTn>
+      </p:par>
+    </p:tnLst>
+    <p:bldLst>
+      <p:bldP spid="9" grpId="0"/>
+      <p:bldP spid="12" grpId="0"/>
+      <p:bldP spid="17" grpId="0"/>
+    </p:bldLst>
+  </p:timing>
 </p:sld>
 </file>
 
@@ -4385,956 +7086,1024 @@
           <a:chExt cx="0" cy="0"/>
         </a:xfrm>
       </p:grpSpPr>
-      <p:sp>
-        <p:nvSpPr>
-          <p:cNvPr id="2" name="Título 1">
+      <p:pic>
+        <p:nvPicPr>
+          <p:cNvPr id="4" name="Imagen 3">
             <a:extLst>
               <a:ext uri="{FF2B5EF4-FFF2-40B4-BE49-F238E27FC236}">
-                <a16:creationId xmlns:a16="http://schemas.microsoft.com/office/drawing/2014/main" id="{A1D70367-6250-4AE5-8807-00631BCF6480}"/>
+                <a16:creationId xmlns:a16="http://schemas.microsoft.com/office/drawing/2014/main" id="{7593D30A-053D-4293-98D5-2858A4A0E50C}"/>
               </a:ext>
             </a:extLst>
           </p:cNvPr>
-          <p:cNvSpPr>
-            <a:spLocks noGrp="1"/>
-          </p:cNvSpPr>
-          <p:nvPr>
-            <p:ph type="title"/>
-          </p:nvPr>
-        </p:nvSpPr>
-        <p:spPr/>
-        <p:txBody>
-          <a:bodyPr/>
-          <a:lstStyle/>
-          <a:p>
-            <a:r>
-              <a:rPr lang="en-US" dirty="0" err="1"/>
-              <a:t>Sintaxis</a:t>
-            </a:r>
-            <a:endParaRPr lang="es-CO" dirty="0"/>
-          </a:p>
-        </p:txBody>
-      </p:sp>
-      <p:sp>
-        <p:nvSpPr>
-          <p:cNvPr id="3" name="Marcador de contenido 2">
+          <p:cNvPicPr>
+            <a:picLocks noChangeAspect="1"/>
+          </p:cNvPicPr>
+          <p:nvPr/>
+        </p:nvPicPr>
+        <p:blipFill>
+          <a:blip r:embed="rId2"/>
+          <a:stretch>
+            <a:fillRect/>
+          </a:stretch>
+        </p:blipFill>
+        <p:spPr>
+          <a:xfrm>
+            <a:off x="4109498" y="1778820"/>
+            <a:ext cx="4519225" cy="2254972"/>
+          </a:xfrm>
+          <a:prstGeom prst="rect">
+            <a:avLst/>
+          </a:prstGeom>
+        </p:spPr>
+      </p:pic>
+      <p:sp>
+        <p:nvSpPr>
+          <p:cNvPr id="5" name="CuadroTexto 4">
             <a:extLst>
               <a:ext uri="{FF2B5EF4-FFF2-40B4-BE49-F238E27FC236}">
-                <a16:creationId xmlns:a16="http://schemas.microsoft.com/office/drawing/2014/main" id="{0988B930-7D03-4921-AABC-62601C83CBE3}"/>
+                <a16:creationId xmlns:a16="http://schemas.microsoft.com/office/drawing/2014/main" id="{A9C2C4DA-19D0-44FC-A6A2-E70195A53398}"/>
               </a:ext>
             </a:extLst>
           </p:cNvPr>
-          <p:cNvSpPr>
-            <a:spLocks noGrp="1"/>
-          </p:cNvSpPr>
-          <p:nvPr>
-            <p:ph idx="1"/>
-          </p:nvPr>
+          <p:cNvSpPr txBox="1"/>
+          <p:nvPr/>
         </p:nvSpPr>
         <p:spPr>
           <a:xfrm>
-            <a:off x="949960" y="2900854"/>
-            <a:ext cx="11917680" cy="4099703"/>
-          </a:xfrm>
-        </p:spPr>
-        <p:txBody>
-          <a:bodyPr>
-            <a:normAutofit fontScale="85000" lnSpcReduction="20000"/>
+            <a:off x="7882359" y="1409488"/>
+            <a:ext cx="646331" cy="369332"/>
+          </a:xfrm>
+          <a:prstGeom prst="rect">
+            <a:avLst/>
+          </a:prstGeom>
+          <a:noFill/>
+        </p:spPr>
+        <p:txBody>
+          <a:bodyPr wrap="none" rtlCol="0">
+            <a:spAutoFit/>
           </a:bodyPr>
           <a:lstStyle/>
           <a:p>
-            <a:pPr marL="0" indent="0">
-              <a:buNone/>
-            </a:pPr>
-            <a:r>
-              <a:rPr lang="es-CO" dirty="0"/>
-              <a:t>[acceso] [modificador] tipo </a:t>
-            </a:r>
-            <a:r>
-              <a:rPr lang="es-CO" dirty="0" err="1"/>
-              <a:t>nombreFuncion</a:t>
-            </a:r>
-            <a:r>
-              <a:rPr lang="es-CO" dirty="0"/>
-              <a:t>([tipo </a:t>
-            </a:r>
-            <a:r>
-              <a:rPr lang="es-CO" dirty="0" err="1"/>
-              <a:t>nombreParametro</a:t>
-            </a:r>
-            <a:r>
-              <a:rPr lang="es-CO" dirty="0"/>
-              <a:t>,[tipo </a:t>
-            </a:r>
-            <a:r>
-              <a:rPr lang="es-CO" dirty="0" err="1"/>
-              <a:t>nombreParametro</a:t>
-            </a:r>
-            <a:r>
-              <a:rPr lang="es-CO" dirty="0"/>
-              <a:t>]...])</a:t>
-            </a:r>
-          </a:p>
-          <a:p>
-            <a:pPr marL="0" indent="0">
-              <a:buNone/>
-            </a:pPr>
-            <a:r>
-              <a:rPr lang="es-CO" dirty="0"/>
-              <a:t>{</a:t>
-            </a:r>
-          </a:p>
-          <a:p>
-            <a:pPr marL="0" indent="0">
-              <a:buNone/>
-            </a:pPr>
-            <a:r>
-              <a:rPr lang="es-CO" dirty="0"/>
-              <a:t>	/*</a:t>
-            </a:r>
-          </a:p>
-          <a:p>
-            <a:pPr marL="0" indent="0">
-              <a:buNone/>
-            </a:pPr>
-            <a:r>
-              <a:rPr lang="es-CO" dirty="0"/>
-              <a:t>		* Bloque de instrucciones</a:t>
-            </a:r>
-          </a:p>
-          <a:p>
-            <a:pPr marL="0" indent="0">
-              <a:buNone/>
-            </a:pPr>
-            <a:r>
-              <a:rPr lang="es-CO" dirty="0"/>
-              <a:t>	*/</a:t>
-            </a:r>
-          </a:p>
-          <a:p>
-            <a:pPr marL="0" indent="0">
-              <a:buNone/>
-            </a:pPr>
+            <a:r>
+              <a:rPr lang="es-ES" dirty="0"/>
+              <a:t>Sofía</a:t>
+            </a:r>
             <a:endParaRPr lang="es-CO" dirty="0"/>
           </a:p>
-          <a:p>
-            <a:pPr marL="0" indent="0">
-              <a:buNone/>
-            </a:pPr>
-            <a:r>
-              <a:rPr lang="es-CO" dirty="0"/>
-              <a:t>	</a:t>
-            </a:r>
-            <a:r>
-              <a:rPr lang="es-CO" dirty="0" err="1"/>
-              <a:t>return</a:t>
-            </a:r>
-            <a:r>
-              <a:rPr lang="es-CO" dirty="0"/>
-              <a:t> valor;</a:t>
-            </a:r>
-          </a:p>
-          <a:p>
-            <a:pPr marL="0" indent="0">
-              <a:buNone/>
-            </a:pPr>
-            <a:r>
-              <a:rPr lang="es-CO" dirty="0"/>
-              <a:t>}</a:t>
-            </a:r>
-          </a:p>
-          <a:p>
-            <a:pPr marL="0" indent="0">
-              <a:buNone/>
-            </a:pPr>
-            <a:r>
-              <a:rPr lang="es-CO" dirty="0"/>
-              <a:t>	</a:t>
-            </a:r>
-          </a:p>
-        </p:txBody>
-      </p:sp>
-      <p:sp>
-        <p:nvSpPr>
-          <p:cNvPr id="4" name="Bocadillo: rectángulo 3">
+        </p:txBody>
+      </p:sp>
+      <p:sp>
+        <p:nvSpPr>
+          <p:cNvPr id="6" name="CuadroTexto 5">
             <a:extLst>
               <a:ext uri="{FF2B5EF4-FFF2-40B4-BE49-F238E27FC236}">
-                <a16:creationId xmlns:a16="http://schemas.microsoft.com/office/drawing/2014/main" id="{D5977F79-CA29-4D31-A39A-8C8427C4245D}"/>
+                <a16:creationId xmlns:a16="http://schemas.microsoft.com/office/drawing/2014/main" id="{3AD98856-ADC9-43F5-8D94-5556459E5489}"/>
               </a:ext>
             </a:extLst>
           </p:cNvPr>
-          <p:cNvSpPr/>
+          <p:cNvSpPr txBox="1"/>
           <p:nvPr/>
         </p:nvSpPr>
         <p:spPr>
           <a:xfrm>
-            <a:off x="756743" y="1742688"/>
-            <a:ext cx="1702676" cy="764024"/>
-          </a:xfrm>
-          <a:prstGeom prst="wedgeRectCallout">
-            <a:avLst>
-              <a:gd name="adj1" fmla="val -20833"/>
-              <a:gd name="adj2" fmla="val 111393"/>
-            </a:avLst>
+            <a:off x="7131934" y="1353540"/>
+            <a:ext cx="650627" cy="369332"/>
+          </a:xfrm>
+          <a:prstGeom prst="rect">
+            <a:avLst/>
           </a:prstGeom>
           <a:noFill/>
         </p:spPr>
+        <p:txBody>
+          <a:bodyPr wrap="none" rtlCol="0">
+            <a:spAutoFit/>
+          </a:bodyPr>
+          <a:lstStyle/>
+          <a:p>
+            <a:r>
+              <a:rPr lang="es-ES" dirty="0"/>
+              <a:t>Santi</a:t>
+            </a:r>
+            <a:endParaRPr lang="es-CO" dirty="0"/>
+          </a:p>
+        </p:txBody>
+      </p:sp>
+      <p:sp>
+        <p:nvSpPr>
+          <p:cNvPr id="7" name="CuadroTexto 6">
+            <a:extLst>
+              <a:ext uri="{FF2B5EF4-FFF2-40B4-BE49-F238E27FC236}">
+                <a16:creationId xmlns:a16="http://schemas.microsoft.com/office/drawing/2014/main" id="{4C342200-BB12-40D8-8EDF-910115C45AE9}"/>
+              </a:ext>
+            </a:extLst>
+          </p:cNvPr>
+          <p:cNvSpPr txBox="1"/>
+          <p:nvPr/>
+        </p:nvSpPr>
+        <p:spPr>
+          <a:xfrm>
+            <a:off x="6369110" y="1381514"/>
+            <a:ext cx="736099" cy="369332"/>
+          </a:xfrm>
+          <a:prstGeom prst="rect">
+            <a:avLst/>
+          </a:prstGeom>
+          <a:noFill/>
+        </p:spPr>
+        <p:txBody>
+          <a:bodyPr wrap="none" rtlCol="0">
+            <a:spAutoFit/>
+          </a:bodyPr>
+          <a:lstStyle/>
+          <a:p>
+            <a:r>
+              <a:rPr lang="es-ES" dirty="0"/>
+              <a:t>María</a:t>
+            </a:r>
+            <a:endParaRPr lang="es-CO" dirty="0"/>
+          </a:p>
+        </p:txBody>
+      </p:sp>
+      <p:sp>
+        <p:nvSpPr>
+          <p:cNvPr id="8" name="CuadroTexto 7">
+            <a:extLst>
+              <a:ext uri="{FF2B5EF4-FFF2-40B4-BE49-F238E27FC236}">
+                <a16:creationId xmlns:a16="http://schemas.microsoft.com/office/drawing/2014/main" id="{486B0367-4C66-4945-924B-DB362373E9CF}"/>
+              </a:ext>
+            </a:extLst>
+          </p:cNvPr>
+          <p:cNvSpPr txBox="1"/>
+          <p:nvPr/>
+        </p:nvSpPr>
+        <p:spPr>
+          <a:xfrm>
+            <a:off x="5636188" y="1312232"/>
+            <a:ext cx="728084" cy="369332"/>
+          </a:xfrm>
+          <a:prstGeom prst="rect">
+            <a:avLst/>
+          </a:prstGeom>
+          <a:noFill/>
+        </p:spPr>
+        <p:txBody>
+          <a:bodyPr wrap="none" rtlCol="0">
+            <a:spAutoFit/>
+          </a:bodyPr>
+          <a:lstStyle/>
+          <a:p>
+            <a:r>
+              <a:rPr lang="es-ES" dirty="0"/>
+              <a:t>Sebas</a:t>
+            </a:r>
+            <a:endParaRPr lang="es-CO" dirty="0"/>
+          </a:p>
+        </p:txBody>
+      </p:sp>
+      <p:sp>
+        <p:nvSpPr>
+          <p:cNvPr id="9" name="CuadroTexto 8">
+            <a:extLst>
+              <a:ext uri="{FF2B5EF4-FFF2-40B4-BE49-F238E27FC236}">
+                <a16:creationId xmlns:a16="http://schemas.microsoft.com/office/drawing/2014/main" id="{39DC77EA-C4D0-4905-8F75-1915A97CC010}"/>
+              </a:ext>
+            </a:extLst>
+          </p:cNvPr>
+          <p:cNvSpPr txBox="1"/>
+          <p:nvPr/>
+        </p:nvSpPr>
+        <p:spPr>
+          <a:xfrm>
+            <a:off x="4931610" y="1318816"/>
+            <a:ext cx="550151" cy="369332"/>
+          </a:xfrm>
+          <a:prstGeom prst="rect">
+            <a:avLst/>
+          </a:prstGeom>
+          <a:noFill/>
+        </p:spPr>
+        <p:txBody>
+          <a:bodyPr wrap="none" rtlCol="0">
+            <a:spAutoFit/>
+          </a:bodyPr>
+          <a:lstStyle/>
+          <a:p>
+            <a:r>
+              <a:rPr lang="es-ES" dirty="0"/>
+              <a:t>Ana</a:t>
+            </a:r>
+            <a:endParaRPr lang="es-CO" dirty="0"/>
+          </a:p>
+        </p:txBody>
+      </p:sp>
+      <p:sp>
+        <p:nvSpPr>
+          <p:cNvPr id="10" name="CuadroTexto 9">
+            <a:extLst>
+              <a:ext uri="{FF2B5EF4-FFF2-40B4-BE49-F238E27FC236}">
+                <a16:creationId xmlns:a16="http://schemas.microsoft.com/office/drawing/2014/main" id="{2F9E716C-D991-437F-9FB1-2B9B4F398175}"/>
+              </a:ext>
+            </a:extLst>
+          </p:cNvPr>
+          <p:cNvSpPr txBox="1"/>
+          <p:nvPr/>
+        </p:nvSpPr>
+        <p:spPr>
+          <a:xfrm>
+            <a:off x="4051266" y="1312232"/>
+            <a:ext cx="763351" cy="369332"/>
+          </a:xfrm>
+          <a:prstGeom prst="rect">
+            <a:avLst/>
+          </a:prstGeom>
+          <a:noFill/>
+        </p:spPr>
+        <p:txBody>
+          <a:bodyPr wrap="none" rtlCol="0">
+            <a:spAutoFit/>
+          </a:bodyPr>
+          <a:lstStyle/>
+          <a:p>
+            <a:r>
+              <a:rPr lang="es-ES" dirty="0"/>
+              <a:t>Carlos</a:t>
+            </a:r>
+            <a:endParaRPr lang="es-CO" dirty="0"/>
+          </a:p>
+        </p:txBody>
+      </p:sp>
+      <p:pic>
+        <p:nvPicPr>
+          <p:cNvPr id="11" name="Imagen 10">
+            <a:extLst>
+              <a:ext uri="{FF2B5EF4-FFF2-40B4-BE49-F238E27FC236}">
+                <a16:creationId xmlns:a16="http://schemas.microsoft.com/office/drawing/2014/main" id="{6D5DCA62-15CD-4C9A-94D6-81441C1F966B}"/>
+              </a:ext>
+            </a:extLst>
+          </p:cNvPr>
+          <p:cNvPicPr>
+            <a:picLocks noChangeAspect="1"/>
+          </p:cNvPicPr>
+          <p:nvPr/>
+        </p:nvPicPr>
+        <p:blipFill>
+          <a:blip r:embed="rId3"/>
+          <a:stretch>
+            <a:fillRect/>
+          </a:stretch>
+        </p:blipFill>
+        <p:spPr>
+          <a:xfrm>
+            <a:off x="5389164" y="5352130"/>
+            <a:ext cx="1588665" cy="1226338"/>
+          </a:xfrm>
+          <a:prstGeom prst="rect">
+            <a:avLst/>
+          </a:prstGeom>
+        </p:spPr>
+      </p:pic>
+      <p:sp>
+        <p:nvSpPr>
+          <p:cNvPr id="12" name="CuadroTexto 11">
+            <a:extLst>
+              <a:ext uri="{FF2B5EF4-FFF2-40B4-BE49-F238E27FC236}">
+                <a16:creationId xmlns:a16="http://schemas.microsoft.com/office/drawing/2014/main" id="{57CE725D-6E7C-414F-8AA8-D4741441CFB8}"/>
+              </a:ext>
+            </a:extLst>
+          </p:cNvPr>
+          <p:cNvSpPr txBox="1"/>
+          <p:nvPr/>
+        </p:nvSpPr>
+        <p:spPr>
+          <a:xfrm>
+            <a:off x="4994162" y="6596729"/>
+            <a:ext cx="2124877" cy="369332"/>
+          </a:xfrm>
+          <a:prstGeom prst="rect">
+            <a:avLst/>
+          </a:prstGeom>
+          <a:noFill/>
+        </p:spPr>
+        <p:txBody>
+          <a:bodyPr wrap="none" rtlCol="0">
+            <a:spAutoFit/>
+          </a:bodyPr>
+          <a:lstStyle/>
+          <a:p>
+            <a:r>
+              <a:rPr lang="es-ES" b="1" dirty="0">
+                <a:solidFill>
+                  <a:srgbClr val="FF0000"/>
+                </a:solidFill>
+              </a:rPr>
+              <a:t>Comprar Almuerzos </a:t>
+            </a:r>
+            <a:endParaRPr lang="es-CO" b="1" dirty="0">
+              <a:solidFill>
+                <a:srgbClr val="FF0000"/>
+              </a:solidFill>
+            </a:endParaRPr>
+          </a:p>
+        </p:txBody>
+      </p:sp>
+      <p:sp>
+        <p:nvSpPr>
+          <p:cNvPr id="13" name="Título 1">
+            <a:extLst>
+              <a:ext uri="{FF2B5EF4-FFF2-40B4-BE49-F238E27FC236}">
+                <a16:creationId xmlns:a16="http://schemas.microsoft.com/office/drawing/2014/main" id="{508D502F-CB69-4D53-B951-BDD5915AD6DF}"/>
+              </a:ext>
+            </a:extLst>
+          </p:cNvPr>
+          <p:cNvSpPr txBox="1">
+            <a:spLocks/>
+          </p:cNvSpPr>
+          <p:nvPr/>
+        </p:nvSpPr>
+        <p:spPr>
+          <a:xfrm>
+            <a:off x="949960" y="413810"/>
+            <a:ext cx="11917680" cy="824682"/>
+          </a:xfrm>
+          <a:prstGeom prst="rect">
+            <a:avLst/>
+          </a:prstGeom>
+        </p:spPr>
+        <p:txBody>
+          <a:bodyPr vert="horz" lIns="91440" tIns="45720" rIns="91440" bIns="45720" rtlCol="0" anchor="ctr">
+            <a:normAutofit/>
+          </a:bodyPr>
+          <a:lstStyle>
+            <a:lvl1pPr algn="l" defTabSz="1036290" rtl="0" eaLnBrk="1" latinLnBrk="0" hangingPunct="1">
+              <a:lnSpc>
+                <a:spcPct val="90000"/>
+              </a:lnSpc>
+              <a:spcBef>
+                <a:spcPct val="0"/>
+              </a:spcBef>
+              <a:buNone/>
+              <a:defRPr sz="4987" kern="1200">
+                <a:solidFill>
+                  <a:schemeClr val="tx1"/>
+                </a:solidFill>
+                <a:latin typeface="+mj-lt"/>
+                <a:ea typeface="+mj-ea"/>
+                <a:cs typeface="+mj-cs"/>
+              </a:defRPr>
+            </a:lvl1pPr>
+          </a:lstStyle>
+          <a:p>
+            <a:r>
+              <a:rPr lang="es-ES" sz="4400"/>
+              <a:t>Contexto</a:t>
+            </a:r>
+            <a:endParaRPr lang="es-CO" sz="4400" dirty="0"/>
+          </a:p>
+        </p:txBody>
+      </p:sp>
+      <p:sp>
+        <p:nvSpPr>
+          <p:cNvPr id="14" name="CuadroTexto 13">
+            <a:extLst>
+              <a:ext uri="{FF2B5EF4-FFF2-40B4-BE49-F238E27FC236}">
+                <a16:creationId xmlns:a16="http://schemas.microsoft.com/office/drawing/2014/main" id="{ECCF08CF-397F-4235-B79D-6C9A6D8783DD}"/>
+              </a:ext>
+            </a:extLst>
+          </p:cNvPr>
+          <p:cNvSpPr txBox="1"/>
+          <p:nvPr/>
+        </p:nvSpPr>
+        <p:spPr>
+          <a:xfrm>
+            <a:off x="9062977" y="2777924"/>
+            <a:ext cx="4098879" cy="369332"/>
+          </a:xfrm>
+          <a:prstGeom prst="rect">
+            <a:avLst/>
+          </a:prstGeom>
+          <a:noFill/>
+        </p:spPr>
+        <p:txBody>
+          <a:bodyPr wrap="none" rtlCol="0">
+            <a:spAutoFit/>
+          </a:bodyPr>
+          <a:lstStyle/>
+          <a:p>
+            <a:r>
+              <a:rPr lang="es-ES" dirty="0"/>
+              <a:t>Todos pueden utilizar Comprar Almuerzos</a:t>
+            </a:r>
+            <a:endParaRPr lang="es-CO" dirty="0"/>
+          </a:p>
+        </p:txBody>
+      </p:sp>
+      <p:cxnSp>
+        <p:nvCxnSpPr>
+          <p:cNvPr id="16" name="Conector recto de flecha 15">
+            <a:extLst>
+              <a:ext uri="{FF2B5EF4-FFF2-40B4-BE49-F238E27FC236}">
+                <a16:creationId xmlns:a16="http://schemas.microsoft.com/office/drawing/2014/main" id="{7DD3336A-9AB8-4815-9715-03089D43D4F9}"/>
+              </a:ext>
+            </a:extLst>
+          </p:cNvPr>
+          <p:cNvCxnSpPr>
+            <a:endCxn id="11" idx="1"/>
+          </p:cNvCxnSpPr>
+          <p:nvPr/>
+        </p:nvCxnSpPr>
+        <p:spPr>
+          <a:xfrm>
+            <a:off x="4537276" y="4033792"/>
+            <a:ext cx="851888" cy="1931507"/>
+          </a:xfrm>
+          <a:prstGeom prst="straightConnector1">
+            <a:avLst/>
+          </a:prstGeom>
+          <a:ln>
+            <a:tailEnd type="triangle"/>
+          </a:ln>
+        </p:spPr>
         <p:style>
-          <a:lnRef idx="2">
-            <a:schemeClr val="accent1">
-              <a:shade val="50000"/>
-            </a:schemeClr>
+          <a:lnRef idx="1">
+            <a:schemeClr val="accent1"/>
           </a:lnRef>
-          <a:fillRef idx="1">
+          <a:fillRef idx="0">
             <a:schemeClr val="accent1"/>
           </a:fillRef>
           <a:effectRef idx="0">
             <a:schemeClr val="accent1"/>
           </a:effectRef>
           <a:fontRef idx="minor">
-            <a:schemeClr val="lt1"/>
+            <a:schemeClr val="tx1"/>
           </a:fontRef>
         </p:style>
-        <p:txBody>
-          <a:bodyPr rtlCol="0" anchor="ctr"/>
-          <a:lstStyle/>
-          <a:p>
-            <a:pPr algn="ctr"/>
-            <a:r>
-              <a:rPr lang="en-US" dirty="0" err="1">
-                <a:solidFill>
-                  <a:schemeClr val="tx1"/>
-                </a:solidFill>
-              </a:rPr>
-              <a:t>Público</a:t>
-            </a:r>
-            <a:endParaRPr lang="en-US" dirty="0">
-              <a:solidFill>
-                <a:schemeClr val="tx1"/>
-              </a:solidFill>
-            </a:endParaRPr>
-          </a:p>
-          <a:p>
-            <a:pPr algn="ctr"/>
-            <a:r>
-              <a:rPr lang="en-US" dirty="0" err="1">
-                <a:solidFill>
-                  <a:schemeClr val="tx1"/>
-                </a:solidFill>
-              </a:rPr>
-              <a:t>Privado</a:t>
-            </a:r>
-            <a:endParaRPr lang="en-US" dirty="0">
-              <a:solidFill>
-                <a:schemeClr val="tx1"/>
-              </a:solidFill>
-            </a:endParaRPr>
-          </a:p>
-          <a:p>
-            <a:pPr algn="ctr"/>
-            <a:r>
-              <a:rPr lang="en-US" dirty="0" err="1">
-                <a:solidFill>
-                  <a:schemeClr val="tx1"/>
-                </a:solidFill>
-              </a:rPr>
-              <a:t>Protegido</a:t>
-            </a:r>
-            <a:endParaRPr lang="es-CO" dirty="0">
-              <a:solidFill>
-                <a:schemeClr val="tx1"/>
-              </a:solidFill>
-            </a:endParaRPr>
-          </a:p>
-        </p:txBody>
-      </p:sp>
-      <p:sp>
-        <p:nvSpPr>
-          <p:cNvPr id="5" name="Bocadillo: rectángulo 4">
+      </p:cxnSp>
+      <p:cxnSp>
+        <p:nvCxnSpPr>
+          <p:cNvPr id="18" name="Conector recto de flecha 17">
             <a:extLst>
               <a:ext uri="{FF2B5EF4-FFF2-40B4-BE49-F238E27FC236}">
-                <a16:creationId xmlns:a16="http://schemas.microsoft.com/office/drawing/2014/main" id="{A8C7853C-5D2A-4D90-AE60-F836519E9B0C}"/>
+                <a16:creationId xmlns:a16="http://schemas.microsoft.com/office/drawing/2014/main" id="{85C76876-B358-47B4-A5ED-766E0100F133}"/>
               </a:ext>
             </a:extLst>
           </p:cNvPr>
-          <p:cNvSpPr/>
+          <p:cNvCxnSpPr>
+            <a:stCxn id="11" idx="1"/>
+          </p:cNvCxnSpPr>
           <p:nvPr/>
-        </p:nvSpPr>
-        <p:spPr>
-          <a:xfrm>
-            <a:off x="2589572" y="1742688"/>
-            <a:ext cx="1702676" cy="764024"/>
-          </a:xfrm>
-          <a:prstGeom prst="wedgeRectCallout">
-            <a:avLst>
-              <a:gd name="adj1" fmla="val -20833"/>
-              <a:gd name="adj2" fmla="val 111393"/>
-            </a:avLst>
+        </p:nvCxnSpPr>
+        <p:spPr>
+          <a:xfrm flipH="1" flipV="1">
+            <a:off x="4814617" y="3886200"/>
+            <a:ext cx="574547" cy="2079099"/>
+          </a:xfrm>
+          <a:prstGeom prst="straightConnector1">
+            <a:avLst/>
           </a:prstGeom>
-          <a:noFill/>
+          <a:ln>
+            <a:tailEnd type="triangle"/>
+          </a:ln>
         </p:spPr>
         <p:style>
-          <a:lnRef idx="2">
-            <a:schemeClr val="accent1">
-              <a:shade val="50000"/>
-            </a:schemeClr>
+          <a:lnRef idx="1">
+            <a:schemeClr val="accent1"/>
           </a:lnRef>
-          <a:fillRef idx="1">
+          <a:fillRef idx="0">
             <a:schemeClr val="accent1"/>
           </a:fillRef>
           <a:effectRef idx="0">
             <a:schemeClr val="accent1"/>
           </a:effectRef>
           <a:fontRef idx="minor">
-            <a:schemeClr val="lt1"/>
+            <a:schemeClr val="tx1"/>
           </a:fontRef>
         </p:style>
-        <p:txBody>
-          <a:bodyPr rtlCol="0" anchor="ctr"/>
-          <a:lstStyle/>
-          <a:p>
-            <a:pPr algn="ctr"/>
-            <a:r>
-              <a:rPr lang="en-US" dirty="0">
-                <a:solidFill>
-                  <a:schemeClr val="tx1"/>
-                </a:solidFill>
-              </a:rPr>
-              <a:t>Final, </a:t>
-            </a:r>
-            <a:r>
-              <a:rPr lang="en-US" dirty="0" err="1">
-                <a:solidFill>
-                  <a:schemeClr val="tx1"/>
-                </a:solidFill>
-              </a:rPr>
-              <a:t>instanciar</a:t>
-            </a:r>
-            <a:endParaRPr lang="en-US" dirty="0">
-              <a:solidFill>
-                <a:schemeClr val="tx1"/>
-              </a:solidFill>
-            </a:endParaRPr>
-          </a:p>
-          <a:p>
-            <a:pPr algn="ctr"/>
-            <a:r>
-              <a:rPr lang="en-US" dirty="0">
-                <a:solidFill>
-                  <a:schemeClr val="tx1"/>
-                </a:solidFill>
-              </a:rPr>
-              <a:t>Static, no </a:t>
-            </a:r>
-            <a:r>
-              <a:rPr lang="en-US" dirty="0" err="1">
-                <a:solidFill>
-                  <a:schemeClr val="tx1"/>
-                </a:solidFill>
-              </a:rPr>
-              <a:t>crea</a:t>
-            </a:r>
-            <a:r>
-              <a:rPr lang="en-US" dirty="0">
-                <a:solidFill>
-                  <a:schemeClr val="tx1"/>
-                </a:solidFill>
-              </a:rPr>
-              <a:t> </a:t>
-            </a:r>
-            <a:r>
-              <a:rPr lang="en-US" dirty="0" err="1">
-                <a:solidFill>
-                  <a:schemeClr val="tx1"/>
-                </a:solidFill>
-              </a:rPr>
-              <a:t>instanacia</a:t>
-            </a:r>
-            <a:endParaRPr lang="es-CO" dirty="0">
-              <a:solidFill>
-                <a:schemeClr val="tx1"/>
-              </a:solidFill>
-            </a:endParaRPr>
-          </a:p>
-        </p:txBody>
-      </p:sp>
-      <p:sp>
-        <p:nvSpPr>
-          <p:cNvPr id="6" name="Bocadillo: rectángulo 5">
+      </p:cxnSp>
+      <p:cxnSp>
+        <p:nvCxnSpPr>
+          <p:cNvPr id="19" name="Conector recto de flecha 18">
             <a:extLst>
               <a:ext uri="{FF2B5EF4-FFF2-40B4-BE49-F238E27FC236}">
-                <a16:creationId xmlns:a16="http://schemas.microsoft.com/office/drawing/2014/main" id="{6E3CE605-D037-4E39-9A4A-6901250EE3AE}"/>
+                <a16:creationId xmlns:a16="http://schemas.microsoft.com/office/drawing/2014/main" id="{0F6C2C4F-C17F-441D-AE18-BE21CF4822BC}"/>
               </a:ext>
             </a:extLst>
           </p:cNvPr>
-          <p:cNvSpPr/>
+          <p:cNvCxnSpPr>
+            <a:cxnSpLocks/>
+          </p:cNvCxnSpPr>
           <p:nvPr/>
-        </p:nvSpPr>
+        </p:nvCxnSpPr>
         <p:spPr>
           <a:xfrm>
-            <a:off x="4359337" y="1557747"/>
-            <a:ext cx="1702676" cy="764024"/>
-          </a:xfrm>
-          <a:prstGeom prst="wedgeRectCallout">
-            <a:avLst>
-              <a:gd name="adj1" fmla="val -40277"/>
-              <a:gd name="adj2" fmla="val 129964"/>
-            </a:avLst>
+            <a:off x="5389164" y="3886200"/>
+            <a:ext cx="667144" cy="1756388"/>
+          </a:xfrm>
+          <a:prstGeom prst="straightConnector1">
+            <a:avLst/>
           </a:prstGeom>
-          <a:noFill/>
+          <a:ln>
+            <a:tailEnd type="triangle"/>
+          </a:ln>
         </p:spPr>
         <p:style>
-          <a:lnRef idx="2">
-            <a:schemeClr val="accent1">
-              <a:shade val="50000"/>
-            </a:schemeClr>
+          <a:lnRef idx="1">
+            <a:schemeClr val="accent1"/>
           </a:lnRef>
-          <a:fillRef idx="1">
+          <a:fillRef idx="0">
             <a:schemeClr val="accent1"/>
           </a:fillRef>
           <a:effectRef idx="0">
             <a:schemeClr val="accent1"/>
           </a:effectRef>
           <a:fontRef idx="minor">
-            <a:schemeClr val="lt1"/>
+            <a:schemeClr val="tx1"/>
           </a:fontRef>
         </p:style>
-        <p:txBody>
-          <a:bodyPr rtlCol="0" anchor="ctr"/>
-          <a:lstStyle/>
-          <a:p>
-            <a:pPr algn="ctr"/>
-            <a:r>
-              <a:rPr lang="en-US" dirty="0" err="1">
-                <a:solidFill>
-                  <a:schemeClr val="tx1"/>
-                </a:solidFill>
-              </a:rPr>
-              <a:t>Tipo</a:t>
-            </a:r>
-            <a:r>
-              <a:rPr lang="en-US" dirty="0">
-                <a:solidFill>
-                  <a:schemeClr val="tx1"/>
-                </a:solidFill>
-              </a:rPr>
-              <a:t> de </a:t>
-            </a:r>
-            <a:r>
-              <a:rPr lang="en-US" dirty="0" err="1">
-                <a:solidFill>
-                  <a:schemeClr val="tx1"/>
-                </a:solidFill>
-              </a:rPr>
-              <a:t>dato</a:t>
-            </a:r>
-            <a:r>
-              <a:rPr lang="en-US" dirty="0">
-                <a:solidFill>
-                  <a:schemeClr val="tx1"/>
-                </a:solidFill>
-              </a:rPr>
-              <a:t> que </a:t>
-            </a:r>
-            <a:r>
-              <a:rPr lang="en-US" dirty="0" err="1">
-                <a:solidFill>
-                  <a:schemeClr val="tx1"/>
-                </a:solidFill>
-              </a:rPr>
-              <a:t>retorna</a:t>
-            </a:r>
-            <a:endParaRPr lang="es-CO" dirty="0">
-              <a:solidFill>
-                <a:schemeClr val="tx1"/>
-              </a:solidFill>
-            </a:endParaRPr>
-          </a:p>
-        </p:txBody>
-      </p:sp>
-      <p:sp>
-        <p:nvSpPr>
-          <p:cNvPr id="8" name="Bocadillo: rectángulo 7">
+      </p:cxnSp>
+      <p:cxnSp>
+        <p:nvCxnSpPr>
+          <p:cNvPr id="20" name="Conector recto de flecha 19">
             <a:extLst>
               <a:ext uri="{FF2B5EF4-FFF2-40B4-BE49-F238E27FC236}">
-                <a16:creationId xmlns:a16="http://schemas.microsoft.com/office/drawing/2014/main" id="{563976C9-42AB-4C12-9B0C-EB9CFD964CBD}"/>
+                <a16:creationId xmlns:a16="http://schemas.microsoft.com/office/drawing/2014/main" id="{DF2C5124-24B1-4FBF-9B31-4789FA23A10A}"/>
               </a:ext>
             </a:extLst>
           </p:cNvPr>
-          <p:cNvSpPr/>
+          <p:cNvCxnSpPr>
+            <a:cxnSpLocks/>
+          </p:cNvCxnSpPr>
           <p:nvPr/>
-        </p:nvSpPr>
-        <p:spPr>
-          <a:xfrm>
-            <a:off x="9048179" y="1736931"/>
-            <a:ext cx="1702676" cy="764024"/>
-          </a:xfrm>
-          <a:prstGeom prst="wedgeRectCallout">
-            <a:avLst>
-              <a:gd name="adj1" fmla="val -20833"/>
-              <a:gd name="adj2" fmla="val 111393"/>
-            </a:avLst>
+        </p:nvCxnSpPr>
+        <p:spPr>
+          <a:xfrm flipH="1" flipV="1">
+            <a:off x="5636189" y="3959997"/>
+            <a:ext cx="420120" cy="1682592"/>
+          </a:xfrm>
+          <a:prstGeom prst="straightConnector1">
+            <a:avLst/>
           </a:prstGeom>
-          <a:noFill/>
+          <a:ln>
+            <a:tailEnd type="triangle"/>
+          </a:ln>
         </p:spPr>
         <p:style>
-          <a:lnRef idx="2">
-            <a:schemeClr val="accent1">
-              <a:shade val="50000"/>
-            </a:schemeClr>
+          <a:lnRef idx="1">
+            <a:schemeClr val="accent1"/>
           </a:lnRef>
-          <a:fillRef idx="1">
+          <a:fillRef idx="0">
             <a:schemeClr val="accent1"/>
           </a:fillRef>
           <a:effectRef idx="0">
             <a:schemeClr val="accent1"/>
           </a:effectRef>
           <a:fontRef idx="minor">
-            <a:schemeClr val="lt1"/>
+            <a:schemeClr val="tx1"/>
           </a:fontRef>
         </p:style>
-        <p:txBody>
-          <a:bodyPr rtlCol="0" anchor="ctr"/>
-          <a:lstStyle/>
-          <a:p>
-            <a:pPr algn="ctr"/>
-            <a:r>
-              <a:rPr lang="en-US" dirty="0" err="1">
-                <a:solidFill>
-                  <a:schemeClr val="tx1"/>
-                </a:solidFill>
-              </a:rPr>
-              <a:t>Datos</a:t>
-            </a:r>
-            <a:r>
-              <a:rPr lang="en-US" dirty="0">
-                <a:solidFill>
-                  <a:schemeClr val="tx1"/>
-                </a:solidFill>
-              </a:rPr>
-              <a:t> de Entrada a la </a:t>
-            </a:r>
-            <a:r>
-              <a:rPr lang="en-US" dirty="0" err="1">
-                <a:solidFill>
-                  <a:schemeClr val="tx1"/>
-                </a:solidFill>
-              </a:rPr>
-              <a:t>subrutina</a:t>
-            </a:r>
-            <a:endParaRPr lang="es-CO" dirty="0">
-              <a:solidFill>
-                <a:schemeClr val="tx1"/>
-              </a:solidFill>
-            </a:endParaRPr>
-          </a:p>
-        </p:txBody>
-      </p:sp>
-      <p:sp>
-        <p:nvSpPr>
-          <p:cNvPr id="9" name="Bocadillo: rectángulo 8">
+      </p:cxnSp>
+      <p:cxnSp>
+        <p:nvCxnSpPr>
+          <p:cNvPr id="26" name="Conector recto de flecha 25">
             <a:extLst>
               <a:ext uri="{FF2B5EF4-FFF2-40B4-BE49-F238E27FC236}">
-                <a16:creationId xmlns:a16="http://schemas.microsoft.com/office/drawing/2014/main" id="{4F79790F-077B-40B8-939C-2D6C5BFADEC9}"/>
+                <a16:creationId xmlns:a16="http://schemas.microsoft.com/office/drawing/2014/main" id="{0878CBF2-D447-46A1-A11A-A54EC501FFD0}"/>
               </a:ext>
             </a:extLst>
           </p:cNvPr>
-          <p:cNvSpPr/>
+          <p:cNvCxnSpPr>
+            <a:cxnSpLocks/>
+          </p:cNvCxnSpPr>
           <p:nvPr/>
-        </p:nvSpPr>
+        </p:nvCxnSpPr>
         <p:spPr>
           <a:xfrm>
-            <a:off x="6364012" y="1592002"/>
-            <a:ext cx="1702676" cy="764024"/>
-          </a:xfrm>
-          <a:prstGeom prst="wedgeRectCallout">
-            <a:avLst>
-              <a:gd name="adj1" fmla="val -40277"/>
-              <a:gd name="adj2" fmla="val 129964"/>
-            </a:avLst>
+            <a:off x="5936470" y="3750129"/>
+            <a:ext cx="304582" cy="1759420"/>
+          </a:xfrm>
+          <a:prstGeom prst="straightConnector1">
+            <a:avLst/>
           </a:prstGeom>
-          <a:noFill/>
+          <a:ln>
+            <a:tailEnd type="triangle"/>
+          </a:ln>
         </p:spPr>
         <p:style>
-          <a:lnRef idx="2">
-            <a:schemeClr val="accent1">
-              <a:shade val="50000"/>
-            </a:schemeClr>
+          <a:lnRef idx="1">
+            <a:schemeClr val="accent1"/>
           </a:lnRef>
-          <a:fillRef idx="1">
+          <a:fillRef idx="0">
             <a:schemeClr val="accent1"/>
           </a:fillRef>
           <a:effectRef idx="0">
             <a:schemeClr val="accent1"/>
           </a:effectRef>
           <a:fontRef idx="minor">
-            <a:schemeClr val="lt1"/>
+            <a:schemeClr val="tx1"/>
           </a:fontRef>
         </p:style>
-        <p:txBody>
-          <a:bodyPr rtlCol="0" anchor="ctr"/>
-          <a:lstStyle/>
-          <a:p>
-            <a:pPr algn="ctr"/>
-            <a:r>
-              <a:rPr lang="en-US" dirty="0">
-                <a:solidFill>
-                  <a:schemeClr val="tx1"/>
-                </a:solidFill>
-              </a:rPr>
-              <a:t>EL </a:t>
-            </a:r>
-            <a:r>
-              <a:rPr lang="en-US" dirty="0" err="1">
-                <a:solidFill>
-                  <a:schemeClr val="tx1"/>
-                </a:solidFill>
-              </a:rPr>
-              <a:t>nombre</a:t>
-            </a:r>
-            <a:r>
-              <a:rPr lang="en-US" dirty="0">
-                <a:solidFill>
-                  <a:schemeClr val="tx1"/>
-                </a:solidFill>
-              </a:rPr>
-              <a:t> </a:t>
-            </a:r>
-            <a:r>
-              <a:rPr lang="en-US" dirty="0" err="1">
-                <a:solidFill>
-                  <a:schemeClr val="tx1"/>
-                </a:solidFill>
-              </a:rPr>
-              <a:t>será</a:t>
-            </a:r>
-            <a:r>
-              <a:rPr lang="en-US" dirty="0">
-                <a:solidFill>
-                  <a:schemeClr val="tx1"/>
-                </a:solidFill>
-              </a:rPr>
-              <a:t> lo que </a:t>
-            </a:r>
-            <a:r>
-              <a:rPr lang="en-US" dirty="0" err="1">
-                <a:solidFill>
-                  <a:schemeClr val="tx1"/>
-                </a:solidFill>
-              </a:rPr>
-              <a:t>hace</a:t>
-            </a:r>
-            <a:endParaRPr lang="es-CO" dirty="0">
-              <a:solidFill>
-                <a:schemeClr val="tx1"/>
-              </a:solidFill>
-            </a:endParaRPr>
-          </a:p>
-        </p:txBody>
-      </p:sp>
-      <p:sp>
-        <p:nvSpPr>
-          <p:cNvPr id="10" name="Bocadillo: rectángulo 9">
+      </p:cxnSp>
+      <p:cxnSp>
+        <p:nvCxnSpPr>
+          <p:cNvPr id="27" name="Conector recto de flecha 26">
             <a:extLst>
               <a:ext uri="{FF2B5EF4-FFF2-40B4-BE49-F238E27FC236}">
-                <a16:creationId xmlns:a16="http://schemas.microsoft.com/office/drawing/2014/main" id="{D9398874-116D-406D-815F-997675AC34F4}"/>
+                <a16:creationId xmlns:a16="http://schemas.microsoft.com/office/drawing/2014/main" id="{80E95D07-2A86-43C5-98D8-FAFE45CF524D}"/>
               </a:ext>
             </a:extLst>
           </p:cNvPr>
-          <p:cNvSpPr/>
+          <p:cNvCxnSpPr>
+            <a:cxnSpLocks/>
+          </p:cNvCxnSpPr>
           <p:nvPr/>
-        </p:nvSpPr>
-        <p:spPr>
-          <a:xfrm>
-            <a:off x="4811281" y="5580993"/>
-            <a:ext cx="7265105" cy="1198184"/>
-          </a:xfrm>
-          <a:prstGeom prst="wedgeRectCallout">
-            <a:avLst>
-              <a:gd name="adj1" fmla="val -63077"/>
-              <a:gd name="adj2" fmla="val -22922"/>
-            </a:avLst>
+        </p:nvCxnSpPr>
+        <p:spPr>
+          <a:xfrm flipH="1" flipV="1">
+            <a:off x="6183495" y="3823926"/>
+            <a:ext cx="57558" cy="1731922"/>
+          </a:xfrm>
+          <a:prstGeom prst="straightConnector1">
+            <a:avLst/>
           </a:prstGeom>
-          <a:noFill/>
+          <a:ln>
+            <a:tailEnd type="triangle"/>
+          </a:ln>
         </p:spPr>
         <p:style>
-          <a:lnRef idx="2">
-            <a:schemeClr val="accent1">
-              <a:shade val="50000"/>
-            </a:schemeClr>
+          <a:lnRef idx="1">
+            <a:schemeClr val="accent1"/>
           </a:lnRef>
-          <a:fillRef idx="1">
+          <a:fillRef idx="0">
             <a:schemeClr val="accent1"/>
           </a:fillRef>
           <a:effectRef idx="0">
             <a:schemeClr val="accent1"/>
           </a:effectRef>
           <a:fontRef idx="minor">
-            <a:schemeClr val="lt1"/>
+            <a:schemeClr val="tx1"/>
           </a:fontRef>
         </p:style>
-        <p:txBody>
-          <a:bodyPr rtlCol="0" anchor="ctr"/>
-          <a:lstStyle/>
-          <a:p>
-            <a:pPr algn="ctr"/>
-            <a:r>
-              <a:rPr lang="en-US" dirty="0" err="1">
-                <a:solidFill>
-                  <a:schemeClr val="tx1"/>
-                </a:solidFill>
-              </a:rPr>
-              <a:t>En</a:t>
-            </a:r>
-            <a:r>
-              <a:rPr lang="en-US" dirty="0">
-                <a:solidFill>
-                  <a:schemeClr val="tx1"/>
-                </a:solidFill>
-              </a:rPr>
-              <a:t> </a:t>
-            </a:r>
-            <a:r>
-              <a:rPr lang="en-US" dirty="0" err="1">
-                <a:solidFill>
-                  <a:schemeClr val="tx1"/>
-                </a:solidFill>
-              </a:rPr>
-              <a:t>una</a:t>
-            </a:r>
-            <a:r>
-              <a:rPr lang="en-US" dirty="0">
-                <a:solidFill>
-                  <a:schemeClr val="tx1"/>
-                </a:solidFill>
-              </a:rPr>
-              <a:t> </a:t>
-            </a:r>
-            <a:r>
-              <a:rPr lang="en-US" dirty="0" err="1">
-                <a:solidFill>
-                  <a:schemeClr val="tx1"/>
-                </a:solidFill>
-              </a:rPr>
-              <a:t>función</a:t>
-            </a:r>
-            <a:r>
-              <a:rPr lang="en-US" dirty="0">
-                <a:solidFill>
-                  <a:schemeClr val="tx1"/>
-                </a:solidFill>
-              </a:rPr>
-              <a:t> </a:t>
-            </a:r>
-            <a:r>
-              <a:rPr lang="en-US" dirty="0" err="1">
-                <a:solidFill>
-                  <a:schemeClr val="tx1"/>
-                </a:solidFill>
-              </a:rPr>
-              <a:t>retorna</a:t>
-            </a:r>
-            <a:r>
-              <a:rPr lang="en-US" dirty="0">
-                <a:solidFill>
-                  <a:schemeClr val="tx1"/>
-                </a:solidFill>
-              </a:rPr>
-              <a:t> un valor del </a:t>
-            </a:r>
-            <a:r>
-              <a:rPr lang="en-US" dirty="0" err="1">
-                <a:solidFill>
-                  <a:schemeClr val="tx1"/>
-                </a:solidFill>
-              </a:rPr>
-              <a:t>mismo</a:t>
-            </a:r>
-            <a:r>
-              <a:rPr lang="en-US" dirty="0">
-                <a:solidFill>
-                  <a:schemeClr val="tx1"/>
-                </a:solidFill>
-              </a:rPr>
-              <a:t> </a:t>
-            </a:r>
-            <a:r>
-              <a:rPr lang="en-US" dirty="0" err="1">
-                <a:solidFill>
-                  <a:schemeClr val="tx1"/>
-                </a:solidFill>
-              </a:rPr>
-              <a:t>tipo</a:t>
-            </a:r>
-            <a:r>
-              <a:rPr lang="en-US" dirty="0">
-                <a:solidFill>
-                  <a:schemeClr val="tx1"/>
-                </a:solidFill>
-              </a:rPr>
-              <a:t> de la </a:t>
-            </a:r>
-            <a:r>
-              <a:rPr lang="en-US" dirty="0" err="1">
-                <a:solidFill>
-                  <a:schemeClr val="tx1"/>
-                </a:solidFill>
-              </a:rPr>
-              <a:t>función</a:t>
-            </a:r>
-            <a:endParaRPr lang="en-US" dirty="0">
-              <a:solidFill>
-                <a:schemeClr val="tx1"/>
-              </a:solidFill>
-            </a:endParaRPr>
-          </a:p>
-          <a:p>
-            <a:pPr algn="ctr"/>
-            <a:r>
-              <a:rPr lang="en-US" dirty="0" err="1">
-                <a:solidFill>
-                  <a:schemeClr val="tx1"/>
-                </a:solidFill>
-              </a:rPr>
-              <a:t>En</a:t>
-            </a:r>
-            <a:r>
-              <a:rPr lang="en-US" dirty="0">
-                <a:solidFill>
-                  <a:schemeClr val="tx1"/>
-                </a:solidFill>
-              </a:rPr>
-              <a:t> un </a:t>
-            </a:r>
-            <a:r>
-              <a:rPr lang="en-US" dirty="0" err="1">
-                <a:solidFill>
-                  <a:schemeClr val="tx1"/>
-                </a:solidFill>
-              </a:rPr>
-              <a:t>procedimiento</a:t>
-            </a:r>
-            <a:r>
-              <a:rPr lang="en-US" dirty="0">
-                <a:solidFill>
-                  <a:schemeClr val="tx1"/>
-                </a:solidFill>
-              </a:rPr>
-              <a:t> se </a:t>
-            </a:r>
-            <a:r>
-              <a:rPr lang="en-US" dirty="0" err="1">
-                <a:solidFill>
-                  <a:schemeClr val="tx1"/>
-                </a:solidFill>
-              </a:rPr>
-              <a:t>usa</a:t>
-            </a:r>
-            <a:r>
-              <a:rPr lang="en-US" dirty="0">
-                <a:solidFill>
-                  <a:schemeClr val="tx1"/>
-                </a:solidFill>
-              </a:rPr>
-              <a:t> solo la palabra return para </a:t>
-            </a:r>
-            <a:r>
-              <a:rPr lang="en-US" dirty="0" err="1">
-                <a:solidFill>
-                  <a:schemeClr val="tx1"/>
-                </a:solidFill>
-              </a:rPr>
-              <a:t>finalizar</a:t>
-            </a:r>
-            <a:r>
-              <a:rPr lang="en-US" dirty="0">
-                <a:solidFill>
-                  <a:schemeClr val="tx1"/>
-                </a:solidFill>
-              </a:rPr>
-              <a:t> la </a:t>
-            </a:r>
-            <a:r>
-              <a:rPr lang="en-US" dirty="0" err="1">
-                <a:solidFill>
-                  <a:schemeClr val="tx1"/>
-                </a:solidFill>
-              </a:rPr>
-              <a:t>ejecución</a:t>
-            </a:r>
-            <a:endParaRPr lang="en-US" dirty="0">
-              <a:solidFill>
-                <a:schemeClr val="tx1"/>
-              </a:solidFill>
-            </a:endParaRPr>
-          </a:p>
-          <a:p>
-            <a:pPr algn="ctr"/>
-            <a:r>
-              <a:rPr lang="en-US" dirty="0">
-                <a:solidFill>
-                  <a:schemeClr val="tx1"/>
-                </a:solidFill>
-              </a:rPr>
-              <a:t>Las </a:t>
-            </a:r>
-            <a:r>
-              <a:rPr lang="en-US" dirty="0" err="1">
-                <a:solidFill>
-                  <a:schemeClr val="tx1"/>
-                </a:solidFill>
-              </a:rPr>
-              <a:t>instrucciones</a:t>
-            </a:r>
-            <a:r>
-              <a:rPr lang="en-US" dirty="0">
-                <a:solidFill>
-                  <a:schemeClr val="tx1"/>
-                </a:solidFill>
-              </a:rPr>
-              <a:t> que van </a:t>
-            </a:r>
-            <a:r>
-              <a:rPr lang="en-US" dirty="0" err="1">
-                <a:solidFill>
-                  <a:schemeClr val="tx1"/>
-                </a:solidFill>
-              </a:rPr>
-              <a:t>luego</a:t>
-            </a:r>
-            <a:r>
-              <a:rPr lang="en-US" dirty="0">
-                <a:solidFill>
-                  <a:schemeClr val="tx1"/>
-                </a:solidFill>
-              </a:rPr>
-              <a:t> de un return, no se </a:t>
-            </a:r>
-            <a:r>
-              <a:rPr lang="en-US" dirty="0" err="1">
-                <a:solidFill>
-                  <a:schemeClr val="tx1"/>
-                </a:solidFill>
-              </a:rPr>
-              <a:t>ejecutan</a:t>
-            </a:r>
-            <a:endParaRPr lang="es-CO" dirty="0">
-              <a:solidFill>
-                <a:schemeClr val="tx1"/>
-              </a:solidFill>
-            </a:endParaRPr>
-          </a:p>
-        </p:txBody>
-      </p:sp>
+      </p:cxnSp>
+      <p:cxnSp>
+        <p:nvCxnSpPr>
+          <p:cNvPr id="32" name="Conector recto de flecha 31">
+            <a:extLst>
+              <a:ext uri="{FF2B5EF4-FFF2-40B4-BE49-F238E27FC236}">
+                <a16:creationId xmlns:a16="http://schemas.microsoft.com/office/drawing/2014/main" id="{34090A4C-32BE-43F0-8AF6-A3356988CF70}"/>
+              </a:ext>
+            </a:extLst>
+          </p:cNvPr>
+          <p:cNvCxnSpPr>
+            <a:cxnSpLocks/>
+          </p:cNvCxnSpPr>
+          <p:nvPr/>
+        </p:nvCxnSpPr>
+        <p:spPr>
+          <a:xfrm flipH="1">
+            <a:off x="6603614" y="3790102"/>
+            <a:ext cx="69632" cy="1765746"/>
+          </a:xfrm>
+          <a:prstGeom prst="straightConnector1">
+            <a:avLst/>
+          </a:prstGeom>
+          <a:ln>
+            <a:tailEnd type="triangle"/>
+          </a:ln>
+        </p:spPr>
+        <p:style>
+          <a:lnRef idx="1">
+            <a:schemeClr val="accent1"/>
+          </a:lnRef>
+          <a:fillRef idx="0">
+            <a:schemeClr val="accent1"/>
+          </a:fillRef>
+          <a:effectRef idx="0">
+            <a:schemeClr val="accent1"/>
+          </a:effectRef>
+          <a:fontRef idx="minor">
+            <a:schemeClr val="tx1"/>
+          </a:fontRef>
+        </p:style>
+      </p:cxnSp>
+      <p:cxnSp>
+        <p:nvCxnSpPr>
+          <p:cNvPr id="33" name="Conector recto de flecha 32">
+            <a:extLst>
+              <a:ext uri="{FF2B5EF4-FFF2-40B4-BE49-F238E27FC236}">
+                <a16:creationId xmlns:a16="http://schemas.microsoft.com/office/drawing/2014/main" id="{2F18C0A4-BFFB-4ED6-8B7B-D9044EC1CFFC}"/>
+              </a:ext>
+            </a:extLst>
+          </p:cNvPr>
+          <p:cNvCxnSpPr>
+            <a:cxnSpLocks/>
+          </p:cNvCxnSpPr>
+          <p:nvPr/>
+        </p:nvCxnSpPr>
+        <p:spPr>
+          <a:xfrm flipV="1">
+            <a:off x="6541333" y="3863899"/>
+            <a:ext cx="378938" cy="1691950"/>
+          </a:xfrm>
+          <a:prstGeom prst="straightConnector1">
+            <a:avLst/>
+          </a:prstGeom>
+          <a:ln>
+            <a:tailEnd type="triangle"/>
+          </a:ln>
+        </p:spPr>
+        <p:style>
+          <a:lnRef idx="1">
+            <a:schemeClr val="accent1"/>
+          </a:lnRef>
+          <a:fillRef idx="0">
+            <a:schemeClr val="accent1"/>
+          </a:fillRef>
+          <a:effectRef idx="0">
+            <a:schemeClr val="accent1"/>
+          </a:effectRef>
+          <a:fontRef idx="minor">
+            <a:schemeClr val="tx1"/>
+          </a:fontRef>
+        </p:style>
+      </p:cxnSp>
+      <p:cxnSp>
+        <p:nvCxnSpPr>
+          <p:cNvPr id="38" name="Conector recto de flecha 37">
+            <a:extLst>
+              <a:ext uri="{FF2B5EF4-FFF2-40B4-BE49-F238E27FC236}">
+                <a16:creationId xmlns:a16="http://schemas.microsoft.com/office/drawing/2014/main" id="{994F88A1-06A6-4528-AD79-B710A8F2E7D7}"/>
+              </a:ext>
+            </a:extLst>
+          </p:cNvPr>
+          <p:cNvCxnSpPr>
+            <a:cxnSpLocks/>
+          </p:cNvCxnSpPr>
+          <p:nvPr/>
+        </p:nvCxnSpPr>
+        <p:spPr>
+          <a:xfrm flipH="1">
+            <a:off x="6920271" y="3812403"/>
+            <a:ext cx="422587" cy="1860103"/>
+          </a:xfrm>
+          <a:prstGeom prst="straightConnector1">
+            <a:avLst/>
+          </a:prstGeom>
+          <a:ln>
+            <a:tailEnd type="triangle"/>
+          </a:ln>
+        </p:spPr>
+        <p:style>
+          <a:lnRef idx="1">
+            <a:schemeClr val="accent1"/>
+          </a:lnRef>
+          <a:fillRef idx="0">
+            <a:schemeClr val="accent1"/>
+          </a:fillRef>
+          <a:effectRef idx="0">
+            <a:schemeClr val="accent1"/>
+          </a:effectRef>
+          <a:fontRef idx="minor">
+            <a:schemeClr val="tx1"/>
+          </a:fontRef>
+        </p:style>
+      </p:cxnSp>
+      <p:cxnSp>
+        <p:nvCxnSpPr>
+          <p:cNvPr id="39" name="Conector recto de flecha 38">
+            <a:extLst>
+              <a:ext uri="{FF2B5EF4-FFF2-40B4-BE49-F238E27FC236}">
+                <a16:creationId xmlns:a16="http://schemas.microsoft.com/office/drawing/2014/main" id="{AE0A98C7-AB1D-45B4-B4E0-8164198ACB82}"/>
+              </a:ext>
+            </a:extLst>
+          </p:cNvPr>
+          <p:cNvCxnSpPr>
+            <a:cxnSpLocks/>
+          </p:cNvCxnSpPr>
+          <p:nvPr/>
+        </p:nvCxnSpPr>
+        <p:spPr>
+          <a:xfrm flipV="1">
+            <a:off x="6920271" y="3886200"/>
+            <a:ext cx="669612" cy="1756388"/>
+          </a:xfrm>
+          <a:prstGeom prst="straightConnector1">
+            <a:avLst/>
+          </a:prstGeom>
+          <a:ln>
+            <a:tailEnd type="triangle"/>
+          </a:ln>
+        </p:spPr>
+        <p:style>
+          <a:lnRef idx="1">
+            <a:schemeClr val="accent1"/>
+          </a:lnRef>
+          <a:fillRef idx="0">
+            <a:schemeClr val="accent1"/>
+          </a:fillRef>
+          <a:effectRef idx="0">
+            <a:schemeClr val="accent1"/>
+          </a:effectRef>
+          <a:fontRef idx="minor">
+            <a:schemeClr val="tx1"/>
+          </a:fontRef>
+        </p:style>
+      </p:cxnSp>
+      <p:cxnSp>
+        <p:nvCxnSpPr>
+          <p:cNvPr id="44" name="Conector recto de flecha 43">
+            <a:extLst>
+              <a:ext uri="{FF2B5EF4-FFF2-40B4-BE49-F238E27FC236}">
+                <a16:creationId xmlns:a16="http://schemas.microsoft.com/office/drawing/2014/main" id="{A174330E-5CFE-427B-8B8E-CD9087A7C547}"/>
+              </a:ext>
+            </a:extLst>
+          </p:cNvPr>
+          <p:cNvCxnSpPr>
+            <a:cxnSpLocks/>
+          </p:cNvCxnSpPr>
+          <p:nvPr/>
+        </p:nvCxnSpPr>
+        <p:spPr>
+          <a:xfrm flipH="1">
+            <a:off x="6992940" y="3750129"/>
+            <a:ext cx="1006518" cy="2060362"/>
+          </a:xfrm>
+          <a:prstGeom prst="straightConnector1">
+            <a:avLst/>
+          </a:prstGeom>
+          <a:ln>
+            <a:tailEnd type="triangle"/>
+          </a:ln>
+        </p:spPr>
+        <p:style>
+          <a:lnRef idx="1">
+            <a:schemeClr val="accent1"/>
+          </a:lnRef>
+          <a:fillRef idx="0">
+            <a:schemeClr val="accent1"/>
+          </a:fillRef>
+          <a:effectRef idx="0">
+            <a:schemeClr val="accent1"/>
+          </a:effectRef>
+          <a:fontRef idx="minor">
+            <a:schemeClr val="tx1"/>
+          </a:fontRef>
+        </p:style>
+      </p:cxnSp>
+      <p:cxnSp>
+        <p:nvCxnSpPr>
+          <p:cNvPr id="45" name="Conector recto de flecha 44">
+            <a:extLst>
+              <a:ext uri="{FF2B5EF4-FFF2-40B4-BE49-F238E27FC236}">
+                <a16:creationId xmlns:a16="http://schemas.microsoft.com/office/drawing/2014/main" id="{886CE87B-55C8-4866-AD10-9B2677E89A54}"/>
+              </a:ext>
+            </a:extLst>
+          </p:cNvPr>
+          <p:cNvCxnSpPr>
+            <a:cxnSpLocks/>
+          </p:cNvCxnSpPr>
+          <p:nvPr/>
+        </p:nvCxnSpPr>
+        <p:spPr>
+          <a:xfrm flipV="1">
+            <a:off x="6977829" y="3823926"/>
+            <a:ext cx="1316088" cy="1986566"/>
+          </a:xfrm>
+          <a:prstGeom prst="straightConnector1">
+            <a:avLst/>
+          </a:prstGeom>
+          <a:ln>
+            <a:tailEnd type="triangle"/>
+          </a:ln>
+        </p:spPr>
+        <p:style>
+          <a:lnRef idx="1">
+            <a:schemeClr val="accent1"/>
+          </a:lnRef>
+          <a:fillRef idx="0">
+            <a:schemeClr val="accent1"/>
+          </a:fillRef>
+          <a:effectRef idx="0">
+            <a:schemeClr val="accent1"/>
+          </a:effectRef>
+          <a:fontRef idx="minor">
+            <a:schemeClr val="tx1"/>
+          </a:fontRef>
+        </p:style>
+      </p:cxnSp>
     </p:spTree>
     <p:extLst>
       <p:ext uri="{BB962C8B-B14F-4D97-AF65-F5344CB8AC3E}">
-        <p14:creationId xmlns:p14="http://schemas.microsoft.com/office/powerpoint/2010/main" val="3794522921"/>
+        <p14:creationId xmlns:p14="http://schemas.microsoft.com/office/powerpoint/2010/main" val="4150399364"/>
       </p:ext>
     </p:extLst>
   </p:cSld>
   <p:clrMapOvr>
     <a:masterClrMapping/>
   </p:clrMapOvr>
+  <p:timing>
+    <p:tnLst>
+      <p:par>
+        <p:cTn id="1" dur="indefinite" restart="never" nodeType="tmRoot">
+          <p:childTnLst>
+            <p:seq concurrent="1" nextAc="seek">
+              <p:cTn id="2" dur="indefinite" nodeType="mainSeq">
+                <p:childTnLst>
+                  <p:par>
+                    <p:cTn id="3" fill="hold">
+                      <p:stCondLst>
+                        <p:cond delay="indefinite"/>
+                      </p:stCondLst>
+                      <p:childTnLst>
+                        <p:par>
+                          <p:cTn id="4" fill="hold">
+                            <p:stCondLst>
+                              <p:cond delay="0"/>
+                            </p:stCondLst>
+                            <p:childTnLst>
+                              <p:par>
+                                <p:cTn id="5" presetID="1" presetClass="entr" presetSubtype="0" fill="hold" nodeType="clickEffect">
+                                  <p:stCondLst>
+                                    <p:cond delay="0"/>
+                                  </p:stCondLst>
+                                  <p:childTnLst>
+                                    <p:set>
+                                      <p:cBhvr>
+                                        <p:cTn id="6" dur="1" fill="hold">
+                                          <p:stCondLst>
+                                            <p:cond delay="0"/>
+                                          </p:stCondLst>
+                                        </p:cTn>
+                                        <p:tgtEl>
+                                          <p:spTgt spid="11"/>
+                                        </p:tgtEl>
+                                        <p:attrNameLst>
+                                          <p:attrName>style.visibility</p:attrName>
+                                        </p:attrNameLst>
+                                      </p:cBhvr>
+                                      <p:to>
+                                        <p:strVal val="visible"/>
+                                      </p:to>
+                                    </p:set>
+                                  </p:childTnLst>
+                                </p:cTn>
+                              </p:par>
+                              <p:par>
+                                <p:cTn id="7" presetID="1" presetClass="entr" presetSubtype="0" fill="hold" grpId="0" nodeType="withEffect">
+                                  <p:stCondLst>
+                                    <p:cond delay="0"/>
+                                  </p:stCondLst>
+                                  <p:childTnLst>
+                                    <p:set>
+                                      <p:cBhvr>
+                                        <p:cTn id="8" dur="1" fill="hold">
+                                          <p:stCondLst>
+                                            <p:cond delay="0"/>
+                                          </p:stCondLst>
+                                        </p:cTn>
+                                        <p:tgtEl>
+                                          <p:spTgt spid="12"/>
+                                        </p:tgtEl>
+                                        <p:attrNameLst>
+                                          <p:attrName>style.visibility</p:attrName>
+                                        </p:attrNameLst>
+                                      </p:cBhvr>
+                                      <p:to>
+                                        <p:strVal val="visible"/>
+                                      </p:to>
+                                    </p:set>
+                                  </p:childTnLst>
+                                </p:cTn>
+                              </p:par>
+                            </p:childTnLst>
+                          </p:cTn>
+                        </p:par>
+                      </p:childTnLst>
+                    </p:cTn>
+                  </p:par>
+                </p:childTnLst>
+              </p:cTn>
+              <p:prevCondLst>
+                <p:cond evt="onPrev" delay="0">
+                  <p:tgtEl>
+                    <p:sldTgt/>
+                  </p:tgtEl>
+                </p:cond>
+              </p:prevCondLst>
+              <p:nextCondLst>
+                <p:cond evt="onNext" delay="0">
+                  <p:tgtEl>
+                    <p:sldTgt/>
+                  </p:tgtEl>
+                </p:cond>
+              </p:nextCondLst>
+            </p:seq>
+          </p:childTnLst>
+        </p:cTn>
+      </p:par>
+    </p:tnLst>
+    <p:bldLst>
+      <p:bldP spid="12" grpId="0"/>
+    </p:bldLst>
+  </p:timing>
 </p:sld>
 </file>
 
@@ -5357,10 +8126,10 @@
       </p:grpSpPr>
       <p:sp>
         <p:nvSpPr>
-          <p:cNvPr id="2" name="Título 1">
+          <p:cNvPr id="3" name="Título 1">
             <a:extLst>
               <a:ext uri="{FF2B5EF4-FFF2-40B4-BE49-F238E27FC236}">
-                <a16:creationId xmlns:a16="http://schemas.microsoft.com/office/drawing/2014/main" id="{5F1F3EA7-6335-4EC6-B98B-F46C788AAF37}"/>
+                <a16:creationId xmlns:a16="http://schemas.microsoft.com/office/drawing/2014/main" id="{9BD324AC-47BD-4E9A-B4F5-82937B795A15}"/>
               </a:ext>
             </a:extLst>
           </p:cNvPr>
@@ -5373,8 +8142,8 @@
         </p:nvSpPr>
         <p:spPr>
           <a:xfrm>
-            <a:off x="4182534" y="820737"/>
-            <a:ext cx="5181600" cy="2125663"/>
+            <a:off x="949960" y="413810"/>
+            <a:ext cx="11917680" cy="824682"/>
           </a:xfrm>
         </p:spPr>
         <p:txBody>
@@ -5383,48 +8152,1702 @@
           </a:bodyPr>
           <a:lstStyle/>
           <a:p>
-            <a:pPr algn="ctr"/>
-            <a:r>
-              <a:rPr lang="es-CO" sz="6600" dirty="0"/>
-              <a:t>Preguntas</a:t>
-            </a:r>
-          </a:p>
-        </p:txBody>
-      </p:sp>
-      <p:pic>
-        <p:nvPicPr>
-          <p:cNvPr id="4" name="Imagen 3">
+            <a:r>
+              <a:rPr lang="es-ES" sz="4400" dirty="0"/>
+              <a:t>Contexto</a:t>
+            </a:r>
+            <a:endParaRPr lang="es-CO" sz="4400" dirty="0"/>
+          </a:p>
+        </p:txBody>
+      </p:sp>
+      <p:sp>
+        <p:nvSpPr>
+          <p:cNvPr id="4" name="CuadroTexto 3">
             <a:extLst>
               <a:ext uri="{FF2B5EF4-FFF2-40B4-BE49-F238E27FC236}">
-                <a16:creationId xmlns:a16="http://schemas.microsoft.com/office/drawing/2014/main" id="{0839DD33-E13C-4B9C-919E-71DF8A4D72AF}"/>
+                <a16:creationId xmlns:a16="http://schemas.microsoft.com/office/drawing/2014/main" id="{D58BACD7-A0B6-4DCE-B596-75881833D0BC}"/>
               </a:ext>
             </a:extLst>
           </p:cNvPr>
-          <p:cNvPicPr>
-            <a:picLocks noChangeAspect="1"/>
-          </p:cNvPicPr>
+          <p:cNvSpPr txBox="1"/>
           <p:nvPr/>
-        </p:nvPicPr>
-        <p:blipFill>
-          <a:blip r:embed="rId2"/>
-          <a:stretch>
-            <a:fillRect/>
-          </a:stretch>
-        </p:blipFill>
+        </p:nvSpPr>
         <p:spPr>
           <a:xfrm>
-            <a:off x="5324935" y="2946400"/>
-            <a:ext cx="2896797" cy="2579530"/>
+            <a:off x="949961" y="1513271"/>
+            <a:ext cx="11006688" cy="707886"/>
           </a:xfrm>
           <a:prstGeom prst="rect">
             <a:avLst/>
           </a:prstGeom>
-        </p:spPr>
-      </p:pic>
+          <a:noFill/>
+        </p:spPr>
+        <p:txBody>
+          <a:bodyPr wrap="square" rtlCol="0">
+            <a:spAutoFit/>
+          </a:bodyPr>
+          <a:lstStyle/>
+          <a:p>
+            <a:r>
+              <a:rPr lang="es-ES" sz="2000" dirty="0"/>
+              <a:t>De acuerdo con lo anterior, resolvamos el problema de las operaciones de manera ÓPTIMA usando funciones. </a:t>
+            </a:r>
+            <a:endParaRPr lang="es-ES" sz="2800" b="1" dirty="0">
+              <a:solidFill>
+                <a:srgbClr val="FF0000"/>
+              </a:solidFill>
+            </a:endParaRPr>
+          </a:p>
+        </p:txBody>
+      </p:sp>
+      <p:sp>
+        <p:nvSpPr>
+          <p:cNvPr id="5" name="Rectángulo 4">
+            <a:extLst>
+              <a:ext uri="{FF2B5EF4-FFF2-40B4-BE49-F238E27FC236}">
+                <a16:creationId xmlns:a16="http://schemas.microsoft.com/office/drawing/2014/main" id="{487842ED-6856-4B4D-85E7-AD710063A458}"/>
+              </a:ext>
+            </a:extLst>
+          </p:cNvPr>
+          <p:cNvSpPr/>
+          <p:nvPr/>
+        </p:nvSpPr>
+        <p:spPr>
+          <a:xfrm>
+            <a:off x="6431665" y="2699061"/>
+            <a:ext cx="4774558" cy="590441"/>
+          </a:xfrm>
+          <a:prstGeom prst="rect">
+            <a:avLst/>
+          </a:prstGeom>
+          <a:ln w="38100"/>
+        </p:spPr>
+        <p:style>
+          <a:lnRef idx="2">
+            <a:schemeClr val="accent1"/>
+          </a:lnRef>
+          <a:fillRef idx="1">
+            <a:schemeClr val="lt1"/>
+          </a:fillRef>
+          <a:effectRef idx="0">
+            <a:schemeClr val="accent1"/>
+          </a:effectRef>
+          <a:fontRef idx="minor">
+            <a:schemeClr val="dk1"/>
+          </a:fontRef>
+        </p:style>
+        <p:txBody>
+          <a:bodyPr rtlCol="0" anchor="t"/>
+          <a:lstStyle/>
+          <a:p>
+            <a:r>
+              <a:rPr lang="es-ES" sz="1600" dirty="0"/>
+              <a:t>Devuelve un entero </a:t>
+            </a:r>
+            <a:r>
+              <a:rPr lang="es-ES" sz="3200" dirty="0"/>
+              <a:t>Sumar</a:t>
+            </a:r>
+            <a:r>
+              <a:rPr lang="es-ES" sz="1600" dirty="0"/>
+              <a:t>(recibe a, recibe b)</a:t>
+            </a:r>
+          </a:p>
+        </p:txBody>
+      </p:sp>
+      <p:sp>
+        <p:nvSpPr>
+          <p:cNvPr id="6" name="Rectángulo 5">
+            <a:extLst>
+              <a:ext uri="{FF2B5EF4-FFF2-40B4-BE49-F238E27FC236}">
+                <a16:creationId xmlns:a16="http://schemas.microsoft.com/office/drawing/2014/main" id="{B31EC461-63CC-4FEA-A6BD-74378894C854}"/>
+              </a:ext>
+            </a:extLst>
+          </p:cNvPr>
+          <p:cNvSpPr/>
+          <p:nvPr/>
+        </p:nvSpPr>
+        <p:spPr>
+          <a:xfrm>
+            <a:off x="6431665" y="3640237"/>
+            <a:ext cx="4774558" cy="590441"/>
+          </a:xfrm>
+          <a:prstGeom prst="rect">
+            <a:avLst/>
+          </a:prstGeom>
+          <a:ln w="38100"/>
+        </p:spPr>
+        <p:style>
+          <a:lnRef idx="2">
+            <a:schemeClr val="accent1"/>
+          </a:lnRef>
+          <a:fillRef idx="1">
+            <a:schemeClr val="lt1"/>
+          </a:fillRef>
+          <a:effectRef idx="0">
+            <a:schemeClr val="accent1"/>
+          </a:effectRef>
+          <a:fontRef idx="minor">
+            <a:schemeClr val="dk1"/>
+          </a:fontRef>
+        </p:style>
+        <p:txBody>
+          <a:bodyPr rtlCol="0" anchor="t"/>
+          <a:lstStyle/>
+          <a:p>
+            <a:r>
+              <a:rPr lang="es-ES" sz="1600" dirty="0"/>
+              <a:t>Devuelve un entero </a:t>
+            </a:r>
+            <a:r>
+              <a:rPr lang="es-ES" sz="3200" dirty="0"/>
+              <a:t>Restar</a:t>
+            </a:r>
+            <a:r>
+              <a:rPr lang="es-ES" sz="1600" dirty="0"/>
+              <a:t>(recibe a, recibe b)</a:t>
+            </a:r>
+          </a:p>
+        </p:txBody>
+      </p:sp>
+      <p:sp>
+        <p:nvSpPr>
+          <p:cNvPr id="7" name="Rectángulo 6">
+            <a:extLst>
+              <a:ext uri="{FF2B5EF4-FFF2-40B4-BE49-F238E27FC236}">
+                <a16:creationId xmlns:a16="http://schemas.microsoft.com/office/drawing/2014/main" id="{8BF895B5-B545-409A-894E-B595CF986BCF}"/>
+              </a:ext>
+            </a:extLst>
+          </p:cNvPr>
+          <p:cNvSpPr/>
+          <p:nvPr/>
+        </p:nvSpPr>
+        <p:spPr>
+          <a:xfrm>
+            <a:off x="6431664" y="4646633"/>
+            <a:ext cx="5964821" cy="590441"/>
+          </a:xfrm>
+          <a:prstGeom prst="rect">
+            <a:avLst/>
+          </a:prstGeom>
+          <a:ln w="38100"/>
+        </p:spPr>
+        <p:style>
+          <a:lnRef idx="2">
+            <a:schemeClr val="accent1"/>
+          </a:lnRef>
+          <a:fillRef idx="1">
+            <a:schemeClr val="lt1"/>
+          </a:fillRef>
+          <a:effectRef idx="0">
+            <a:schemeClr val="accent1"/>
+          </a:effectRef>
+          <a:fontRef idx="minor">
+            <a:schemeClr val="dk1"/>
+          </a:fontRef>
+        </p:style>
+        <p:txBody>
+          <a:bodyPr rtlCol="0" anchor="t"/>
+          <a:lstStyle/>
+          <a:p>
+            <a:r>
+              <a:rPr lang="es-ES" sz="1600" dirty="0"/>
+              <a:t>Devuelve un entero </a:t>
+            </a:r>
+            <a:r>
+              <a:rPr lang="es-ES" sz="3200" dirty="0"/>
+              <a:t>Multiplicar</a:t>
+            </a:r>
+            <a:r>
+              <a:rPr lang="es-ES" sz="1600" dirty="0"/>
+              <a:t>(recibe a, recibe b)</a:t>
+            </a:r>
+          </a:p>
+        </p:txBody>
+      </p:sp>
+      <p:sp>
+        <p:nvSpPr>
+          <p:cNvPr id="8" name="Rectángulo 7">
+            <a:extLst>
+              <a:ext uri="{FF2B5EF4-FFF2-40B4-BE49-F238E27FC236}">
+                <a16:creationId xmlns:a16="http://schemas.microsoft.com/office/drawing/2014/main" id="{8898184F-0510-42CB-8060-82832FE83B57}"/>
+              </a:ext>
+            </a:extLst>
+          </p:cNvPr>
+          <p:cNvSpPr/>
+          <p:nvPr/>
+        </p:nvSpPr>
+        <p:spPr>
+          <a:xfrm>
+            <a:off x="6431663" y="5679138"/>
+            <a:ext cx="5964821" cy="590441"/>
+          </a:xfrm>
+          <a:prstGeom prst="rect">
+            <a:avLst/>
+          </a:prstGeom>
+          <a:ln w="38100"/>
+        </p:spPr>
+        <p:style>
+          <a:lnRef idx="2">
+            <a:schemeClr val="accent1"/>
+          </a:lnRef>
+          <a:fillRef idx="1">
+            <a:schemeClr val="lt1"/>
+          </a:fillRef>
+          <a:effectRef idx="0">
+            <a:schemeClr val="accent1"/>
+          </a:effectRef>
+          <a:fontRef idx="minor">
+            <a:schemeClr val="dk1"/>
+          </a:fontRef>
+        </p:style>
+        <p:txBody>
+          <a:bodyPr rtlCol="0" anchor="t"/>
+          <a:lstStyle/>
+          <a:p>
+            <a:r>
+              <a:rPr lang="es-ES" sz="1600" dirty="0"/>
+              <a:t>Devuelve un </a:t>
+            </a:r>
+            <a:r>
+              <a:rPr lang="es-ES" sz="1600" dirty="0" err="1"/>
+              <a:t>double</a:t>
+            </a:r>
+            <a:r>
+              <a:rPr lang="es-ES" sz="1600" dirty="0"/>
+              <a:t> </a:t>
+            </a:r>
+            <a:r>
+              <a:rPr lang="es-ES" sz="3200" dirty="0"/>
+              <a:t>Dividir </a:t>
+            </a:r>
+            <a:r>
+              <a:rPr lang="es-ES" sz="1600" dirty="0"/>
+              <a:t>(recibe a, recibe b)</a:t>
+            </a:r>
+          </a:p>
+        </p:txBody>
+      </p:sp>
+      <p:sp>
+        <p:nvSpPr>
+          <p:cNvPr id="9" name="CuadroTexto 8">
+            <a:extLst>
+              <a:ext uri="{FF2B5EF4-FFF2-40B4-BE49-F238E27FC236}">
+                <a16:creationId xmlns:a16="http://schemas.microsoft.com/office/drawing/2014/main" id="{656F7343-0CC7-4D4D-A933-5F759A831D0A}"/>
+              </a:ext>
+            </a:extLst>
+          </p:cNvPr>
+          <p:cNvSpPr txBox="1"/>
+          <p:nvPr/>
+        </p:nvSpPr>
+        <p:spPr>
+          <a:xfrm>
+            <a:off x="1730549" y="3125984"/>
+            <a:ext cx="654346" cy="369332"/>
+          </a:xfrm>
+          <a:prstGeom prst="rect">
+            <a:avLst/>
+          </a:prstGeom>
+          <a:noFill/>
+        </p:spPr>
+        <p:txBody>
+          <a:bodyPr wrap="none" rtlCol="0">
+            <a:spAutoFit/>
+          </a:bodyPr>
+          <a:lstStyle/>
+          <a:p>
+            <a:r>
+              <a:rPr lang="es-ES" dirty="0" err="1"/>
+              <a:t>main</a:t>
+            </a:r>
+            <a:endParaRPr lang="es-CO" dirty="0"/>
+          </a:p>
+        </p:txBody>
+      </p:sp>
+      <p:sp>
+        <p:nvSpPr>
+          <p:cNvPr id="10" name="CuadroTexto 9">
+            <a:extLst>
+              <a:ext uri="{FF2B5EF4-FFF2-40B4-BE49-F238E27FC236}">
+                <a16:creationId xmlns:a16="http://schemas.microsoft.com/office/drawing/2014/main" id="{CED468E4-0A7C-4667-A4A8-36BBB7B9FFD1}"/>
+              </a:ext>
+            </a:extLst>
+          </p:cNvPr>
+          <p:cNvSpPr txBox="1"/>
+          <p:nvPr/>
+        </p:nvSpPr>
+        <p:spPr>
+          <a:xfrm>
+            <a:off x="1730549" y="3780614"/>
+            <a:ext cx="654346" cy="369332"/>
+          </a:xfrm>
+          <a:prstGeom prst="rect">
+            <a:avLst/>
+          </a:prstGeom>
+          <a:noFill/>
+        </p:spPr>
+        <p:txBody>
+          <a:bodyPr wrap="none" rtlCol="0">
+            <a:spAutoFit/>
+          </a:bodyPr>
+          <a:lstStyle/>
+          <a:p>
+            <a:r>
+              <a:rPr lang="es-ES" dirty="0" err="1"/>
+              <a:t>main</a:t>
+            </a:r>
+            <a:endParaRPr lang="es-CO" dirty="0"/>
+          </a:p>
+        </p:txBody>
+      </p:sp>
+      <p:sp>
+        <p:nvSpPr>
+          <p:cNvPr id="11" name="CuadroTexto 10">
+            <a:extLst>
+              <a:ext uri="{FF2B5EF4-FFF2-40B4-BE49-F238E27FC236}">
+                <a16:creationId xmlns:a16="http://schemas.microsoft.com/office/drawing/2014/main" id="{B1369904-5730-4020-A069-A5AED6DD33A2}"/>
+              </a:ext>
+            </a:extLst>
+          </p:cNvPr>
+          <p:cNvSpPr txBox="1"/>
+          <p:nvPr/>
+        </p:nvSpPr>
+        <p:spPr>
+          <a:xfrm>
+            <a:off x="1756780" y="4491789"/>
+            <a:ext cx="654346" cy="369332"/>
+          </a:xfrm>
+          <a:prstGeom prst="rect">
+            <a:avLst/>
+          </a:prstGeom>
+          <a:noFill/>
+        </p:spPr>
+        <p:txBody>
+          <a:bodyPr wrap="none" rtlCol="0">
+            <a:spAutoFit/>
+          </a:bodyPr>
+          <a:lstStyle/>
+          <a:p>
+            <a:r>
+              <a:rPr lang="es-ES" dirty="0" err="1"/>
+              <a:t>main</a:t>
+            </a:r>
+            <a:endParaRPr lang="es-CO" dirty="0"/>
+          </a:p>
+        </p:txBody>
+      </p:sp>
+      <p:sp>
+        <p:nvSpPr>
+          <p:cNvPr id="12" name="CuadroTexto 11">
+            <a:extLst>
+              <a:ext uri="{FF2B5EF4-FFF2-40B4-BE49-F238E27FC236}">
+                <a16:creationId xmlns:a16="http://schemas.microsoft.com/office/drawing/2014/main" id="{6C4A624E-EAFB-435D-958E-D3A535C9F28B}"/>
+              </a:ext>
+            </a:extLst>
+          </p:cNvPr>
+          <p:cNvSpPr txBox="1"/>
+          <p:nvPr/>
+        </p:nvSpPr>
+        <p:spPr>
+          <a:xfrm>
+            <a:off x="799489" y="5935963"/>
+            <a:ext cx="3378972" cy="646331"/>
+          </a:xfrm>
+          <a:prstGeom prst="rect">
+            <a:avLst/>
+          </a:prstGeom>
+          <a:noFill/>
+        </p:spPr>
+        <p:txBody>
+          <a:bodyPr wrap="square" rtlCol="0">
+            <a:spAutoFit/>
+          </a:bodyPr>
+          <a:lstStyle/>
+          <a:p>
+            <a:r>
+              <a:rPr lang="es-ES" dirty="0"/>
+              <a:t>Estos </a:t>
+            </a:r>
+            <a:r>
+              <a:rPr lang="es-ES" dirty="0" err="1"/>
+              <a:t>main</a:t>
+            </a:r>
+            <a:r>
+              <a:rPr lang="es-ES" dirty="0"/>
+              <a:t> podrán llamar la función que necesiten</a:t>
+            </a:r>
+            <a:endParaRPr lang="es-CO" dirty="0"/>
+          </a:p>
+        </p:txBody>
+      </p:sp>
+      <p:cxnSp>
+        <p:nvCxnSpPr>
+          <p:cNvPr id="14" name="Conector recto de flecha 13">
+            <a:extLst>
+              <a:ext uri="{FF2B5EF4-FFF2-40B4-BE49-F238E27FC236}">
+                <a16:creationId xmlns:a16="http://schemas.microsoft.com/office/drawing/2014/main" id="{3E52D30B-0B99-457D-9B57-BC05BE80AB72}"/>
+              </a:ext>
+            </a:extLst>
+          </p:cNvPr>
+          <p:cNvCxnSpPr>
+            <a:stCxn id="9" idx="3"/>
+          </p:cNvCxnSpPr>
+          <p:nvPr/>
+        </p:nvCxnSpPr>
+        <p:spPr>
+          <a:xfrm flipV="1">
+            <a:off x="2384895" y="3125984"/>
+            <a:ext cx="4046768" cy="184666"/>
+          </a:xfrm>
+          <a:prstGeom prst="straightConnector1">
+            <a:avLst/>
+          </a:prstGeom>
+          <a:ln>
+            <a:tailEnd type="triangle"/>
+          </a:ln>
+        </p:spPr>
+        <p:style>
+          <a:lnRef idx="1">
+            <a:schemeClr val="accent1"/>
+          </a:lnRef>
+          <a:fillRef idx="0">
+            <a:schemeClr val="accent1"/>
+          </a:fillRef>
+          <a:effectRef idx="0">
+            <a:schemeClr val="accent1"/>
+          </a:effectRef>
+          <a:fontRef idx="minor">
+            <a:schemeClr val="tx1"/>
+          </a:fontRef>
+        </p:style>
+      </p:cxnSp>
+      <p:cxnSp>
+        <p:nvCxnSpPr>
+          <p:cNvPr id="16" name="Conector recto de flecha 15">
+            <a:extLst>
+              <a:ext uri="{FF2B5EF4-FFF2-40B4-BE49-F238E27FC236}">
+                <a16:creationId xmlns:a16="http://schemas.microsoft.com/office/drawing/2014/main" id="{4E3AB799-06C6-471F-9117-ABACC4FAC6D9}"/>
+              </a:ext>
+            </a:extLst>
+          </p:cNvPr>
+          <p:cNvCxnSpPr/>
+          <p:nvPr/>
+        </p:nvCxnSpPr>
+        <p:spPr>
+          <a:xfrm flipV="1">
+            <a:off x="2511706" y="3886200"/>
+            <a:ext cx="3669175" cy="153365"/>
+          </a:xfrm>
+          <a:prstGeom prst="straightConnector1">
+            <a:avLst/>
+          </a:prstGeom>
+          <a:ln>
+            <a:tailEnd type="triangle"/>
+          </a:ln>
+        </p:spPr>
+        <p:style>
+          <a:lnRef idx="1">
+            <a:schemeClr val="accent1"/>
+          </a:lnRef>
+          <a:fillRef idx="0">
+            <a:schemeClr val="accent1"/>
+          </a:fillRef>
+          <a:effectRef idx="0">
+            <a:schemeClr val="accent1"/>
+          </a:effectRef>
+          <a:fontRef idx="minor">
+            <a:schemeClr val="tx1"/>
+          </a:fontRef>
+        </p:style>
+      </p:cxnSp>
+      <p:cxnSp>
+        <p:nvCxnSpPr>
+          <p:cNvPr id="18" name="Conector recto de flecha 17">
+            <a:extLst>
+              <a:ext uri="{FF2B5EF4-FFF2-40B4-BE49-F238E27FC236}">
+                <a16:creationId xmlns:a16="http://schemas.microsoft.com/office/drawing/2014/main" id="{CFB0B151-F005-41C6-A5B2-BC750CFE80F1}"/>
+              </a:ext>
+            </a:extLst>
+          </p:cNvPr>
+          <p:cNvCxnSpPr>
+            <a:endCxn id="7" idx="1"/>
+          </p:cNvCxnSpPr>
+          <p:nvPr/>
+        </p:nvCxnSpPr>
+        <p:spPr>
+          <a:xfrm>
+            <a:off x="2573692" y="4230678"/>
+            <a:ext cx="3857972" cy="711176"/>
+          </a:xfrm>
+          <a:prstGeom prst="straightConnector1">
+            <a:avLst/>
+          </a:prstGeom>
+          <a:ln>
+            <a:tailEnd type="triangle"/>
+          </a:ln>
+        </p:spPr>
+        <p:style>
+          <a:lnRef idx="1">
+            <a:schemeClr val="accent1"/>
+          </a:lnRef>
+          <a:fillRef idx="0">
+            <a:schemeClr val="accent1"/>
+          </a:fillRef>
+          <a:effectRef idx="0">
+            <a:schemeClr val="accent1"/>
+          </a:effectRef>
+          <a:fontRef idx="minor">
+            <a:schemeClr val="tx1"/>
+          </a:fontRef>
+        </p:style>
+      </p:cxnSp>
+      <p:cxnSp>
+        <p:nvCxnSpPr>
+          <p:cNvPr id="20" name="Conector recto de flecha 19">
+            <a:extLst>
+              <a:ext uri="{FF2B5EF4-FFF2-40B4-BE49-F238E27FC236}">
+                <a16:creationId xmlns:a16="http://schemas.microsoft.com/office/drawing/2014/main" id="{92736E03-D1F9-4009-AD50-1C11ABFC7899}"/>
+              </a:ext>
+            </a:extLst>
+          </p:cNvPr>
+          <p:cNvCxnSpPr/>
+          <p:nvPr/>
+        </p:nvCxnSpPr>
+        <p:spPr>
+          <a:xfrm flipV="1">
+            <a:off x="2573692" y="2951544"/>
+            <a:ext cx="3699786" cy="1805651"/>
+          </a:xfrm>
+          <a:prstGeom prst="straightConnector1">
+            <a:avLst/>
+          </a:prstGeom>
+          <a:ln>
+            <a:tailEnd type="triangle"/>
+          </a:ln>
+        </p:spPr>
+        <p:style>
+          <a:lnRef idx="1">
+            <a:schemeClr val="accent1"/>
+          </a:lnRef>
+          <a:fillRef idx="0">
+            <a:schemeClr val="accent1"/>
+          </a:fillRef>
+          <a:effectRef idx="0">
+            <a:schemeClr val="accent1"/>
+          </a:effectRef>
+          <a:fontRef idx="minor">
+            <a:schemeClr val="tx1"/>
+          </a:fontRef>
+        </p:style>
+      </p:cxnSp>
+      <p:cxnSp>
+        <p:nvCxnSpPr>
+          <p:cNvPr id="22" name="Conector recto de flecha 21">
+            <a:extLst>
+              <a:ext uri="{FF2B5EF4-FFF2-40B4-BE49-F238E27FC236}">
+                <a16:creationId xmlns:a16="http://schemas.microsoft.com/office/drawing/2014/main" id="{E2C1ECA4-6687-4A2A-870A-DD4619A8D636}"/>
+              </a:ext>
+            </a:extLst>
+          </p:cNvPr>
+          <p:cNvCxnSpPr/>
+          <p:nvPr/>
+        </p:nvCxnSpPr>
+        <p:spPr>
+          <a:xfrm>
+            <a:off x="2573692" y="4757195"/>
+            <a:ext cx="3699786" cy="1178768"/>
+          </a:xfrm>
+          <a:prstGeom prst="straightConnector1">
+            <a:avLst/>
+          </a:prstGeom>
+          <a:ln>
+            <a:tailEnd type="triangle"/>
+          </a:ln>
+        </p:spPr>
+        <p:style>
+          <a:lnRef idx="1">
+            <a:schemeClr val="accent1"/>
+          </a:lnRef>
+          <a:fillRef idx="0">
+            <a:schemeClr val="accent1"/>
+          </a:fillRef>
+          <a:effectRef idx="0">
+            <a:schemeClr val="accent1"/>
+          </a:effectRef>
+          <a:fontRef idx="minor">
+            <a:schemeClr val="tx1"/>
+          </a:fontRef>
+        </p:style>
+      </p:cxnSp>
     </p:spTree>
     <p:extLst>
       <p:ext uri="{BB962C8B-B14F-4D97-AF65-F5344CB8AC3E}">
-        <p14:creationId xmlns:p14="http://schemas.microsoft.com/office/powerpoint/2010/main" val="539420690"/>
+        <p14:creationId xmlns:p14="http://schemas.microsoft.com/office/powerpoint/2010/main" val="2202594975"/>
+      </p:ext>
+    </p:extLst>
+  </p:cSld>
+  <p:clrMapOvr>
+    <a:masterClrMapping/>
+  </p:clrMapOvr>
+  <p:timing>
+    <p:tnLst>
+      <p:par>
+        <p:cTn id="1" dur="indefinite" restart="never" nodeType="tmRoot">
+          <p:childTnLst>
+            <p:seq concurrent="1" nextAc="seek">
+              <p:cTn id="2" dur="indefinite" nodeType="mainSeq">
+                <p:childTnLst>
+                  <p:par>
+                    <p:cTn id="3" fill="hold">
+                      <p:stCondLst>
+                        <p:cond delay="indefinite"/>
+                      </p:stCondLst>
+                      <p:childTnLst>
+                        <p:par>
+                          <p:cTn id="4" fill="hold">
+                            <p:stCondLst>
+                              <p:cond delay="0"/>
+                            </p:stCondLst>
+                            <p:childTnLst>
+                              <p:par>
+                                <p:cTn id="5" presetID="1" presetClass="entr" presetSubtype="0" fill="hold" grpId="0" nodeType="clickEffect">
+                                  <p:stCondLst>
+                                    <p:cond delay="0"/>
+                                  </p:stCondLst>
+                                  <p:childTnLst>
+                                    <p:set>
+                                      <p:cBhvr>
+                                        <p:cTn id="6" dur="1" fill="hold">
+                                          <p:stCondLst>
+                                            <p:cond delay="0"/>
+                                          </p:stCondLst>
+                                        </p:cTn>
+                                        <p:tgtEl>
+                                          <p:spTgt spid="5"/>
+                                        </p:tgtEl>
+                                        <p:attrNameLst>
+                                          <p:attrName>style.visibility</p:attrName>
+                                        </p:attrNameLst>
+                                      </p:cBhvr>
+                                      <p:to>
+                                        <p:strVal val="visible"/>
+                                      </p:to>
+                                    </p:set>
+                                  </p:childTnLst>
+                                </p:cTn>
+                              </p:par>
+                            </p:childTnLst>
+                          </p:cTn>
+                        </p:par>
+                      </p:childTnLst>
+                    </p:cTn>
+                  </p:par>
+                  <p:par>
+                    <p:cTn id="7" fill="hold">
+                      <p:stCondLst>
+                        <p:cond delay="indefinite"/>
+                      </p:stCondLst>
+                      <p:childTnLst>
+                        <p:par>
+                          <p:cTn id="8" fill="hold">
+                            <p:stCondLst>
+                              <p:cond delay="0"/>
+                            </p:stCondLst>
+                            <p:childTnLst>
+                              <p:par>
+                                <p:cTn id="9" presetID="1" presetClass="entr" presetSubtype="0" fill="hold" grpId="0" nodeType="clickEffect">
+                                  <p:stCondLst>
+                                    <p:cond delay="0"/>
+                                  </p:stCondLst>
+                                  <p:childTnLst>
+                                    <p:set>
+                                      <p:cBhvr>
+                                        <p:cTn id="10" dur="1" fill="hold">
+                                          <p:stCondLst>
+                                            <p:cond delay="0"/>
+                                          </p:stCondLst>
+                                        </p:cTn>
+                                        <p:tgtEl>
+                                          <p:spTgt spid="6"/>
+                                        </p:tgtEl>
+                                        <p:attrNameLst>
+                                          <p:attrName>style.visibility</p:attrName>
+                                        </p:attrNameLst>
+                                      </p:cBhvr>
+                                      <p:to>
+                                        <p:strVal val="visible"/>
+                                      </p:to>
+                                    </p:set>
+                                  </p:childTnLst>
+                                </p:cTn>
+                              </p:par>
+                            </p:childTnLst>
+                          </p:cTn>
+                        </p:par>
+                      </p:childTnLst>
+                    </p:cTn>
+                  </p:par>
+                  <p:par>
+                    <p:cTn id="11" fill="hold">
+                      <p:stCondLst>
+                        <p:cond delay="indefinite"/>
+                      </p:stCondLst>
+                      <p:childTnLst>
+                        <p:par>
+                          <p:cTn id="12" fill="hold">
+                            <p:stCondLst>
+                              <p:cond delay="0"/>
+                            </p:stCondLst>
+                            <p:childTnLst>
+                              <p:par>
+                                <p:cTn id="13" presetID="1" presetClass="entr" presetSubtype="0" fill="hold" grpId="0" nodeType="clickEffect">
+                                  <p:stCondLst>
+                                    <p:cond delay="0"/>
+                                  </p:stCondLst>
+                                  <p:childTnLst>
+                                    <p:set>
+                                      <p:cBhvr>
+                                        <p:cTn id="14" dur="1" fill="hold">
+                                          <p:stCondLst>
+                                            <p:cond delay="0"/>
+                                          </p:stCondLst>
+                                        </p:cTn>
+                                        <p:tgtEl>
+                                          <p:spTgt spid="7"/>
+                                        </p:tgtEl>
+                                        <p:attrNameLst>
+                                          <p:attrName>style.visibility</p:attrName>
+                                        </p:attrNameLst>
+                                      </p:cBhvr>
+                                      <p:to>
+                                        <p:strVal val="visible"/>
+                                      </p:to>
+                                    </p:set>
+                                  </p:childTnLst>
+                                </p:cTn>
+                              </p:par>
+                            </p:childTnLst>
+                          </p:cTn>
+                        </p:par>
+                      </p:childTnLst>
+                    </p:cTn>
+                  </p:par>
+                  <p:par>
+                    <p:cTn id="15" fill="hold">
+                      <p:stCondLst>
+                        <p:cond delay="indefinite"/>
+                      </p:stCondLst>
+                      <p:childTnLst>
+                        <p:par>
+                          <p:cTn id="16" fill="hold">
+                            <p:stCondLst>
+                              <p:cond delay="0"/>
+                            </p:stCondLst>
+                            <p:childTnLst>
+                              <p:par>
+                                <p:cTn id="17" presetID="1" presetClass="entr" presetSubtype="0" fill="hold" grpId="0" nodeType="clickEffect">
+                                  <p:stCondLst>
+                                    <p:cond delay="0"/>
+                                  </p:stCondLst>
+                                  <p:childTnLst>
+                                    <p:set>
+                                      <p:cBhvr>
+                                        <p:cTn id="18" dur="1" fill="hold">
+                                          <p:stCondLst>
+                                            <p:cond delay="0"/>
+                                          </p:stCondLst>
+                                        </p:cTn>
+                                        <p:tgtEl>
+                                          <p:spTgt spid="8"/>
+                                        </p:tgtEl>
+                                        <p:attrNameLst>
+                                          <p:attrName>style.visibility</p:attrName>
+                                        </p:attrNameLst>
+                                      </p:cBhvr>
+                                      <p:to>
+                                        <p:strVal val="visible"/>
+                                      </p:to>
+                                    </p:set>
+                                  </p:childTnLst>
+                                </p:cTn>
+                              </p:par>
+                            </p:childTnLst>
+                          </p:cTn>
+                        </p:par>
+                      </p:childTnLst>
+                    </p:cTn>
+                  </p:par>
+                </p:childTnLst>
+              </p:cTn>
+              <p:prevCondLst>
+                <p:cond evt="onPrev" delay="0">
+                  <p:tgtEl>
+                    <p:sldTgt/>
+                  </p:tgtEl>
+                </p:cond>
+              </p:prevCondLst>
+              <p:nextCondLst>
+                <p:cond evt="onNext" delay="0">
+                  <p:tgtEl>
+                    <p:sldTgt/>
+                  </p:tgtEl>
+                </p:cond>
+              </p:nextCondLst>
+            </p:seq>
+          </p:childTnLst>
+        </p:cTn>
+      </p:par>
+    </p:tnLst>
+    <p:bldLst>
+      <p:bldP spid="5" grpId="0" animBg="1"/>
+      <p:bldP spid="6" grpId="0" animBg="1"/>
+      <p:bldP spid="7" grpId="0" animBg="1"/>
+      <p:bldP spid="8" grpId="0" animBg="1"/>
+    </p:bldLst>
+  </p:timing>
+</p:sld>
+</file>
+
+<file path=ppt/slides/slide8.xml><?xml version="1.0" encoding="utf-8"?>
+<p:sld xmlns:a="http://schemas.openxmlformats.org/drawingml/2006/main" xmlns:r="http://schemas.openxmlformats.org/officeDocument/2006/relationships" xmlns:p="http://schemas.openxmlformats.org/presentationml/2006/main">
+  <p:cSld>
+    <p:spTree>
+      <p:nvGrpSpPr>
+        <p:cNvPr id="1" name=""/>
+        <p:cNvGrpSpPr/>
+        <p:nvPr/>
+      </p:nvGrpSpPr>
+      <p:grpSpPr>
+        <a:xfrm>
+          <a:off x="0" y="0"/>
+          <a:ext cx="0" cy="0"/>
+          <a:chOff x="0" y="0"/>
+          <a:chExt cx="0" cy="0"/>
+        </a:xfrm>
+      </p:grpSpPr>
+      <p:sp>
+        <p:nvSpPr>
+          <p:cNvPr id="2" name="Título 1">
+            <a:extLst>
+              <a:ext uri="{FF2B5EF4-FFF2-40B4-BE49-F238E27FC236}">
+                <a16:creationId xmlns:a16="http://schemas.microsoft.com/office/drawing/2014/main" id="{77A4A303-FE82-4D74-A7B3-A2409F00E483}"/>
+              </a:ext>
+            </a:extLst>
+          </p:cNvPr>
+          <p:cNvSpPr>
+            <a:spLocks noGrp="1"/>
+          </p:cNvSpPr>
+          <p:nvPr>
+            <p:ph type="title"/>
+          </p:nvPr>
+        </p:nvSpPr>
+        <p:spPr>
+          <a:xfrm>
+            <a:off x="949960" y="413809"/>
+            <a:ext cx="10446173" cy="1502305"/>
+          </a:xfrm>
+        </p:spPr>
+        <p:txBody>
+          <a:bodyPr>
+            <a:normAutofit/>
+          </a:bodyPr>
+          <a:lstStyle/>
+          <a:p>
+            <a:r>
+              <a:rPr lang="es-CO" sz="4800" dirty="0"/>
+              <a:t>Funciones (también llamadas subrutinas)</a:t>
+            </a:r>
+          </a:p>
+        </p:txBody>
+      </p:sp>
+      <p:sp>
+        <p:nvSpPr>
+          <p:cNvPr id="3" name="Marcador de contenido 2">
+            <a:extLst>
+              <a:ext uri="{FF2B5EF4-FFF2-40B4-BE49-F238E27FC236}">
+                <a16:creationId xmlns:a16="http://schemas.microsoft.com/office/drawing/2014/main" id="{489B1C32-3B01-4672-9BFA-550F4B10F29C}"/>
+              </a:ext>
+            </a:extLst>
+          </p:cNvPr>
+          <p:cNvSpPr>
+            <a:spLocks noGrp="1"/>
+          </p:cNvSpPr>
+          <p:nvPr>
+            <p:ph idx="1"/>
+          </p:nvPr>
+        </p:nvSpPr>
+        <p:spPr/>
+        <p:txBody>
+          <a:bodyPr>
+            <a:normAutofit/>
+          </a:bodyPr>
+          <a:lstStyle/>
+          <a:p>
+            <a:r>
+              <a:rPr lang="es-CO" sz="2800" dirty="0"/>
+              <a:t>Son piezas de código pequeñas que realizan acciones puntuales</a:t>
+            </a:r>
+          </a:p>
+          <a:p>
+            <a:r>
+              <a:rPr lang="es-CO" sz="2800" dirty="0"/>
+              <a:t>Se utilizan para:</a:t>
+            </a:r>
+          </a:p>
+          <a:p>
+            <a:pPr lvl="1"/>
+            <a:r>
+              <a:rPr lang="es-CO" sz="2400" dirty="0"/>
+              <a:t>Subdividir los problemas diseñando soluciones sencillas</a:t>
+            </a:r>
+          </a:p>
+          <a:p>
+            <a:pPr lvl="1"/>
+            <a:r>
+              <a:rPr lang="es-CO" sz="2400" dirty="0"/>
+              <a:t>Reusar código</a:t>
+            </a:r>
+          </a:p>
+          <a:p>
+            <a:r>
+              <a:rPr lang="es-CO" sz="2800" dirty="0"/>
+              <a:t>Es posible que las funciones necesiten datos de entrada para ejecutar las instrucciones, a estos datos se les denomina </a:t>
+            </a:r>
+            <a:r>
+              <a:rPr lang="es-CO" sz="2800" u="sng" dirty="0">
+                <a:solidFill>
+                  <a:srgbClr val="FF0000"/>
+                </a:solidFill>
+              </a:rPr>
+              <a:t>parámetros</a:t>
+            </a:r>
+            <a:r>
+              <a:rPr lang="es-CO" sz="2800" dirty="0"/>
+              <a:t> o </a:t>
+            </a:r>
+            <a:r>
+              <a:rPr lang="es-CO" sz="2800" u="sng" dirty="0">
+                <a:solidFill>
+                  <a:srgbClr val="FF0000"/>
+                </a:solidFill>
+              </a:rPr>
+              <a:t>argumentos</a:t>
+            </a:r>
+          </a:p>
+          <a:p>
+            <a:r>
+              <a:rPr lang="es-CO" sz="2800" dirty="0"/>
+              <a:t>Ejemplo: Si se tiene una función que haga el cálculo del valor de las horas extras de un trabajador, deberá recibir como entrada el número de horas extras que el trabajador reportó y el valor de la hora.</a:t>
+            </a:r>
+          </a:p>
+        </p:txBody>
+      </p:sp>
+      <p:sp>
+        <p:nvSpPr>
+          <p:cNvPr id="4" name="CuadroTexto 3">
+            <a:extLst>
+              <a:ext uri="{FF2B5EF4-FFF2-40B4-BE49-F238E27FC236}">
+                <a16:creationId xmlns:a16="http://schemas.microsoft.com/office/drawing/2014/main" id="{6513AFB0-2F6E-49D5-9B85-E72C7716D1AB}"/>
+              </a:ext>
+            </a:extLst>
+          </p:cNvPr>
+          <p:cNvSpPr txBox="1"/>
+          <p:nvPr/>
+        </p:nvSpPr>
+        <p:spPr>
+          <a:xfrm>
+            <a:off x="4490977" y="6028269"/>
+            <a:ext cx="6714924" cy="369332"/>
+          </a:xfrm>
+          <a:prstGeom prst="rect">
+            <a:avLst/>
+          </a:prstGeom>
+          <a:noFill/>
+        </p:spPr>
+        <p:txBody>
+          <a:bodyPr wrap="square" rtlCol="0">
+            <a:spAutoFit/>
+          </a:bodyPr>
+          <a:lstStyle/>
+          <a:p>
+            <a:r>
+              <a:rPr lang="es-CO" b="1" dirty="0" err="1">
+                <a:solidFill>
+                  <a:schemeClr val="accent2"/>
+                </a:solidFill>
+              </a:rPr>
+              <a:t>Double</a:t>
+            </a:r>
+            <a:r>
+              <a:rPr lang="es-CO" b="1" dirty="0">
+                <a:solidFill>
+                  <a:schemeClr val="accent2"/>
+                </a:solidFill>
+              </a:rPr>
+              <a:t>     </a:t>
+            </a:r>
+            <a:r>
+              <a:rPr lang="es-CO" dirty="0">
+                <a:solidFill>
+                  <a:srgbClr val="00B050"/>
+                </a:solidFill>
+              </a:rPr>
+              <a:t> </a:t>
+            </a:r>
+            <a:r>
+              <a:rPr lang="es-CO" dirty="0" err="1">
+                <a:solidFill>
+                  <a:srgbClr val="00B050"/>
+                </a:solidFill>
+              </a:rPr>
+              <a:t>CalculaHExtra</a:t>
+            </a:r>
+            <a:r>
+              <a:rPr lang="es-CO" dirty="0"/>
+              <a:t>(</a:t>
+            </a:r>
+            <a:r>
+              <a:rPr lang="es-CO" b="1" dirty="0">
+                <a:solidFill>
+                  <a:schemeClr val="accent1">
+                    <a:lumMod val="75000"/>
+                  </a:schemeClr>
+                </a:solidFill>
+              </a:rPr>
+              <a:t>entero</a:t>
+            </a:r>
+            <a:r>
+              <a:rPr lang="es-CO" b="1" dirty="0">
+                <a:solidFill>
+                  <a:srgbClr val="FF0000"/>
+                </a:solidFill>
+              </a:rPr>
+              <a:t> </a:t>
+            </a:r>
+            <a:r>
+              <a:rPr lang="es-CO" b="1" dirty="0" err="1">
+                <a:solidFill>
+                  <a:srgbClr val="FF0000"/>
+                </a:solidFill>
+              </a:rPr>
+              <a:t>Cantidad_HE</a:t>
+            </a:r>
+            <a:r>
+              <a:rPr lang="es-CO" b="1" dirty="0">
+                <a:solidFill>
+                  <a:srgbClr val="FF0000"/>
+                </a:solidFill>
+              </a:rPr>
+              <a:t>, </a:t>
+            </a:r>
+            <a:r>
+              <a:rPr lang="es-CO" b="1" dirty="0">
+                <a:solidFill>
+                  <a:schemeClr val="accent1">
+                    <a:lumMod val="75000"/>
+                  </a:schemeClr>
+                </a:solidFill>
+              </a:rPr>
+              <a:t>entero</a:t>
+            </a:r>
+            <a:r>
+              <a:rPr lang="es-CO" b="1" dirty="0">
+                <a:solidFill>
+                  <a:srgbClr val="FF0000"/>
+                </a:solidFill>
+              </a:rPr>
+              <a:t> </a:t>
+            </a:r>
+            <a:r>
+              <a:rPr lang="es-CO" b="1" dirty="0" err="1">
+                <a:solidFill>
+                  <a:srgbClr val="FF0000"/>
+                </a:solidFill>
+              </a:rPr>
+              <a:t>valor_hora</a:t>
+            </a:r>
+            <a:r>
+              <a:rPr lang="es-CO" dirty="0"/>
+              <a:t>)</a:t>
+            </a:r>
+          </a:p>
+        </p:txBody>
+      </p:sp>
+      <p:sp>
+        <p:nvSpPr>
+          <p:cNvPr id="5" name="Cerrar llave 4">
+            <a:extLst>
+              <a:ext uri="{FF2B5EF4-FFF2-40B4-BE49-F238E27FC236}">
+                <a16:creationId xmlns:a16="http://schemas.microsoft.com/office/drawing/2014/main" id="{932C8AB7-22E6-4174-A50A-329787BA46A9}"/>
+              </a:ext>
+            </a:extLst>
+          </p:cNvPr>
+          <p:cNvSpPr/>
+          <p:nvPr/>
+        </p:nvSpPr>
+        <p:spPr>
+          <a:xfrm rot="5400000">
+            <a:off x="9053053" y="5036141"/>
+            <a:ext cx="45719" cy="2910825"/>
+          </a:xfrm>
+          <a:prstGeom prst="rightBrace">
+            <a:avLst/>
+          </a:prstGeom>
+        </p:spPr>
+        <p:style>
+          <a:lnRef idx="1">
+            <a:schemeClr val="accent1"/>
+          </a:lnRef>
+          <a:fillRef idx="0">
+            <a:schemeClr val="accent1"/>
+          </a:fillRef>
+          <a:effectRef idx="0">
+            <a:schemeClr val="accent1"/>
+          </a:effectRef>
+          <a:fontRef idx="minor">
+            <a:schemeClr val="tx1"/>
+          </a:fontRef>
+        </p:style>
+        <p:txBody>
+          <a:bodyPr rtlCol="0" anchor="ctr"/>
+          <a:lstStyle/>
+          <a:p>
+            <a:pPr algn="ctr"/>
+            <a:endParaRPr lang="es-CO"/>
+          </a:p>
+        </p:txBody>
+      </p:sp>
+      <p:sp>
+        <p:nvSpPr>
+          <p:cNvPr id="6" name="CuadroTexto 5">
+            <a:extLst>
+              <a:ext uri="{FF2B5EF4-FFF2-40B4-BE49-F238E27FC236}">
+                <a16:creationId xmlns:a16="http://schemas.microsoft.com/office/drawing/2014/main" id="{E00F02A1-C857-40B0-84E3-C879AE45FFE8}"/>
+              </a:ext>
+            </a:extLst>
+          </p:cNvPr>
+          <p:cNvSpPr txBox="1"/>
+          <p:nvPr/>
+        </p:nvSpPr>
+        <p:spPr>
+          <a:xfrm>
+            <a:off x="8227489" y="6654641"/>
+            <a:ext cx="2303836" cy="369332"/>
+          </a:xfrm>
+          <a:prstGeom prst="rect">
+            <a:avLst/>
+          </a:prstGeom>
+          <a:noFill/>
+        </p:spPr>
+        <p:txBody>
+          <a:bodyPr wrap="none" rtlCol="0">
+            <a:spAutoFit/>
+          </a:bodyPr>
+          <a:lstStyle/>
+          <a:p>
+            <a:r>
+              <a:rPr lang="es-CO" dirty="0"/>
+              <a:t>Parámetros que recibe</a:t>
+            </a:r>
+          </a:p>
+        </p:txBody>
+      </p:sp>
+      <p:sp>
+        <p:nvSpPr>
+          <p:cNvPr id="7" name="Cerrar llave 6">
+            <a:extLst>
+              <a:ext uri="{FF2B5EF4-FFF2-40B4-BE49-F238E27FC236}">
+                <a16:creationId xmlns:a16="http://schemas.microsoft.com/office/drawing/2014/main" id="{835CA61F-8CE8-43EB-A912-4BC0C9284C58}"/>
+              </a:ext>
+            </a:extLst>
+          </p:cNvPr>
+          <p:cNvSpPr/>
+          <p:nvPr/>
+        </p:nvSpPr>
+        <p:spPr>
+          <a:xfrm rot="5400000">
+            <a:off x="6472284" y="5729620"/>
+            <a:ext cx="94112" cy="1524001"/>
+          </a:xfrm>
+          <a:prstGeom prst="rightBrace">
+            <a:avLst/>
+          </a:prstGeom>
+        </p:spPr>
+        <p:style>
+          <a:lnRef idx="1">
+            <a:schemeClr val="accent1"/>
+          </a:lnRef>
+          <a:fillRef idx="0">
+            <a:schemeClr val="accent1"/>
+          </a:fillRef>
+          <a:effectRef idx="0">
+            <a:schemeClr val="accent1"/>
+          </a:effectRef>
+          <a:fontRef idx="minor">
+            <a:schemeClr val="tx1"/>
+          </a:fontRef>
+        </p:style>
+        <p:txBody>
+          <a:bodyPr rtlCol="0" anchor="ctr"/>
+          <a:lstStyle/>
+          <a:p>
+            <a:pPr algn="ctr"/>
+            <a:endParaRPr lang="es-CO"/>
+          </a:p>
+        </p:txBody>
+      </p:sp>
+      <p:sp>
+        <p:nvSpPr>
+          <p:cNvPr id="8" name="CuadroTexto 7">
+            <a:extLst>
+              <a:ext uri="{FF2B5EF4-FFF2-40B4-BE49-F238E27FC236}">
+                <a16:creationId xmlns:a16="http://schemas.microsoft.com/office/drawing/2014/main" id="{97064AFC-3BBE-4E9B-A1CD-470429774C3D}"/>
+              </a:ext>
+            </a:extLst>
+          </p:cNvPr>
+          <p:cNvSpPr txBox="1"/>
+          <p:nvPr/>
+        </p:nvSpPr>
+        <p:spPr>
+          <a:xfrm>
+            <a:off x="5757340" y="6654641"/>
+            <a:ext cx="1715726" cy="369332"/>
+          </a:xfrm>
+          <a:prstGeom prst="rect">
+            <a:avLst/>
+          </a:prstGeom>
+          <a:noFill/>
+        </p:spPr>
+        <p:txBody>
+          <a:bodyPr wrap="none" rtlCol="0">
+            <a:spAutoFit/>
+          </a:bodyPr>
+          <a:lstStyle/>
+          <a:p>
+            <a:r>
+              <a:rPr lang="es-CO" dirty="0"/>
+              <a:t>Nombre función</a:t>
+            </a:r>
+          </a:p>
+        </p:txBody>
+      </p:sp>
+      <p:sp>
+        <p:nvSpPr>
+          <p:cNvPr id="9" name="CuadroTexto 8">
+            <a:extLst>
+              <a:ext uri="{FF2B5EF4-FFF2-40B4-BE49-F238E27FC236}">
+                <a16:creationId xmlns:a16="http://schemas.microsoft.com/office/drawing/2014/main" id="{6DBCCCEB-770A-4F6E-894B-84E092896755}"/>
+              </a:ext>
+            </a:extLst>
+          </p:cNvPr>
+          <p:cNvSpPr txBox="1"/>
+          <p:nvPr/>
+        </p:nvSpPr>
+        <p:spPr>
+          <a:xfrm>
+            <a:off x="3963565" y="6631226"/>
+            <a:ext cx="1758751" cy="369332"/>
+          </a:xfrm>
+          <a:prstGeom prst="rect">
+            <a:avLst/>
+          </a:prstGeom>
+          <a:noFill/>
+        </p:spPr>
+        <p:txBody>
+          <a:bodyPr wrap="none" rtlCol="0">
+            <a:spAutoFit/>
+          </a:bodyPr>
+          <a:lstStyle/>
+          <a:p>
+            <a:r>
+              <a:rPr lang="es-ES" dirty="0"/>
+              <a:t>Tipo que retorna</a:t>
+            </a:r>
+            <a:endParaRPr lang="es-CO" dirty="0"/>
+          </a:p>
+        </p:txBody>
+      </p:sp>
+      <p:sp>
+        <p:nvSpPr>
+          <p:cNvPr id="10" name="Cerrar llave 9">
+            <a:extLst>
+              <a:ext uri="{FF2B5EF4-FFF2-40B4-BE49-F238E27FC236}">
+                <a16:creationId xmlns:a16="http://schemas.microsoft.com/office/drawing/2014/main" id="{58F7C00B-6CAB-4279-9DD6-70D9581B88BF}"/>
+              </a:ext>
+            </a:extLst>
+          </p:cNvPr>
+          <p:cNvSpPr/>
+          <p:nvPr/>
+        </p:nvSpPr>
+        <p:spPr>
+          <a:xfrm rot="5400000">
+            <a:off x="4795883" y="5729621"/>
+            <a:ext cx="94112" cy="1524001"/>
+          </a:xfrm>
+          <a:prstGeom prst="rightBrace">
+            <a:avLst/>
+          </a:prstGeom>
+        </p:spPr>
+        <p:style>
+          <a:lnRef idx="1">
+            <a:schemeClr val="accent1"/>
+          </a:lnRef>
+          <a:fillRef idx="0">
+            <a:schemeClr val="accent1"/>
+          </a:fillRef>
+          <a:effectRef idx="0">
+            <a:schemeClr val="accent1"/>
+          </a:effectRef>
+          <a:fontRef idx="minor">
+            <a:schemeClr val="tx1"/>
+          </a:fontRef>
+        </p:style>
+        <p:txBody>
+          <a:bodyPr rtlCol="0" anchor="ctr"/>
+          <a:lstStyle/>
+          <a:p>
+            <a:pPr algn="ctr"/>
+            <a:endParaRPr lang="es-CO"/>
+          </a:p>
+        </p:txBody>
+      </p:sp>
+    </p:spTree>
+    <p:extLst>
+      <p:ext uri="{BB962C8B-B14F-4D97-AF65-F5344CB8AC3E}">
+        <p14:creationId xmlns:p14="http://schemas.microsoft.com/office/powerpoint/2010/main" val="81773568"/>
+      </p:ext>
+    </p:extLst>
+  </p:cSld>
+  <p:clrMapOvr>
+    <a:masterClrMapping/>
+  </p:clrMapOvr>
+</p:sld>
+</file>
+
+<file path=ppt/slides/slide9.xml><?xml version="1.0" encoding="utf-8"?>
+<p:sld xmlns:a="http://schemas.openxmlformats.org/drawingml/2006/main" xmlns:r="http://schemas.openxmlformats.org/officeDocument/2006/relationships" xmlns:p="http://schemas.openxmlformats.org/presentationml/2006/main">
+  <p:cSld>
+    <p:spTree>
+      <p:nvGrpSpPr>
+        <p:cNvPr id="1" name=""/>
+        <p:cNvGrpSpPr/>
+        <p:nvPr/>
+      </p:nvGrpSpPr>
+      <p:grpSpPr>
+        <a:xfrm>
+          <a:off x="0" y="0"/>
+          <a:ext cx="0" cy="0"/>
+          <a:chOff x="0" y="0"/>
+          <a:chExt cx="0" cy="0"/>
+        </a:xfrm>
+      </p:grpSpPr>
+      <p:sp>
+        <p:nvSpPr>
+          <p:cNvPr id="2" name="Título 1">
+            <a:extLst>
+              <a:ext uri="{FF2B5EF4-FFF2-40B4-BE49-F238E27FC236}">
+                <a16:creationId xmlns:a16="http://schemas.microsoft.com/office/drawing/2014/main" id="{1E0ECD6D-4D34-4111-A036-1573005B3027}"/>
+              </a:ext>
+            </a:extLst>
+          </p:cNvPr>
+          <p:cNvSpPr>
+            <a:spLocks noGrp="1"/>
+          </p:cNvSpPr>
+          <p:nvPr>
+            <p:ph type="title"/>
+          </p:nvPr>
+        </p:nvSpPr>
+        <p:spPr/>
+        <p:txBody>
+          <a:bodyPr/>
+          <a:lstStyle/>
+          <a:p>
+            <a:r>
+              <a:rPr lang="es-CO" dirty="0"/>
+              <a:t>Funciones: control</a:t>
+            </a:r>
+          </a:p>
+        </p:txBody>
+      </p:sp>
+      <p:sp>
+        <p:nvSpPr>
+          <p:cNvPr id="12" name="CuadroTexto 11">
+            <a:extLst>
+              <a:ext uri="{FF2B5EF4-FFF2-40B4-BE49-F238E27FC236}">
+                <a16:creationId xmlns:a16="http://schemas.microsoft.com/office/drawing/2014/main" id="{4318A3FF-F7A6-44DE-92EC-AAEC4F4C3FC8}"/>
+              </a:ext>
+            </a:extLst>
+          </p:cNvPr>
+          <p:cNvSpPr txBox="1"/>
+          <p:nvPr/>
+        </p:nvSpPr>
+        <p:spPr>
+          <a:xfrm>
+            <a:off x="3217333" y="3217333"/>
+            <a:ext cx="4750659" cy="1754326"/>
+          </a:xfrm>
+          <a:prstGeom prst="rect">
+            <a:avLst/>
+          </a:prstGeom>
+          <a:noFill/>
+        </p:spPr>
+        <p:txBody>
+          <a:bodyPr wrap="none" rtlCol="0">
+            <a:spAutoFit/>
+          </a:bodyPr>
+          <a:lstStyle/>
+          <a:p>
+            <a:r>
+              <a:rPr lang="es-CO" dirty="0"/>
+              <a:t>Instrucción antes de llamar la subrutina</a:t>
+            </a:r>
+          </a:p>
+          <a:p>
+            <a:endParaRPr lang="es-CO" dirty="0"/>
+          </a:p>
+          <a:p>
+            <a:r>
+              <a:rPr lang="es-CO" dirty="0">
+                <a:solidFill>
+                  <a:srgbClr val="FF0000"/>
+                </a:solidFill>
+              </a:rPr>
+              <a:t>Llamado a la subrutina</a:t>
+            </a:r>
+          </a:p>
+          <a:p>
+            <a:endParaRPr lang="es-CO" dirty="0"/>
+          </a:p>
+          <a:p>
+            <a:endParaRPr lang="es-CO" dirty="0"/>
+          </a:p>
+          <a:p>
+            <a:r>
+              <a:rPr lang="es-CO" dirty="0"/>
+              <a:t>Instrucción después de ejecución de la subrutina</a:t>
+            </a:r>
+          </a:p>
+        </p:txBody>
+      </p:sp>
+      <p:sp>
+        <p:nvSpPr>
+          <p:cNvPr id="13" name="CuadroTexto 12">
+            <a:extLst>
+              <a:ext uri="{FF2B5EF4-FFF2-40B4-BE49-F238E27FC236}">
+                <a16:creationId xmlns:a16="http://schemas.microsoft.com/office/drawing/2014/main" id="{07F13A02-FEE5-4785-B4B2-0B0C590292F3}"/>
+              </a:ext>
+            </a:extLst>
+          </p:cNvPr>
+          <p:cNvSpPr txBox="1"/>
+          <p:nvPr/>
+        </p:nvSpPr>
+        <p:spPr>
+          <a:xfrm>
+            <a:off x="8889998" y="3217333"/>
+            <a:ext cx="2321405" cy="1200329"/>
+          </a:xfrm>
+          <a:prstGeom prst="rect">
+            <a:avLst/>
+          </a:prstGeom>
+          <a:noFill/>
+        </p:spPr>
+        <p:txBody>
+          <a:bodyPr wrap="none" rtlCol="0">
+            <a:spAutoFit/>
+          </a:bodyPr>
+          <a:lstStyle/>
+          <a:p>
+            <a:r>
+              <a:rPr lang="es-CO" dirty="0"/>
+              <a:t>Subrutina(parámetros)</a:t>
+            </a:r>
+          </a:p>
+          <a:p>
+            <a:r>
+              <a:rPr lang="es-CO" dirty="0"/>
+              <a:t>  Instrucción 1</a:t>
+            </a:r>
+          </a:p>
+          <a:p>
+            <a:r>
+              <a:rPr lang="es-CO" dirty="0"/>
+              <a:t>  Instrucción 2 </a:t>
+            </a:r>
+          </a:p>
+          <a:p>
+            <a:r>
+              <a:rPr lang="es-CO" dirty="0"/>
+              <a:t>  Instrucción 3</a:t>
+            </a:r>
+          </a:p>
+        </p:txBody>
+      </p:sp>
+      <p:cxnSp>
+        <p:nvCxnSpPr>
+          <p:cNvPr id="17" name="Conector: angular 16">
+            <a:extLst>
+              <a:ext uri="{FF2B5EF4-FFF2-40B4-BE49-F238E27FC236}">
+                <a16:creationId xmlns:a16="http://schemas.microsoft.com/office/drawing/2014/main" id="{CEC398CA-49B5-4F9B-AD56-1807D2667819}"/>
+              </a:ext>
+            </a:extLst>
+          </p:cNvPr>
+          <p:cNvCxnSpPr>
+            <a:stCxn id="12" idx="3"/>
+            <a:endCxn id="13" idx="0"/>
+          </p:cNvCxnSpPr>
+          <p:nvPr/>
+        </p:nvCxnSpPr>
+        <p:spPr>
+          <a:xfrm flipV="1">
+            <a:off x="7967992" y="3217333"/>
+            <a:ext cx="2082709" cy="877163"/>
+          </a:xfrm>
+          <a:prstGeom prst="bentConnector4">
+            <a:avLst>
+              <a:gd name="adj1" fmla="val 22135"/>
+              <a:gd name="adj2" fmla="val 126061"/>
+            </a:avLst>
+          </a:prstGeom>
+          <a:ln>
+            <a:solidFill>
+              <a:srgbClr val="FF0000"/>
+            </a:solidFill>
+            <a:tailEnd type="triangle"/>
+          </a:ln>
+        </p:spPr>
+        <p:style>
+          <a:lnRef idx="1">
+            <a:schemeClr val="accent1"/>
+          </a:lnRef>
+          <a:fillRef idx="0">
+            <a:schemeClr val="accent1"/>
+          </a:fillRef>
+          <a:effectRef idx="0">
+            <a:schemeClr val="accent1"/>
+          </a:effectRef>
+          <a:fontRef idx="minor">
+            <a:schemeClr val="tx1"/>
+          </a:fontRef>
+        </p:style>
+      </p:cxnSp>
+      <p:sp>
+        <p:nvSpPr>
+          <p:cNvPr id="18" name="CuadroTexto 17">
+            <a:extLst>
+              <a:ext uri="{FF2B5EF4-FFF2-40B4-BE49-F238E27FC236}">
+                <a16:creationId xmlns:a16="http://schemas.microsoft.com/office/drawing/2014/main" id="{AF1B1064-4384-4A0C-B9B1-48F2DF6A49A9}"/>
+              </a:ext>
+            </a:extLst>
+          </p:cNvPr>
+          <p:cNvSpPr txBox="1"/>
+          <p:nvPr/>
+        </p:nvSpPr>
+        <p:spPr>
+          <a:xfrm>
+            <a:off x="8308757" y="2523072"/>
+            <a:ext cx="1385572" cy="369332"/>
+          </a:xfrm>
+          <a:prstGeom prst="rect">
+            <a:avLst/>
+          </a:prstGeom>
+          <a:noFill/>
+        </p:spPr>
+        <p:txBody>
+          <a:bodyPr wrap="none" rtlCol="0">
+            <a:spAutoFit/>
+          </a:bodyPr>
+          <a:lstStyle/>
+          <a:p>
+            <a:r>
+              <a:rPr lang="es-CO" dirty="0"/>
+              <a:t>Cedo control</a:t>
+            </a:r>
+          </a:p>
+        </p:txBody>
+      </p:sp>
+      <p:cxnSp>
+        <p:nvCxnSpPr>
+          <p:cNvPr id="22" name="Conector: angular 21">
+            <a:extLst>
+              <a:ext uri="{FF2B5EF4-FFF2-40B4-BE49-F238E27FC236}">
+                <a16:creationId xmlns:a16="http://schemas.microsoft.com/office/drawing/2014/main" id="{15E3FEBF-969C-481A-BE74-82B6CDC80B88}"/>
+              </a:ext>
+            </a:extLst>
+          </p:cNvPr>
+          <p:cNvCxnSpPr>
+            <a:stCxn id="13" idx="2"/>
+          </p:cNvCxnSpPr>
+          <p:nvPr/>
+        </p:nvCxnSpPr>
+        <p:spPr>
+          <a:xfrm rot="5400000">
+            <a:off x="8868253" y="3643550"/>
+            <a:ext cx="408336" cy="1956561"/>
+          </a:xfrm>
+          <a:prstGeom prst="bentConnector2">
+            <a:avLst/>
+          </a:prstGeom>
+          <a:ln>
+            <a:solidFill>
+              <a:srgbClr val="FF0000"/>
+            </a:solidFill>
+            <a:tailEnd type="triangle"/>
+          </a:ln>
+        </p:spPr>
+        <p:style>
+          <a:lnRef idx="1">
+            <a:schemeClr val="accent1"/>
+          </a:lnRef>
+          <a:fillRef idx="0">
+            <a:schemeClr val="accent1"/>
+          </a:fillRef>
+          <a:effectRef idx="0">
+            <a:schemeClr val="accent1"/>
+          </a:effectRef>
+          <a:fontRef idx="minor">
+            <a:schemeClr val="tx1"/>
+          </a:fontRef>
+        </p:style>
+      </p:cxnSp>
+      <p:sp>
+        <p:nvSpPr>
+          <p:cNvPr id="23" name="CuadroTexto 22">
+            <a:extLst>
+              <a:ext uri="{FF2B5EF4-FFF2-40B4-BE49-F238E27FC236}">
+                <a16:creationId xmlns:a16="http://schemas.microsoft.com/office/drawing/2014/main" id="{CF1F83E0-DD40-4F92-A2B0-786FC31D3F4D}"/>
+              </a:ext>
+            </a:extLst>
+          </p:cNvPr>
+          <p:cNvSpPr txBox="1"/>
+          <p:nvPr/>
+        </p:nvSpPr>
+        <p:spPr>
+          <a:xfrm>
+            <a:off x="8094133" y="4839949"/>
+            <a:ext cx="1862626" cy="369332"/>
+          </a:xfrm>
+          <a:prstGeom prst="rect">
+            <a:avLst/>
+          </a:prstGeom>
+          <a:noFill/>
+        </p:spPr>
+        <p:txBody>
+          <a:bodyPr wrap="none" rtlCol="0">
+            <a:spAutoFit/>
+          </a:bodyPr>
+          <a:lstStyle/>
+          <a:p>
+            <a:r>
+              <a:rPr lang="es-CO" dirty="0"/>
+              <a:t>Regresa el control</a:t>
+            </a:r>
+          </a:p>
+        </p:txBody>
+      </p:sp>
+    </p:spTree>
+    <p:extLst>
+      <p:ext uri="{BB962C8B-B14F-4D97-AF65-F5344CB8AC3E}">
+        <p14:creationId xmlns:p14="http://schemas.microsoft.com/office/powerpoint/2010/main" val="815665009"/>
       </p:ext>
     </p:extLst>
   </p:cSld>

--- a/Slides/2_Funciones.pptx
+++ b/Slides/2_Funciones.pptx
@@ -5,7 +5,7 @@
     <p:sldMasterId id="2147483672" r:id="rId1"/>
   </p:sldMasterIdLst>
   <p:notesMasterIdLst>
-    <p:notesMasterId r:id="rId13"/>
+    <p:notesMasterId r:id="rId15"/>
   </p:notesMasterIdLst>
   <p:sldIdLst>
     <p:sldId id="257" r:id="rId2"/>
@@ -18,7 +18,9 @@
     <p:sldId id="331" r:id="rId9"/>
     <p:sldId id="332" r:id="rId10"/>
     <p:sldId id="344" r:id="rId11"/>
-    <p:sldId id="343" r:id="rId12"/>
+    <p:sldId id="351" r:id="rId12"/>
+    <p:sldId id="350" r:id="rId13"/>
+    <p:sldId id="343" r:id="rId14"/>
   </p:sldIdLst>
   <p:sldSz cx="13817600" cy="7772400"/>
   <p:notesSz cx="6858000" cy="9144000"/>
@@ -141,7 +143,7 @@
   <pc:docChgLst>
     <pc:chgData name="Cesar Augusto Lopez Gallego" userId="0dfa9112-9251-4882-b472-cf2dfcee09d1" providerId="ADAL" clId="{8526969E-DCD0-46F9-A257-CA6320D7FEB1}"/>
     <pc:docChg chg="undo custSel addSld delSld modSld">
-      <pc:chgData name="Cesar Augusto Lopez Gallego" userId="0dfa9112-9251-4882-b472-cf2dfcee09d1" providerId="ADAL" clId="{8526969E-DCD0-46F9-A257-CA6320D7FEB1}" dt="2024-07-23T14:45:30.327" v="3231" actId="47"/>
+      <pc:chgData name="Cesar Augusto Lopez Gallego" userId="0dfa9112-9251-4882-b472-cf2dfcee09d1" providerId="ADAL" clId="{8526969E-DCD0-46F9-A257-CA6320D7FEB1}" dt="2024-07-24T02:22:38.484" v="4123" actId="20577"/>
       <pc:docMkLst>
         <pc:docMk/>
       </pc:docMkLst>
@@ -269,20 +271,100 @@
           <pc:sldMk cId="1132471970" sldId="333"/>
         </pc:sldMkLst>
       </pc:sldChg>
-      <pc:sldChg chg="modSp mod">
-        <pc:chgData name="Cesar Augusto Lopez Gallego" userId="0dfa9112-9251-4882-b472-cf2dfcee09d1" providerId="ADAL" clId="{8526969E-DCD0-46F9-A257-CA6320D7FEB1}" dt="2024-07-23T13:03:42.617" v="115" actId="27636"/>
+      <pc:sldChg chg="addSp delSp modSp mod">
+        <pc:chgData name="Cesar Augusto Lopez Gallego" userId="0dfa9112-9251-4882-b472-cf2dfcee09d1" providerId="ADAL" clId="{8526969E-DCD0-46F9-A257-CA6320D7FEB1}" dt="2024-07-24T02:15:01.223" v="4010" actId="20577"/>
         <pc:sldMkLst>
           <pc:docMk/>
           <pc:sldMk cId="3794522921" sldId="344"/>
         </pc:sldMkLst>
         <pc:spChg chg="mod">
-          <ac:chgData name="Cesar Augusto Lopez Gallego" userId="0dfa9112-9251-4882-b472-cf2dfcee09d1" providerId="ADAL" clId="{8526969E-DCD0-46F9-A257-CA6320D7FEB1}" dt="2024-07-23T13:03:42.617" v="115" actId="27636"/>
+          <ac:chgData name="Cesar Augusto Lopez Gallego" userId="0dfa9112-9251-4882-b472-cf2dfcee09d1" providerId="ADAL" clId="{8526969E-DCD0-46F9-A257-CA6320D7FEB1}" dt="2024-07-24T02:15:01.223" v="4010" actId="20577"/>
+          <ac:spMkLst>
+            <pc:docMk/>
+            <pc:sldMk cId="3794522921" sldId="344"/>
+            <ac:spMk id="2" creationId="{A1D70367-6250-4AE5-8807-00631BCF6480}"/>
+          </ac:spMkLst>
+        </pc:spChg>
+        <pc:spChg chg="mod">
+          <ac:chgData name="Cesar Augusto Lopez Gallego" userId="0dfa9112-9251-4882-b472-cf2dfcee09d1" providerId="ADAL" clId="{8526969E-DCD0-46F9-A257-CA6320D7FEB1}" dt="2024-07-24T02:04:12.350" v="3648" actId="27636"/>
           <ac:spMkLst>
             <pc:docMk/>
             <pc:sldMk cId="3794522921" sldId="344"/>
             <ac:spMk id="3" creationId="{0988B930-7D03-4921-AABC-62601C83CBE3}"/>
           </ac:spMkLst>
         </pc:spChg>
+        <pc:spChg chg="mod">
+          <ac:chgData name="Cesar Augusto Lopez Gallego" userId="0dfa9112-9251-4882-b472-cf2dfcee09d1" providerId="ADAL" clId="{8526969E-DCD0-46F9-A257-CA6320D7FEB1}" dt="2024-07-24T01:59:32.129" v="3484" actId="1582"/>
+          <ac:spMkLst>
+            <pc:docMk/>
+            <pc:sldMk cId="3794522921" sldId="344"/>
+            <ac:spMk id="4" creationId="{D5977F79-CA29-4D31-A39A-8C8427C4245D}"/>
+          </ac:spMkLst>
+        </pc:spChg>
+        <pc:spChg chg="mod">
+          <ac:chgData name="Cesar Augusto Lopez Gallego" userId="0dfa9112-9251-4882-b472-cf2dfcee09d1" providerId="ADAL" clId="{8526969E-DCD0-46F9-A257-CA6320D7FEB1}" dt="2024-07-24T01:59:47.581" v="3486" actId="1582"/>
+          <ac:spMkLst>
+            <pc:docMk/>
+            <pc:sldMk cId="3794522921" sldId="344"/>
+            <ac:spMk id="5" creationId="{A8C7853C-5D2A-4D90-AE60-F836519E9B0C}"/>
+          </ac:spMkLst>
+        </pc:spChg>
+        <pc:spChg chg="mod">
+          <ac:chgData name="Cesar Augusto Lopez Gallego" userId="0dfa9112-9251-4882-b472-cf2dfcee09d1" providerId="ADAL" clId="{8526969E-DCD0-46F9-A257-CA6320D7FEB1}" dt="2024-07-24T02:04:18.872" v="3649" actId="1076"/>
+          <ac:spMkLst>
+            <pc:docMk/>
+            <pc:sldMk cId="3794522921" sldId="344"/>
+            <ac:spMk id="6" creationId="{6E3CE605-D037-4E39-9A4A-6901250EE3AE}"/>
+          </ac:spMkLst>
+        </pc:spChg>
+        <pc:spChg chg="add mod">
+          <ac:chgData name="Cesar Augusto Lopez Gallego" userId="0dfa9112-9251-4882-b472-cf2dfcee09d1" providerId="ADAL" clId="{8526969E-DCD0-46F9-A257-CA6320D7FEB1}" dt="2024-07-24T02:05:58.729" v="3728" actId="20577"/>
+          <ac:spMkLst>
+            <pc:docMk/>
+            <pc:sldMk cId="3794522921" sldId="344"/>
+            <ac:spMk id="7" creationId="{7908272A-2432-47D6-886B-5BDBC956FB4C}"/>
+          </ac:spMkLst>
+        </pc:spChg>
+        <pc:spChg chg="mod">
+          <ac:chgData name="Cesar Augusto Lopez Gallego" userId="0dfa9112-9251-4882-b472-cf2dfcee09d1" providerId="ADAL" clId="{8526969E-DCD0-46F9-A257-CA6320D7FEB1}" dt="2024-07-24T02:01:44.640" v="3498" actId="1582"/>
+          <ac:spMkLst>
+            <pc:docMk/>
+            <pc:sldMk cId="3794522921" sldId="344"/>
+            <ac:spMk id="8" creationId="{563976C9-42AB-4C12-9B0C-EB9CFD964CBD}"/>
+          </ac:spMkLst>
+        </pc:spChg>
+        <pc:spChg chg="mod">
+          <ac:chgData name="Cesar Augusto Lopez Gallego" userId="0dfa9112-9251-4882-b472-cf2dfcee09d1" providerId="ADAL" clId="{8526969E-DCD0-46F9-A257-CA6320D7FEB1}" dt="2024-07-24T02:00:51.315" v="3492" actId="1582"/>
+          <ac:spMkLst>
+            <pc:docMk/>
+            <pc:sldMk cId="3794522921" sldId="344"/>
+            <ac:spMk id="9" creationId="{4F79790F-077B-40B8-939C-2D6C5BFADEC9}"/>
+          </ac:spMkLst>
+        </pc:spChg>
+        <pc:spChg chg="del mod">
+          <ac:chgData name="Cesar Augusto Lopez Gallego" userId="0dfa9112-9251-4882-b472-cf2dfcee09d1" providerId="ADAL" clId="{8526969E-DCD0-46F9-A257-CA6320D7FEB1}" dt="2024-07-24T02:04:37.274" v="3653" actId="478"/>
+          <ac:spMkLst>
+            <pc:docMk/>
+            <pc:sldMk cId="3794522921" sldId="344"/>
+            <ac:spMk id="10" creationId="{D9398874-116D-406D-815F-997675AC34F4}"/>
+          </ac:spMkLst>
+        </pc:spChg>
+        <pc:cxnChg chg="add mod">
+          <ac:chgData name="Cesar Augusto Lopez Gallego" userId="0dfa9112-9251-4882-b472-cf2dfcee09d1" providerId="ADAL" clId="{8526969E-DCD0-46F9-A257-CA6320D7FEB1}" dt="2024-07-24T02:06:40.002" v="3731" actId="14100"/>
+          <ac:cxnSpMkLst>
+            <pc:docMk/>
+            <pc:sldMk cId="3794522921" sldId="344"/>
+            <ac:cxnSpMk id="12" creationId="{8AB42BDF-C322-4436-AAA6-5F22EC708CE3}"/>
+          </ac:cxnSpMkLst>
+        </pc:cxnChg>
+        <pc:cxnChg chg="add mod">
+          <ac:chgData name="Cesar Augusto Lopez Gallego" userId="0dfa9112-9251-4882-b472-cf2dfcee09d1" providerId="ADAL" clId="{8526969E-DCD0-46F9-A257-CA6320D7FEB1}" dt="2024-07-24T02:06:54.476" v="3733" actId="14100"/>
+          <ac:cxnSpMkLst>
+            <pc:docMk/>
+            <pc:sldMk cId="3794522921" sldId="344"/>
+            <ac:cxnSpMk id="15" creationId="{F3B9460D-4D06-4E76-8541-428B41D35EEC}"/>
+          </ac:cxnSpMkLst>
+        </pc:cxnChg>
       </pc:sldChg>
       <pc:sldChg chg="addSp modSp new mod modAnim">
         <pc:chgData name="Cesar Augusto Lopez Gallego" userId="0dfa9112-9251-4882-b472-cf2dfcee09d1" providerId="ADAL" clId="{8526969E-DCD0-46F9-A257-CA6320D7FEB1}" dt="2024-07-23T13:33:38.046" v="1211" actId="1076"/>
@@ -395,7 +477,7 @@
         </pc:picChg>
       </pc:sldChg>
       <pc:sldChg chg="addSp delSp modSp new mod modAnim">
-        <pc:chgData name="Cesar Augusto Lopez Gallego" userId="0dfa9112-9251-4882-b472-cf2dfcee09d1" providerId="ADAL" clId="{8526969E-DCD0-46F9-A257-CA6320D7FEB1}" dt="2024-07-23T13:56:35.639" v="2674" actId="20577"/>
+        <pc:chgData name="Cesar Augusto Lopez Gallego" userId="0dfa9112-9251-4882-b472-cf2dfcee09d1" providerId="ADAL" clId="{8526969E-DCD0-46F9-A257-CA6320D7FEB1}" dt="2024-07-24T01:47:25.013" v="3299" actId="6549"/>
         <pc:sldMkLst>
           <pc:docMk/>
           <pc:sldMk cId="3078981022" sldId="347"/>
@@ -441,7 +523,7 @@
           </ac:spMkLst>
         </pc:spChg>
         <pc:spChg chg="add mod">
-          <ac:chgData name="Cesar Augusto Lopez Gallego" userId="0dfa9112-9251-4882-b472-cf2dfcee09d1" providerId="ADAL" clId="{8526969E-DCD0-46F9-A257-CA6320D7FEB1}" dt="2024-07-23T13:46:37.709" v="1899" actId="113"/>
+          <ac:chgData name="Cesar Augusto Lopez Gallego" userId="0dfa9112-9251-4882-b472-cf2dfcee09d1" providerId="ADAL" clId="{8526969E-DCD0-46F9-A257-CA6320D7FEB1}" dt="2024-07-24T01:46:27.260" v="3281" actId="20577"/>
           <ac:spMkLst>
             <pc:docMk/>
             <pc:sldMk cId="3078981022" sldId="347"/>
@@ -449,7 +531,7 @@
           </ac:spMkLst>
         </pc:spChg>
         <pc:spChg chg="add mod">
-          <ac:chgData name="Cesar Augusto Lopez Gallego" userId="0dfa9112-9251-4882-b472-cf2dfcee09d1" providerId="ADAL" clId="{8526969E-DCD0-46F9-A257-CA6320D7FEB1}" dt="2024-07-23T13:56:35.639" v="2674" actId="20577"/>
+          <ac:chgData name="Cesar Augusto Lopez Gallego" userId="0dfa9112-9251-4882-b472-cf2dfcee09d1" providerId="ADAL" clId="{8526969E-DCD0-46F9-A257-CA6320D7FEB1}" dt="2024-07-24T01:47:25.013" v="3299" actId="6549"/>
           <ac:spMkLst>
             <pc:docMk/>
             <pc:sldMk cId="3078981022" sldId="347"/>
@@ -490,7 +572,7 @@
         </pc:cxnChg>
       </pc:sldChg>
       <pc:sldChg chg="addSp delSp modSp new mod modAnim">
-        <pc:chgData name="Cesar Augusto Lopez Gallego" userId="0dfa9112-9251-4882-b472-cf2dfcee09d1" providerId="ADAL" clId="{8526969E-DCD0-46F9-A257-CA6320D7FEB1}" dt="2024-07-23T14:43:14.188" v="3141" actId="11529"/>
+        <pc:chgData name="Cesar Augusto Lopez Gallego" userId="0dfa9112-9251-4882-b472-cf2dfcee09d1" providerId="ADAL" clId="{8526969E-DCD0-46F9-A257-CA6320D7FEB1}" dt="2024-07-24T01:54:02.363" v="3375"/>
         <pc:sldMkLst>
           <pc:docMk/>
           <pc:sldMk cId="2202594975" sldId="348"/>
@@ -568,7 +650,7 @@
           </ac:spMkLst>
         </pc:spChg>
         <pc:spChg chg="add mod">
-          <ac:chgData name="Cesar Augusto Lopez Gallego" userId="0dfa9112-9251-4882-b472-cf2dfcee09d1" providerId="ADAL" clId="{8526969E-DCD0-46F9-A257-CA6320D7FEB1}" dt="2024-07-23T14:42:43.738" v="3136" actId="1076"/>
+          <ac:chgData name="Cesar Augusto Lopez Gallego" userId="0dfa9112-9251-4882-b472-cf2dfcee09d1" providerId="ADAL" clId="{8526969E-DCD0-46F9-A257-CA6320D7FEB1}" dt="2024-07-24T01:53:26.040" v="3371" actId="1037"/>
           <ac:spMkLst>
             <pc:docMk/>
             <pc:sldMk cId="2202594975" sldId="348"/>
@@ -625,7 +707,7 @@
         </pc:cxnChg>
       </pc:sldChg>
       <pc:sldChg chg="addSp delSp modSp new mod modAnim">
-        <pc:chgData name="Cesar Augusto Lopez Gallego" userId="0dfa9112-9251-4882-b472-cf2dfcee09d1" providerId="ADAL" clId="{8526969E-DCD0-46F9-A257-CA6320D7FEB1}" dt="2024-07-23T14:39:39.477" v="2957" actId="14100"/>
+        <pc:chgData name="Cesar Augusto Lopez Gallego" userId="0dfa9112-9251-4882-b472-cf2dfcee09d1" providerId="ADAL" clId="{8526969E-DCD0-46F9-A257-CA6320D7FEB1}" dt="2024-07-24T01:50:53.054" v="3344"/>
         <pc:sldMkLst>
           <pc:docMk/>
           <pc:sldMk cId="4150399364" sldId="349"/>
@@ -822,6 +904,140 @@
             <ac:cxnSpMk id="45" creationId="{886CE87B-55C8-4866-AD10-9B2677E89A54}"/>
           </ac:cxnSpMkLst>
         </pc:cxnChg>
+      </pc:sldChg>
+      <pc:sldChg chg="addSp delSp modSp new mod">
+        <pc:chgData name="Cesar Augusto Lopez Gallego" userId="0dfa9112-9251-4882-b472-cf2dfcee09d1" providerId="ADAL" clId="{8526969E-DCD0-46F9-A257-CA6320D7FEB1}" dt="2024-07-24T02:22:38.484" v="4123" actId="20577"/>
+        <pc:sldMkLst>
+          <pc:docMk/>
+          <pc:sldMk cId="420833290" sldId="350"/>
+        </pc:sldMkLst>
+        <pc:spChg chg="mod">
+          <ac:chgData name="Cesar Augusto Lopez Gallego" userId="0dfa9112-9251-4882-b472-cf2dfcee09d1" providerId="ADAL" clId="{8526969E-DCD0-46F9-A257-CA6320D7FEB1}" dt="2024-07-24T02:10:14.924" v="3869" actId="404"/>
+          <ac:spMkLst>
+            <pc:docMk/>
+            <pc:sldMk cId="420833290" sldId="350"/>
+            <ac:spMk id="2" creationId="{8BA6D4EF-C7C2-427B-888C-A8030A09C4CE}"/>
+          </ac:spMkLst>
+        </pc:spChg>
+        <pc:spChg chg="del">
+          <ac:chgData name="Cesar Augusto Lopez Gallego" userId="0dfa9112-9251-4882-b472-cf2dfcee09d1" providerId="ADAL" clId="{8526969E-DCD0-46F9-A257-CA6320D7FEB1}" dt="2024-07-24T02:07:33.548" v="3756" actId="478"/>
+          <ac:spMkLst>
+            <pc:docMk/>
+            <pc:sldMk cId="420833290" sldId="350"/>
+            <ac:spMk id="3" creationId="{BE06DB3C-F6EF-4D6C-A1F9-022F0321BE8C}"/>
+          </ac:spMkLst>
+        </pc:spChg>
+        <pc:spChg chg="add mod">
+          <ac:chgData name="Cesar Augusto Lopez Gallego" userId="0dfa9112-9251-4882-b472-cf2dfcee09d1" providerId="ADAL" clId="{8526969E-DCD0-46F9-A257-CA6320D7FEB1}" dt="2024-07-24T02:11:04.507" v="3874" actId="1076"/>
+          <ac:spMkLst>
+            <pc:docMk/>
+            <pc:sldMk cId="420833290" sldId="350"/>
+            <ac:spMk id="4" creationId="{400BAF08-3D98-44A7-9B29-0C3C2AA77929}"/>
+          </ac:spMkLst>
+        </pc:spChg>
+        <pc:spChg chg="add mod ord">
+          <ac:chgData name="Cesar Augusto Lopez Gallego" userId="0dfa9112-9251-4882-b472-cf2dfcee09d1" providerId="ADAL" clId="{8526969E-DCD0-46F9-A257-CA6320D7FEB1}" dt="2024-07-24T02:22:38.484" v="4123" actId="20577"/>
+          <ac:spMkLst>
+            <pc:docMk/>
+            <pc:sldMk cId="420833290" sldId="350"/>
+            <ac:spMk id="5" creationId="{2E7EC907-EA33-4A08-A162-3CAE668B2808}"/>
+          </ac:spMkLst>
+        </pc:spChg>
+        <pc:spChg chg="add mod">
+          <ac:chgData name="Cesar Augusto Lopez Gallego" userId="0dfa9112-9251-4882-b472-cf2dfcee09d1" providerId="ADAL" clId="{8526969E-DCD0-46F9-A257-CA6320D7FEB1}" dt="2024-07-24T02:11:04.507" v="3874" actId="1076"/>
+          <ac:spMkLst>
+            <pc:docMk/>
+            <pc:sldMk cId="420833290" sldId="350"/>
+            <ac:spMk id="6" creationId="{52565B3D-1C97-45E3-A982-7F5C8FAE8633}"/>
+          </ac:spMkLst>
+        </pc:spChg>
+        <pc:spChg chg="add mod">
+          <ac:chgData name="Cesar Augusto Lopez Gallego" userId="0dfa9112-9251-4882-b472-cf2dfcee09d1" providerId="ADAL" clId="{8526969E-DCD0-46F9-A257-CA6320D7FEB1}" dt="2024-07-24T02:11:04.507" v="3874" actId="1076"/>
+          <ac:spMkLst>
+            <pc:docMk/>
+            <pc:sldMk cId="420833290" sldId="350"/>
+            <ac:spMk id="7" creationId="{83602483-C30A-4F9F-8E88-FFA1B0F7232A}"/>
+          </ac:spMkLst>
+        </pc:spChg>
+        <pc:spChg chg="add mod">
+          <ac:chgData name="Cesar Augusto Lopez Gallego" userId="0dfa9112-9251-4882-b472-cf2dfcee09d1" providerId="ADAL" clId="{8526969E-DCD0-46F9-A257-CA6320D7FEB1}" dt="2024-07-24T02:11:40.857" v="3929" actId="20577"/>
+          <ac:spMkLst>
+            <pc:docMk/>
+            <pc:sldMk cId="420833290" sldId="350"/>
+            <ac:spMk id="8" creationId="{E52E8DE9-4AC8-4607-A773-20C46997D07F}"/>
+          </ac:spMkLst>
+        </pc:spChg>
+      </pc:sldChg>
+      <pc:sldChg chg="addSp delSp modSp new mod modAnim">
+        <pc:chgData name="Cesar Augusto Lopez Gallego" userId="0dfa9112-9251-4882-b472-cf2dfcee09d1" providerId="ADAL" clId="{8526969E-DCD0-46F9-A257-CA6320D7FEB1}" dt="2024-07-24T02:22:18.384" v="4100"/>
+        <pc:sldMkLst>
+          <pc:docMk/>
+          <pc:sldMk cId="1374845394" sldId="351"/>
+        </pc:sldMkLst>
+        <pc:spChg chg="mod">
+          <ac:chgData name="Cesar Augusto Lopez Gallego" userId="0dfa9112-9251-4882-b472-cf2dfcee09d1" providerId="ADAL" clId="{8526969E-DCD0-46F9-A257-CA6320D7FEB1}" dt="2024-07-24T02:19:36.886" v="4078" actId="20577"/>
+          <ac:spMkLst>
+            <pc:docMk/>
+            <pc:sldMk cId="1374845394" sldId="351"/>
+            <ac:spMk id="2" creationId="{2C5C3021-36BB-4F4D-A4B1-10E2987AE81B}"/>
+          </ac:spMkLst>
+        </pc:spChg>
+        <pc:spChg chg="del">
+          <ac:chgData name="Cesar Augusto Lopez Gallego" userId="0dfa9112-9251-4882-b472-cf2dfcee09d1" providerId="ADAL" clId="{8526969E-DCD0-46F9-A257-CA6320D7FEB1}" dt="2024-07-24T02:12:16.798" v="3948" actId="478"/>
+          <ac:spMkLst>
+            <pc:docMk/>
+            <pc:sldMk cId="1374845394" sldId="351"/>
+            <ac:spMk id="3" creationId="{763F2777-2785-4428-95F6-199E21168E01}"/>
+          </ac:spMkLst>
+        </pc:spChg>
+        <pc:spChg chg="add mod">
+          <ac:chgData name="Cesar Augusto Lopez Gallego" userId="0dfa9112-9251-4882-b472-cf2dfcee09d1" providerId="ADAL" clId="{8526969E-DCD0-46F9-A257-CA6320D7FEB1}" dt="2024-07-24T02:20:32.287" v="4083" actId="2711"/>
+          <ac:spMkLst>
+            <pc:docMk/>
+            <pc:sldMk cId="1374845394" sldId="351"/>
+            <ac:spMk id="5" creationId="{EB58747B-A0A4-4D28-8C08-DBAC551BFEB2}"/>
+          </ac:spMkLst>
+        </pc:spChg>
+        <pc:spChg chg="add mod">
+          <ac:chgData name="Cesar Augusto Lopez Gallego" userId="0dfa9112-9251-4882-b472-cf2dfcee09d1" providerId="ADAL" clId="{8526969E-DCD0-46F9-A257-CA6320D7FEB1}" dt="2024-07-24T02:20:36.831" v="4084" actId="108"/>
+          <ac:spMkLst>
+            <pc:docMk/>
+            <pc:sldMk cId="1374845394" sldId="351"/>
+            <ac:spMk id="7" creationId="{DDDB331B-A30D-4302-AC12-5F4C2ED4E72C}"/>
+          </ac:spMkLst>
+        </pc:spChg>
+        <pc:spChg chg="add mod">
+          <ac:chgData name="Cesar Augusto Lopez Gallego" userId="0dfa9112-9251-4882-b472-cf2dfcee09d1" providerId="ADAL" clId="{8526969E-DCD0-46F9-A257-CA6320D7FEB1}" dt="2024-07-24T02:20:38.927" v="4085" actId="108"/>
+          <ac:spMkLst>
+            <pc:docMk/>
+            <pc:sldMk cId="1374845394" sldId="351"/>
+            <ac:spMk id="9" creationId="{575F2964-7A12-496B-823A-518678AFAEE3}"/>
+          </ac:spMkLst>
+        </pc:spChg>
+        <pc:spChg chg="add mod">
+          <ac:chgData name="Cesar Augusto Lopez Gallego" userId="0dfa9112-9251-4882-b472-cf2dfcee09d1" providerId="ADAL" clId="{8526969E-DCD0-46F9-A257-CA6320D7FEB1}" dt="2024-07-24T02:21:34.981" v="4097" actId="207"/>
+          <ac:spMkLst>
+            <pc:docMk/>
+            <pc:sldMk cId="1374845394" sldId="351"/>
+            <ac:spMk id="11" creationId="{11C2F71C-C6B6-4AA2-9580-593FB99EE62A}"/>
+          </ac:spMkLst>
+        </pc:spChg>
+        <pc:spChg chg="add mod">
+          <ac:chgData name="Cesar Augusto Lopez Gallego" userId="0dfa9112-9251-4882-b472-cf2dfcee09d1" providerId="ADAL" clId="{8526969E-DCD0-46F9-A257-CA6320D7FEB1}" dt="2024-07-24T02:21:34.981" v="4097" actId="207"/>
+          <ac:spMkLst>
+            <pc:docMk/>
+            <pc:sldMk cId="1374845394" sldId="351"/>
+            <ac:spMk id="13" creationId="{C3825CF4-3C6D-40ED-93B9-91B6928195B6}"/>
+          </ac:spMkLst>
+        </pc:spChg>
+        <pc:spChg chg="add mod">
+          <ac:chgData name="Cesar Augusto Lopez Gallego" userId="0dfa9112-9251-4882-b472-cf2dfcee09d1" providerId="ADAL" clId="{8526969E-DCD0-46F9-A257-CA6320D7FEB1}" dt="2024-07-24T02:21:34.981" v="4097" actId="207"/>
+          <ac:spMkLst>
+            <pc:docMk/>
+            <pc:sldMk cId="1374845394" sldId="351"/>
+            <ac:spMk id="15" creationId="{7D6152DE-3307-45B2-ACAA-46BC19CFA1B6}"/>
+          </ac:spMkLst>
+        </pc:spChg>
       </pc:sldChg>
     </pc:docChg>
   </pc:docChgLst>
@@ -4108,7 +4324,12 @@
             <p:ph type="title"/>
           </p:nvPr>
         </p:nvSpPr>
-        <p:spPr/>
+        <p:spPr>
+          <a:xfrm>
+            <a:off x="949960" y="413810"/>
+            <a:ext cx="11917680" cy="928980"/>
+          </a:xfrm>
+        </p:spPr>
         <p:txBody>
           <a:bodyPr/>
           <a:lstStyle/>
@@ -4116,6 +4337,22 @@
             <a:r>
               <a:rPr lang="en-US" dirty="0" err="1"/>
               <a:t>Sintaxis</a:t>
+            </a:r>
+            <a:r>
+              <a:rPr lang="en-US" dirty="0"/>
+              <a:t> para </a:t>
+            </a:r>
+            <a:r>
+              <a:rPr lang="en-US" dirty="0" err="1"/>
+              <a:t>definir</a:t>
+            </a:r>
+            <a:r>
+              <a:rPr lang="en-US" dirty="0"/>
+              <a:t> la </a:t>
+            </a:r>
+            <a:r>
+              <a:rPr lang="en-US" dirty="0" err="1"/>
+              <a:t>función</a:t>
             </a:r>
             <a:endParaRPr lang="es-CO" dirty="0"/>
           </a:p>
@@ -4139,13 +4376,13 @@
         </p:nvSpPr>
         <p:spPr>
           <a:xfrm>
-            <a:off x="949960" y="2900854"/>
-            <a:ext cx="11917680" cy="4099703"/>
+            <a:off x="414381" y="3083734"/>
+            <a:ext cx="12896669" cy="4099703"/>
           </a:xfrm>
         </p:spPr>
         <p:txBody>
           <a:bodyPr>
-            <a:normAutofit fontScale="77500" lnSpcReduction="20000"/>
+            <a:normAutofit fontScale="70000" lnSpcReduction="20000"/>
           </a:bodyPr>
           <a:lstStyle/>
           <a:p>
@@ -4153,31 +4390,95 @@
               <a:buNone/>
             </a:pPr>
             <a:r>
+              <a:rPr lang="es-CO" dirty="0">
+                <a:solidFill>
+                  <a:srgbClr val="C00000"/>
+                </a:solidFill>
+              </a:rPr>
+              <a:t>[acceso]</a:t>
+            </a:r>
+            <a:r>
               <a:rPr lang="es-CO" dirty="0"/>
-              <a:t>[acceso] [modificador] tipo </a:t>
-            </a:r>
-            <a:r>
-              <a:rPr lang="es-CO" dirty="0" err="1"/>
+              <a:t> </a:t>
+            </a:r>
+            <a:r>
+              <a:rPr lang="es-CO" dirty="0">
+                <a:solidFill>
+                  <a:schemeClr val="accent6"/>
+                </a:solidFill>
+              </a:rPr>
+              <a:t>[modificador]</a:t>
+            </a:r>
+            <a:r>
+              <a:rPr lang="es-CO" dirty="0"/>
+              <a:t> </a:t>
+            </a:r>
+            <a:r>
+              <a:rPr lang="es-CO" dirty="0">
+                <a:solidFill>
+                  <a:schemeClr val="accent1"/>
+                </a:solidFill>
+              </a:rPr>
+              <a:t>tipo</a:t>
+            </a:r>
+            <a:r>
+              <a:rPr lang="es-CO" dirty="0"/>
+              <a:t> </a:t>
+            </a:r>
+            <a:r>
+              <a:rPr lang="es-CO" dirty="0" err="1">
+                <a:solidFill>
+                  <a:schemeClr val="accent2"/>
+                </a:solidFill>
+              </a:rPr>
               <a:t>nombreFuncion</a:t>
             </a:r>
             <a:r>
-              <a:rPr lang="es-CO" dirty="0"/>
+              <a:rPr lang="es-CO" dirty="0">
+                <a:solidFill>
+                  <a:schemeClr val="accent2"/>
+                </a:solidFill>
+              </a:rPr>
+              <a:t> </a:t>
+            </a:r>
+            <a:r>
+              <a:rPr lang="es-CO" dirty="0">
+                <a:solidFill>
+                  <a:srgbClr val="00FFFF"/>
+                </a:solidFill>
+              </a:rPr>
               <a:t>([tipo </a:t>
             </a:r>
             <a:r>
-              <a:rPr lang="es-CO" dirty="0" err="1"/>
+              <a:rPr lang="es-CO" dirty="0" err="1">
+                <a:solidFill>
+                  <a:srgbClr val="00FFFF"/>
+                </a:solidFill>
+              </a:rPr>
               <a:t>nombreParametro</a:t>
             </a:r>
             <a:r>
-              <a:rPr lang="es-CO" dirty="0"/>
+              <a:rPr lang="es-CO" dirty="0">
+                <a:solidFill>
+                  <a:srgbClr val="00FFFF"/>
+                </a:solidFill>
+              </a:rPr>
               <a:t>,[tipo </a:t>
             </a:r>
             <a:r>
-              <a:rPr lang="es-CO" dirty="0" err="1"/>
+              <a:rPr lang="es-CO" dirty="0" err="1">
+                <a:solidFill>
+                  <a:srgbClr val="00FFFF"/>
+                </a:solidFill>
+              </a:rPr>
               <a:t>nombreParametro</a:t>
             </a:r>
             <a:r>
-              <a:rPr lang="es-CO" dirty="0"/>
+              <a:rPr lang="es-CO" dirty="0">
+                <a:solidFill>
+                  <a:srgbClr val="00FFFF"/>
+                </a:solidFill>
+              </a:rPr>
               <a:t>]...])</a:t>
             </a:r>
           </a:p>
@@ -4196,7 +4497,7 @@
             </a:pPr>
             <a:r>
               <a:rPr lang="es-CO" dirty="0"/>
-              <a:t>	/*</a:t>
+              <a:t>	try{</a:t>
             </a:r>
           </a:p>
           <a:p>
@@ -4205,7 +4506,7 @@
             </a:pPr>
             <a:r>
               <a:rPr lang="es-CO" dirty="0"/>
-              <a:t>		* Bloque de instrucciones</a:t>
+              <a:t>		&lt;&lt;instrucciones&gt;&gt;</a:t>
             </a:r>
           </a:p>
           <a:p>
@@ -4214,7 +4515,93 @@
             </a:pPr>
             <a:r>
               <a:rPr lang="es-CO" dirty="0"/>
-              <a:t>	*/</a:t>
+              <a:t>		</a:t>
+            </a:r>
+            <a:r>
+              <a:rPr lang="es-CO" dirty="0" err="1"/>
+              <a:t>return</a:t>
+            </a:r>
+            <a:r>
+              <a:rPr lang="es-CO" dirty="0"/>
+              <a:t> &lt;&lt;del mismo tipo de la función&gt;&gt;</a:t>
+            </a:r>
+          </a:p>
+          <a:p>
+            <a:pPr marL="0" indent="0">
+              <a:buNone/>
+            </a:pPr>
+            <a:r>
+              <a:rPr lang="es-CO" dirty="0"/>
+              <a:t>	}</a:t>
+            </a:r>
+          </a:p>
+          <a:p>
+            <a:pPr marL="0" indent="0">
+              <a:buNone/>
+            </a:pPr>
+            <a:r>
+              <a:rPr lang="es-CO" dirty="0"/>
+              <a:t>	catch(</a:t>
+            </a:r>
+            <a:r>
+              <a:rPr lang="es-CO" dirty="0" err="1"/>
+              <a:t>Exception</a:t>
+            </a:r>
+            <a:r>
+              <a:rPr lang="es-CO" dirty="0"/>
+              <a:t> </a:t>
+            </a:r>
+            <a:r>
+              <a:rPr lang="es-CO" dirty="0" err="1"/>
+              <a:t>err</a:t>
+            </a:r>
+            <a:r>
+              <a:rPr lang="es-CO" dirty="0"/>
+              <a:t>){</a:t>
+            </a:r>
+          </a:p>
+          <a:p>
+            <a:pPr marL="0" indent="0">
+              <a:buNone/>
+            </a:pPr>
+            <a:r>
+              <a:rPr lang="es-CO" dirty="0"/>
+              <a:t>		&lt;&lt;mensaje de error&gt;&gt;</a:t>
+            </a:r>
+          </a:p>
+          <a:p>
+            <a:pPr marL="0" indent="0">
+              <a:buNone/>
+            </a:pPr>
+            <a:r>
+              <a:rPr lang="es-CO" dirty="0"/>
+              <a:t>		</a:t>
+            </a:r>
+            <a:r>
+              <a:rPr lang="es-CO" dirty="0" err="1"/>
+              <a:t>return</a:t>
+            </a:r>
+            <a:r>
+              <a:rPr lang="es-CO" dirty="0"/>
+              <a:t> &lt;&lt;del mismo tipo de la función&gt;&gt;	</a:t>
+            </a:r>
+          </a:p>
+          <a:p>
+            <a:pPr marL="0" indent="0">
+              <a:buNone/>
+            </a:pPr>
+            <a:r>
+              <a:rPr lang="es-CO" dirty="0"/>
+              <a:t>	}</a:t>
+            </a:r>
+          </a:p>
+          <a:p>
+            <a:pPr marL="0" indent="0">
+              <a:buNone/>
+            </a:pPr>
+            <a:r>
+              <a:rPr lang="es-CO" dirty="0"/>
+              <a:t>}</a:t>
             </a:r>
           </a:p>
           <a:p>
@@ -4222,41 +4609,6 @@
               <a:buNone/>
             </a:pPr>
             <a:endParaRPr lang="es-CO" dirty="0"/>
-          </a:p>
-          <a:p>
-            <a:pPr marL="0" indent="0">
-              <a:buNone/>
-            </a:pPr>
-            <a:r>
-              <a:rPr lang="es-CO" dirty="0"/>
-              <a:t>	</a:t>
-            </a:r>
-            <a:r>
-              <a:rPr lang="es-CO" dirty="0" err="1"/>
-              <a:t>return</a:t>
-            </a:r>
-            <a:r>
-              <a:rPr lang="es-CO" dirty="0"/>
-              <a:t> valor;</a:t>
-            </a:r>
-          </a:p>
-          <a:p>
-            <a:pPr marL="0" indent="0">
-              <a:buNone/>
-            </a:pPr>
-            <a:r>
-              <a:rPr lang="es-CO" dirty="0"/>
-              <a:t>}</a:t>
-            </a:r>
-          </a:p>
-          <a:p>
-            <a:pPr marL="0" indent="0">
-              <a:buNone/>
-            </a:pPr>
-            <a:r>
-              <a:rPr lang="es-CO" dirty="0"/>
-              <a:t>	</a:t>
-            </a:r>
           </a:p>
         </p:txBody>
       </p:sp>
@@ -4284,6 +4636,11 @@
             </a:avLst>
           </a:prstGeom>
           <a:noFill/>
+          <a:ln w="38100">
+            <a:solidFill>
+              <a:srgbClr val="C00000"/>
+            </a:solidFill>
+          </a:ln>
         </p:spPr>
         <p:style>
           <a:lnRef idx="2">
@@ -4307,48 +4664,44 @@
           <a:p>
             <a:pPr algn="ctr"/>
             <a:r>
-              <a:rPr lang="en-US" dirty="0" err="1">
+              <a:rPr lang="en-US" b="1" dirty="0">
                 <a:solidFill>
                   <a:schemeClr val="tx1"/>
                 </a:solidFill>
               </a:rPr>
-              <a:t>Público</a:t>
-            </a:r>
-            <a:endParaRPr lang="en-US" dirty="0">
-              <a:solidFill>
-                <a:schemeClr val="tx1"/>
-              </a:solidFill>
-            </a:endParaRPr>
+              <a:t>public</a:t>
+            </a:r>
           </a:p>
           <a:p>
             <a:pPr algn="ctr"/>
             <a:r>
-              <a:rPr lang="en-US" dirty="0" err="1">
-                <a:solidFill>
-                  <a:schemeClr val="tx1"/>
+              <a:rPr lang="en-US" dirty="0">
+                <a:solidFill>
+                  <a:schemeClr val="bg1">
+                    <a:lumMod val="85000"/>
+                  </a:schemeClr>
                 </a:solidFill>
               </a:rPr>
-              <a:t>Privado</a:t>
-            </a:r>
-            <a:endParaRPr lang="en-US" dirty="0">
-              <a:solidFill>
-                <a:schemeClr val="tx1"/>
-              </a:solidFill>
-            </a:endParaRPr>
+              <a:t>private</a:t>
+            </a:r>
           </a:p>
           <a:p>
             <a:pPr algn="ctr"/>
             <a:r>
-              <a:rPr lang="en-US" dirty="0" err="1">
-                <a:solidFill>
-                  <a:schemeClr val="tx1"/>
+              <a:rPr lang="en-US" dirty="0">
+                <a:solidFill>
+                  <a:schemeClr val="bg1">
+                    <a:lumMod val="85000"/>
+                  </a:schemeClr>
                 </a:solidFill>
               </a:rPr>
-              <a:t>Protegido</a:t>
+              <a:t>protected</a:t>
             </a:r>
             <a:endParaRPr lang="es-CO" dirty="0">
               <a:solidFill>
-                <a:schemeClr val="tx1"/>
+                <a:schemeClr val="bg1">
+                  <a:lumMod val="85000"/>
+                </a:schemeClr>
               </a:solidFill>
             </a:endParaRPr>
           </a:p>
@@ -4368,16 +4721,21 @@
         </p:nvSpPr>
         <p:spPr>
           <a:xfrm>
-            <a:off x="2589572" y="1742688"/>
+            <a:off x="2589572" y="1729625"/>
             <a:ext cx="1702676" cy="764024"/>
           </a:xfrm>
           <a:prstGeom prst="wedgeRectCallout">
             <a:avLst>
-              <a:gd name="adj1" fmla="val -20833"/>
-              <a:gd name="adj2" fmla="val 111393"/>
+              <a:gd name="adj1" fmla="val -41547"/>
+              <a:gd name="adj2" fmla="val 123361"/>
             </a:avLst>
           </a:prstGeom>
           <a:noFill/>
+          <a:ln w="38100">
+            <a:solidFill>
+              <a:srgbClr val="00B050"/>
+            </a:solidFill>
+          </a:ln>
         </p:spPr>
         <p:style>
           <a:lnRef idx="2">
@@ -4401,64 +4759,31 @@
           <a:p>
             <a:pPr algn="ctr"/>
             <a:r>
+              <a:rPr lang="en-US" b="1" dirty="0">
+                <a:solidFill>
+                  <a:schemeClr val="tx1"/>
+                </a:solidFill>
+              </a:rPr>
+              <a:t>static</a:t>
+            </a:r>
+          </a:p>
+          <a:p>
+            <a:pPr algn="ctr"/>
+            <a:r>
               <a:rPr lang="en-US" dirty="0">
                 <a:solidFill>
-                  <a:schemeClr val="tx1"/>
+                  <a:schemeClr val="bg1">
+                    <a:lumMod val="85000"/>
+                  </a:schemeClr>
                 </a:solidFill>
               </a:rPr>
-              <a:t>Final, </a:t>
-            </a:r>
-            <a:r>
-              <a:rPr lang="en-US" dirty="0" err="1">
-                <a:solidFill>
-                  <a:schemeClr val="tx1"/>
-                </a:solidFill>
-              </a:rPr>
-              <a:t>instanciar</a:t>
-            </a:r>
-            <a:endParaRPr lang="en-US" dirty="0">
-              <a:solidFill>
-                <a:schemeClr val="tx1"/>
-              </a:solidFill>
-            </a:endParaRPr>
-          </a:p>
-          <a:p>
-            <a:pPr algn="ctr"/>
-            <a:r>
-              <a:rPr lang="en-US" dirty="0">
-                <a:solidFill>
-                  <a:schemeClr val="tx1"/>
-                </a:solidFill>
-              </a:rPr>
-              <a:t>Static, no </a:t>
-            </a:r>
-            <a:r>
-              <a:rPr lang="en-US" dirty="0" err="1">
-                <a:solidFill>
-                  <a:schemeClr val="tx1"/>
-                </a:solidFill>
-              </a:rPr>
-              <a:t>crea</a:t>
-            </a:r>
-            <a:r>
-              <a:rPr lang="en-US" dirty="0">
-                <a:solidFill>
-                  <a:schemeClr val="tx1"/>
-                </a:solidFill>
-              </a:rPr>
-              <a:t> </a:t>
-            </a:r>
-            <a:r>
-              <a:rPr lang="en-US" dirty="0" err="1">
-                <a:solidFill>
-                  <a:schemeClr val="tx1"/>
-                </a:solidFill>
-              </a:rPr>
-              <a:t>instanacia</a:t>
+              <a:t>Final</a:t>
             </a:r>
             <a:endParaRPr lang="es-CO" dirty="0">
               <a:solidFill>
-                <a:schemeClr val="tx1"/>
+                <a:schemeClr val="bg1">
+                  <a:lumMod val="85000"/>
+                </a:schemeClr>
               </a:solidFill>
             </a:endParaRPr>
           </a:p>
@@ -4478,16 +4803,21 @@
         </p:nvSpPr>
         <p:spPr>
           <a:xfrm>
-            <a:off x="4359337" y="1557747"/>
+            <a:off x="4343269" y="1537800"/>
             <a:ext cx="1702676" cy="764024"/>
           </a:xfrm>
           <a:prstGeom prst="wedgeRectCallout">
             <a:avLst>
-              <a:gd name="adj1" fmla="val -40277"/>
-              <a:gd name="adj2" fmla="val 129964"/>
+              <a:gd name="adj1" fmla="val -90912"/>
+              <a:gd name="adj2" fmla="val 159030"/>
             </a:avLst>
           </a:prstGeom>
           <a:noFill/>
+          <a:ln w="38100">
+            <a:solidFill>
+              <a:schemeClr val="accent1"/>
+            </a:solidFill>
+          </a:ln>
         </p:spPr>
         <p:style>
           <a:lnRef idx="2">
@@ -4573,7 +4903,7 @@
         <p:spPr>
           <a:xfrm>
             <a:off x="9048179" y="1736931"/>
-            <a:ext cx="1702676" cy="764024"/>
+            <a:ext cx="1702676" cy="756718"/>
           </a:xfrm>
           <a:prstGeom prst="wedgeRectCallout">
             <a:avLst>
@@ -4582,6 +4912,11 @@
             </a:avLst>
           </a:prstGeom>
           <a:noFill/>
+          <a:ln w="38100">
+            <a:solidFill>
+              <a:srgbClr val="00FFFF"/>
+            </a:solidFill>
+          </a:ln>
         </p:spPr>
         <p:style>
           <a:lnRef idx="2">
@@ -4626,7 +4961,7 @@
                   <a:schemeClr val="tx1"/>
                 </a:solidFill>
               </a:rPr>
-              <a:t>subrutina</a:t>
+              <a:t>función</a:t>
             </a:r>
             <a:endParaRPr lang="es-CO" dirty="0">
               <a:solidFill>
@@ -4650,16 +4985,21 @@
         </p:nvSpPr>
         <p:spPr>
           <a:xfrm>
-            <a:off x="6364012" y="1592002"/>
-            <a:ext cx="1702676" cy="764024"/>
+            <a:off x="6364012" y="1595069"/>
+            <a:ext cx="2348914" cy="764024"/>
           </a:xfrm>
           <a:prstGeom prst="wedgeRectCallout">
             <a:avLst>
-              <a:gd name="adj1" fmla="val -40277"/>
-              <a:gd name="adj2" fmla="val 129964"/>
+              <a:gd name="adj1" fmla="val -103187"/>
+              <a:gd name="adj2" fmla="val 147061"/>
             </a:avLst>
           </a:prstGeom>
           <a:noFill/>
+          <a:ln w="38100">
+            <a:solidFill>
+              <a:schemeClr val="accent2"/>
+            </a:solidFill>
+          </a:ln>
         </p:spPr>
         <p:style>
           <a:lnRef idx="2">
@@ -4730,20 +5070,1191 @@
               </a:rPr>
               <a:t>hace</a:t>
             </a:r>
+            <a:r>
+              <a:rPr lang="en-US" dirty="0">
+                <a:solidFill>
+                  <a:schemeClr val="tx1"/>
+                </a:solidFill>
+              </a:rPr>
+              <a:t> (</a:t>
+            </a:r>
+            <a:r>
+              <a:rPr lang="en-US" dirty="0" err="1">
+                <a:solidFill>
+                  <a:schemeClr val="tx1"/>
+                </a:solidFill>
+              </a:rPr>
+              <a:t>comienza</a:t>
+            </a:r>
+            <a:r>
+              <a:rPr lang="en-US" dirty="0">
+                <a:solidFill>
+                  <a:schemeClr val="tx1"/>
+                </a:solidFill>
+              </a:rPr>
+              <a:t> con verbo </a:t>
+            </a:r>
+            <a:r>
+              <a:rPr lang="en-US" dirty="0" err="1">
+                <a:solidFill>
+                  <a:schemeClr val="tx1"/>
+                </a:solidFill>
+              </a:rPr>
+              <a:t>en</a:t>
+            </a:r>
+            <a:r>
+              <a:rPr lang="en-US" dirty="0">
+                <a:solidFill>
+                  <a:schemeClr val="tx1"/>
+                </a:solidFill>
+              </a:rPr>
+              <a:t> </a:t>
+            </a:r>
+            <a:r>
+              <a:rPr lang="en-US" dirty="0" err="1">
+                <a:solidFill>
+                  <a:schemeClr val="tx1"/>
+                </a:solidFill>
+              </a:rPr>
+              <a:t>infinitivo</a:t>
+            </a:r>
+            <a:r>
+              <a:rPr lang="en-US" dirty="0">
+                <a:solidFill>
+                  <a:schemeClr val="tx1"/>
+                </a:solidFill>
+              </a:rPr>
+              <a:t>)</a:t>
+            </a:r>
+          </a:p>
+        </p:txBody>
+      </p:sp>
+      <p:sp>
+        <p:nvSpPr>
+          <p:cNvPr id="7" name="CuadroTexto 6">
+            <a:extLst>
+              <a:ext uri="{FF2B5EF4-FFF2-40B4-BE49-F238E27FC236}">
+                <a16:creationId xmlns:a16="http://schemas.microsoft.com/office/drawing/2014/main" id="{7908272A-2432-47D6-886B-5BDBC956FB4C}"/>
+              </a:ext>
+            </a:extLst>
+          </p:cNvPr>
+          <p:cNvSpPr txBox="1"/>
+          <p:nvPr/>
+        </p:nvSpPr>
+        <p:spPr>
+          <a:xfrm>
+            <a:off x="9601200" y="4234593"/>
+            <a:ext cx="3527697" cy="2585323"/>
+          </a:xfrm>
+          <a:prstGeom prst="rect">
+            <a:avLst/>
+          </a:prstGeom>
+        </p:spPr>
+        <p:style>
+          <a:lnRef idx="3">
+            <a:schemeClr val="lt1"/>
+          </a:lnRef>
+          <a:fillRef idx="1">
+            <a:schemeClr val="accent3"/>
+          </a:fillRef>
+          <a:effectRef idx="1">
+            <a:schemeClr val="accent3"/>
+          </a:effectRef>
+          <a:fontRef idx="minor">
+            <a:schemeClr val="lt1"/>
+          </a:fontRef>
+        </p:style>
+        <p:txBody>
+          <a:bodyPr wrap="square" rtlCol="0">
+            <a:spAutoFit/>
+          </a:bodyPr>
+          <a:lstStyle/>
+          <a:p>
+            <a:pPr algn="ctr"/>
+            <a:r>
+              <a:rPr lang="en-US" dirty="0" err="1">
+                <a:solidFill>
+                  <a:schemeClr val="bg1"/>
+                </a:solidFill>
+              </a:rPr>
+              <a:t>En</a:t>
+            </a:r>
+            <a:r>
+              <a:rPr lang="en-US" dirty="0">
+                <a:solidFill>
+                  <a:schemeClr val="bg1"/>
+                </a:solidFill>
+              </a:rPr>
+              <a:t> una </a:t>
+            </a:r>
+            <a:r>
+              <a:rPr lang="en-US" dirty="0" err="1">
+                <a:solidFill>
+                  <a:schemeClr val="bg1"/>
+                </a:solidFill>
+              </a:rPr>
+              <a:t>función</a:t>
+            </a:r>
+            <a:r>
+              <a:rPr lang="en-US" dirty="0">
+                <a:solidFill>
+                  <a:schemeClr val="bg1"/>
+                </a:solidFill>
+              </a:rPr>
+              <a:t> </a:t>
+            </a:r>
+            <a:r>
+              <a:rPr lang="en-US" dirty="0" err="1">
+                <a:solidFill>
+                  <a:schemeClr val="bg1"/>
+                </a:solidFill>
+              </a:rPr>
+              <a:t>retorna</a:t>
+            </a:r>
+            <a:r>
+              <a:rPr lang="en-US" dirty="0">
+                <a:solidFill>
+                  <a:schemeClr val="bg1"/>
+                </a:solidFill>
+              </a:rPr>
+              <a:t> un valor del </a:t>
+            </a:r>
+            <a:r>
+              <a:rPr lang="en-US" dirty="0" err="1">
+                <a:solidFill>
+                  <a:schemeClr val="bg1"/>
+                </a:solidFill>
+              </a:rPr>
+              <a:t>mismo</a:t>
+            </a:r>
+            <a:r>
+              <a:rPr lang="en-US" dirty="0">
+                <a:solidFill>
+                  <a:schemeClr val="bg1"/>
+                </a:solidFill>
+              </a:rPr>
+              <a:t> </a:t>
+            </a:r>
+            <a:r>
+              <a:rPr lang="en-US" dirty="0" err="1">
+                <a:solidFill>
+                  <a:schemeClr val="bg1"/>
+                </a:solidFill>
+              </a:rPr>
+              <a:t>tipo</a:t>
+            </a:r>
+            <a:r>
+              <a:rPr lang="en-US" dirty="0">
+                <a:solidFill>
+                  <a:schemeClr val="bg1"/>
+                </a:solidFill>
+              </a:rPr>
+              <a:t> de la </a:t>
+            </a:r>
+            <a:r>
+              <a:rPr lang="en-US" dirty="0" err="1">
+                <a:solidFill>
+                  <a:schemeClr val="bg1"/>
+                </a:solidFill>
+              </a:rPr>
+              <a:t>función</a:t>
+            </a:r>
+            <a:r>
+              <a:rPr lang="en-US" dirty="0">
+                <a:solidFill>
+                  <a:schemeClr val="bg1"/>
+                </a:solidFill>
+              </a:rPr>
+              <a:t>.</a:t>
+            </a:r>
+          </a:p>
+          <a:p>
+            <a:pPr algn="ctr"/>
+            <a:endParaRPr lang="en-US" dirty="0">
+              <a:solidFill>
+                <a:schemeClr val="bg1"/>
+              </a:solidFill>
+            </a:endParaRPr>
+          </a:p>
+          <a:p>
+            <a:pPr algn="ctr"/>
+            <a:r>
+              <a:rPr lang="en-US" dirty="0">
+                <a:solidFill>
+                  <a:schemeClr val="bg1"/>
+                </a:solidFill>
+              </a:rPr>
+              <a:t>Debe </a:t>
+            </a:r>
+            <a:r>
+              <a:rPr lang="en-US" dirty="0" err="1">
+                <a:solidFill>
+                  <a:schemeClr val="bg1"/>
+                </a:solidFill>
+              </a:rPr>
+              <a:t>retornar</a:t>
+            </a:r>
+            <a:r>
+              <a:rPr lang="en-US" dirty="0">
+                <a:solidFill>
+                  <a:schemeClr val="bg1"/>
+                </a:solidFill>
+              </a:rPr>
+              <a:t> por ambos </a:t>
+            </a:r>
+            <a:r>
+              <a:rPr lang="en-US" dirty="0" err="1">
+                <a:solidFill>
+                  <a:schemeClr val="bg1"/>
+                </a:solidFill>
+              </a:rPr>
+              <a:t>bloques</a:t>
+            </a:r>
+            <a:r>
+              <a:rPr lang="en-US" dirty="0">
+                <a:solidFill>
+                  <a:schemeClr val="bg1"/>
+                </a:solidFill>
+              </a:rPr>
+              <a:t> del control de </a:t>
+            </a:r>
+            <a:r>
+              <a:rPr lang="en-US" dirty="0" err="1">
+                <a:solidFill>
+                  <a:schemeClr val="bg1"/>
+                </a:solidFill>
+              </a:rPr>
+              <a:t>errores</a:t>
+            </a:r>
+            <a:endParaRPr lang="en-US" dirty="0">
+              <a:solidFill>
+                <a:schemeClr val="bg1"/>
+              </a:solidFill>
+            </a:endParaRPr>
+          </a:p>
+          <a:p>
+            <a:pPr algn="ctr"/>
+            <a:endParaRPr lang="en-US" dirty="0">
+              <a:solidFill>
+                <a:schemeClr val="bg1"/>
+              </a:solidFill>
+            </a:endParaRPr>
+          </a:p>
+          <a:p>
+            <a:pPr algn="ctr"/>
+            <a:r>
+              <a:rPr lang="en-US" dirty="0">
+                <a:solidFill>
+                  <a:schemeClr val="bg1"/>
+                </a:solidFill>
+              </a:rPr>
+              <a:t>Las </a:t>
+            </a:r>
+            <a:r>
+              <a:rPr lang="en-US" dirty="0" err="1">
+                <a:solidFill>
+                  <a:schemeClr val="bg1"/>
+                </a:solidFill>
+              </a:rPr>
+              <a:t>instrucciones</a:t>
+            </a:r>
+            <a:r>
+              <a:rPr lang="en-US" dirty="0">
+                <a:solidFill>
+                  <a:schemeClr val="bg1"/>
+                </a:solidFill>
+              </a:rPr>
+              <a:t> que van </a:t>
+            </a:r>
+            <a:r>
+              <a:rPr lang="en-US" dirty="0" err="1">
+                <a:solidFill>
+                  <a:schemeClr val="bg1"/>
+                </a:solidFill>
+              </a:rPr>
+              <a:t>luego</a:t>
+            </a:r>
+            <a:r>
+              <a:rPr lang="en-US" dirty="0">
+                <a:solidFill>
+                  <a:schemeClr val="bg1"/>
+                </a:solidFill>
+              </a:rPr>
+              <a:t> de un return, no se </a:t>
+            </a:r>
+            <a:r>
+              <a:rPr lang="en-US" dirty="0" err="1">
+                <a:solidFill>
+                  <a:schemeClr val="bg1"/>
+                </a:solidFill>
+              </a:rPr>
+              <a:t>ejecutan</a:t>
+            </a:r>
             <a:endParaRPr lang="es-CO" dirty="0">
               <a:solidFill>
-                <a:schemeClr val="tx1"/>
+                <a:schemeClr val="bg1"/>
               </a:solidFill>
             </a:endParaRPr>
           </a:p>
-        </p:txBody>
-      </p:sp>
-      <p:sp>
-        <p:nvSpPr>
-          <p:cNvPr id="10" name="Bocadillo: rectángulo 9">
+          <a:p>
+            <a:endParaRPr lang="es-CO" dirty="0"/>
+          </a:p>
+        </p:txBody>
+      </p:sp>
+      <p:cxnSp>
+        <p:nvCxnSpPr>
+          <p:cNvPr id="12" name="Conector recto de flecha 11">
             <a:extLst>
               <a:ext uri="{FF2B5EF4-FFF2-40B4-BE49-F238E27FC236}">
-                <a16:creationId xmlns:a16="http://schemas.microsoft.com/office/drawing/2014/main" id="{D9398874-116D-406D-815F-997675AC34F4}"/>
+                <a16:creationId xmlns:a16="http://schemas.microsoft.com/office/drawing/2014/main" id="{8AB42BDF-C322-4436-AAA6-5F22EC708CE3}"/>
+              </a:ext>
+            </a:extLst>
+          </p:cNvPr>
+          <p:cNvCxnSpPr>
+            <a:cxnSpLocks/>
+          </p:cNvCxnSpPr>
+          <p:nvPr/>
+        </p:nvCxnSpPr>
+        <p:spPr>
+          <a:xfrm flipH="1" flipV="1">
+            <a:off x="7302137" y="4715691"/>
+            <a:ext cx="2299064" cy="522514"/>
+          </a:xfrm>
+          <a:prstGeom prst="straightConnector1">
+            <a:avLst/>
+          </a:prstGeom>
+          <a:ln>
+            <a:tailEnd type="triangle"/>
+          </a:ln>
+        </p:spPr>
+        <p:style>
+          <a:lnRef idx="1">
+            <a:schemeClr val="accent1"/>
+          </a:lnRef>
+          <a:fillRef idx="0">
+            <a:schemeClr val="accent1"/>
+          </a:fillRef>
+          <a:effectRef idx="0">
+            <a:schemeClr val="accent1"/>
+          </a:effectRef>
+          <a:fontRef idx="minor">
+            <a:schemeClr val="tx1"/>
+          </a:fontRef>
+        </p:style>
+      </p:cxnSp>
+      <p:cxnSp>
+        <p:nvCxnSpPr>
+          <p:cNvPr id="15" name="Conector recto de flecha 14">
+            <a:extLst>
+              <a:ext uri="{FF2B5EF4-FFF2-40B4-BE49-F238E27FC236}">
+                <a16:creationId xmlns:a16="http://schemas.microsoft.com/office/drawing/2014/main" id="{F3B9460D-4D06-4E76-8541-428B41D35EEC}"/>
+              </a:ext>
+            </a:extLst>
+          </p:cNvPr>
+          <p:cNvCxnSpPr>
+            <a:cxnSpLocks/>
+          </p:cNvCxnSpPr>
+          <p:nvPr/>
+        </p:nvCxnSpPr>
+        <p:spPr>
+          <a:xfrm flipH="1">
+            <a:off x="7302137" y="5394960"/>
+            <a:ext cx="2299062" cy="783771"/>
+          </a:xfrm>
+          <a:prstGeom prst="straightConnector1">
+            <a:avLst/>
+          </a:prstGeom>
+          <a:ln>
+            <a:tailEnd type="triangle"/>
+          </a:ln>
+        </p:spPr>
+        <p:style>
+          <a:lnRef idx="1">
+            <a:schemeClr val="accent1"/>
+          </a:lnRef>
+          <a:fillRef idx="0">
+            <a:schemeClr val="accent1"/>
+          </a:fillRef>
+          <a:effectRef idx="0">
+            <a:schemeClr val="accent1"/>
+          </a:effectRef>
+          <a:fontRef idx="minor">
+            <a:schemeClr val="tx1"/>
+          </a:fontRef>
+        </p:style>
+      </p:cxnSp>
+    </p:spTree>
+    <p:extLst>
+      <p:ext uri="{BB962C8B-B14F-4D97-AF65-F5344CB8AC3E}">
+        <p14:creationId xmlns:p14="http://schemas.microsoft.com/office/powerpoint/2010/main" val="3794522921"/>
+      </p:ext>
+    </p:extLst>
+  </p:cSld>
+  <p:clrMapOvr>
+    <a:masterClrMapping/>
+  </p:clrMapOvr>
+</p:sld>
+</file>
+
+<file path=ppt/slides/slide11.xml><?xml version="1.0" encoding="utf-8"?>
+<p:sld xmlns:a="http://schemas.openxmlformats.org/drawingml/2006/main" xmlns:r="http://schemas.openxmlformats.org/officeDocument/2006/relationships" xmlns:p="http://schemas.openxmlformats.org/presentationml/2006/main">
+  <p:cSld>
+    <p:spTree>
+      <p:nvGrpSpPr>
+        <p:cNvPr id="1" name=""/>
+        <p:cNvGrpSpPr/>
+        <p:nvPr/>
+      </p:nvGrpSpPr>
+      <p:grpSpPr>
+        <a:xfrm>
+          <a:off x="0" y="0"/>
+          <a:ext cx="0" cy="0"/>
+          <a:chOff x="0" y="0"/>
+          <a:chExt cx="0" cy="0"/>
+        </a:xfrm>
+      </p:grpSpPr>
+      <p:sp>
+        <p:nvSpPr>
+          <p:cNvPr id="2" name="Título 1">
+            <a:extLst>
+              <a:ext uri="{FF2B5EF4-FFF2-40B4-BE49-F238E27FC236}">
+                <a16:creationId xmlns:a16="http://schemas.microsoft.com/office/drawing/2014/main" id="{2C5C3021-36BB-4F4D-A4B1-10E2987AE81B}"/>
+              </a:ext>
+            </a:extLst>
+          </p:cNvPr>
+          <p:cNvSpPr>
+            <a:spLocks noGrp="1"/>
+          </p:cNvSpPr>
+          <p:nvPr>
+            <p:ph type="title"/>
+          </p:nvPr>
+        </p:nvSpPr>
+        <p:spPr/>
+        <p:txBody>
+          <a:bodyPr/>
+          <a:lstStyle/>
+          <a:p>
+            <a:r>
+              <a:rPr lang="es-ES" dirty="0"/>
+              <a:t>Ejemplos Definiciones</a:t>
+            </a:r>
+            <a:endParaRPr lang="es-CO" dirty="0"/>
+          </a:p>
+        </p:txBody>
+      </p:sp>
+      <p:sp>
+        <p:nvSpPr>
+          <p:cNvPr id="5" name="CuadroTexto 4">
+            <a:extLst>
+              <a:ext uri="{FF2B5EF4-FFF2-40B4-BE49-F238E27FC236}">
+                <a16:creationId xmlns:a16="http://schemas.microsoft.com/office/drawing/2014/main" id="{EB58747B-A0A4-4D28-8C08-DBAC551BFEB2}"/>
+              </a:ext>
+            </a:extLst>
+          </p:cNvPr>
+          <p:cNvSpPr txBox="1"/>
+          <p:nvPr/>
+        </p:nvSpPr>
+        <p:spPr>
+          <a:xfrm>
+            <a:off x="682905" y="2309654"/>
+            <a:ext cx="11725155" cy="646331"/>
+          </a:xfrm>
+          <a:prstGeom prst="rect">
+            <a:avLst/>
+          </a:prstGeom>
+          <a:noFill/>
+        </p:spPr>
+        <p:txBody>
+          <a:bodyPr wrap="square">
+            <a:spAutoFit/>
+          </a:bodyPr>
+          <a:lstStyle/>
+          <a:p>
+            <a:r>
+              <a:rPr lang="es-ES" b="0" dirty="0">
+                <a:solidFill>
+                  <a:srgbClr val="6A9955"/>
+                </a:solidFill>
+                <a:effectLst/>
+              </a:rPr>
+              <a:t>1. Define la función </a:t>
+            </a:r>
+            <a:r>
+              <a:rPr lang="es-ES" b="0" dirty="0" err="1">
+                <a:solidFill>
+                  <a:srgbClr val="6A9955"/>
+                </a:solidFill>
+                <a:effectLst/>
+              </a:rPr>
+              <a:t>Convertir_min_sec</a:t>
+            </a:r>
+            <a:r>
+              <a:rPr lang="es-ES" b="0" dirty="0">
+                <a:solidFill>
+                  <a:srgbClr val="6A9955"/>
+                </a:solidFill>
+                <a:effectLst/>
+              </a:rPr>
+              <a:t> que recibe un número entero en minutos y devuelve en entero, los segundos equivalentes. </a:t>
+            </a:r>
+          </a:p>
+        </p:txBody>
+      </p:sp>
+      <p:sp>
+        <p:nvSpPr>
+          <p:cNvPr id="7" name="CuadroTexto 6">
+            <a:extLst>
+              <a:ext uri="{FF2B5EF4-FFF2-40B4-BE49-F238E27FC236}">
+                <a16:creationId xmlns:a16="http://schemas.microsoft.com/office/drawing/2014/main" id="{DDDB331B-A30D-4302-AC12-5F4C2ED4E72C}"/>
+              </a:ext>
+            </a:extLst>
+          </p:cNvPr>
+          <p:cNvSpPr txBox="1"/>
+          <p:nvPr/>
+        </p:nvSpPr>
+        <p:spPr>
+          <a:xfrm>
+            <a:off x="682905" y="3659716"/>
+            <a:ext cx="11917680" cy="369332"/>
+          </a:xfrm>
+          <a:prstGeom prst="rect">
+            <a:avLst/>
+          </a:prstGeom>
+          <a:noFill/>
+        </p:spPr>
+        <p:txBody>
+          <a:bodyPr wrap="square">
+            <a:spAutoFit/>
+          </a:bodyPr>
+          <a:lstStyle>
+            <a:defPPr>
+              <a:defRPr lang="en-US"/>
+            </a:defPPr>
+            <a:lvl1pPr>
+              <a:defRPr b="0">
+                <a:solidFill>
+                  <a:srgbClr val="6A9955"/>
+                </a:solidFill>
+                <a:effectLst/>
+              </a:defRPr>
+            </a:lvl1pPr>
+          </a:lstStyle>
+          <a:p>
+            <a:r>
+              <a:rPr lang="es-ES" dirty="0"/>
+              <a:t>2. Define la función </a:t>
+            </a:r>
+            <a:r>
+              <a:rPr lang="es-ES" dirty="0" err="1"/>
+              <a:t>Validar_iguales</a:t>
+            </a:r>
+            <a:r>
+              <a:rPr lang="es-ES" dirty="0"/>
+              <a:t> que recibe dos números shorts  y devuelve un booleano</a:t>
+            </a:r>
+          </a:p>
+        </p:txBody>
+      </p:sp>
+      <p:sp>
+        <p:nvSpPr>
+          <p:cNvPr id="9" name="CuadroTexto 8">
+            <a:extLst>
+              <a:ext uri="{FF2B5EF4-FFF2-40B4-BE49-F238E27FC236}">
+                <a16:creationId xmlns:a16="http://schemas.microsoft.com/office/drawing/2014/main" id="{575F2964-7A12-496B-823A-518678AFAEE3}"/>
+              </a:ext>
+            </a:extLst>
+          </p:cNvPr>
+          <p:cNvSpPr txBox="1"/>
+          <p:nvPr/>
+        </p:nvSpPr>
+        <p:spPr>
+          <a:xfrm>
+            <a:off x="682905" y="5126319"/>
+            <a:ext cx="11917680" cy="646331"/>
+          </a:xfrm>
+          <a:prstGeom prst="rect">
+            <a:avLst/>
+          </a:prstGeom>
+          <a:noFill/>
+        </p:spPr>
+        <p:txBody>
+          <a:bodyPr wrap="square">
+            <a:spAutoFit/>
+          </a:bodyPr>
+          <a:lstStyle>
+            <a:defPPr>
+              <a:defRPr lang="en-US"/>
+            </a:defPPr>
+            <a:lvl1pPr>
+              <a:defRPr b="0">
+                <a:solidFill>
+                  <a:srgbClr val="6A9955"/>
+                </a:solidFill>
+                <a:effectLst/>
+              </a:defRPr>
+            </a:lvl1pPr>
+          </a:lstStyle>
+          <a:p>
+            <a:r>
+              <a:rPr lang="es-ES" dirty="0"/>
+              <a:t>3. Define la función </a:t>
+            </a:r>
+            <a:r>
+              <a:rPr lang="es-ES" dirty="0" err="1"/>
+              <a:t>Calcular_potencia</a:t>
+            </a:r>
+            <a:r>
+              <a:rPr lang="es-ES" dirty="0"/>
+              <a:t> que recibe en un short el voltaje y en un byte, la corriente. Devuelve la potencia en un </a:t>
+            </a:r>
+            <a:r>
+              <a:rPr lang="es-ES" dirty="0" err="1"/>
+              <a:t>float</a:t>
+            </a:r>
+            <a:r>
+              <a:rPr lang="es-ES" dirty="0"/>
+              <a:t>. </a:t>
+            </a:r>
+          </a:p>
+        </p:txBody>
+      </p:sp>
+      <p:sp>
+        <p:nvSpPr>
+          <p:cNvPr id="11" name="CuadroTexto 10">
+            <a:extLst>
+              <a:ext uri="{FF2B5EF4-FFF2-40B4-BE49-F238E27FC236}">
+                <a16:creationId xmlns:a16="http://schemas.microsoft.com/office/drawing/2014/main" id="{11C2F71C-C6B6-4AA2-9580-593FB99EE62A}"/>
+              </a:ext>
+            </a:extLst>
+          </p:cNvPr>
+          <p:cNvSpPr txBox="1"/>
+          <p:nvPr/>
+        </p:nvSpPr>
+        <p:spPr>
+          <a:xfrm>
+            <a:off x="2725839" y="2955985"/>
+            <a:ext cx="6910086" cy="461665"/>
+          </a:xfrm>
+          <a:prstGeom prst="rect">
+            <a:avLst/>
+          </a:prstGeom>
+          <a:noFill/>
+        </p:spPr>
+        <p:txBody>
+          <a:bodyPr wrap="square">
+            <a:spAutoFit/>
+          </a:bodyPr>
+          <a:lstStyle/>
+          <a:p>
+            <a:r>
+              <a:rPr lang="es-CO" sz="2400" b="1" dirty="0" err="1">
+                <a:solidFill>
+                  <a:schemeClr val="accent2"/>
+                </a:solidFill>
+              </a:rPr>
+              <a:t>public</a:t>
+            </a:r>
+            <a:r>
+              <a:rPr lang="es-CO" sz="2400" b="1" dirty="0">
+                <a:solidFill>
+                  <a:schemeClr val="accent2"/>
+                </a:solidFill>
+              </a:rPr>
+              <a:t> </a:t>
+            </a:r>
+            <a:r>
+              <a:rPr lang="es-CO" sz="2400" b="1" dirty="0" err="1">
+                <a:solidFill>
+                  <a:schemeClr val="accent2"/>
+                </a:solidFill>
+              </a:rPr>
+              <a:t>static</a:t>
+            </a:r>
+            <a:r>
+              <a:rPr lang="es-CO" sz="2400" b="1" dirty="0">
+                <a:solidFill>
+                  <a:schemeClr val="accent2"/>
+                </a:solidFill>
+              </a:rPr>
+              <a:t> </a:t>
+            </a:r>
+            <a:r>
+              <a:rPr lang="es-CO" sz="2400" b="1" dirty="0" err="1">
+                <a:solidFill>
+                  <a:schemeClr val="accent2"/>
+                </a:solidFill>
+              </a:rPr>
+              <a:t>int</a:t>
+            </a:r>
+            <a:r>
+              <a:rPr lang="es-CO" sz="2400" b="1" dirty="0">
+                <a:solidFill>
+                  <a:schemeClr val="accent2"/>
+                </a:solidFill>
+              </a:rPr>
+              <a:t> </a:t>
+            </a:r>
+            <a:r>
+              <a:rPr lang="es-CO" sz="2400" b="1" dirty="0" err="1">
+                <a:solidFill>
+                  <a:schemeClr val="accent2"/>
+                </a:solidFill>
+              </a:rPr>
+              <a:t>Convertir_min_sec</a:t>
+            </a:r>
+            <a:r>
+              <a:rPr lang="es-CO" sz="2400" b="1" dirty="0">
+                <a:solidFill>
+                  <a:schemeClr val="accent2"/>
+                </a:solidFill>
+              </a:rPr>
+              <a:t>(</a:t>
+            </a:r>
+            <a:r>
+              <a:rPr lang="es-CO" sz="2400" b="1" dirty="0" err="1">
+                <a:solidFill>
+                  <a:schemeClr val="accent2"/>
+                </a:solidFill>
+              </a:rPr>
+              <a:t>int</a:t>
+            </a:r>
+            <a:r>
+              <a:rPr lang="es-CO" sz="2400" b="1" dirty="0">
+                <a:solidFill>
+                  <a:schemeClr val="accent2"/>
+                </a:solidFill>
+              </a:rPr>
+              <a:t> minutos)</a:t>
+            </a:r>
+          </a:p>
+        </p:txBody>
+      </p:sp>
+      <p:sp>
+        <p:nvSpPr>
+          <p:cNvPr id="13" name="CuadroTexto 12">
+            <a:extLst>
+              <a:ext uri="{FF2B5EF4-FFF2-40B4-BE49-F238E27FC236}">
+                <a16:creationId xmlns:a16="http://schemas.microsoft.com/office/drawing/2014/main" id="{C3825CF4-3C6D-40ED-93B9-91B6928195B6}"/>
+              </a:ext>
+            </a:extLst>
+          </p:cNvPr>
+          <p:cNvSpPr txBox="1"/>
+          <p:nvPr/>
+        </p:nvSpPr>
+        <p:spPr>
+          <a:xfrm>
+            <a:off x="2341621" y="4286205"/>
+            <a:ext cx="8407721" cy="461665"/>
+          </a:xfrm>
+          <a:prstGeom prst="rect">
+            <a:avLst/>
+          </a:prstGeom>
+          <a:noFill/>
+        </p:spPr>
+        <p:txBody>
+          <a:bodyPr wrap="square">
+            <a:spAutoFit/>
+          </a:bodyPr>
+          <a:lstStyle>
+            <a:defPPr>
+              <a:defRPr lang="en-US"/>
+            </a:defPPr>
+            <a:lvl1pPr>
+              <a:defRPr sz="2400" b="1"/>
+            </a:lvl1pPr>
+          </a:lstStyle>
+          <a:p>
+            <a:r>
+              <a:rPr lang="es-CO" dirty="0">
+                <a:solidFill>
+                  <a:schemeClr val="accent2"/>
+                </a:solidFill>
+              </a:rPr>
+              <a:t> </a:t>
+            </a:r>
+            <a:r>
+              <a:rPr lang="es-CO" dirty="0" err="1">
+                <a:solidFill>
+                  <a:schemeClr val="accent2"/>
+                </a:solidFill>
+              </a:rPr>
+              <a:t>public</a:t>
+            </a:r>
+            <a:r>
+              <a:rPr lang="es-CO" dirty="0">
+                <a:solidFill>
+                  <a:schemeClr val="accent2"/>
+                </a:solidFill>
+              </a:rPr>
+              <a:t> </a:t>
+            </a:r>
+            <a:r>
+              <a:rPr lang="es-CO" dirty="0" err="1">
+                <a:solidFill>
+                  <a:schemeClr val="accent2"/>
+                </a:solidFill>
+              </a:rPr>
+              <a:t>static</a:t>
+            </a:r>
+            <a:r>
+              <a:rPr lang="es-CO" dirty="0">
+                <a:solidFill>
+                  <a:schemeClr val="accent2"/>
+                </a:solidFill>
+              </a:rPr>
+              <a:t> </a:t>
+            </a:r>
+            <a:r>
+              <a:rPr lang="es-CO" dirty="0" err="1">
+                <a:solidFill>
+                  <a:schemeClr val="accent2"/>
+                </a:solidFill>
+              </a:rPr>
+              <a:t>boolean</a:t>
+            </a:r>
+            <a:r>
+              <a:rPr lang="es-CO" dirty="0">
+                <a:solidFill>
+                  <a:schemeClr val="accent2"/>
+                </a:solidFill>
+              </a:rPr>
+              <a:t> </a:t>
+            </a:r>
+            <a:r>
+              <a:rPr lang="es-CO" dirty="0" err="1">
+                <a:solidFill>
+                  <a:schemeClr val="accent2"/>
+                </a:solidFill>
+              </a:rPr>
+              <a:t>Validar_iguales</a:t>
+            </a:r>
+            <a:r>
+              <a:rPr lang="es-CO" dirty="0">
+                <a:solidFill>
+                  <a:schemeClr val="accent2"/>
+                </a:solidFill>
+              </a:rPr>
+              <a:t>(byte nro1, byte nro2)</a:t>
+            </a:r>
+          </a:p>
+        </p:txBody>
+      </p:sp>
+      <p:sp>
+        <p:nvSpPr>
+          <p:cNvPr id="15" name="CuadroTexto 14">
+            <a:extLst>
+              <a:ext uri="{FF2B5EF4-FFF2-40B4-BE49-F238E27FC236}">
+                <a16:creationId xmlns:a16="http://schemas.microsoft.com/office/drawing/2014/main" id="{7D6152DE-3307-45B2-ACAA-46BC19CFA1B6}"/>
+              </a:ext>
+            </a:extLst>
+          </p:cNvPr>
+          <p:cNvSpPr txBox="1"/>
+          <p:nvPr/>
+        </p:nvSpPr>
+        <p:spPr>
+          <a:xfrm>
+            <a:off x="2280213" y="6029807"/>
+            <a:ext cx="8918293" cy="461665"/>
+          </a:xfrm>
+          <a:prstGeom prst="rect">
+            <a:avLst/>
+          </a:prstGeom>
+          <a:noFill/>
+        </p:spPr>
+        <p:txBody>
+          <a:bodyPr wrap="square">
+            <a:spAutoFit/>
+          </a:bodyPr>
+          <a:lstStyle>
+            <a:defPPr>
+              <a:defRPr lang="en-US"/>
+            </a:defPPr>
+            <a:lvl1pPr>
+              <a:defRPr sz="2400" b="1"/>
+            </a:lvl1pPr>
+          </a:lstStyle>
+          <a:p>
+            <a:r>
+              <a:rPr lang="es-CO" dirty="0">
+                <a:solidFill>
+                  <a:schemeClr val="accent2"/>
+                </a:solidFill>
+              </a:rPr>
+              <a:t> </a:t>
+            </a:r>
+            <a:r>
+              <a:rPr lang="es-CO" dirty="0" err="1">
+                <a:solidFill>
+                  <a:schemeClr val="accent2"/>
+                </a:solidFill>
+              </a:rPr>
+              <a:t>public</a:t>
+            </a:r>
+            <a:r>
+              <a:rPr lang="es-CO" dirty="0">
+                <a:solidFill>
+                  <a:schemeClr val="accent2"/>
+                </a:solidFill>
+              </a:rPr>
+              <a:t> </a:t>
+            </a:r>
+            <a:r>
+              <a:rPr lang="es-CO" dirty="0" err="1">
+                <a:solidFill>
+                  <a:schemeClr val="accent2"/>
+                </a:solidFill>
+              </a:rPr>
+              <a:t>static</a:t>
+            </a:r>
+            <a:r>
+              <a:rPr lang="es-CO" dirty="0">
+                <a:solidFill>
+                  <a:schemeClr val="accent2"/>
+                </a:solidFill>
+              </a:rPr>
+              <a:t> </a:t>
+            </a:r>
+            <a:r>
+              <a:rPr lang="es-CO" dirty="0" err="1">
+                <a:solidFill>
+                  <a:schemeClr val="accent2"/>
+                </a:solidFill>
+              </a:rPr>
+              <a:t>float</a:t>
+            </a:r>
+            <a:r>
+              <a:rPr lang="es-CO" dirty="0">
+                <a:solidFill>
+                  <a:schemeClr val="accent2"/>
+                </a:solidFill>
+              </a:rPr>
+              <a:t> </a:t>
+            </a:r>
+            <a:r>
+              <a:rPr lang="es-CO" dirty="0" err="1">
+                <a:solidFill>
+                  <a:schemeClr val="accent2"/>
+                </a:solidFill>
+              </a:rPr>
+              <a:t>Calcular_potencia</a:t>
+            </a:r>
+            <a:r>
+              <a:rPr lang="es-CO" dirty="0">
+                <a:solidFill>
+                  <a:schemeClr val="accent2"/>
+                </a:solidFill>
+              </a:rPr>
+              <a:t>(short voltaje, byte corriente)</a:t>
+            </a:r>
+          </a:p>
+        </p:txBody>
+      </p:sp>
+    </p:spTree>
+    <p:extLst>
+      <p:ext uri="{BB962C8B-B14F-4D97-AF65-F5344CB8AC3E}">
+        <p14:creationId xmlns:p14="http://schemas.microsoft.com/office/powerpoint/2010/main" val="1374845394"/>
+      </p:ext>
+    </p:extLst>
+  </p:cSld>
+  <p:clrMapOvr>
+    <a:masterClrMapping/>
+  </p:clrMapOvr>
+  <p:timing>
+    <p:tnLst>
+      <p:par>
+        <p:cTn id="1" dur="indefinite" restart="never" nodeType="tmRoot">
+          <p:childTnLst>
+            <p:seq concurrent="1" nextAc="seek">
+              <p:cTn id="2" dur="indefinite" nodeType="mainSeq">
+                <p:childTnLst>
+                  <p:par>
+                    <p:cTn id="3" fill="hold">
+                      <p:stCondLst>
+                        <p:cond delay="indefinite"/>
+                      </p:stCondLst>
+                      <p:childTnLst>
+                        <p:par>
+                          <p:cTn id="4" fill="hold">
+                            <p:stCondLst>
+                              <p:cond delay="0"/>
+                            </p:stCondLst>
+                            <p:childTnLst>
+                              <p:par>
+                                <p:cTn id="5" presetID="1" presetClass="entr" presetSubtype="0" fill="hold" grpId="0" nodeType="clickEffect">
+                                  <p:stCondLst>
+                                    <p:cond delay="0"/>
+                                  </p:stCondLst>
+                                  <p:childTnLst>
+                                    <p:set>
+                                      <p:cBhvr>
+                                        <p:cTn id="6" dur="1" fill="hold">
+                                          <p:stCondLst>
+                                            <p:cond delay="0"/>
+                                          </p:stCondLst>
+                                        </p:cTn>
+                                        <p:tgtEl>
+                                          <p:spTgt spid="11"/>
+                                        </p:tgtEl>
+                                        <p:attrNameLst>
+                                          <p:attrName>style.visibility</p:attrName>
+                                        </p:attrNameLst>
+                                      </p:cBhvr>
+                                      <p:to>
+                                        <p:strVal val="visible"/>
+                                      </p:to>
+                                    </p:set>
+                                  </p:childTnLst>
+                                </p:cTn>
+                              </p:par>
+                            </p:childTnLst>
+                          </p:cTn>
+                        </p:par>
+                      </p:childTnLst>
+                    </p:cTn>
+                  </p:par>
+                  <p:par>
+                    <p:cTn id="7" fill="hold">
+                      <p:stCondLst>
+                        <p:cond delay="indefinite"/>
+                      </p:stCondLst>
+                      <p:childTnLst>
+                        <p:par>
+                          <p:cTn id="8" fill="hold">
+                            <p:stCondLst>
+                              <p:cond delay="0"/>
+                            </p:stCondLst>
+                            <p:childTnLst>
+                              <p:par>
+                                <p:cTn id="9" presetID="1" presetClass="entr" presetSubtype="0" fill="hold" grpId="0" nodeType="clickEffect">
+                                  <p:stCondLst>
+                                    <p:cond delay="0"/>
+                                  </p:stCondLst>
+                                  <p:childTnLst>
+                                    <p:set>
+                                      <p:cBhvr>
+                                        <p:cTn id="10" dur="1" fill="hold">
+                                          <p:stCondLst>
+                                            <p:cond delay="0"/>
+                                          </p:stCondLst>
+                                        </p:cTn>
+                                        <p:tgtEl>
+                                          <p:spTgt spid="13"/>
+                                        </p:tgtEl>
+                                        <p:attrNameLst>
+                                          <p:attrName>style.visibility</p:attrName>
+                                        </p:attrNameLst>
+                                      </p:cBhvr>
+                                      <p:to>
+                                        <p:strVal val="visible"/>
+                                      </p:to>
+                                    </p:set>
+                                  </p:childTnLst>
+                                </p:cTn>
+                              </p:par>
+                            </p:childTnLst>
+                          </p:cTn>
+                        </p:par>
+                      </p:childTnLst>
+                    </p:cTn>
+                  </p:par>
+                  <p:par>
+                    <p:cTn id="11" fill="hold">
+                      <p:stCondLst>
+                        <p:cond delay="indefinite"/>
+                      </p:stCondLst>
+                      <p:childTnLst>
+                        <p:par>
+                          <p:cTn id="12" fill="hold">
+                            <p:stCondLst>
+                              <p:cond delay="0"/>
+                            </p:stCondLst>
+                            <p:childTnLst>
+                              <p:par>
+                                <p:cTn id="13" presetID="1" presetClass="entr" presetSubtype="0" fill="hold" grpId="0" nodeType="clickEffect">
+                                  <p:stCondLst>
+                                    <p:cond delay="0"/>
+                                  </p:stCondLst>
+                                  <p:childTnLst>
+                                    <p:set>
+                                      <p:cBhvr>
+                                        <p:cTn id="14" dur="1" fill="hold">
+                                          <p:stCondLst>
+                                            <p:cond delay="0"/>
+                                          </p:stCondLst>
+                                        </p:cTn>
+                                        <p:tgtEl>
+                                          <p:spTgt spid="15"/>
+                                        </p:tgtEl>
+                                        <p:attrNameLst>
+                                          <p:attrName>style.visibility</p:attrName>
+                                        </p:attrNameLst>
+                                      </p:cBhvr>
+                                      <p:to>
+                                        <p:strVal val="visible"/>
+                                      </p:to>
+                                    </p:set>
+                                  </p:childTnLst>
+                                </p:cTn>
+                              </p:par>
+                            </p:childTnLst>
+                          </p:cTn>
+                        </p:par>
+                      </p:childTnLst>
+                    </p:cTn>
+                  </p:par>
+                </p:childTnLst>
+              </p:cTn>
+              <p:prevCondLst>
+                <p:cond evt="onPrev" delay="0">
+                  <p:tgtEl>
+                    <p:sldTgt/>
+                  </p:tgtEl>
+                </p:cond>
+              </p:prevCondLst>
+              <p:nextCondLst>
+                <p:cond evt="onNext" delay="0">
+                  <p:tgtEl>
+                    <p:sldTgt/>
+                  </p:tgtEl>
+                </p:cond>
+              </p:nextCondLst>
+            </p:seq>
+          </p:childTnLst>
+        </p:cTn>
+      </p:par>
+    </p:tnLst>
+    <p:bldLst>
+      <p:bldP spid="11" grpId="0"/>
+      <p:bldP spid="13" grpId="0"/>
+      <p:bldP spid="15" grpId="0"/>
+    </p:bldLst>
+  </p:timing>
+</p:sld>
+</file>
+
+<file path=ppt/slides/slide12.xml><?xml version="1.0" encoding="utf-8"?>
+<p:sld xmlns:a="http://schemas.openxmlformats.org/drawingml/2006/main" xmlns:r="http://schemas.openxmlformats.org/officeDocument/2006/relationships" xmlns:p="http://schemas.openxmlformats.org/presentationml/2006/main">
+  <p:cSld>
+    <p:spTree>
+      <p:nvGrpSpPr>
+        <p:cNvPr id="1" name=""/>
+        <p:cNvGrpSpPr/>
+        <p:nvPr/>
+      </p:nvGrpSpPr>
+      <p:grpSpPr>
+        <a:xfrm>
+          <a:off x="0" y="0"/>
+          <a:ext cx="0" cy="0"/>
+          <a:chOff x="0" y="0"/>
+          <a:chExt cx="0" cy="0"/>
+        </a:xfrm>
+      </p:grpSpPr>
+      <p:sp>
+        <p:nvSpPr>
+          <p:cNvPr id="5" name="Rectángulo 4">
+            <a:extLst>
+              <a:ext uri="{FF2B5EF4-FFF2-40B4-BE49-F238E27FC236}">
+                <a16:creationId xmlns:a16="http://schemas.microsoft.com/office/drawing/2014/main" id="{2E7EC907-EA33-4A08-A162-3CAE668B2808}"/>
               </a:ext>
             </a:extLst>
           </p:cNvPr>
@@ -4752,16 +6263,12 @@
         </p:nvSpPr>
         <p:spPr>
           <a:xfrm>
-            <a:off x="4811281" y="5580993"/>
-            <a:ext cx="7265105" cy="1198184"/>
-          </a:xfrm>
-          <a:prstGeom prst="wedgeRectCallout">
-            <a:avLst>
-              <a:gd name="adj1" fmla="val -63077"/>
-              <a:gd name="adj2" fmla="val -22922"/>
-            </a:avLst>
+            <a:off x="4166886" y="2093694"/>
+            <a:ext cx="7354388" cy="4950823"/>
+          </a:xfrm>
+          <a:prstGeom prst="rect">
+            <a:avLst/>
           </a:prstGeom>
-          <a:noFill/>
         </p:spPr>
         <p:style>
           <a:lnRef idx="2">
@@ -4780,262 +6287,252 @@
           </a:fontRef>
         </p:style>
         <p:txBody>
+          <a:bodyPr rtlCol="0" anchor="t"/>
+          <a:lstStyle/>
+          <a:p>
+            <a:pPr algn="ctr"/>
+            <a:r>
+              <a:rPr lang="es-ES" dirty="0"/>
+              <a:t>PROGRAMA</a:t>
+            </a:r>
+            <a:endParaRPr lang="es-CO" dirty="0"/>
+          </a:p>
+        </p:txBody>
+      </p:sp>
+      <p:sp>
+        <p:nvSpPr>
+          <p:cNvPr id="2" name="Título 1">
+            <a:extLst>
+              <a:ext uri="{FF2B5EF4-FFF2-40B4-BE49-F238E27FC236}">
+                <a16:creationId xmlns:a16="http://schemas.microsoft.com/office/drawing/2014/main" id="{8BA6D4EF-C7C2-427B-888C-A8030A09C4CE}"/>
+              </a:ext>
+            </a:extLst>
+          </p:cNvPr>
+          <p:cNvSpPr>
+            <a:spLocks noGrp="1"/>
+          </p:cNvSpPr>
+          <p:nvPr>
+            <p:ph type="title"/>
+          </p:nvPr>
+        </p:nvSpPr>
+        <p:spPr>
+          <a:xfrm>
+            <a:off x="949960" y="413810"/>
+            <a:ext cx="11917680" cy="825100"/>
+          </a:xfrm>
+        </p:spPr>
+        <p:txBody>
+          <a:bodyPr>
+            <a:normAutofit/>
+          </a:bodyPr>
+          <a:lstStyle/>
+          <a:p>
+            <a:r>
+              <a:rPr lang="es-ES" sz="4000" dirty="0"/>
+              <a:t>En qué lugar van en el programa?</a:t>
+            </a:r>
+            <a:endParaRPr lang="es-CO" sz="4000" dirty="0"/>
+          </a:p>
+        </p:txBody>
+      </p:sp>
+      <p:sp>
+        <p:nvSpPr>
+          <p:cNvPr id="4" name="Rectángulo 3">
+            <a:extLst>
+              <a:ext uri="{FF2B5EF4-FFF2-40B4-BE49-F238E27FC236}">
+                <a16:creationId xmlns:a16="http://schemas.microsoft.com/office/drawing/2014/main" id="{400BAF08-3D98-44A7-9B29-0C3C2AA77929}"/>
+              </a:ext>
+            </a:extLst>
+          </p:cNvPr>
+          <p:cNvSpPr/>
+          <p:nvPr/>
+        </p:nvSpPr>
+        <p:spPr>
+          <a:xfrm>
+            <a:off x="5035566" y="2738242"/>
+            <a:ext cx="5355772" cy="1201783"/>
+          </a:xfrm>
+          <a:prstGeom prst="rect">
+            <a:avLst/>
+          </a:prstGeom>
+        </p:spPr>
+        <p:style>
+          <a:lnRef idx="2">
+            <a:schemeClr val="accent6">
+              <a:shade val="50000"/>
+            </a:schemeClr>
+          </a:lnRef>
+          <a:fillRef idx="1">
+            <a:schemeClr val="accent6"/>
+          </a:fillRef>
+          <a:effectRef idx="0">
+            <a:schemeClr val="accent6"/>
+          </a:effectRef>
+          <a:fontRef idx="minor">
+            <a:schemeClr val="lt1"/>
+          </a:fontRef>
+        </p:style>
+        <p:txBody>
           <a:bodyPr rtlCol="0" anchor="ctr"/>
           <a:lstStyle/>
           <a:p>
             <a:pPr algn="ctr"/>
             <a:r>
-              <a:rPr lang="en-US" dirty="0" err="1">
-                <a:solidFill>
-                  <a:schemeClr val="tx1"/>
-                </a:solidFill>
-              </a:rPr>
-              <a:t>En</a:t>
-            </a:r>
-            <a:r>
-              <a:rPr lang="en-US" dirty="0">
-                <a:solidFill>
-                  <a:schemeClr val="tx1"/>
-                </a:solidFill>
-              </a:rPr>
-              <a:t> </a:t>
-            </a:r>
-            <a:r>
-              <a:rPr lang="en-US" dirty="0" err="1">
-                <a:solidFill>
-                  <a:schemeClr val="tx1"/>
-                </a:solidFill>
-              </a:rPr>
-              <a:t>una</a:t>
-            </a:r>
-            <a:r>
-              <a:rPr lang="en-US" dirty="0">
-                <a:solidFill>
-                  <a:schemeClr val="tx1"/>
-                </a:solidFill>
-              </a:rPr>
-              <a:t> </a:t>
-            </a:r>
-            <a:r>
-              <a:rPr lang="en-US" dirty="0" err="1">
-                <a:solidFill>
-                  <a:schemeClr val="tx1"/>
-                </a:solidFill>
-              </a:rPr>
-              <a:t>función</a:t>
-            </a:r>
-            <a:r>
-              <a:rPr lang="en-US" dirty="0">
-                <a:solidFill>
-                  <a:schemeClr val="tx1"/>
-                </a:solidFill>
-              </a:rPr>
-              <a:t> </a:t>
-            </a:r>
-            <a:r>
-              <a:rPr lang="en-US" dirty="0" err="1">
-                <a:solidFill>
-                  <a:schemeClr val="tx1"/>
-                </a:solidFill>
-              </a:rPr>
-              <a:t>retorna</a:t>
-            </a:r>
-            <a:r>
-              <a:rPr lang="en-US" dirty="0">
-                <a:solidFill>
-                  <a:schemeClr val="tx1"/>
-                </a:solidFill>
-              </a:rPr>
-              <a:t> un valor del </a:t>
-            </a:r>
-            <a:r>
-              <a:rPr lang="en-US" dirty="0" err="1">
-                <a:solidFill>
-                  <a:schemeClr val="tx1"/>
-                </a:solidFill>
-              </a:rPr>
-              <a:t>mismo</a:t>
-            </a:r>
-            <a:r>
-              <a:rPr lang="en-US" dirty="0">
-                <a:solidFill>
-                  <a:schemeClr val="tx1"/>
-                </a:solidFill>
-              </a:rPr>
-              <a:t> </a:t>
-            </a:r>
-            <a:r>
-              <a:rPr lang="en-US" dirty="0" err="1">
-                <a:solidFill>
-                  <a:schemeClr val="tx1"/>
-                </a:solidFill>
-              </a:rPr>
-              <a:t>tipo</a:t>
-            </a:r>
-            <a:r>
-              <a:rPr lang="en-US" dirty="0">
-                <a:solidFill>
-                  <a:schemeClr val="tx1"/>
-                </a:solidFill>
-              </a:rPr>
-              <a:t> de la </a:t>
-            </a:r>
-            <a:r>
-              <a:rPr lang="en-US" dirty="0" err="1">
-                <a:solidFill>
-                  <a:schemeClr val="tx1"/>
-                </a:solidFill>
-              </a:rPr>
-              <a:t>función</a:t>
-            </a:r>
-            <a:endParaRPr lang="en-US" dirty="0">
-              <a:solidFill>
-                <a:schemeClr val="tx1"/>
-              </a:solidFill>
-            </a:endParaRPr>
-          </a:p>
+              <a:rPr lang="es-ES" dirty="0" err="1"/>
+              <a:t>main</a:t>
+            </a:r>
+            <a:endParaRPr lang="es-CO" dirty="0"/>
+          </a:p>
+        </p:txBody>
+      </p:sp>
+      <p:sp>
+        <p:nvSpPr>
+          <p:cNvPr id="6" name="Rectángulo 5">
+            <a:extLst>
+              <a:ext uri="{FF2B5EF4-FFF2-40B4-BE49-F238E27FC236}">
+                <a16:creationId xmlns:a16="http://schemas.microsoft.com/office/drawing/2014/main" id="{52565B3D-1C97-45E3-A982-7F5C8FAE8633}"/>
+              </a:ext>
+            </a:extLst>
+          </p:cNvPr>
+          <p:cNvSpPr/>
+          <p:nvPr/>
+        </p:nvSpPr>
+        <p:spPr>
+          <a:xfrm>
+            <a:off x="5035566" y="4464602"/>
+            <a:ext cx="5355772" cy="1064623"/>
+          </a:xfrm>
+          <a:prstGeom prst="rect">
+            <a:avLst/>
+          </a:prstGeom>
+        </p:spPr>
+        <p:style>
+          <a:lnRef idx="2">
+            <a:schemeClr val="accent3">
+              <a:shade val="50000"/>
+            </a:schemeClr>
+          </a:lnRef>
+          <a:fillRef idx="1">
+            <a:schemeClr val="accent3"/>
+          </a:fillRef>
+          <a:effectRef idx="0">
+            <a:schemeClr val="accent3"/>
+          </a:effectRef>
+          <a:fontRef idx="minor">
+            <a:schemeClr val="lt1"/>
+          </a:fontRef>
+        </p:style>
+        <p:txBody>
+          <a:bodyPr rtlCol="0" anchor="ctr"/>
+          <a:lstStyle/>
           <a:p>
             <a:pPr algn="ctr"/>
             <a:r>
-              <a:rPr lang="en-US" dirty="0" err="1">
-                <a:solidFill>
-                  <a:schemeClr val="tx1"/>
-                </a:solidFill>
-              </a:rPr>
-              <a:t>En</a:t>
-            </a:r>
-            <a:r>
-              <a:rPr lang="en-US" dirty="0">
-                <a:solidFill>
-                  <a:schemeClr val="tx1"/>
-                </a:solidFill>
-              </a:rPr>
-              <a:t> un </a:t>
-            </a:r>
-            <a:r>
-              <a:rPr lang="en-US" dirty="0" err="1">
-                <a:solidFill>
-                  <a:schemeClr val="tx1"/>
-                </a:solidFill>
-              </a:rPr>
-              <a:t>procedimiento</a:t>
-            </a:r>
-            <a:r>
-              <a:rPr lang="en-US" dirty="0">
-                <a:solidFill>
-                  <a:schemeClr val="tx1"/>
-                </a:solidFill>
-              </a:rPr>
-              <a:t> se </a:t>
-            </a:r>
-            <a:r>
-              <a:rPr lang="en-US" dirty="0" err="1">
-                <a:solidFill>
-                  <a:schemeClr val="tx1"/>
-                </a:solidFill>
-              </a:rPr>
-              <a:t>usa</a:t>
-            </a:r>
-            <a:r>
-              <a:rPr lang="en-US" dirty="0">
-                <a:solidFill>
-                  <a:schemeClr val="tx1"/>
-                </a:solidFill>
-              </a:rPr>
-              <a:t> solo la palabra return para </a:t>
-            </a:r>
-            <a:r>
-              <a:rPr lang="en-US" dirty="0" err="1">
-                <a:solidFill>
-                  <a:schemeClr val="tx1"/>
-                </a:solidFill>
-              </a:rPr>
-              <a:t>finalizar</a:t>
-            </a:r>
-            <a:r>
-              <a:rPr lang="en-US" dirty="0">
-                <a:solidFill>
-                  <a:schemeClr val="tx1"/>
-                </a:solidFill>
-              </a:rPr>
-              <a:t> la </a:t>
-            </a:r>
-            <a:r>
-              <a:rPr lang="en-US" dirty="0" err="1">
-                <a:solidFill>
-                  <a:schemeClr val="tx1"/>
-                </a:solidFill>
-              </a:rPr>
-              <a:t>ejecución</a:t>
-            </a:r>
-            <a:endParaRPr lang="en-US" dirty="0">
-              <a:solidFill>
-                <a:schemeClr val="tx1"/>
-              </a:solidFill>
-            </a:endParaRPr>
-          </a:p>
+              <a:rPr lang="es-ES" dirty="0"/>
+              <a:t>Función</a:t>
+            </a:r>
+            <a:endParaRPr lang="es-CO" dirty="0"/>
+          </a:p>
+        </p:txBody>
+      </p:sp>
+      <p:sp>
+        <p:nvSpPr>
+          <p:cNvPr id="7" name="Rectángulo 6">
+            <a:extLst>
+              <a:ext uri="{FF2B5EF4-FFF2-40B4-BE49-F238E27FC236}">
+                <a16:creationId xmlns:a16="http://schemas.microsoft.com/office/drawing/2014/main" id="{83602483-C30A-4F9F-8E88-FFA1B0F7232A}"/>
+              </a:ext>
+            </a:extLst>
+          </p:cNvPr>
+          <p:cNvSpPr/>
+          <p:nvPr/>
+        </p:nvSpPr>
+        <p:spPr>
+          <a:xfrm>
+            <a:off x="5057336" y="5714282"/>
+            <a:ext cx="5355772" cy="1064623"/>
+          </a:xfrm>
+          <a:prstGeom prst="rect">
+            <a:avLst/>
+          </a:prstGeom>
+        </p:spPr>
+        <p:style>
+          <a:lnRef idx="2">
+            <a:schemeClr val="accent3">
+              <a:shade val="50000"/>
+            </a:schemeClr>
+          </a:lnRef>
+          <a:fillRef idx="1">
+            <a:schemeClr val="accent3"/>
+          </a:fillRef>
+          <a:effectRef idx="0">
+            <a:schemeClr val="accent3"/>
+          </a:effectRef>
+          <a:fontRef idx="minor">
+            <a:schemeClr val="lt1"/>
+          </a:fontRef>
+        </p:style>
+        <p:txBody>
+          <a:bodyPr rtlCol="0" anchor="ctr"/>
+          <a:lstStyle/>
           <a:p>
             <a:pPr algn="ctr"/>
             <a:r>
-              <a:rPr lang="en-US" dirty="0">
-                <a:solidFill>
-                  <a:schemeClr val="tx1"/>
-                </a:solidFill>
-              </a:rPr>
-              <a:t>Las </a:t>
-            </a:r>
-            <a:r>
-              <a:rPr lang="en-US" dirty="0" err="1">
-                <a:solidFill>
-                  <a:schemeClr val="tx1"/>
-                </a:solidFill>
-              </a:rPr>
-              <a:t>instrucciones</a:t>
-            </a:r>
-            <a:r>
-              <a:rPr lang="en-US" dirty="0">
-                <a:solidFill>
-                  <a:schemeClr val="tx1"/>
-                </a:solidFill>
-              </a:rPr>
-              <a:t> que van </a:t>
-            </a:r>
-            <a:r>
-              <a:rPr lang="en-US" dirty="0" err="1">
-                <a:solidFill>
-                  <a:schemeClr val="tx1"/>
-                </a:solidFill>
-              </a:rPr>
-              <a:t>luego</a:t>
-            </a:r>
-            <a:r>
-              <a:rPr lang="en-US" dirty="0">
-                <a:solidFill>
-                  <a:schemeClr val="tx1"/>
-                </a:solidFill>
-              </a:rPr>
-              <a:t> de un return, no se </a:t>
-            </a:r>
-            <a:r>
-              <a:rPr lang="en-US" dirty="0" err="1">
-                <a:solidFill>
-                  <a:schemeClr val="tx1"/>
-                </a:solidFill>
-              </a:rPr>
-              <a:t>ejecutan</a:t>
-            </a:r>
-            <a:endParaRPr lang="es-CO" dirty="0">
-              <a:solidFill>
-                <a:schemeClr val="tx1"/>
-              </a:solidFill>
-            </a:endParaRPr>
+              <a:rPr lang="es-ES" dirty="0"/>
+              <a:t>Función</a:t>
+            </a:r>
+            <a:endParaRPr lang="es-CO" dirty="0"/>
+          </a:p>
+        </p:txBody>
+      </p:sp>
+      <p:sp>
+        <p:nvSpPr>
+          <p:cNvPr id="8" name="CuadroTexto 7">
+            <a:extLst>
+              <a:ext uri="{FF2B5EF4-FFF2-40B4-BE49-F238E27FC236}">
+                <a16:creationId xmlns:a16="http://schemas.microsoft.com/office/drawing/2014/main" id="{E52E8DE9-4AC8-4607-A773-20C46997D07F}"/>
+              </a:ext>
+            </a:extLst>
+          </p:cNvPr>
+          <p:cNvSpPr txBox="1"/>
+          <p:nvPr/>
+        </p:nvSpPr>
+        <p:spPr>
+          <a:xfrm rot="10800000" flipH="1" flipV="1">
+            <a:off x="751775" y="3563034"/>
+            <a:ext cx="2674487" cy="646331"/>
+          </a:xfrm>
+          <a:prstGeom prst="rect">
+            <a:avLst/>
+          </a:prstGeom>
+          <a:noFill/>
+        </p:spPr>
+        <p:txBody>
+          <a:bodyPr wrap="square" rtlCol="0">
+            <a:spAutoFit/>
+          </a:bodyPr>
+          <a:lstStyle/>
+          <a:p>
+            <a:r>
+              <a:rPr lang="es-ES" dirty="0"/>
+              <a:t>Vamos a ponerlas debajo del bloque </a:t>
+            </a:r>
+            <a:r>
+              <a:rPr lang="es-ES" dirty="0" err="1"/>
+              <a:t>main</a:t>
+            </a:r>
+            <a:r>
+              <a:rPr lang="es-ES" dirty="0"/>
+              <a:t>.</a:t>
+            </a:r>
+            <a:endParaRPr lang="es-CO" dirty="0"/>
           </a:p>
         </p:txBody>
       </p:sp>
     </p:spTree>
     <p:extLst>
       <p:ext uri="{BB962C8B-B14F-4D97-AF65-F5344CB8AC3E}">
-        <p14:creationId xmlns:p14="http://schemas.microsoft.com/office/powerpoint/2010/main" val="3794522921"/>
+        <p14:creationId xmlns:p14="http://schemas.microsoft.com/office/powerpoint/2010/main" val="420833290"/>
       </p:ext>
     </p:extLst>
   </p:cSld>
@@ -5045,7 +6542,7 @@
 </p:sld>
 </file>
 
-<file path=ppt/slides/slide11.xml><?xml version="1.0" encoding="utf-8"?>
+<file path=ppt/slides/slide13.xml><?xml version="1.0" encoding="utf-8"?>
 <p:sld xmlns:a="http://schemas.openxmlformats.org/drawingml/2006/main" xmlns:r="http://schemas.openxmlformats.org/officeDocument/2006/relationships" xmlns:p="http://schemas.openxmlformats.org/presentationml/2006/main">
   <p:cSld>
     <p:spTree>
@@ -6693,7 +8190,7 @@
         <p:spPr>
           <a:xfrm>
             <a:off x="2799695" y="5098041"/>
-            <a:ext cx="3449573" cy="646331"/>
+            <a:ext cx="3449573" cy="923330"/>
           </a:xfrm>
           <a:prstGeom prst="rect">
             <a:avLst/>
@@ -6712,7 +8209,7 @@
                   <a:srgbClr val="00FF00"/>
                 </a:solidFill>
               </a:rPr>
-              <a:t>Recibe: el almuerzo o un mensaje que no había lo que ella quería </a:t>
+              <a:t>Recibe: el almuerzo o un mensaje que no había lo que ella quería. Además recibe la devuelta.</a:t>
             </a:r>
             <a:endParaRPr lang="es-CO" b="1" dirty="0">
               <a:solidFill>
@@ -6737,7 +8234,7 @@
         <p:spPr>
           <a:xfrm>
             <a:off x="7696031" y="2338086"/>
-            <a:ext cx="4827777" cy="3970318"/>
+            <a:ext cx="4827777" cy="3416320"/>
           </a:xfrm>
           <a:prstGeom prst="rect">
             <a:avLst/>
@@ -6783,7 +8280,7 @@
             </a:r>
             <a:r>
               <a:rPr lang="es-ES" dirty="0"/>
-              <a:t>), le entrega algo ($$ y el almuerzo que quiere )o puede no entregarle nada para que este haga su tarea</a:t>
+              <a:t>), le entrega algo ($$ y el almuerzo que quiere )</a:t>
             </a:r>
           </a:p>
           <a:p>
@@ -6793,7 +8290,7 @@
             </a:pPr>
             <a:r>
               <a:rPr lang="es-ES" dirty="0"/>
-              <a:t>El programa llamado(Comprar Almuerzos) debe devolver algo(el almuerzo o un mensaje que no había ese almuerzo) o no puede devolver nada</a:t>
+              <a:t>El programa llamado(Comprar Almuerzos) debe devolver algo(el almuerzo o un mensaje que no había ese almuerzo y la devuelta)</a:t>
             </a:r>
           </a:p>
           <a:p>
@@ -7039,6 +8536,51 @@
                       </p:childTnLst>
                     </p:cTn>
                   </p:par>
+                  <p:par>
+                    <p:cTn id="21" fill="hold">
+                      <p:stCondLst>
+                        <p:cond delay="indefinite"/>
+                      </p:stCondLst>
+                      <p:childTnLst>
+                        <p:par>
+                          <p:cTn id="22" fill="hold">
+                            <p:stCondLst>
+                              <p:cond delay="0"/>
+                            </p:stCondLst>
+                            <p:childTnLst>
+                              <p:par>
+                                <p:cTn id="23" presetID="1" presetClass="entr" presetSubtype="0" fill="hold" grpId="0" nodeType="clickEffect">
+                                  <p:stCondLst>
+                                    <p:cond delay="0"/>
+                                  </p:stCondLst>
+                                  <p:childTnLst>
+                                    <p:set>
+                                      <p:cBhvr>
+                                        <p:cTn id="24" dur="1" fill="hold">
+                                          <p:stCondLst>
+                                            <p:cond delay="0"/>
+                                          </p:stCondLst>
+                                        </p:cTn>
+                                        <p:tgtEl>
+                                          <p:spTgt spid="18"/>
+                                        </p:tgtEl>
+                                        <p:attrNameLst>
+                                          <p:attrName>style.visibility</p:attrName>
+                                        </p:attrNameLst>
+                                      </p:cBhvr>
+                                      <p:to>
+                                        <p:strVal val="visible"/>
+                                      </p:to>
+                                    </p:set>
+                                  </p:childTnLst>
+                                </p:cTn>
+                              </p:par>
+                            </p:childTnLst>
+                          </p:cTn>
+                        </p:par>
+                      </p:childTnLst>
+                    </p:cTn>
+                  </p:par>
                 </p:childTnLst>
               </p:cTn>
               <p:prevCondLst>
@@ -7064,6 +8606,7 @@
       <p:bldP spid="9" grpId="0"/>
       <p:bldP spid="12" grpId="0"/>
       <p:bldP spid="17" grpId="0"/>
+      <p:bldP spid="18" grpId="0"/>
     </p:bldLst>
   </p:timing>
 </p:sld>
@@ -8020,7 +9563,7 @@
                             </p:stCondLst>
                             <p:childTnLst>
                               <p:par>
-                                <p:cTn id="5" presetID="1" presetClass="entr" presetSubtype="0" fill="hold" nodeType="clickEffect">
+                                <p:cTn id="5" presetID="1" presetClass="entr" presetSubtype="0" fill="hold" grpId="0" nodeType="clickEffect">
                                   <p:stCondLst>
                                     <p:cond delay="0"/>
                                   </p:stCondLst>
@@ -8028,6 +9571,51 @@
                                     <p:set>
                                       <p:cBhvr>
                                         <p:cTn id="6" dur="1" fill="hold">
+                                          <p:stCondLst>
+                                            <p:cond delay="0"/>
+                                          </p:stCondLst>
+                                        </p:cTn>
+                                        <p:tgtEl>
+                                          <p:spTgt spid="14"/>
+                                        </p:tgtEl>
+                                        <p:attrNameLst>
+                                          <p:attrName>style.visibility</p:attrName>
+                                        </p:attrNameLst>
+                                      </p:cBhvr>
+                                      <p:to>
+                                        <p:strVal val="visible"/>
+                                      </p:to>
+                                    </p:set>
+                                  </p:childTnLst>
+                                </p:cTn>
+                              </p:par>
+                            </p:childTnLst>
+                          </p:cTn>
+                        </p:par>
+                      </p:childTnLst>
+                    </p:cTn>
+                  </p:par>
+                  <p:par>
+                    <p:cTn id="7" fill="hold">
+                      <p:stCondLst>
+                        <p:cond delay="indefinite"/>
+                      </p:stCondLst>
+                      <p:childTnLst>
+                        <p:par>
+                          <p:cTn id="8" fill="hold">
+                            <p:stCondLst>
+                              <p:cond delay="0"/>
+                            </p:stCondLst>
+                            <p:childTnLst>
+                              <p:par>
+                                <p:cTn id="9" presetID="1" presetClass="entr" presetSubtype="0" fill="hold" nodeType="clickEffect">
+                                  <p:stCondLst>
+                                    <p:cond delay="0"/>
+                                  </p:stCondLst>
+                                  <p:childTnLst>
+                                    <p:set>
+                                      <p:cBhvr>
+                                        <p:cTn id="10" dur="1" fill="hold">
                                           <p:stCondLst>
                                             <p:cond delay="0"/>
                                           </p:stCondLst>
@@ -8047,20 +9635,380 @@
                                 </p:cTn>
                               </p:par>
                               <p:par>
-                                <p:cTn id="7" presetID="1" presetClass="entr" presetSubtype="0" fill="hold" grpId="0" nodeType="withEffect">
+                                <p:cTn id="11" presetID="1" presetClass="entr" presetSubtype="0" fill="hold" grpId="0" nodeType="withEffect">
                                   <p:stCondLst>
                                     <p:cond delay="0"/>
                                   </p:stCondLst>
                                   <p:childTnLst>
                                     <p:set>
                                       <p:cBhvr>
-                                        <p:cTn id="8" dur="1" fill="hold">
+                                        <p:cTn id="12" dur="1" fill="hold">
                                           <p:stCondLst>
                                             <p:cond delay="0"/>
                                           </p:stCondLst>
                                         </p:cTn>
                                         <p:tgtEl>
                                           <p:spTgt spid="12"/>
+                                        </p:tgtEl>
+                                        <p:attrNameLst>
+                                          <p:attrName>style.visibility</p:attrName>
+                                        </p:attrNameLst>
+                                      </p:cBhvr>
+                                      <p:to>
+                                        <p:strVal val="visible"/>
+                                      </p:to>
+                                    </p:set>
+                                  </p:childTnLst>
+                                </p:cTn>
+                              </p:par>
+                            </p:childTnLst>
+                          </p:cTn>
+                        </p:par>
+                      </p:childTnLst>
+                    </p:cTn>
+                  </p:par>
+                  <p:par>
+                    <p:cTn id="13" fill="hold">
+                      <p:stCondLst>
+                        <p:cond delay="indefinite"/>
+                      </p:stCondLst>
+                      <p:childTnLst>
+                        <p:par>
+                          <p:cTn id="14" fill="hold">
+                            <p:stCondLst>
+                              <p:cond delay="0"/>
+                            </p:stCondLst>
+                            <p:childTnLst>
+                              <p:par>
+                                <p:cTn id="15" presetID="1" presetClass="entr" presetSubtype="0" fill="hold" nodeType="clickEffect">
+                                  <p:stCondLst>
+                                    <p:cond delay="0"/>
+                                  </p:stCondLst>
+                                  <p:childTnLst>
+                                    <p:set>
+                                      <p:cBhvr>
+                                        <p:cTn id="16" dur="1" fill="hold">
+                                          <p:stCondLst>
+                                            <p:cond delay="0"/>
+                                          </p:stCondLst>
+                                        </p:cTn>
+                                        <p:tgtEl>
+                                          <p:spTgt spid="16"/>
+                                        </p:tgtEl>
+                                        <p:attrNameLst>
+                                          <p:attrName>style.visibility</p:attrName>
+                                        </p:attrNameLst>
+                                      </p:cBhvr>
+                                      <p:to>
+                                        <p:strVal val="visible"/>
+                                      </p:to>
+                                    </p:set>
+                                  </p:childTnLst>
+                                </p:cTn>
+                              </p:par>
+                              <p:par>
+                                <p:cTn id="17" presetID="1" presetClass="entr" presetSubtype="0" fill="hold" nodeType="withEffect">
+                                  <p:stCondLst>
+                                    <p:cond delay="0"/>
+                                  </p:stCondLst>
+                                  <p:childTnLst>
+                                    <p:set>
+                                      <p:cBhvr>
+                                        <p:cTn id="18" dur="1" fill="hold">
+                                          <p:stCondLst>
+                                            <p:cond delay="0"/>
+                                          </p:stCondLst>
+                                        </p:cTn>
+                                        <p:tgtEl>
+                                          <p:spTgt spid="19"/>
+                                        </p:tgtEl>
+                                        <p:attrNameLst>
+                                          <p:attrName>style.visibility</p:attrName>
+                                        </p:attrNameLst>
+                                      </p:cBhvr>
+                                      <p:to>
+                                        <p:strVal val="visible"/>
+                                      </p:to>
+                                    </p:set>
+                                  </p:childTnLst>
+                                </p:cTn>
+                              </p:par>
+                              <p:par>
+                                <p:cTn id="19" presetID="1" presetClass="entr" presetSubtype="0" fill="hold" nodeType="withEffect">
+                                  <p:stCondLst>
+                                    <p:cond delay="0"/>
+                                  </p:stCondLst>
+                                  <p:childTnLst>
+                                    <p:set>
+                                      <p:cBhvr>
+                                        <p:cTn id="20" dur="1" fill="hold">
+                                          <p:stCondLst>
+                                            <p:cond delay="0"/>
+                                          </p:stCondLst>
+                                        </p:cTn>
+                                        <p:tgtEl>
+                                          <p:spTgt spid="26"/>
+                                        </p:tgtEl>
+                                        <p:attrNameLst>
+                                          <p:attrName>style.visibility</p:attrName>
+                                        </p:attrNameLst>
+                                      </p:cBhvr>
+                                      <p:to>
+                                        <p:strVal val="visible"/>
+                                      </p:to>
+                                    </p:set>
+                                  </p:childTnLst>
+                                </p:cTn>
+                              </p:par>
+                              <p:par>
+                                <p:cTn id="21" presetID="1" presetClass="entr" presetSubtype="0" fill="hold" nodeType="withEffect">
+                                  <p:stCondLst>
+                                    <p:cond delay="0"/>
+                                  </p:stCondLst>
+                                  <p:childTnLst>
+                                    <p:set>
+                                      <p:cBhvr>
+                                        <p:cTn id="22" dur="1" fill="hold">
+                                          <p:stCondLst>
+                                            <p:cond delay="0"/>
+                                          </p:stCondLst>
+                                        </p:cTn>
+                                        <p:tgtEl>
+                                          <p:spTgt spid="32"/>
+                                        </p:tgtEl>
+                                        <p:attrNameLst>
+                                          <p:attrName>style.visibility</p:attrName>
+                                        </p:attrNameLst>
+                                      </p:cBhvr>
+                                      <p:to>
+                                        <p:strVal val="visible"/>
+                                      </p:to>
+                                    </p:set>
+                                  </p:childTnLst>
+                                </p:cTn>
+                              </p:par>
+                              <p:par>
+                                <p:cTn id="23" presetID="1" presetClass="entr" presetSubtype="0" fill="hold" nodeType="withEffect">
+                                  <p:stCondLst>
+                                    <p:cond delay="0"/>
+                                  </p:stCondLst>
+                                  <p:childTnLst>
+                                    <p:set>
+                                      <p:cBhvr>
+                                        <p:cTn id="24" dur="1" fill="hold">
+                                          <p:stCondLst>
+                                            <p:cond delay="0"/>
+                                          </p:stCondLst>
+                                        </p:cTn>
+                                        <p:tgtEl>
+                                          <p:spTgt spid="38"/>
+                                        </p:tgtEl>
+                                        <p:attrNameLst>
+                                          <p:attrName>style.visibility</p:attrName>
+                                        </p:attrNameLst>
+                                      </p:cBhvr>
+                                      <p:to>
+                                        <p:strVal val="visible"/>
+                                      </p:to>
+                                    </p:set>
+                                  </p:childTnLst>
+                                </p:cTn>
+                              </p:par>
+                              <p:par>
+                                <p:cTn id="25" presetID="1" presetClass="entr" presetSubtype="0" fill="hold" nodeType="withEffect">
+                                  <p:stCondLst>
+                                    <p:cond delay="0"/>
+                                  </p:stCondLst>
+                                  <p:childTnLst>
+                                    <p:set>
+                                      <p:cBhvr>
+                                        <p:cTn id="26" dur="1" fill="hold">
+                                          <p:stCondLst>
+                                            <p:cond delay="0"/>
+                                          </p:stCondLst>
+                                        </p:cTn>
+                                        <p:tgtEl>
+                                          <p:spTgt spid="44"/>
+                                        </p:tgtEl>
+                                        <p:attrNameLst>
+                                          <p:attrName>style.visibility</p:attrName>
+                                        </p:attrNameLst>
+                                      </p:cBhvr>
+                                      <p:to>
+                                        <p:strVal val="visible"/>
+                                      </p:to>
+                                    </p:set>
+                                  </p:childTnLst>
+                                </p:cTn>
+                              </p:par>
+                            </p:childTnLst>
+                          </p:cTn>
+                        </p:par>
+                      </p:childTnLst>
+                    </p:cTn>
+                  </p:par>
+                  <p:par>
+                    <p:cTn id="27" fill="hold">
+                      <p:stCondLst>
+                        <p:cond delay="indefinite"/>
+                      </p:stCondLst>
+                      <p:childTnLst>
+                        <p:par>
+                          <p:cTn id="28" fill="hold">
+                            <p:stCondLst>
+                              <p:cond delay="0"/>
+                            </p:stCondLst>
+                            <p:childTnLst>
+                              <p:par>
+                                <p:cTn id="29" presetID="1" presetClass="entr" presetSubtype="0" fill="hold" nodeType="clickEffect">
+                                  <p:stCondLst>
+                                    <p:cond delay="0"/>
+                                  </p:stCondLst>
+                                  <p:childTnLst>
+                                    <p:set>
+                                      <p:cBhvr>
+                                        <p:cTn id="30" dur="1" fill="hold">
+                                          <p:stCondLst>
+                                            <p:cond delay="0"/>
+                                          </p:stCondLst>
+                                        </p:cTn>
+                                        <p:tgtEl>
+                                          <p:spTgt spid="18"/>
+                                        </p:tgtEl>
+                                        <p:attrNameLst>
+                                          <p:attrName>style.visibility</p:attrName>
+                                        </p:attrNameLst>
+                                      </p:cBhvr>
+                                      <p:to>
+                                        <p:strVal val="visible"/>
+                                      </p:to>
+                                    </p:set>
+                                  </p:childTnLst>
+                                </p:cTn>
+                              </p:par>
+                              <p:par>
+                                <p:cTn id="31" presetID="1" presetClass="entr" presetSubtype="0" fill="hold" nodeType="withEffect">
+                                  <p:stCondLst>
+                                    <p:cond delay="0"/>
+                                  </p:stCondLst>
+                                  <p:childTnLst>
+                                    <p:set>
+                                      <p:cBhvr>
+                                        <p:cTn id="32" dur="1" fill="hold">
+                                          <p:stCondLst>
+                                            <p:cond delay="0"/>
+                                          </p:stCondLst>
+                                        </p:cTn>
+                                        <p:tgtEl>
+                                          <p:spTgt spid="20"/>
+                                        </p:tgtEl>
+                                        <p:attrNameLst>
+                                          <p:attrName>style.visibility</p:attrName>
+                                        </p:attrNameLst>
+                                      </p:cBhvr>
+                                      <p:to>
+                                        <p:strVal val="visible"/>
+                                      </p:to>
+                                    </p:set>
+                                  </p:childTnLst>
+                                </p:cTn>
+                              </p:par>
+                              <p:par>
+                                <p:cTn id="33" presetID="1" presetClass="entr" presetSubtype="0" fill="hold" nodeType="withEffect">
+                                  <p:stCondLst>
+                                    <p:cond delay="0"/>
+                                  </p:stCondLst>
+                                  <p:childTnLst>
+                                    <p:set>
+                                      <p:cBhvr>
+                                        <p:cTn id="34" dur="1" fill="hold">
+                                          <p:stCondLst>
+                                            <p:cond delay="0"/>
+                                          </p:stCondLst>
+                                        </p:cTn>
+                                        <p:tgtEl>
+                                          <p:spTgt spid="27"/>
+                                        </p:tgtEl>
+                                        <p:attrNameLst>
+                                          <p:attrName>style.visibility</p:attrName>
+                                        </p:attrNameLst>
+                                      </p:cBhvr>
+                                      <p:to>
+                                        <p:strVal val="visible"/>
+                                      </p:to>
+                                    </p:set>
+                                  </p:childTnLst>
+                                </p:cTn>
+                              </p:par>
+                              <p:par>
+                                <p:cTn id="35" presetID="1" presetClass="entr" presetSubtype="0" fill="hold" nodeType="withEffect">
+                                  <p:stCondLst>
+                                    <p:cond delay="0"/>
+                                  </p:stCondLst>
+                                  <p:childTnLst>
+                                    <p:set>
+                                      <p:cBhvr>
+                                        <p:cTn id="36" dur="1" fill="hold">
+                                          <p:stCondLst>
+                                            <p:cond delay="0"/>
+                                          </p:stCondLst>
+                                        </p:cTn>
+                                        <p:tgtEl>
+                                          <p:spTgt spid="33"/>
+                                        </p:tgtEl>
+                                        <p:attrNameLst>
+                                          <p:attrName>style.visibility</p:attrName>
+                                        </p:attrNameLst>
+                                      </p:cBhvr>
+                                      <p:to>
+                                        <p:strVal val="visible"/>
+                                      </p:to>
+                                    </p:set>
+                                  </p:childTnLst>
+                                </p:cTn>
+                              </p:par>
+                              <p:par>
+                                <p:cTn id="37" presetID="1" presetClass="entr" presetSubtype="0" fill="hold" nodeType="withEffect">
+                                  <p:stCondLst>
+                                    <p:cond delay="0"/>
+                                  </p:stCondLst>
+                                  <p:childTnLst>
+                                    <p:set>
+                                      <p:cBhvr>
+                                        <p:cTn id="38" dur="1" fill="hold">
+                                          <p:stCondLst>
+                                            <p:cond delay="0"/>
+                                          </p:stCondLst>
+                                        </p:cTn>
+                                        <p:tgtEl>
+                                          <p:spTgt spid="39"/>
+                                        </p:tgtEl>
+                                        <p:attrNameLst>
+                                          <p:attrName>style.visibility</p:attrName>
+                                        </p:attrNameLst>
+                                      </p:cBhvr>
+                                      <p:to>
+                                        <p:strVal val="visible"/>
+                                      </p:to>
+                                    </p:set>
+                                  </p:childTnLst>
+                                </p:cTn>
+                              </p:par>
+                              <p:par>
+                                <p:cTn id="39" presetID="1" presetClass="entr" presetSubtype="0" fill="hold" nodeType="withEffect">
+                                  <p:stCondLst>
+                                    <p:cond delay="0"/>
+                                  </p:stCondLst>
+                                  <p:childTnLst>
+                                    <p:set>
+                                      <p:cBhvr>
+                                        <p:cTn id="40" dur="1" fill="hold">
+                                          <p:stCondLst>
+                                            <p:cond delay="0"/>
+                                          </p:stCondLst>
+                                        </p:cTn>
+                                        <p:tgtEl>
+                                          <p:spTgt spid="45"/>
                                         </p:tgtEl>
                                         <p:attrNameLst>
                                           <p:attrName>style.visibility</p:attrName>
@@ -8102,6 +10050,7 @@
     </p:tnLst>
     <p:bldLst>
       <p:bldP spid="12" grpId="0"/>
+      <p:bldP spid="14" grpId="0"/>
     </p:bldLst>
   </p:timing>
 </p:sld>
@@ -8977,6 +10926,204 @@
                       </p:childTnLst>
                     </p:cTn>
                   </p:par>
+                  <p:par>
+                    <p:cTn id="19" fill="hold">
+                      <p:stCondLst>
+                        <p:cond delay="indefinite"/>
+                      </p:stCondLst>
+                      <p:childTnLst>
+                        <p:par>
+                          <p:cTn id="20" fill="hold">
+                            <p:stCondLst>
+                              <p:cond delay="0"/>
+                            </p:stCondLst>
+                            <p:childTnLst>
+                              <p:par>
+                                <p:cTn id="21" presetID="1" presetClass="entr" presetSubtype="0" fill="hold" grpId="0" nodeType="clickEffect">
+                                  <p:stCondLst>
+                                    <p:cond delay="0"/>
+                                  </p:stCondLst>
+                                  <p:childTnLst>
+                                    <p:set>
+                                      <p:cBhvr>
+                                        <p:cTn id="22" dur="1" fill="hold">
+                                          <p:stCondLst>
+                                            <p:cond delay="0"/>
+                                          </p:stCondLst>
+                                        </p:cTn>
+                                        <p:tgtEl>
+                                          <p:spTgt spid="12"/>
+                                        </p:tgtEl>
+                                        <p:attrNameLst>
+                                          <p:attrName>style.visibility</p:attrName>
+                                        </p:attrNameLst>
+                                      </p:cBhvr>
+                                      <p:to>
+                                        <p:strVal val="visible"/>
+                                      </p:to>
+                                    </p:set>
+                                  </p:childTnLst>
+                                </p:cTn>
+                              </p:par>
+                            </p:childTnLst>
+                          </p:cTn>
+                        </p:par>
+                      </p:childTnLst>
+                    </p:cTn>
+                  </p:par>
+                  <p:par>
+                    <p:cTn id="23" fill="hold">
+                      <p:stCondLst>
+                        <p:cond delay="indefinite"/>
+                      </p:stCondLst>
+                      <p:childTnLst>
+                        <p:par>
+                          <p:cTn id="24" fill="hold">
+                            <p:stCondLst>
+                              <p:cond delay="0"/>
+                            </p:stCondLst>
+                            <p:childTnLst>
+                              <p:par>
+                                <p:cTn id="25" presetID="1" presetClass="entr" presetSubtype="0" fill="hold" nodeType="clickEffect">
+                                  <p:stCondLst>
+                                    <p:cond delay="0"/>
+                                  </p:stCondLst>
+                                  <p:childTnLst>
+                                    <p:set>
+                                      <p:cBhvr>
+                                        <p:cTn id="26" dur="1" fill="hold">
+                                          <p:stCondLst>
+                                            <p:cond delay="0"/>
+                                          </p:stCondLst>
+                                        </p:cTn>
+                                        <p:tgtEl>
+                                          <p:spTgt spid="14"/>
+                                        </p:tgtEl>
+                                        <p:attrNameLst>
+                                          <p:attrName>style.visibility</p:attrName>
+                                        </p:attrNameLst>
+                                      </p:cBhvr>
+                                      <p:to>
+                                        <p:strVal val="visible"/>
+                                      </p:to>
+                                    </p:set>
+                                  </p:childTnLst>
+                                </p:cTn>
+                              </p:par>
+                              <p:par>
+                                <p:cTn id="27" presetID="1" presetClass="entr" presetSubtype="0" fill="hold" nodeType="withEffect">
+                                  <p:stCondLst>
+                                    <p:cond delay="0"/>
+                                  </p:stCondLst>
+                                  <p:childTnLst>
+                                    <p:set>
+                                      <p:cBhvr>
+                                        <p:cTn id="28" dur="1" fill="hold">
+                                          <p:stCondLst>
+                                            <p:cond delay="0"/>
+                                          </p:stCondLst>
+                                        </p:cTn>
+                                        <p:tgtEl>
+                                          <p:spTgt spid="16"/>
+                                        </p:tgtEl>
+                                        <p:attrNameLst>
+                                          <p:attrName>style.visibility</p:attrName>
+                                        </p:attrNameLst>
+                                      </p:cBhvr>
+                                      <p:to>
+                                        <p:strVal val="visible"/>
+                                      </p:to>
+                                    </p:set>
+                                  </p:childTnLst>
+                                </p:cTn>
+                              </p:par>
+                              <p:par>
+                                <p:cTn id="29" presetID="1" presetClass="entr" presetSubtype="0" fill="hold" nodeType="withEffect">
+                                  <p:stCondLst>
+                                    <p:cond delay="0"/>
+                                  </p:stCondLst>
+                                  <p:childTnLst>
+                                    <p:set>
+                                      <p:cBhvr>
+                                        <p:cTn id="30" dur="1" fill="hold">
+                                          <p:stCondLst>
+                                            <p:cond delay="0"/>
+                                          </p:stCondLst>
+                                        </p:cTn>
+                                        <p:tgtEl>
+                                          <p:spTgt spid="18"/>
+                                        </p:tgtEl>
+                                        <p:attrNameLst>
+                                          <p:attrName>style.visibility</p:attrName>
+                                        </p:attrNameLst>
+                                      </p:cBhvr>
+                                      <p:to>
+                                        <p:strVal val="visible"/>
+                                      </p:to>
+                                    </p:set>
+                                  </p:childTnLst>
+                                </p:cTn>
+                              </p:par>
+                              <p:par>
+                                <p:cTn id="31" presetID="1" presetClass="entr" presetSubtype="0" fill="hold" nodeType="withEffect">
+                                  <p:stCondLst>
+                                    <p:cond delay="0"/>
+                                  </p:stCondLst>
+                                  <p:childTnLst>
+                                    <p:set>
+                                      <p:cBhvr>
+                                        <p:cTn id="32" dur="1" fill="hold">
+                                          <p:stCondLst>
+                                            <p:cond delay="0"/>
+                                          </p:stCondLst>
+                                        </p:cTn>
+                                        <p:tgtEl>
+                                          <p:spTgt spid="20"/>
+                                        </p:tgtEl>
+                                        <p:attrNameLst>
+                                          <p:attrName>style.visibility</p:attrName>
+                                        </p:attrNameLst>
+                                      </p:cBhvr>
+                                      <p:to>
+                                        <p:strVal val="visible"/>
+                                      </p:to>
+                                    </p:set>
+                                  </p:childTnLst>
+                                </p:cTn>
+                              </p:par>
+                              <p:par>
+                                <p:cTn id="33" presetID="1" presetClass="entr" presetSubtype="0" fill="hold" nodeType="withEffect">
+                                  <p:stCondLst>
+                                    <p:cond delay="0"/>
+                                  </p:stCondLst>
+                                  <p:childTnLst>
+                                    <p:set>
+                                      <p:cBhvr>
+                                        <p:cTn id="34" dur="1" fill="hold">
+                                          <p:stCondLst>
+                                            <p:cond delay="0"/>
+                                          </p:stCondLst>
+                                        </p:cTn>
+                                        <p:tgtEl>
+                                          <p:spTgt spid="22"/>
+                                        </p:tgtEl>
+                                        <p:attrNameLst>
+                                          <p:attrName>style.visibility</p:attrName>
+                                        </p:attrNameLst>
+                                      </p:cBhvr>
+                                      <p:to>
+                                        <p:strVal val="visible"/>
+                                      </p:to>
+                                    </p:set>
+                                  </p:childTnLst>
+                                </p:cTn>
+                              </p:par>
+                            </p:childTnLst>
+                          </p:cTn>
+                        </p:par>
+                      </p:childTnLst>
+                    </p:cTn>
+                  </p:par>
                 </p:childTnLst>
               </p:cTn>
               <p:prevCondLst>
@@ -9003,6 +11150,7 @@
       <p:bldP spid="6" grpId="0" animBg="1"/>
       <p:bldP spid="7" grpId="0" animBg="1"/>
       <p:bldP spid="8" grpId="0" animBg="1"/>
+      <p:bldP spid="12" grpId="0"/>
     </p:bldLst>
   </p:timing>
 </p:sld>

--- a/Slides/2_Funciones.pptx
+++ b/Slides/2_Funciones.pptx
@@ -143,7 +143,7 @@
   <pc:docChgLst>
     <pc:chgData name="Cesar Augusto Lopez Gallego" userId="0dfa9112-9251-4882-b472-cf2dfcee09d1" providerId="ADAL" clId="{8526969E-DCD0-46F9-A257-CA6320D7FEB1}"/>
     <pc:docChg chg="undo custSel addSld delSld modSld">
-      <pc:chgData name="Cesar Augusto Lopez Gallego" userId="0dfa9112-9251-4882-b472-cf2dfcee09d1" providerId="ADAL" clId="{8526969E-DCD0-46F9-A257-CA6320D7FEB1}" dt="2024-07-24T02:22:38.484" v="4123" actId="20577"/>
+      <pc:chgData name="Cesar Augusto Lopez Gallego" userId="0dfa9112-9251-4882-b472-cf2dfcee09d1" providerId="ADAL" clId="{8526969E-DCD0-46F9-A257-CA6320D7FEB1}" dt="2024-07-24T13:01:52.048" v="4129" actId="20577"/>
       <pc:docMkLst>
         <pc:docMk/>
       </pc:docMkLst>
@@ -367,7 +367,7 @@
         </pc:cxnChg>
       </pc:sldChg>
       <pc:sldChg chg="addSp modSp new mod modAnim">
-        <pc:chgData name="Cesar Augusto Lopez Gallego" userId="0dfa9112-9251-4882-b472-cf2dfcee09d1" providerId="ADAL" clId="{8526969E-DCD0-46F9-A257-CA6320D7FEB1}" dt="2024-07-23T13:33:38.046" v="1211" actId="1076"/>
+        <pc:chgData name="Cesar Augusto Lopez Gallego" userId="0dfa9112-9251-4882-b472-cf2dfcee09d1" providerId="ADAL" clId="{8526969E-DCD0-46F9-A257-CA6320D7FEB1}" dt="2024-07-24T13:01:52.048" v="4129" actId="20577"/>
         <pc:sldMkLst>
           <pc:docMk/>
           <pc:sldMk cId="1556975535" sldId="345"/>
@@ -389,7 +389,7 @@
           </ac:spMkLst>
         </pc:spChg>
         <pc:spChg chg="add mod">
-          <ac:chgData name="Cesar Augusto Lopez Gallego" userId="0dfa9112-9251-4882-b472-cf2dfcee09d1" providerId="ADAL" clId="{8526969E-DCD0-46F9-A257-CA6320D7FEB1}" dt="2024-07-23T13:12:04.362" v="809" actId="20577"/>
+          <ac:chgData name="Cesar Augusto Lopez Gallego" userId="0dfa9112-9251-4882-b472-cf2dfcee09d1" providerId="ADAL" clId="{8526969E-DCD0-46F9-A257-CA6320D7FEB1}" dt="2024-07-24T13:01:46.650" v="4126" actId="20577"/>
           <ac:spMkLst>
             <pc:docMk/>
             <pc:sldMk cId="1556975535" sldId="345"/>
@@ -397,7 +397,7 @@
           </ac:spMkLst>
         </pc:spChg>
         <pc:spChg chg="add mod">
-          <ac:chgData name="Cesar Augusto Lopez Gallego" userId="0dfa9112-9251-4882-b472-cf2dfcee09d1" providerId="ADAL" clId="{8526969E-DCD0-46F9-A257-CA6320D7FEB1}" dt="2024-07-23T13:29:20.946" v="909" actId="1076"/>
+          <ac:chgData name="Cesar Augusto Lopez Gallego" userId="0dfa9112-9251-4882-b472-cf2dfcee09d1" providerId="ADAL" clId="{8526969E-DCD0-46F9-A257-CA6320D7FEB1}" dt="2024-07-24T13:01:52.048" v="4129" actId="20577"/>
           <ac:spMkLst>
             <pc:docMk/>
             <pc:sldMk cId="1556975535" sldId="345"/>
@@ -1126,7 +1126,7 @@
           <a:p>
             <a:fld id="{BDCF4082-7146-476A-B590-4447682ABE83}" type="datetimeFigureOut">
               <a:rPr lang="es-CO" smtClean="0"/>
-              <a:t>23/07/2024</a:t>
+              <a:t>24/07/2024</a:t>
             </a:fld>
             <a:endParaRPr lang="es-CO"/>
           </a:p>
@@ -1525,7 +1525,7 @@
           <a:p>
             <a:fld id="{6B86245D-015E-46AE-96CC-32E8A5E9A1DF}" type="datetimeFigureOut">
               <a:rPr lang="es-CO" smtClean="0"/>
-              <a:t>23/07/2024</a:t>
+              <a:t>24/07/2024</a:t>
             </a:fld>
             <a:endParaRPr lang="es-CO"/>
           </a:p>
@@ -1695,7 +1695,7 @@
           <a:p>
             <a:fld id="{6B86245D-015E-46AE-96CC-32E8A5E9A1DF}" type="datetimeFigureOut">
               <a:rPr lang="es-CO" smtClean="0"/>
-              <a:t>23/07/2024</a:t>
+              <a:t>24/07/2024</a:t>
             </a:fld>
             <a:endParaRPr lang="es-CO"/>
           </a:p>
@@ -1875,7 +1875,7 @@
           <a:p>
             <a:fld id="{6B86245D-015E-46AE-96CC-32E8A5E9A1DF}" type="datetimeFigureOut">
               <a:rPr lang="es-CO" smtClean="0"/>
-              <a:t>23/07/2024</a:t>
+              <a:t>24/07/2024</a:t>
             </a:fld>
             <a:endParaRPr lang="es-CO"/>
           </a:p>
@@ -2045,7 +2045,7 @@
           <a:p>
             <a:fld id="{6B86245D-015E-46AE-96CC-32E8A5E9A1DF}" type="datetimeFigureOut">
               <a:rPr lang="es-CO" smtClean="0"/>
-              <a:t>23/07/2024</a:t>
+              <a:t>24/07/2024</a:t>
             </a:fld>
             <a:endParaRPr lang="es-CO"/>
           </a:p>
@@ -2291,7 +2291,7 @@
           <a:p>
             <a:fld id="{6B86245D-015E-46AE-96CC-32E8A5E9A1DF}" type="datetimeFigureOut">
               <a:rPr lang="es-CO" smtClean="0"/>
-              <a:t>23/07/2024</a:t>
+              <a:t>24/07/2024</a:t>
             </a:fld>
             <a:endParaRPr lang="es-CO"/>
           </a:p>
@@ -2523,7 +2523,7 @@
           <a:p>
             <a:fld id="{6B86245D-015E-46AE-96CC-32E8A5E9A1DF}" type="datetimeFigureOut">
               <a:rPr lang="es-CO" smtClean="0"/>
-              <a:t>23/07/2024</a:t>
+              <a:t>24/07/2024</a:t>
             </a:fld>
             <a:endParaRPr lang="es-CO"/>
           </a:p>
@@ -2890,7 +2890,7 @@
           <a:p>
             <a:fld id="{6B86245D-015E-46AE-96CC-32E8A5E9A1DF}" type="datetimeFigureOut">
               <a:rPr lang="es-CO" smtClean="0"/>
-              <a:t>23/07/2024</a:t>
+              <a:t>24/07/2024</a:t>
             </a:fld>
             <a:endParaRPr lang="es-CO"/>
           </a:p>
@@ -3008,7 +3008,7 @@
           <a:p>
             <a:fld id="{6B86245D-015E-46AE-96CC-32E8A5E9A1DF}" type="datetimeFigureOut">
               <a:rPr lang="es-CO" smtClean="0"/>
-              <a:t>23/07/2024</a:t>
+              <a:t>24/07/2024</a:t>
             </a:fld>
             <a:endParaRPr lang="es-CO"/>
           </a:p>
@@ -3103,7 +3103,7 @@
           <a:p>
             <a:fld id="{6B86245D-015E-46AE-96CC-32E8A5E9A1DF}" type="datetimeFigureOut">
               <a:rPr lang="es-CO" smtClean="0"/>
-              <a:t>23/07/2024</a:t>
+              <a:t>24/07/2024</a:t>
             </a:fld>
             <a:endParaRPr lang="es-CO"/>
           </a:p>
@@ -3380,7 +3380,7 @@
           <a:p>
             <a:fld id="{6B86245D-015E-46AE-96CC-32E8A5E9A1DF}" type="datetimeFigureOut">
               <a:rPr lang="es-CO" smtClean="0"/>
-              <a:t>23/07/2024</a:t>
+              <a:t>24/07/2024</a:t>
             </a:fld>
             <a:endParaRPr lang="es-CO"/>
           </a:p>
@@ -3637,7 +3637,7 @@
           <a:p>
             <a:fld id="{6B86245D-015E-46AE-96CC-32E8A5E9A1DF}" type="datetimeFigureOut">
               <a:rPr lang="es-CO" smtClean="0"/>
-              <a:t>23/07/2024</a:t>
+              <a:t>24/07/2024</a:t>
             </a:fld>
             <a:endParaRPr lang="es-CO"/>
           </a:p>
@@ -3859,7 +3859,7 @@
           <a:p>
             <a:fld id="{6B86245D-015E-46AE-96CC-32E8A5E9A1DF}" type="datetimeFigureOut">
               <a:rPr lang="es-CO" smtClean="0"/>
-              <a:t>23/07/2024</a:t>
+              <a:t>24/07/2024</a:t>
             </a:fld>
             <a:endParaRPr lang="es-CO"/>
           </a:p>
@@ -7048,7 +7048,7 @@
             </a:r>
             <a:r>
               <a:rPr lang="es-ES" sz="1600" dirty="0"/>
-              <a:t> (b&gt;0)</a:t>
+              <a:t> (b!=0)</a:t>
             </a:r>
           </a:p>
           <a:p>
@@ -7251,7 +7251,7 @@
             </a:r>
             <a:r>
               <a:rPr lang="es-ES" sz="1600" dirty="0"/>
-              <a:t> (b&gt;0)</a:t>
+              <a:t> (b!=0)</a:t>
             </a:r>
           </a:p>
           <a:p>

--- a/Slides/2_Funciones.pptx
+++ b/Slides/2_Funciones.pptx
@@ -143,7 +143,7 @@
   <pc:docChgLst>
     <pc:chgData name="Cesar Augusto Lopez Gallego" userId="0dfa9112-9251-4882-b472-cf2dfcee09d1" providerId="ADAL" clId="{8526969E-DCD0-46F9-A257-CA6320D7FEB1}"/>
     <pc:docChg chg="undo custSel addSld delSld modSld">
-      <pc:chgData name="Cesar Augusto Lopez Gallego" userId="0dfa9112-9251-4882-b472-cf2dfcee09d1" providerId="ADAL" clId="{8526969E-DCD0-46F9-A257-CA6320D7FEB1}" dt="2024-07-24T13:01:52.048" v="4129" actId="20577"/>
+      <pc:chgData name="Cesar Augusto Lopez Gallego" userId="0dfa9112-9251-4882-b472-cf2dfcee09d1" providerId="ADAL" clId="{8526969E-DCD0-46F9-A257-CA6320D7FEB1}" dt="2024-07-26T15:05:38.838" v="4157" actId="20577"/>
       <pc:docMkLst>
         <pc:docMk/>
       </pc:docMkLst>
@@ -969,7 +969,7 @@
         </pc:spChg>
       </pc:sldChg>
       <pc:sldChg chg="addSp delSp modSp new mod modAnim">
-        <pc:chgData name="Cesar Augusto Lopez Gallego" userId="0dfa9112-9251-4882-b472-cf2dfcee09d1" providerId="ADAL" clId="{8526969E-DCD0-46F9-A257-CA6320D7FEB1}" dt="2024-07-24T02:22:18.384" v="4100"/>
+        <pc:chgData name="Cesar Augusto Lopez Gallego" userId="0dfa9112-9251-4882-b472-cf2dfcee09d1" providerId="ADAL" clId="{8526969E-DCD0-46F9-A257-CA6320D7FEB1}" dt="2024-07-26T15:05:38.838" v="4157" actId="20577"/>
         <pc:sldMkLst>
           <pc:docMk/>
           <pc:sldMk cId="1374845394" sldId="351"/>
@@ -1023,7 +1023,7 @@
           </ac:spMkLst>
         </pc:spChg>
         <pc:spChg chg="add mod">
-          <ac:chgData name="Cesar Augusto Lopez Gallego" userId="0dfa9112-9251-4882-b472-cf2dfcee09d1" providerId="ADAL" clId="{8526969E-DCD0-46F9-A257-CA6320D7FEB1}" dt="2024-07-24T02:21:34.981" v="4097" actId="207"/>
+          <ac:chgData name="Cesar Augusto Lopez Gallego" userId="0dfa9112-9251-4882-b472-cf2dfcee09d1" providerId="ADAL" clId="{8526969E-DCD0-46F9-A257-CA6320D7FEB1}" dt="2024-07-26T15:05:38.838" v="4157" actId="20577"/>
           <ac:spMkLst>
             <pc:docMk/>
             <pc:sldMk cId="1374845394" sldId="351"/>
@@ -1126,7 +1126,7 @@
           <a:p>
             <a:fld id="{BDCF4082-7146-476A-B590-4447682ABE83}" type="datetimeFigureOut">
               <a:rPr lang="es-CO" smtClean="0"/>
-              <a:t>24/07/2024</a:t>
+              <a:t>26/07/2024</a:t>
             </a:fld>
             <a:endParaRPr lang="es-CO"/>
           </a:p>
@@ -1525,7 +1525,7 @@
           <a:p>
             <a:fld id="{6B86245D-015E-46AE-96CC-32E8A5E9A1DF}" type="datetimeFigureOut">
               <a:rPr lang="es-CO" smtClean="0"/>
-              <a:t>24/07/2024</a:t>
+              <a:t>26/07/2024</a:t>
             </a:fld>
             <a:endParaRPr lang="es-CO"/>
           </a:p>
@@ -1695,7 +1695,7 @@
           <a:p>
             <a:fld id="{6B86245D-015E-46AE-96CC-32E8A5E9A1DF}" type="datetimeFigureOut">
               <a:rPr lang="es-CO" smtClean="0"/>
-              <a:t>24/07/2024</a:t>
+              <a:t>26/07/2024</a:t>
             </a:fld>
             <a:endParaRPr lang="es-CO"/>
           </a:p>
@@ -1875,7 +1875,7 @@
           <a:p>
             <a:fld id="{6B86245D-015E-46AE-96CC-32E8A5E9A1DF}" type="datetimeFigureOut">
               <a:rPr lang="es-CO" smtClean="0"/>
-              <a:t>24/07/2024</a:t>
+              <a:t>26/07/2024</a:t>
             </a:fld>
             <a:endParaRPr lang="es-CO"/>
           </a:p>
@@ -2045,7 +2045,7 @@
           <a:p>
             <a:fld id="{6B86245D-015E-46AE-96CC-32E8A5E9A1DF}" type="datetimeFigureOut">
               <a:rPr lang="es-CO" smtClean="0"/>
-              <a:t>24/07/2024</a:t>
+              <a:t>26/07/2024</a:t>
             </a:fld>
             <a:endParaRPr lang="es-CO"/>
           </a:p>
@@ -2291,7 +2291,7 @@
           <a:p>
             <a:fld id="{6B86245D-015E-46AE-96CC-32E8A5E9A1DF}" type="datetimeFigureOut">
               <a:rPr lang="es-CO" smtClean="0"/>
-              <a:t>24/07/2024</a:t>
+              <a:t>26/07/2024</a:t>
             </a:fld>
             <a:endParaRPr lang="es-CO"/>
           </a:p>
@@ -2523,7 +2523,7 @@
           <a:p>
             <a:fld id="{6B86245D-015E-46AE-96CC-32E8A5E9A1DF}" type="datetimeFigureOut">
               <a:rPr lang="es-CO" smtClean="0"/>
-              <a:t>24/07/2024</a:t>
+              <a:t>26/07/2024</a:t>
             </a:fld>
             <a:endParaRPr lang="es-CO"/>
           </a:p>
@@ -2890,7 +2890,7 @@
           <a:p>
             <a:fld id="{6B86245D-015E-46AE-96CC-32E8A5E9A1DF}" type="datetimeFigureOut">
               <a:rPr lang="es-CO" smtClean="0"/>
-              <a:t>24/07/2024</a:t>
+              <a:t>26/07/2024</a:t>
             </a:fld>
             <a:endParaRPr lang="es-CO"/>
           </a:p>
@@ -3008,7 +3008,7 @@
           <a:p>
             <a:fld id="{6B86245D-015E-46AE-96CC-32E8A5E9A1DF}" type="datetimeFigureOut">
               <a:rPr lang="es-CO" smtClean="0"/>
-              <a:t>24/07/2024</a:t>
+              <a:t>26/07/2024</a:t>
             </a:fld>
             <a:endParaRPr lang="es-CO"/>
           </a:p>
@@ -3103,7 +3103,7 @@
           <a:p>
             <a:fld id="{6B86245D-015E-46AE-96CC-32E8A5E9A1DF}" type="datetimeFigureOut">
               <a:rPr lang="es-CO" smtClean="0"/>
-              <a:t>24/07/2024</a:t>
+              <a:t>26/07/2024</a:t>
             </a:fld>
             <a:endParaRPr lang="es-CO"/>
           </a:p>
@@ -3380,7 +3380,7 @@
           <a:p>
             <a:fld id="{6B86245D-015E-46AE-96CC-32E8A5E9A1DF}" type="datetimeFigureOut">
               <a:rPr lang="es-CO" smtClean="0"/>
-              <a:t>24/07/2024</a:t>
+              <a:t>26/07/2024</a:t>
             </a:fld>
             <a:endParaRPr lang="es-CO"/>
           </a:p>
@@ -3637,7 +3637,7 @@
           <a:p>
             <a:fld id="{6B86245D-015E-46AE-96CC-32E8A5E9A1DF}" type="datetimeFigureOut">
               <a:rPr lang="es-CO" smtClean="0"/>
-              <a:t>24/07/2024</a:t>
+              <a:t>26/07/2024</a:t>
             </a:fld>
             <a:endParaRPr lang="es-CO"/>
           </a:p>
@@ -3859,7 +3859,7 @@
           <a:p>
             <a:fld id="{6B86245D-015E-46AE-96CC-32E8A5E9A1DF}" type="datetimeFigureOut">
               <a:rPr lang="es-CO" smtClean="0"/>
-              <a:t>24/07/2024</a:t>
+              <a:t>26/07/2024</a:t>
             </a:fld>
             <a:endParaRPr lang="es-CO"/>
           </a:p>
@@ -5934,7 +5934,7 @@
                   <a:schemeClr val="accent2"/>
                 </a:solidFill>
               </a:rPr>
-              <a:t>(byte nro1, byte nro2)</a:t>
+              <a:t>(short nro1, short nro2)</a:t>
             </a:r>
           </a:p>
         </p:txBody>
